--- a/Decision_tree_and_Random_forest.pptx
+++ b/Decision_tree_and_Random_forest.pptx
@@ -7,6 +7,13 @@
   <p:sldIdLst>
     <p:sldId id="256" r:id="rId2"/>
     <p:sldId id="257" r:id="rId3"/>
+    <p:sldId id="258" r:id="rId4"/>
+    <p:sldId id="260" r:id="rId5"/>
+    <p:sldId id="261" r:id="rId6"/>
+    <p:sldId id="259" r:id="rId7"/>
+    <p:sldId id="265" r:id="rId8"/>
+    <p:sldId id="264" r:id="rId9"/>
+    <p:sldId id="266" r:id="rId10"/>
   </p:sldIdLst>
   <p:sldSz cx="12192000" cy="6858000"/>
   <p:notesSz cx="6858000" cy="9144000"/>
@@ -105,6 +112,11 @@
       </a:defRPr>
     </a:lvl9pPr>
   </p:defaultTextStyle>
+  <p:extLst>
+    <p:ext uri="{EFAFB233-063F-42B5-8137-9DF3F51BA10A}">
+      <p15:sldGuideLst xmlns:p15="http://schemas.microsoft.com/office/powerpoint/2012/main"/>
+    </p:ext>
+  </p:extLst>
 </p:presentation>
 </file>
 
@@ -3387,7 +3399,10 @@
           <a:bodyPr/>
           <a:lstStyle/>
           <a:p>
-            <a:endParaRPr lang="en-US"/>
+            <a:r>
+              <a:rPr lang="en-US" dirty="0"/>
+              <a:t>Tisana wanwarn</a:t>
+            </a:r>
           </a:p>
         </p:txBody>
       </p:sp>
@@ -3442,7 +3457,10 @@
           <a:bodyPr/>
           <a:lstStyle/>
           <a:p>
-            <a:endParaRPr lang="en-US"/>
+            <a:r>
+              <a:rPr lang="en-US" dirty="0"/>
+              <a:t>Content</a:t>
+            </a:r>
           </a:p>
         </p:txBody>
       </p:sp>
@@ -3464,10 +3482,36 @@
         </p:nvSpPr>
         <p:spPr/>
         <p:txBody>
-          <a:bodyPr/>
+          <a:bodyPr>
+            <a:normAutofit/>
+          </a:bodyPr>
           <a:lstStyle/>
           <a:p>
-            <a:endParaRPr lang="en-US"/>
+            <a:pPr marL="0" indent="0">
+              <a:buNone/>
+            </a:pPr>
+            <a:r>
+              <a:rPr lang="en-US" sz="4400" dirty="0"/>
+              <a:t>1.Simple Decision Tree</a:t>
+            </a:r>
+          </a:p>
+          <a:p>
+            <a:pPr marL="0" indent="0">
+              <a:buNone/>
+            </a:pPr>
+            <a:r>
+              <a:rPr lang="en-US" sz="4400" dirty="0"/>
+              <a:t>2.Complex Decision Tree</a:t>
+            </a:r>
+          </a:p>
+          <a:p>
+            <a:pPr marL="0" indent="0">
+              <a:buNone/>
+            </a:pPr>
+            <a:r>
+              <a:rPr lang="en-US" sz="4400" dirty="0"/>
+              <a:t>3.Random Forest</a:t>
+            </a:r>
           </a:p>
         </p:txBody>
       </p:sp>
@@ -3475,6 +3519,2568 @@
     <p:extLst>
       <p:ext uri="{BB962C8B-B14F-4D97-AF65-F5344CB8AC3E}">
         <p14:creationId xmlns:p14="http://schemas.microsoft.com/office/powerpoint/2010/main" val="2202999300"/>
+      </p:ext>
+    </p:extLst>
+  </p:cSld>
+  <p:clrMapOvr>
+    <a:masterClrMapping/>
+  </p:clrMapOvr>
+</p:sld>
+</file>
+
+<file path=ppt/slides/slide3.xml><?xml version="1.0" encoding="utf-8"?>
+<p:sld xmlns:a="http://schemas.openxmlformats.org/drawingml/2006/main" xmlns:r="http://schemas.openxmlformats.org/officeDocument/2006/relationships" xmlns:p="http://schemas.openxmlformats.org/presentationml/2006/main">
+  <p:cSld>
+    <p:spTree>
+      <p:nvGrpSpPr>
+        <p:cNvPr id="1" name=""/>
+        <p:cNvGrpSpPr/>
+        <p:nvPr/>
+      </p:nvGrpSpPr>
+      <p:grpSpPr>
+        <a:xfrm>
+          <a:off x="0" y="0"/>
+          <a:ext cx="0" cy="0"/>
+          <a:chOff x="0" y="0"/>
+          <a:chExt cx="0" cy="0"/>
+        </a:xfrm>
+      </p:grpSpPr>
+      <p:sp>
+        <p:nvSpPr>
+          <p:cNvPr id="2" name="Title 1">
+            <a:extLst>
+              <a:ext uri="{FF2B5EF4-FFF2-40B4-BE49-F238E27FC236}">
+                <a16:creationId xmlns:a16="http://schemas.microsoft.com/office/drawing/2014/main" id="{12CC23AA-7445-4329-B4DD-15523C30946F}"/>
+              </a:ext>
+            </a:extLst>
+          </p:cNvPr>
+          <p:cNvSpPr>
+            <a:spLocks noGrp="1"/>
+          </p:cNvSpPr>
+          <p:nvPr>
+            <p:ph type="title"/>
+          </p:nvPr>
+        </p:nvSpPr>
+        <p:spPr/>
+        <p:txBody>
+          <a:bodyPr/>
+          <a:lstStyle/>
+          <a:p>
+            <a:r>
+              <a:rPr lang="en-US" dirty="0"/>
+              <a:t>1.Simple Decision Tree</a:t>
+            </a:r>
+          </a:p>
+        </p:txBody>
+      </p:sp>
+      <p:sp>
+        <p:nvSpPr>
+          <p:cNvPr id="3" name="Content Placeholder 2">
+            <a:extLst>
+              <a:ext uri="{FF2B5EF4-FFF2-40B4-BE49-F238E27FC236}">
+                <a16:creationId xmlns:a16="http://schemas.microsoft.com/office/drawing/2014/main" id="{E640956F-C2DF-4AA6-A246-AA5FBC1FC5A9}"/>
+              </a:ext>
+            </a:extLst>
+          </p:cNvPr>
+          <p:cNvSpPr>
+            <a:spLocks noGrp="1"/>
+          </p:cNvSpPr>
+          <p:nvPr>
+            <p:ph idx="1"/>
+          </p:nvPr>
+        </p:nvSpPr>
+        <p:spPr/>
+        <p:txBody>
+          <a:bodyPr/>
+          <a:lstStyle/>
+          <a:p>
+            <a:r>
+              <a:rPr lang="en-US" dirty="0"/>
+              <a:t>Machine learning model that learn decision rules from training dataset and use these learned rules for prediction in test dataset</a:t>
+            </a:r>
+          </a:p>
+          <a:p>
+            <a:r>
+              <a:rPr lang="en-US" dirty="0"/>
+              <a:t>e.g. predicting the weather according to the temperature</a:t>
+            </a:r>
+          </a:p>
+          <a:p>
+            <a:pPr marL="0" indent="0">
+              <a:buNone/>
+            </a:pPr>
+            <a:endParaRPr lang="en-US" dirty="0"/>
+          </a:p>
+        </p:txBody>
+      </p:sp>
+      <p:grpSp>
+        <p:nvGrpSpPr>
+          <p:cNvPr id="32" name="Group 31">
+            <a:extLst>
+              <a:ext uri="{FF2B5EF4-FFF2-40B4-BE49-F238E27FC236}">
+                <a16:creationId xmlns:a16="http://schemas.microsoft.com/office/drawing/2014/main" id="{C3AD7566-1057-4368-9B54-874BB9C59EB6}"/>
+              </a:ext>
+            </a:extLst>
+          </p:cNvPr>
+          <p:cNvGrpSpPr/>
+          <p:nvPr/>
+        </p:nvGrpSpPr>
+        <p:grpSpPr>
+          <a:xfrm>
+            <a:off x="2577547" y="3458815"/>
+            <a:ext cx="6394174" cy="3312353"/>
+            <a:chOff x="2577547" y="3349486"/>
+            <a:chExt cx="6394174" cy="3312353"/>
+          </a:xfrm>
+        </p:grpSpPr>
+        <p:grpSp>
+          <p:nvGrpSpPr>
+            <p:cNvPr id="6" name="Group 5">
+              <a:extLst>
+                <a:ext uri="{FF2B5EF4-FFF2-40B4-BE49-F238E27FC236}">
+                  <a16:creationId xmlns:a16="http://schemas.microsoft.com/office/drawing/2014/main" id="{BFDA4F8A-8F07-4AEC-81FD-7C103078172C}"/>
+                </a:ext>
+              </a:extLst>
+            </p:cNvPr>
+            <p:cNvGrpSpPr/>
+            <p:nvPr/>
+          </p:nvGrpSpPr>
+          <p:grpSpPr>
+            <a:xfrm>
+              <a:off x="4244008" y="3349486"/>
+              <a:ext cx="3061252" cy="993913"/>
+              <a:chOff x="4204252" y="3180521"/>
+              <a:chExt cx="3061252" cy="993913"/>
+            </a:xfrm>
+          </p:grpSpPr>
+          <p:sp>
+            <p:nvSpPr>
+              <p:cNvPr id="4" name="Rectangle 3">
+                <a:extLst>
+                  <a:ext uri="{FF2B5EF4-FFF2-40B4-BE49-F238E27FC236}">
+                    <a16:creationId xmlns:a16="http://schemas.microsoft.com/office/drawing/2014/main" id="{9415C624-B6EA-4E49-906E-F94BEDD65C79}"/>
+                  </a:ext>
+                </a:extLst>
+              </p:cNvPr>
+              <p:cNvSpPr/>
+              <p:nvPr/>
+            </p:nvSpPr>
+            <p:spPr>
+              <a:xfrm>
+                <a:off x="4204252" y="3180521"/>
+                <a:ext cx="3061252" cy="993913"/>
+              </a:xfrm>
+              <a:prstGeom prst="rect">
+                <a:avLst/>
+              </a:prstGeom>
+              <a:solidFill>
+                <a:schemeClr val="accent1"/>
+              </a:solidFill>
+            </p:spPr>
+            <p:style>
+              <a:lnRef idx="2">
+                <a:schemeClr val="dk1">
+                  <a:shade val="50000"/>
+                </a:schemeClr>
+              </a:lnRef>
+              <a:fillRef idx="1">
+                <a:schemeClr val="dk1"/>
+              </a:fillRef>
+              <a:effectRef idx="0">
+                <a:schemeClr val="dk1"/>
+              </a:effectRef>
+              <a:fontRef idx="minor">
+                <a:schemeClr val="lt1"/>
+              </a:fontRef>
+            </p:style>
+            <p:txBody>
+              <a:bodyPr rtlCol="0" anchor="ctr"/>
+              <a:lstStyle/>
+              <a:p>
+                <a:pPr algn="ctr"/>
+                <a:endParaRPr lang="en-US"/>
+              </a:p>
+            </p:txBody>
+          </p:sp>
+          <p:sp>
+            <p:nvSpPr>
+              <p:cNvPr id="5" name="TextBox 4">
+                <a:extLst>
+                  <a:ext uri="{FF2B5EF4-FFF2-40B4-BE49-F238E27FC236}">
+                    <a16:creationId xmlns:a16="http://schemas.microsoft.com/office/drawing/2014/main" id="{6BADBBD9-FA87-4094-8C40-60AC63D67238}"/>
+                  </a:ext>
+                </a:extLst>
+              </p:cNvPr>
+              <p:cNvSpPr txBox="1"/>
+              <p:nvPr/>
+            </p:nvSpPr>
+            <p:spPr>
+              <a:xfrm>
+                <a:off x="4651513" y="3400479"/>
+                <a:ext cx="2524539" cy="553998"/>
+              </a:xfrm>
+              <a:prstGeom prst="rect">
+                <a:avLst/>
+              </a:prstGeom>
+              <a:noFill/>
+            </p:spPr>
+            <p:txBody>
+              <a:bodyPr wrap="square" rtlCol="0">
+                <a:spAutoFit/>
+              </a:bodyPr>
+              <a:lstStyle/>
+              <a:p>
+                <a:r>
+                  <a:rPr lang="en-US" sz="3000" b="1" dirty="0">
+                    <a:solidFill>
+                      <a:schemeClr val="bg1"/>
+                    </a:solidFill>
+                  </a:rPr>
+                  <a:t>Temperature</a:t>
+                </a:r>
+              </a:p>
+            </p:txBody>
+          </p:sp>
+        </p:grpSp>
+        <p:grpSp>
+          <p:nvGrpSpPr>
+            <p:cNvPr id="15" name="Group 14">
+              <a:extLst>
+                <a:ext uri="{FF2B5EF4-FFF2-40B4-BE49-F238E27FC236}">
+                  <a16:creationId xmlns:a16="http://schemas.microsoft.com/office/drawing/2014/main" id="{8605CBE9-74E2-4565-B674-E9B4D44525E7}"/>
+                </a:ext>
+              </a:extLst>
+            </p:cNvPr>
+            <p:cNvGrpSpPr/>
+            <p:nvPr/>
+          </p:nvGrpSpPr>
+          <p:grpSpPr>
+            <a:xfrm>
+              <a:off x="7305260" y="4995378"/>
+              <a:ext cx="1666461" cy="1666461"/>
+              <a:chOff x="2100469" y="4645439"/>
+              <a:chExt cx="1666461" cy="1666461"/>
+            </a:xfrm>
+          </p:grpSpPr>
+          <p:sp>
+            <p:nvSpPr>
+              <p:cNvPr id="11" name="Oval 10">
+                <a:extLst>
+                  <a:ext uri="{FF2B5EF4-FFF2-40B4-BE49-F238E27FC236}">
+                    <a16:creationId xmlns:a16="http://schemas.microsoft.com/office/drawing/2014/main" id="{D3A91CD5-50F3-46F2-AF48-8374B693CBEE}"/>
+                  </a:ext>
+                </a:extLst>
+              </p:cNvPr>
+              <p:cNvSpPr/>
+              <p:nvPr/>
+            </p:nvSpPr>
+            <p:spPr>
+              <a:xfrm>
+                <a:off x="2100469" y="4645439"/>
+                <a:ext cx="1666461" cy="1666461"/>
+              </a:xfrm>
+              <a:prstGeom prst="ellipse">
+                <a:avLst/>
+              </a:prstGeom>
+              <a:solidFill>
+                <a:schemeClr val="accent1"/>
+              </a:solidFill>
+            </p:spPr>
+            <p:style>
+              <a:lnRef idx="2">
+                <a:schemeClr val="dk1">
+                  <a:shade val="50000"/>
+                </a:schemeClr>
+              </a:lnRef>
+              <a:fillRef idx="1">
+                <a:schemeClr val="dk1"/>
+              </a:fillRef>
+              <a:effectRef idx="0">
+                <a:schemeClr val="dk1"/>
+              </a:effectRef>
+              <a:fontRef idx="minor">
+                <a:schemeClr val="lt1"/>
+              </a:fontRef>
+            </p:style>
+            <p:txBody>
+              <a:bodyPr rtlCol="0" anchor="ctr"/>
+              <a:lstStyle/>
+              <a:p>
+                <a:pPr algn="ctr"/>
+                <a:endParaRPr lang="en-US"/>
+              </a:p>
+            </p:txBody>
+          </p:sp>
+          <p:sp>
+            <p:nvSpPr>
+              <p:cNvPr id="12" name="TextBox 11">
+                <a:extLst>
+                  <a:ext uri="{FF2B5EF4-FFF2-40B4-BE49-F238E27FC236}">
+                    <a16:creationId xmlns:a16="http://schemas.microsoft.com/office/drawing/2014/main" id="{75768968-D328-41E8-A506-7422597203A6}"/>
+                  </a:ext>
+                </a:extLst>
+              </p:cNvPr>
+              <p:cNvSpPr txBox="1"/>
+              <p:nvPr/>
+            </p:nvSpPr>
+            <p:spPr>
+              <a:xfrm>
+                <a:off x="2415208" y="5207246"/>
+                <a:ext cx="1282148" cy="553998"/>
+              </a:xfrm>
+              <a:prstGeom prst="rect">
+                <a:avLst/>
+              </a:prstGeom>
+              <a:noFill/>
+            </p:spPr>
+            <p:txBody>
+              <a:bodyPr wrap="square" rtlCol="0">
+                <a:spAutoFit/>
+              </a:bodyPr>
+              <a:lstStyle/>
+              <a:p>
+                <a:r>
+                  <a:rPr lang="en-US" sz="3000" b="1" dirty="0">
+                    <a:solidFill>
+                      <a:schemeClr val="bg1"/>
+                    </a:solidFill>
+                  </a:rPr>
+                  <a:t>COLD</a:t>
+                </a:r>
+              </a:p>
+            </p:txBody>
+          </p:sp>
+        </p:grpSp>
+        <p:grpSp>
+          <p:nvGrpSpPr>
+            <p:cNvPr id="16" name="Group 15">
+              <a:extLst>
+                <a:ext uri="{FF2B5EF4-FFF2-40B4-BE49-F238E27FC236}">
+                  <a16:creationId xmlns:a16="http://schemas.microsoft.com/office/drawing/2014/main" id="{E9AA94A8-4E97-4E01-B047-BBA437C5B0B4}"/>
+                </a:ext>
+              </a:extLst>
+            </p:cNvPr>
+            <p:cNvGrpSpPr/>
+            <p:nvPr/>
+          </p:nvGrpSpPr>
+          <p:grpSpPr>
+            <a:xfrm>
+              <a:off x="2577547" y="4995378"/>
+              <a:ext cx="1666461" cy="1666461"/>
+              <a:chOff x="2100469" y="4645438"/>
+              <a:chExt cx="1666461" cy="1666461"/>
+            </a:xfrm>
+          </p:grpSpPr>
+          <p:sp>
+            <p:nvSpPr>
+              <p:cNvPr id="17" name="Oval 16">
+                <a:extLst>
+                  <a:ext uri="{FF2B5EF4-FFF2-40B4-BE49-F238E27FC236}">
+                    <a16:creationId xmlns:a16="http://schemas.microsoft.com/office/drawing/2014/main" id="{71FB1807-6544-4FCE-9282-E0671E0DFDB4}"/>
+                  </a:ext>
+                </a:extLst>
+              </p:cNvPr>
+              <p:cNvSpPr/>
+              <p:nvPr/>
+            </p:nvSpPr>
+            <p:spPr>
+              <a:xfrm>
+                <a:off x="2100469" y="4645438"/>
+                <a:ext cx="1666461" cy="1666461"/>
+              </a:xfrm>
+              <a:prstGeom prst="ellipse">
+                <a:avLst/>
+              </a:prstGeom>
+              <a:solidFill>
+                <a:schemeClr val="accent1"/>
+              </a:solidFill>
+            </p:spPr>
+            <p:style>
+              <a:lnRef idx="2">
+                <a:schemeClr val="dk1">
+                  <a:shade val="50000"/>
+                </a:schemeClr>
+              </a:lnRef>
+              <a:fillRef idx="1">
+                <a:schemeClr val="dk1"/>
+              </a:fillRef>
+              <a:effectRef idx="0">
+                <a:schemeClr val="dk1"/>
+              </a:effectRef>
+              <a:fontRef idx="minor">
+                <a:schemeClr val="lt1"/>
+              </a:fontRef>
+            </p:style>
+            <p:txBody>
+              <a:bodyPr rtlCol="0" anchor="ctr"/>
+              <a:lstStyle/>
+              <a:p>
+                <a:pPr algn="ctr"/>
+                <a:endParaRPr lang="en-US"/>
+              </a:p>
+            </p:txBody>
+          </p:sp>
+          <p:sp>
+            <p:nvSpPr>
+              <p:cNvPr id="18" name="TextBox 17">
+                <a:extLst>
+                  <a:ext uri="{FF2B5EF4-FFF2-40B4-BE49-F238E27FC236}">
+                    <a16:creationId xmlns:a16="http://schemas.microsoft.com/office/drawing/2014/main" id="{4C1F29B9-39B7-4BE4-8629-BA441A98585E}"/>
+                  </a:ext>
+                </a:extLst>
+              </p:cNvPr>
+              <p:cNvSpPr txBox="1"/>
+              <p:nvPr/>
+            </p:nvSpPr>
+            <p:spPr>
+              <a:xfrm>
+                <a:off x="2484782" y="5201669"/>
+                <a:ext cx="1282148" cy="553998"/>
+              </a:xfrm>
+              <a:prstGeom prst="rect">
+                <a:avLst/>
+              </a:prstGeom>
+              <a:noFill/>
+            </p:spPr>
+            <p:txBody>
+              <a:bodyPr wrap="square" rtlCol="0">
+                <a:spAutoFit/>
+              </a:bodyPr>
+              <a:lstStyle/>
+              <a:p>
+                <a:r>
+                  <a:rPr lang="en-US" sz="3000" b="1" dirty="0">
+                    <a:solidFill>
+                      <a:schemeClr val="bg1"/>
+                    </a:solidFill>
+                  </a:rPr>
+                  <a:t>HOT</a:t>
+                </a:r>
+              </a:p>
+            </p:txBody>
+          </p:sp>
+        </p:grpSp>
+        <p:cxnSp>
+          <p:nvCxnSpPr>
+            <p:cNvPr id="20" name="Straight Arrow Connector 19">
+              <a:extLst>
+                <a:ext uri="{FF2B5EF4-FFF2-40B4-BE49-F238E27FC236}">
+                  <a16:creationId xmlns:a16="http://schemas.microsoft.com/office/drawing/2014/main" id="{7BC0B386-EE45-4406-BED2-D4E166B0D1EB}"/>
+                </a:ext>
+              </a:extLst>
+            </p:cNvPr>
+            <p:cNvCxnSpPr/>
+            <p:nvPr/>
+          </p:nvCxnSpPr>
+          <p:spPr>
+            <a:xfrm flipH="1">
+              <a:off x="4393095" y="4671391"/>
+              <a:ext cx="1252331" cy="576470"/>
+            </a:xfrm>
+            <a:prstGeom prst="straightConnector1">
+              <a:avLst/>
+            </a:prstGeom>
+            <a:ln w="57150">
+              <a:tailEnd type="triangle"/>
+            </a:ln>
+          </p:spPr>
+          <p:style>
+            <a:lnRef idx="1">
+              <a:schemeClr val="dk1"/>
+            </a:lnRef>
+            <a:fillRef idx="0">
+              <a:schemeClr val="dk1"/>
+            </a:fillRef>
+            <a:effectRef idx="0">
+              <a:schemeClr val="dk1"/>
+            </a:effectRef>
+            <a:fontRef idx="minor">
+              <a:schemeClr val="tx1"/>
+            </a:fontRef>
+          </p:style>
+        </p:cxnSp>
+        <p:cxnSp>
+          <p:nvCxnSpPr>
+            <p:cNvPr id="25" name="Straight Arrow Connector 24">
+              <a:extLst>
+                <a:ext uri="{FF2B5EF4-FFF2-40B4-BE49-F238E27FC236}">
+                  <a16:creationId xmlns:a16="http://schemas.microsoft.com/office/drawing/2014/main" id="{1A76F8AC-91F7-4055-BBBE-A046DA2884F1}"/>
+                </a:ext>
+              </a:extLst>
+            </p:cNvPr>
+            <p:cNvCxnSpPr>
+              <a:cxnSpLocks/>
+            </p:cNvCxnSpPr>
+            <p:nvPr/>
+          </p:nvCxnSpPr>
+          <p:spPr>
+            <a:xfrm>
+              <a:off x="5953538" y="4671391"/>
+              <a:ext cx="1162879" cy="576470"/>
+            </a:xfrm>
+            <a:prstGeom prst="straightConnector1">
+              <a:avLst/>
+            </a:prstGeom>
+            <a:ln w="57150">
+              <a:tailEnd type="triangle"/>
+            </a:ln>
+          </p:spPr>
+          <p:style>
+            <a:lnRef idx="1">
+              <a:schemeClr val="dk1"/>
+            </a:lnRef>
+            <a:fillRef idx="0">
+              <a:schemeClr val="dk1"/>
+            </a:fillRef>
+            <a:effectRef idx="0">
+              <a:schemeClr val="dk1"/>
+            </a:effectRef>
+            <a:fontRef idx="minor">
+              <a:schemeClr val="tx1"/>
+            </a:fontRef>
+          </p:style>
+        </p:cxnSp>
+        <p:sp>
+          <p:nvSpPr>
+            <p:cNvPr id="29" name="TextBox 28">
+              <a:extLst>
+                <a:ext uri="{FF2B5EF4-FFF2-40B4-BE49-F238E27FC236}">
+                  <a16:creationId xmlns:a16="http://schemas.microsoft.com/office/drawing/2014/main" id="{9554460A-E364-42D2-A9E1-2C5DB57CA353}"/>
+                </a:ext>
+              </a:extLst>
+            </p:cNvPr>
+            <p:cNvSpPr txBox="1"/>
+            <p:nvPr/>
+          </p:nvSpPr>
+          <p:spPr>
+            <a:xfrm>
+              <a:off x="4303643" y="4564653"/>
+              <a:ext cx="1341783" cy="369332"/>
+            </a:xfrm>
+            <a:prstGeom prst="rect">
+              <a:avLst/>
+            </a:prstGeom>
+            <a:noFill/>
+          </p:spPr>
+          <p:txBody>
+            <a:bodyPr wrap="square" rtlCol="0">
+              <a:spAutoFit/>
+            </a:bodyPr>
+            <a:lstStyle/>
+            <a:p>
+              <a:r>
+                <a:rPr lang="en-US" dirty="0"/>
+                <a:t>&gt;30 </a:t>
+              </a:r>
+              <a:r>
+                <a:rPr lang="en-US" b="0" i="0" dirty="0">
+                  <a:solidFill>
+                    <a:srgbClr val="303133"/>
+                  </a:solidFill>
+                  <a:effectLst/>
+                  <a:latin typeface="Poppins"/>
+                </a:rPr>
+                <a:t>℃</a:t>
+              </a:r>
+            </a:p>
+          </p:txBody>
+        </p:sp>
+        <p:sp>
+          <p:nvSpPr>
+            <p:cNvPr id="31" name="TextBox 30">
+              <a:extLst>
+                <a:ext uri="{FF2B5EF4-FFF2-40B4-BE49-F238E27FC236}">
+                  <a16:creationId xmlns:a16="http://schemas.microsoft.com/office/drawing/2014/main" id="{B7207762-C130-4DB5-BD83-D11E08E9D4EC}"/>
+                </a:ext>
+              </a:extLst>
+            </p:cNvPr>
+            <p:cNvSpPr txBox="1"/>
+            <p:nvPr/>
+          </p:nvSpPr>
+          <p:spPr>
+            <a:xfrm>
+              <a:off x="6447182" y="4575967"/>
+              <a:ext cx="1341783" cy="369332"/>
+            </a:xfrm>
+            <a:prstGeom prst="rect">
+              <a:avLst/>
+            </a:prstGeom>
+            <a:noFill/>
+          </p:spPr>
+          <p:txBody>
+            <a:bodyPr wrap="square" rtlCol="0">
+              <a:spAutoFit/>
+            </a:bodyPr>
+            <a:lstStyle/>
+            <a:p>
+              <a:r>
+                <a:rPr lang="en-US" dirty="0"/>
+                <a:t>&lt;30 </a:t>
+              </a:r>
+              <a:r>
+                <a:rPr lang="en-US" b="0" i="0" dirty="0">
+                  <a:solidFill>
+                    <a:srgbClr val="303133"/>
+                  </a:solidFill>
+                  <a:effectLst/>
+                  <a:latin typeface="Poppins"/>
+                </a:rPr>
+                <a:t>℃</a:t>
+              </a:r>
+            </a:p>
+          </p:txBody>
+        </p:sp>
+      </p:grpSp>
+    </p:spTree>
+    <p:extLst>
+      <p:ext uri="{BB962C8B-B14F-4D97-AF65-F5344CB8AC3E}">
+        <p14:creationId xmlns:p14="http://schemas.microsoft.com/office/powerpoint/2010/main" val="202664377"/>
+      </p:ext>
+    </p:extLst>
+  </p:cSld>
+  <p:clrMapOvr>
+    <a:masterClrMapping/>
+  </p:clrMapOvr>
+</p:sld>
+</file>
+
+<file path=ppt/slides/slide4.xml><?xml version="1.0" encoding="utf-8"?>
+<p:sld xmlns:a="http://schemas.openxmlformats.org/drawingml/2006/main" xmlns:r="http://schemas.openxmlformats.org/officeDocument/2006/relationships" xmlns:p="http://schemas.openxmlformats.org/presentationml/2006/main">
+  <p:cSld>
+    <p:spTree>
+      <p:nvGrpSpPr>
+        <p:cNvPr id="1" name=""/>
+        <p:cNvGrpSpPr/>
+        <p:nvPr/>
+      </p:nvGrpSpPr>
+      <p:grpSpPr>
+        <a:xfrm>
+          <a:off x="0" y="0"/>
+          <a:ext cx="0" cy="0"/>
+          <a:chOff x="0" y="0"/>
+          <a:chExt cx="0" cy="0"/>
+        </a:xfrm>
+      </p:grpSpPr>
+      <p:sp>
+        <p:nvSpPr>
+          <p:cNvPr id="2" name="Title 1">
+            <a:extLst>
+              <a:ext uri="{FF2B5EF4-FFF2-40B4-BE49-F238E27FC236}">
+                <a16:creationId xmlns:a16="http://schemas.microsoft.com/office/drawing/2014/main" id="{12CC23AA-7445-4329-B4DD-15523C30946F}"/>
+              </a:ext>
+            </a:extLst>
+          </p:cNvPr>
+          <p:cNvSpPr>
+            <a:spLocks noGrp="1"/>
+          </p:cNvSpPr>
+          <p:nvPr>
+            <p:ph type="title"/>
+          </p:nvPr>
+        </p:nvSpPr>
+        <p:spPr/>
+        <p:txBody>
+          <a:bodyPr/>
+          <a:lstStyle/>
+          <a:p>
+            <a:r>
+              <a:rPr lang="en-US" dirty="0"/>
+              <a:t>1.Simple Decision Tree</a:t>
+            </a:r>
+          </a:p>
+        </p:txBody>
+      </p:sp>
+      <p:sp>
+        <p:nvSpPr>
+          <p:cNvPr id="3" name="Content Placeholder 2">
+            <a:extLst>
+              <a:ext uri="{FF2B5EF4-FFF2-40B4-BE49-F238E27FC236}">
+                <a16:creationId xmlns:a16="http://schemas.microsoft.com/office/drawing/2014/main" id="{E640956F-C2DF-4AA6-A246-AA5FBC1FC5A9}"/>
+              </a:ext>
+            </a:extLst>
+          </p:cNvPr>
+          <p:cNvSpPr>
+            <a:spLocks noGrp="1"/>
+          </p:cNvSpPr>
+          <p:nvPr>
+            <p:ph idx="1"/>
+          </p:nvPr>
+        </p:nvSpPr>
+        <p:spPr/>
+        <p:txBody>
+          <a:bodyPr/>
+          <a:lstStyle/>
+          <a:p>
+            <a:r>
+              <a:rPr lang="en-US" dirty="0"/>
+              <a:t>Decision rule can be learned by trying different split and select the best one (splitting criteria will be discuss soon!)</a:t>
+            </a:r>
+          </a:p>
+          <a:p>
+            <a:r>
+              <a:rPr lang="en-US" dirty="0"/>
+              <a:t>Can be classified based on 2 characteristics:</a:t>
+            </a:r>
+          </a:p>
+          <a:p>
+            <a:pPr lvl="1"/>
+            <a:r>
+              <a:rPr lang="en-US" dirty="0"/>
+              <a:t>Type of input (independent variable x): continuous and categorical x</a:t>
+            </a:r>
+          </a:p>
+          <a:p>
+            <a:pPr lvl="1"/>
+            <a:r>
+              <a:rPr lang="en-US" dirty="0"/>
+              <a:t>Type of output (dependent variable y): continuous and categorical y</a:t>
+            </a:r>
+          </a:p>
+          <a:p>
+            <a:endParaRPr lang="en-US" dirty="0"/>
+          </a:p>
+        </p:txBody>
+      </p:sp>
+    </p:spTree>
+    <p:extLst>
+      <p:ext uri="{BB962C8B-B14F-4D97-AF65-F5344CB8AC3E}">
+        <p14:creationId xmlns:p14="http://schemas.microsoft.com/office/powerpoint/2010/main" val="4216944131"/>
+      </p:ext>
+    </p:extLst>
+  </p:cSld>
+  <p:clrMapOvr>
+    <a:masterClrMapping/>
+  </p:clrMapOvr>
+</p:sld>
+</file>
+
+<file path=ppt/slides/slide5.xml><?xml version="1.0" encoding="utf-8"?>
+<p:sld xmlns:a="http://schemas.openxmlformats.org/drawingml/2006/main" xmlns:r="http://schemas.openxmlformats.org/officeDocument/2006/relationships" xmlns:p="http://schemas.openxmlformats.org/presentationml/2006/main">
+  <p:cSld>
+    <p:spTree>
+      <p:nvGrpSpPr>
+        <p:cNvPr id="1" name=""/>
+        <p:cNvGrpSpPr/>
+        <p:nvPr/>
+      </p:nvGrpSpPr>
+      <p:grpSpPr>
+        <a:xfrm>
+          <a:off x="0" y="0"/>
+          <a:ext cx="0" cy="0"/>
+          <a:chOff x="0" y="0"/>
+          <a:chExt cx="0" cy="0"/>
+        </a:xfrm>
+      </p:grpSpPr>
+      <p:sp>
+        <p:nvSpPr>
+          <p:cNvPr id="2" name="Title 1">
+            <a:extLst>
+              <a:ext uri="{FF2B5EF4-FFF2-40B4-BE49-F238E27FC236}">
+                <a16:creationId xmlns:a16="http://schemas.microsoft.com/office/drawing/2014/main" id="{3490AF22-1554-4359-9FC6-D1BC178F8F13}"/>
+              </a:ext>
+            </a:extLst>
+          </p:cNvPr>
+          <p:cNvSpPr>
+            <a:spLocks noGrp="1"/>
+          </p:cNvSpPr>
+          <p:nvPr>
+            <p:ph type="title"/>
+          </p:nvPr>
+        </p:nvSpPr>
+        <p:spPr/>
+        <p:txBody>
+          <a:bodyPr/>
+          <a:lstStyle/>
+          <a:p>
+            <a:r>
+              <a:rPr lang="en-US" dirty="0"/>
+              <a:t>Type of input (independent variable x)</a:t>
+            </a:r>
+          </a:p>
+        </p:txBody>
+      </p:sp>
+      <p:sp>
+        <p:nvSpPr>
+          <p:cNvPr id="3" name="Content Placeholder 2">
+            <a:extLst>
+              <a:ext uri="{FF2B5EF4-FFF2-40B4-BE49-F238E27FC236}">
+                <a16:creationId xmlns:a16="http://schemas.microsoft.com/office/drawing/2014/main" id="{E046B9EF-940F-45F5-8934-6A6F74DE6F35}"/>
+              </a:ext>
+            </a:extLst>
+          </p:cNvPr>
+          <p:cNvSpPr>
+            <a:spLocks noGrp="1"/>
+          </p:cNvSpPr>
+          <p:nvPr>
+            <p:ph idx="1"/>
+          </p:nvPr>
+        </p:nvSpPr>
+        <p:spPr/>
+        <p:txBody>
+          <a:bodyPr/>
+          <a:lstStyle/>
+          <a:p>
+            <a:r>
+              <a:rPr lang="en-US" dirty="0"/>
+              <a:t>Categorical x and Continuous x</a:t>
+            </a:r>
+          </a:p>
+          <a:p>
+            <a:r>
+              <a:rPr lang="en-US" dirty="0"/>
+              <a:t>Affect the process of splitting</a:t>
+            </a:r>
+          </a:p>
+          <a:p>
+            <a:r>
+              <a:rPr lang="en-US" dirty="0"/>
+              <a:t>Categorical x: split according to the category of input data such as hot and cold weather</a:t>
+            </a:r>
+          </a:p>
+          <a:p>
+            <a:r>
+              <a:rPr lang="en-US" dirty="0"/>
+              <a:t>Continuous x: split according to &lt; and &gt; sign such as temperature is more than 30 </a:t>
+            </a:r>
+            <a:r>
+              <a:rPr lang="en-US" b="0" i="0" dirty="0">
+                <a:solidFill>
+                  <a:srgbClr val="303133"/>
+                </a:solidFill>
+                <a:effectLst/>
+                <a:latin typeface="Poppins"/>
+              </a:rPr>
+              <a:t>℃ </a:t>
+            </a:r>
+            <a:r>
+              <a:rPr lang="en-US" dirty="0"/>
+              <a:t> or less than 30 </a:t>
+            </a:r>
+            <a:r>
+              <a:rPr lang="en-US" b="0" i="0" dirty="0">
+                <a:solidFill>
+                  <a:srgbClr val="303133"/>
+                </a:solidFill>
+                <a:effectLst/>
+                <a:latin typeface="Poppins"/>
+              </a:rPr>
+              <a:t>℃ </a:t>
+            </a:r>
+          </a:p>
+          <a:p>
+            <a:pPr marL="0" indent="0">
+              <a:buNone/>
+            </a:pPr>
+            <a:endParaRPr lang="en-US" dirty="0"/>
+          </a:p>
+          <a:p>
+            <a:endParaRPr lang="en-US" dirty="0"/>
+          </a:p>
+          <a:p>
+            <a:endParaRPr lang="en-US" dirty="0"/>
+          </a:p>
+        </p:txBody>
+      </p:sp>
+    </p:spTree>
+    <p:extLst>
+      <p:ext uri="{BB962C8B-B14F-4D97-AF65-F5344CB8AC3E}">
+        <p14:creationId xmlns:p14="http://schemas.microsoft.com/office/powerpoint/2010/main" val="1085461373"/>
+      </p:ext>
+    </p:extLst>
+  </p:cSld>
+  <p:clrMapOvr>
+    <a:masterClrMapping/>
+  </p:clrMapOvr>
+</p:sld>
+</file>
+
+<file path=ppt/slides/slide6.xml><?xml version="1.0" encoding="utf-8"?>
+<p:sld xmlns:a="http://schemas.openxmlformats.org/drawingml/2006/main" xmlns:r="http://schemas.openxmlformats.org/officeDocument/2006/relationships" xmlns:p="http://schemas.openxmlformats.org/presentationml/2006/main">
+  <p:cSld>
+    <p:spTree>
+      <p:nvGrpSpPr>
+        <p:cNvPr id="1" name=""/>
+        <p:cNvGrpSpPr/>
+        <p:nvPr/>
+      </p:nvGrpSpPr>
+      <p:grpSpPr>
+        <a:xfrm>
+          <a:off x="0" y="0"/>
+          <a:ext cx="0" cy="0"/>
+          <a:chOff x="0" y="0"/>
+          <a:chExt cx="0" cy="0"/>
+        </a:xfrm>
+      </p:grpSpPr>
+      <p:sp>
+        <p:nvSpPr>
+          <p:cNvPr id="2" name="Title 1">
+            <a:extLst>
+              <a:ext uri="{FF2B5EF4-FFF2-40B4-BE49-F238E27FC236}">
+                <a16:creationId xmlns:a16="http://schemas.microsoft.com/office/drawing/2014/main" id="{3490AF22-1554-4359-9FC6-D1BC178F8F13}"/>
+              </a:ext>
+            </a:extLst>
+          </p:cNvPr>
+          <p:cNvSpPr>
+            <a:spLocks noGrp="1"/>
+          </p:cNvSpPr>
+          <p:nvPr>
+            <p:ph type="title"/>
+          </p:nvPr>
+        </p:nvSpPr>
+        <p:spPr/>
+        <p:txBody>
+          <a:bodyPr/>
+          <a:lstStyle/>
+          <a:p>
+            <a:r>
+              <a:rPr lang="en-US" dirty="0"/>
+              <a:t>Type of output (dependent variable y)</a:t>
+            </a:r>
+          </a:p>
+        </p:txBody>
+      </p:sp>
+      <p:sp>
+        <p:nvSpPr>
+          <p:cNvPr id="3" name="Content Placeholder 2">
+            <a:extLst>
+              <a:ext uri="{FF2B5EF4-FFF2-40B4-BE49-F238E27FC236}">
+                <a16:creationId xmlns:a16="http://schemas.microsoft.com/office/drawing/2014/main" id="{E046B9EF-940F-45F5-8934-6A6F74DE6F35}"/>
+              </a:ext>
+            </a:extLst>
+          </p:cNvPr>
+          <p:cNvSpPr>
+            <a:spLocks noGrp="1"/>
+          </p:cNvSpPr>
+          <p:nvPr>
+            <p:ph idx="1"/>
+          </p:nvPr>
+        </p:nvSpPr>
+        <p:spPr/>
+        <p:txBody>
+          <a:bodyPr/>
+          <a:lstStyle/>
+          <a:p>
+            <a:r>
+              <a:rPr lang="en-US" dirty="0"/>
+              <a:t>CART (Classification And Regression Tree)</a:t>
+            </a:r>
+          </a:p>
+          <a:p>
+            <a:r>
+              <a:rPr lang="en-US" dirty="0"/>
+              <a:t>Classification Tree: categorical y </a:t>
+            </a:r>
+          </a:p>
+          <a:p>
+            <a:r>
+              <a:rPr lang="en-US" dirty="0"/>
+              <a:t>Regression Tree: continuous y </a:t>
+            </a:r>
+          </a:p>
+          <a:p>
+            <a:r>
+              <a:rPr lang="en-US" dirty="0"/>
+              <a:t>Affect the splitting criteria: the process of selecting the best split</a:t>
+            </a:r>
+          </a:p>
+          <a:p>
+            <a:endParaRPr lang="en-US" dirty="0"/>
+          </a:p>
+          <a:p>
+            <a:endParaRPr lang="en-US" dirty="0"/>
+          </a:p>
+        </p:txBody>
+      </p:sp>
+    </p:spTree>
+    <p:extLst>
+      <p:ext uri="{BB962C8B-B14F-4D97-AF65-F5344CB8AC3E}">
+        <p14:creationId xmlns:p14="http://schemas.microsoft.com/office/powerpoint/2010/main" val="3670012878"/>
+      </p:ext>
+    </p:extLst>
+  </p:cSld>
+  <p:clrMapOvr>
+    <a:masterClrMapping/>
+  </p:clrMapOvr>
+</p:sld>
+</file>
+
+<file path=ppt/slides/slide7.xml><?xml version="1.0" encoding="utf-8"?>
+<p:sld xmlns:a="http://schemas.openxmlformats.org/drawingml/2006/main" xmlns:r="http://schemas.openxmlformats.org/officeDocument/2006/relationships" xmlns:p="http://schemas.openxmlformats.org/presentationml/2006/main">
+  <p:cSld>
+    <p:spTree>
+      <p:nvGrpSpPr>
+        <p:cNvPr id="1" name=""/>
+        <p:cNvGrpSpPr/>
+        <p:nvPr/>
+      </p:nvGrpSpPr>
+      <p:grpSpPr>
+        <a:xfrm>
+          <a:off x="0" y="0"/>
+          <a:ext cx="0" cy="0"/>
+          <a:chOff x="0" y="0"/>
+          <a:chExt cx="0" cy="0"/>
+        </a:xfrm>
+      </p:grpSpPr>
+      <p:sp>
+        <p:nvSpPr>
+          <p:cNvPr id="2" name="Title 1">
+            <a:extLst>
+              <a:ext uri="{FF2B5EF4-FFF2-40B4-BE49-F238E27FC236}">
+                <a16:creationId xmlns:a16="http://schemas.microsoft.com/office/drawing/2014/main" id="{453F0CD2-C49C-4A81-89FC-F9DA8B2D628A}"/>
+              </a:ext>
+            </a:extLst>
+          </p:cNvPr>
+          <p:cNvSpPr>
+            <a:spLocks noGrp="1"/>
+          </p:cNvSpPr>
+          <p:nvPr>
+            <p:ph type="title"/>
+          </p:nvPr>
+        </p:nvSpPr>
+        <p:spPr/>
+        <p:txBody>
+          <a:bodyPr/>
+          <a:lstStyle/>
+          <a:p>
+            <a:r>
+              <a:rPr lang="en-US" dirty="0"/>
+              <a:t>Summary of all types of Decision Tree</a:t>
+            </a:r>
+          </a:p>
+        </p:txBody>
+      </p:sp>
+      <p:grpSp>
+        <p:nvGrpSpPr>
+          <p:cNvPr id="52" name="Group 51">
+            <a:extLst>
+              <a:ext uri="{FF2B5EF4-FFF2-40B4-BE49-F238E27FC236}">
+                <a16:creationId xmlns:a16="http://schemas.microsoft.com/office/drawing/2014/main" id="{371806DB-9D06-49A9-9552-3538CA09B81C}"/>
+              </a:ext>
+            </a:extLst>
+          </p:cNvPr>
+          <p:cNvGrpSpPr/>
+          <p:nvPr/>
+        </p:nvGrpSpPr>
+        <p:grpSpPr>
+          <a:xfrm>
+            <a:off x="1871874" y="1796444"/>
+            <a:ext cx="8100392" cy="4151256"/>
+            <a:chOff x="1871874" y="2457927"/>
+            <a:chExt cx="8100392" cy="4151256"/>
+          </a:xfrm>
+        </p:grpSpPr>
+        <p:grpSp>
+          <p:nvGrpSpPr>
+            <p:cNvPr id="53" name="Group 52">
+              <a:extLst>
+                <a:ext uri="{FF2B5EF4-FFF2-40B4-BE49-F238E27FC236}">
+                  <a16:creationId xmlns:a16="http://schemas.microsoft.com/office/drawing/2014/main" id="{A2FA3601-4479-4466-A4A9-B8143E9B28E8}"/>
+                </a:ext>
+              </a:extLst>
+            </p:cNvPr>
+            <p:cNvGrpSpPr/>
+            <p:nvPr/>
+          </p:nvGrpSpPr>
+          <p:grpSpPr>
+            <a:xfrm>
+              <a:off x="1871874" y="4021685"/>
+              <a:ext cx="1749287" cy="675861"/>
+              <a:chOff x="1938130" y="3766930"/>
+              <a:chExt cx="1749287" cy="675861"/>
+            </a:xfrm>
+          </p:grpSpPr>
+          <p:sp>
+            <p:nvSpPr>
+              <p:cNvPr id="90" name="Rectangle 89">
+                <a:extLst>
+                  <a:ext uri="{FF2B5EF4-FFF2-40B4-BE49-F238E27FC236}">
+                    <a16:creationId xmlns:a16="http://schemas.microsoft.com/office/drawing/2014/main" id="{E42DAD62-97D0-4E0C-B459-FB7CC2479A13}"/>
+                  </a:ext>
+                </a:extLst>
+              </p:cNvPr>
+              <p:cNvSpPr/>
+              <p:nvPr/>
+            </p:nvSpPr>
+            <p:spPr>
+              <a:xfrm>
+                <a:off x="1938130" y="3766930"/>
+                <a:ext cx="1749287" cy="675861"/>
+              </a:xfrm>
+              <a:prstGeom prst="rect">
+                <a:avLst/>
+              </a:prstGeom>
+            </p:spPr>
+            <p:style>
+              <a:lnRef idx="2">
+                <a:schemeClr val="dk1">
+                  <a:shade val="50000"/>
+                </a:schemeClr>
+              </a:lnRef>
+              <a:fillRef idx="1">
+                <a:schemeClr val="dk1"/>
+              </a:fillRef>
+              <a:effectRef idx="0">
+                <a:schemeClr val="dk1"/>
+              </a:effectRef>
+              <a:fontRef idx="minor">
+                <a:schemeClr val="lt1"/>
+              </a:fontRef>
+            </p:style>
+            <p:txBody>
+              <a:bodyPr rtlCol="0" anchor="ctr"/>
+              <a:lstStyle/>
+              <a:p>
+                <a:pPr algn="ctr"/>
+                <a:endParaRPr lang="en-US"/>
+              </a:p>
+            </p:txBody>
+          </p:sp>
+          <p:sp>
+            <p:nvSpPr>
+              <p:cNvPr id="91" name="TextBox 90">
+                <a:extLst>
+                  <a:ext uri="{FF2B5EF4-FFF2-40B4-BE49-F238E27FC236}">
+                    <a16:creationId xmlns:a16="http://schemas.microsoft.com/office/drawing/2014/main" id="{E5D827BF-143E-4999-8E6F-0B4CA5C5271A}"/>
+                  </a:ext>
+                </a:extLst>
+              </p:cNvPr>
+              <p:cNvSpPr txBox="1"/>
+              <p:nvPr/>
+            </p:nvSpPr>
+            <p:spPr>
+              <a:xfrm>
+                <a:off x="2072308" y="3920194"/>
+                <a:ext cx="1480930" cy="369332"/>
+              </a:xfrm>
+              <a:prstGeom prst="rect">
+                <a:avLst/>
+              </a:prstGeom>
+              <a:noFill/>
+            </p:spPr>
+            <p:txBody>
+              <a:bodyPr wrap="square" rtlCol="0">
+                <a:spAutoFit/>
+              </a:bodyPr>
+              <a:lstStyle/>
+              <a:p>
+                <a:r>
+                  <a:rPr lang="en-US" dirty="0">
+                    <a:solidFill>
+                      <a:schemeClr val="bg1"/>
+                    </a:solidFill>
+                  </a:rPr>
+                  <a:t>Decision Tree</a:t>
+                </a:r>
+              </a:p>
+            </p:txBody>
+          </p:sp>
+        </p:grpSp>
+        <p:grpSp>
+          <p:nvGrpSpPr>
+            <p:cNvPr id="54" name="Group 53">
+              <a:extLst>
+                <a:ext uri="{FF2B5EF4-FFF2-40B4-BE49-F238E27FC236}">
+                  <a16:creationId xmlns:a16="http://schemas.microsoft.com/office/drawing/2014/main" id="{44EE32ED-E203-42C1-9236-59EF7FBFC627}"/>
+                </a:ext>
+              </a:extLst>
+            </p:cNvPr>
+            <p:cNvGrpSpPr/>
+            <p:nvPr/>
+          </p:nvGrpSpPr>
+          <p:grpSpPr>
+            <a:xfrm>
+              <a:off x="4767475" y="2898563"/>
+              <a:ext cx="1833769" cy="675861"/>
+              <a:chOff x="1938130" y="3766930"/>
+              <a:chExt cx="1833769" cy="675861"/>
+            </a:xfrm>
+          </p:grpSpPr>
+          <p:sp>
+            <p:nvSpPr>
+              <p:cNvPr id="88" name="Rectangle 87">
+                <a:extLst>
+                  <a:ext uri="{FF2B5EF4-FFF2-40B4-BE49-F238E27FC236}">
+                    <a16:creationId xmlns:a16="http://schemas.microsoft.com/office/drawing/2014/main" id="{4D9D00C3-28A0-46E4-B3AF-82FC5509089F}"/>
+                  </a:ext>
+                </a:extLst>
+              </p:cNvPr>
+              <p:cNvSpPr/>
+              <p:nvPr/>
+            </p:nvSpPr>
+            <p:spPr>
+              <a:xfrm>
+                <a:off x="1938130" y="3766930"/>
+                <a:ext cx="1749287" cy="675861"/>
+              </a:xfrm>
+              <a:prstGeom prst="rect">
+                <a:avLst/>
+              </a:prstGeom>
+            </p:spPr>
+            <p:style>
+              <a:lnRef idx="2">
+                <a:schemeClr val="dk1">
+                  <a:shade val="50000"/>
+                </a:schemeClr>
+              </a:lnRef>
+              <a:fillRef idx="1">
+                <a:schemeClr val="dk1"/>
+              </a:fillRef>
+              <a:effectRef idx="0">
+                <a:schemeClr val="dk1"/>
+              </a:effectRef>
+              <a:fontRef idx="minor">
+                <a:schemeClr val="lt1"/>
+              </a:fontRef>
+            </p:style>
+            <p:txBody>
+              <a:bodyPr rtlCol="0" anchor="ctr"/>
+              <a:lstStyle/>
+              <a:p>
+                <a:pPr algn="ctr"/>
+                <a:endParaRPr lang="en-US"/>
+              </a:p>
+            </p:txBody>
+          </p:sp>
+          <p:sp>
+            <p:nvSpPr>
+              <p:cNvPr id="89" name="TextBox 88">
+                <a:extLst>
+                  <a:ext uri="{FF2B5EF4-FFF2-40B4-BE49-F238E27FC236}">
+                    <a16:creationId xmlns:a16="http://schemas.microsoft.com/office/drawing/2014/main" id="{949FA6D9-0C75-4B7F-9F53-C6944508195C}"/>
+                  </a:ext>
+                </a:extLst>
+              </p:cNvPr>
+              <p:cNvSpPr txBox="1"/>
+              <p:nvPr/>
+            </p:nvSpPr>
+            <p:spPr>
+              <a:xfrm>
+                <a:off x="2022613" y="3920194"/>
+                <a:ext cx="1749286" cy="369332"/>
+              </a:xfrm>
+              <a:prstGeom prst="rect">
+                <a:avLst/>
+              </a:prstGeom>
+              <a:noFill/>
+            </p:spPr>
+            <p:txBody>
+              <a:bodyPr wrap="square" rtlCol="0">
+                <a:spAutoFit/>
+              </a:bodyPr>
+              <a:lstStyle/>
+              <a:p>
+                <a:r>
+                  <a:rPr lang="en-US" dirty="0">
+                    <a:solidFill>
+                      <a:schemeClr val="bg1"/>
+                    </a:solidFill>
+                  </a:rPr>
+                  <a:t>Regression Tree</a:t>
+                </a:r>
+              </a:p>
+            </p:txBody>
+          </p:sp>
+        </p:grpSp>
+        <p:grpSp>
+          <p:nvGrpSpPr>
+            <p:cNvPr id="55" name="Group 54">
+              <a:extLst>
+                <a:ext uri="{FF2B5EF4-FFF2-40B4-BE49-F238E27FC236}">
+                  <a16:creationId xmlns:a16="http://schemas.microsoft.com/office/drawing/2014/main" id="{2684CFD5-DCF0-4285-860E-B0B1AC978716}"/>
+                </a:ext>
+              </a:extLst>
+            </p:cNvPr>
+            <p:cNvGrpSpPr/>
+            <p:nvPr/>
+          </p:nvGrpSpPr>
+          <p:grpSpPr>
+            <a:xfrm>
+              <a:off x="4767475" y="5177936"/>
+              <a:ext cx="1749287" cy="675861"/>
+              <a:chOff x="1938130" y="3766930"/>
+              <a:chExt cx="1749287" cy="675861"/>
+            </a:xfrm>
+          </p:grpSpPr>
+          <p:sp>
+            <p:nvSpPr>
+              <p:cNvPr id="86" name="Rectangle 85">
+                <a:extLst>
+                  <a:ext uri="{FF2B5EF4-FFF2-40B4-BE49-F238E27FC236}">
+                    <a16:creationId xmlns:a16="http://schemas.microsoft.com/office/drawing/2014/main" id="{2CE28910-4E7E-41BD-8068-AA323E509690}"/>
+                  </a:ext>
+                </a:extLst>
+              </p:cNvPr>
+              <p:cNvSpPr/>
+              <p:nvPr/>
+            </p:nvSpPr>
+            <p:spPr>
+              <a:xfrm>
+                <a:off x="1938130" y="3766930"/>
+                <a:ext cx="1749287" cy="675861"/>
+              </a:xfrm>
+              <a:prstGeom prst="rect">
+                <a:avLst/>
+              </a:prstGeom>
+            </p:spPr>
+            <p:style>
+              <a:lnRef idx="2">
+                <a:schemeClr val="dk1">
+                  <a:shade val="50000"/>
+                </a:schemeClr>
+              </a:lnRef>
+              <a:fillRef idx="1">
+                <a:schemeClr val="dk1"/>
+              </a:fillRef>
+              <a:effectRef idx="0">
+                <a:schemeClr val="dk1"/>
+              </a:effectRef>
+              <a:fontRef idx="minor">
+                <a:schemeClr val="lt1"/>
+              </a:fontRef>
+            </p:style>
+            <p:txBody>
+              <a:bodyPr rtlCol="0" anchor="ctr"/>
+              <a:lstStyle/>
+              <a:p>
+                <a:pPr algn="ctr"/>
+                <a:endParaRPr lang="en-US"/>
+              </a:p>
+            </p:txBody>
+          </p:sp>
+          <p:sp>
+            <p:nvSpPr>
+              <p:cNvPr id="87" name="TextBox 86">
+                <a:extLst>
+                  <a:ext uri="{FF2B5EF4-FFF2-40B4-BE49-F238E27FC236}">
+                    <a16:creationId xmlns:a16="http://schemas.microsoft.com/office/drawing/2014/main" id="{7EB45F19-CB40-4D3E-988C-AE277AECF45B}"/>
+                  </a:ext>
+                </a:extLst>
+              </p:cNvPr>
+              <p:cNvSpPr txBox="1"/>
+              <p:nvPr/>
+            </p:nvSpPr>
+            <p:spPr>
+              <a:xfrm>
+                <a:off x="2112065" y="3796460"/>
+                <a:ext cx="1429577" cy="646331"/>
+              </a:xfrm>
+              <a:prstGeom prst="rect">
+                <a:avLst/>
+              </a:prstGeom>
+              <a:noFill/>
+            </p:spPr>
+            <p:txBody>
+              <a:bodyPr wrap="square" rtlCol="0">
+                <a:spAutoFit/>
+              </a:bodyPr>
+              <a:lstStyle/>
+              <a:p>
+                <a:pPr algn="ctr"/>
+                <a:r>
+                  <a:rPr lang="en-US" dirty="0">
+                    <a:solidFill>
+                      <a:schemeClr val="bg1"/>
+                    </a:solidFill>
+                  </a:rPr>
+                  <a:t>Classification </a:t>
+                </a:r>
+              </a:p>
+              <a:p>
+                <a:pPr algn="ctr"/>
+                <a:r>
+                  <a:rPr lang="en-US" dirty="0">
+                    <a:solidFill>
+                      <a:schemeClr val="bg1"/>
+                    </a:solidFill>
+                  </a:rPr>
+                  <a:t>Tree</a:t>
+                </a:r>
+              </a:p>
+            </p:txBody>
+          </p:sp>
+        </p:grpSp>
+        <p:grpSp>
+          <p:nvGrpSpPr>
+            <p:cNvPr id="56" name="Group 55">
+              <a:extLst>
+                <a:ext uri="{FF2B5EF4-FFF2-40B4-BE49-F238E27FC236}">
+                  <a16:creationId xmlns:a16="http://schemas.microsoft.com/office/drawing/2014/main" id="{ED1E4AF2-2FCB-4221-B82E-C1142FF574C0}"/>
+                </a:ext>
+              </a:extLst>
+            </p:cNvPr>
+            <p:cNvGrpSpPr/>
+            <p:nvPr/>
+          </p:nvGrpSpPr>
+          <p:grpSpPr>
+            <a:xfrm>
+              <a:off x="8222978" y="3545331"/>
+              <a:ext cx="1749287" cy="675861"/>
+              <a:chOff x="1938130" y="3766930"/>
+              <a:chExt cx="1749287" cy="675861"/>
+            </a:xfrm>
+          </p:grpSpPr>
+          <p:sp>
+            <p:nvSpPr>
+              <p:cNvPr id="84" name="Rectangle 83">
+                <a:extLst>
+                  <a:ext uri="{FF2B5EF4-FFF2-40B4-BE49-F238E27FC236}">
+                    <a16:creationId xmlns:a16="http://schemas.microsoft.com/office/drawing/2014/main" id="{BD1625B1-5444-42BE-96ED-595840F5C4E2}"/>
+                  </a:ext>
+                </a:extLst>
+              </p:cNvPr>
+              <p:cNvSpPr/>
+              <p:nvPr/>
+            </p:nvSpPr>
+            <p:spPr>
+              <a:xfrm>
+                <a:off x="1938130" y="3766930"/>
+                <a:ext cx="1749287" cy="675861"/>
+              </a:xfrm>
+              <a:prstGeom prst="rect">
+                <a:avLst/>
+              </a:prstGeom>
+            </p:spPr>
+            <p:style>
+              <a:lnRef idx="2">
+                <a:schemeClr val="dk1">
+                  <a:shade val="50000"/>
+                </a:schemeClr>
+              </a:lnRef>
+              <a:fillRef idx="1">
+                <a:schemeClr val="dk1"/>
+              </a:fillRef>
+              <a:effectRef idx="0">
+                <a:schemeClr val="dk1"/>
+              </a:effectRef>
+              <a:fontRef idx="minor">
+                <a:schemeClr val="lt1"/>
+              </a:fontRef>
+            </p:style>
+            <p:txBody>
+              <a:bodyPr rtlCol="0" anchor="ctr"/>
+              <a:lstStyle/>
+              <a:p>
+                <a:pPr algn="ctr"/>
+                <a:endParaRPr lang="en-US"/>
+              </a:p>
+            </p:txBody>
+          </p:sp>
+          <p:sp>
+            <p:nvSpPr>
+              <p:cNvPr id="85" name="TextBox 84">
+                <a:extLst>
+                  <a:ext uri="{FF2B5EF4-FFF2-40B4-BE49-F238E27FC236}">
+                    <a16:creationId xmlns:a16="http://schemas.microsoft.com/office/drawing/2014/main" id="{C2556280-AFF6-4430-BFAE-6229823A000C}"/>
+                  </a:ext>
+                </a:extLst>
+              </p:cNvPr>
+              <p:cNvSpPr txBox="1"/>
+              <p:nvPr/>
+            </p:nvSpPr>
+            <p:spPr>
+              <a:xfrm>
+                <a:off x="1938131" y="3781694"/>
+                <a:ext cx="1749286" cy="646331"/>
+              </a:xfrm>
+              <a:prstGeom prst="rect">
+                <a:avLst/>
+              </a:prstGeom>
+              <a:noFill/>
+            </p:spPr>
+            <p:txBody>
+              <a:bodyPr wrap="square" rtlCol="0">
+                <a:spAutoFit/>
+              </a:bodyPr>
+              <a:lstStyle/>
+              <a:p>
+                <a:pPr algn="ctr"/>
+                <a:r>
+                  <a:rPr lang="en-US" dirty="0">
+                    <a:solidFill>
+                      <a:schemeClr val="bg1"/>
+                    </a:solidFill>
+                  </a:rPr>
+                  <a:t>Continuous input</a:t>
+                </a:r>
+              </a:p>
+            </p:txBody>
+          </p:sp>
+        </p:grpSp>
+        <p:grpSp>
+          <p:nvGrpSpPr>
+            <p:cNvPr id="57" name="Group 56">
+              <a:extLst>
+                <a:ext uri="{FF2B5EF4-FFF2-40B4-BE49-F238E27FC236}">
+                  <a16:creationId xmlns:a16="http://schemas.microsoft.com/office/drawing/2014/main" id="{BCCC8F58-5153-4566-ABE8-014C0C59C7F5}"/>
+                </a:ext>
+              </a:extLst>
+            </p:cNvPr>
+            <p:cNvGrpSpPr/>
+            <p:nvPr/>
+          </p:nvGrpSpPr>
+          <p:grpSpPr>
+            <a:xfrm>
+              <a:off x="8222979" y="2457927"/>
+              <a:ext cx="1749287" cy="675861"/>
+              <a:chOff x="1938130" y="3766930"/>
+              <a:chExt cx="1749287" cy="675861"/>
+            </a:xfrm>
+          </p:grpSpPr>
+          <p:sp>
+            <p:nvSpPr>
+              <p:cNvPr id="82" name="Rectangle 81">
+                <a:extLst>
+                  <a:ext uri="{FF2B5EF4-FFF2-40B4-BE49-F238E27FC236}">
+                    <a16:creationId xmlns:a16="http://schemas.microsoft.com/office/drawing/2014/main" id="{F9977F91-4833-4552-BF96-2B0660BD1F23}"/>
+                  </a:ext>
+                </a:extLst>
+              </p:cNvPr>
+              <p:cNvSpPr/>
+              <p:nvPr/>
+            </p:nvSpPr>
+            <p:spPr>
+              <a:xfrm>
+                <a:off x="1938130" y="3766930"/>
+                <a:ext cx="1749287" cy="675861"/>
+              </a:xfrm>
+              <a:prstGeom prst="rect">
+                <a:avLst/>
+              </a:prstGeom>
+            </p:spPr>
+            <p:style>
+              <a:lnRef idx="2">
+                <a:schemeClr val="dk1">
+                  <a:shade val="50000"/>
+                </a:schemeClr>
+              </a:lnRef>
+              <a:fillRef idx="1">
+                <a:schemeClr val="dk1"/>
+              </a:fillRef>
+              <a:effectRef idx="0">
+                <a:schemeClr val="dk1"/>
+              </a:effectRef>
+              <a:fontRef idx="minor">
+                <a:schemeClr val="lt1"/>
+              </a:fontRef>
+            </p:style>
+            <p:txBody>
+              <a:bodyPr rtlCol="0" anchor="ctr"/>
+              <a:lstStyle/>
+              <a:p>
+                <a:pPr algn="ctr"/>
+                <a:endParaRPr lang="en-US"/>
+              </a:p>
+            </p:txBody>
+          </p:sp>
+          <p:sp>
+            <p:nvSpPr>
+              <p:cNvPr id="83" name="TextBox 82">
+                <a:extLst>
+                  <a:ext uri="{FF2B5EF4-FFF2-40B4-BE49-F238E27FC236}">
+                    <a16:creationId xmlns:a16="http://schemas.microsoft.com/office/drawing/2014/main" id="{4C1D1CF2-DF7C-4423-B507-392673EEA5AA}"/>
+                  </a:ext>
+                </a:extLst>
+              </p:cNvPr>
+              <p:cNvSpPr txBox="1"/>
+              <p:nvPr/>
+            </p:nvSpPr>
+            <p:spPr>
+              <a:xfrm>
+                <a:off x="1938131" y="3781694"/>
+                <a:ext cx="1749286" cy="646331"/>
+              </a:xfrm>
+              <a:prstGeom prst="rect">
+                <a:avLst/>
+              </a:prstGeom>
+              <a:noFill/>
+            </p:spPr>
+            <p:txBody>
+              <a:bodyPr wrap="square" rtlCol="0">
+                <a:spAutoFit/>
+              </a:bodyPr>
+              <a:lstStyle/>
+              <a:p>
+                <a:pPr algn="ctr"/>
+                <a:r>
+                  <a:rPr lang="en-US" dirty="0">
+                    <a:solidFill>
+                      <a:schemeClr val="bg1"/>
+                    </a:solidFill>
+                  </a:rPr>
+                  <a:t>Categorical input</a:t>
+                </a:r>
+              </a:p>
+            </p:txBody>
+          </p:sp>
+        </p:grpSp>
+        <p:grpSp>
+          <p:nvGrpSpPr>
+            <p:cNvPr id="58" name="Group 57">
+              <a:extLst>
+                <a:ext uri="{FF2B5EF4-FFF2-40B4-BE49-F238E27FC236}">
+                  <a16:creationId xmlns:a16="http://schemas.microsoft.com/office/drawing/2014/main" id="{C6D59132-5419-41DB-B274-33984D57EEC4}"/>
+                </a:ext>
+              </a:extLst>
+            </p:cNvPr>
+            <p:cNvGrpSpPr/>
+            <p:nvPr/>
+          </p:nvGrpSpPr>
+          <p:grpSpPr>
+            <a:xfrm>
+              <a:off x="8222976" y="4811924"/>
+              <a:ext cx="1749287" cy="675861"/>
+              <a:chOff x="1938130" y="3766930"/>
+              <a:chExt cx="1749287" cy="675861"/>
+            </a:xfrm>
+          </p:grpSpPr>
+          <p:sp>
+            <p:nvSpPr>
+              <p:cNvPr id="80" name="Rectangle 79">
+                <a:extLst>
+                  <a:ext uri="{FF2B5EF4-FFF2-40B4-BE49-F238E27FC236}">
+                    <a16:creationId xmlns:a16="http://schemas.microsoft.com/office/drawing/2014/main" id="{D57E78F2-22AF-4C84-9A02-6D0DDC04931D}"/>
+                  </a:ext>
+                </a:extLst>
+              </p:cNvPr>
+              <p:cNvSpPr/>
+              <p:nvPr/>
+            </p:nvSpPr>
+            <p:spPr>
+              <a:xfrm>
+                <a:off x="1938130" y="3766930"/>
+                <a:ext cx="1749287" cy="675861"/>
+              </a:xfrm>
+              <a:prstGeom prst="rect">
+                <a:avLst/>
+              </a:prstGeom>
+            </p:spPr>
+            <p:style>
+              <a:lnRef idx="2">
+                <a:schemeClr val="dk1">
+                  <a:shade val="50000"/>
+                </a:schemeClr>
+              </a:lnRef>
+              <a:fillRef idx="1">
+                <a:schemeClr val="dk1"/>
+              </a:fillRef>
+              <a:effectRef idx="0">
+                <a:schemeClr val="dk1"/>
+              </a:effectRef>
+              <a:fontRef idx="minor">
+                <a:schemeClr val="lt1"/>
+              </a:fontRef>
+            </p:style>
+            <p:txBody>
+              <a:bodyPr rtlCol="0" anchor="ctr"/>
+              <a:lstStyle/>
+              <a:p>
+                <a:pPr algn="ctr"/>
+                <a:endParaRPr lang="en-US"/>
+              </a:p>
+            </p:txBody>
+          </p:sp>
+          <p:sp>
+            <p:nvSpPr>
+              <p:cNvPr id="81" name="TextBox 80">
+                <a:extLst>
+                  <a:ext uri="{FF2B5EF4-FFF2-40B4-BE49-F238E27FC236}">
+                    <a16:creationId xmlns:a16="http://schemas.microsoft.com/office/drawing/2014/main" id="{C8526B6D-010D-4207-A38F-55C66E59C2A7}"/>
+                  </a:ext>
+                </a:extLst>
+              </p:cNvPr>
+              <p:cNvSpPr txBox="1"/>
+              <p:nvPr/>
+            </p:nvSpPr>
+            <p:spPr>
+              <a:xfrm>
+                <a:off x="1938131" y="3781694"/>
+                <a:ext cx="1749286" cy="646331"/>
+              </a:xfrm>
+              <a:prstGeom prst="rect">
+                <a:avLst/>
+              </a:prstGeom>
+              <a:noFill/>
+            </p:spPr>
+            <p:txBody>
+              <a:bodyPr wrap="square" rtlCol="0">
+                <a:spAutoFit/>
+              </a:bodyPr>
+              <a:lstStyle/>
+              <a:p>
+                <a:pPr algn="ctr"/>
+                <a:r>
+                  <a:rPr lang="en-US" dirty="0">
+                    <a:solidFill>
+                      <a:schemeClr val="bg1"/>
+                    </a:solidFill>
+                  </a:rPr>
+                  <a:t>Categorical input</a:t>
+                </a:r>
+              </a:p>
+            </p:txBody>
+          </p:sp>
+        </p:grpSp>
+        <p:grpSp>
+          <p:nvGrpSpPr>
+            <p:cNvPr id="59" name="Group 58">
+              <a:extLst>
+                <a:ext uri="{FF2B5EF4-FFF2-40B4-BE49-F238E27FC236}">
+                  <a16:creationId xmlns:a16="http://schemas.microsoft.com/office/drawing/2014/main" id="{DDA50A69-718C-44C7-8BCF-CE87F91FBBD8}"/>
+                </a:ext>
+              </a:extLst>
+            </p:cNvPr>
+            <p:cNvGrpSpPr/>
+            <p:nvPr/>
+          </p:nvGrpSpPr>
+          <p:grpSpPr>
+            <a:xfrm>
+              <a:off x="8222977" y="5933322"/>
+              <a:ext cx="1749287" cy="675861"/>
+              <a:chOff x="1938130" y="3766930"/>
+              <a:chExt cx="1749287" cy="675861"/>
+            </a:xfrm>
+          </p:grpSpPr>
+          <p:sp>
+            <p:nvSpPr>
+              <p:cNvPr id="78" name="Rectangle 77">
+                <a:extLst>
+                  <a:ext uri="{FF2B5EF4-FFF2-40B4-BE49-F238E27FC236}">
+                    <a16:creationId xmlns:a16="http://schemas.microsoft.com/office/drawing/2014/main" id="{ACA6C2A0-8B49-43AF-88B5-8F5F22137E8F}"/>
+                  </a:ext>
+                </a:extLst>
+              </p:cNvPr>
+              <p:cNvSpPr/>
+              <p:nvPr/>
+            </p:nvSpPr>
+            <p:spPr>
+              <a:xfrm>
+                <a:off x="1938130" y="3766930"/>
+                <a:ext cx="1749287" cy="675861"/>
+              </a:xfrm>
+              <a:prstGeom prst="rect">
+                <a:avLst/>
+              </a:prstGeom>
+            </p:spPr>
+            <p:style>
+              <a:lnRef idx="2">
+                <a:schemeClr val="dk1">
+                  <a:shade val="50000"/>
+                </a:schemeClr>
+              </a:lnRef>
+              <a:fillRef idx="1">
+                <a:schemeClr val="dk1"/>
+              </a:fillRef>
+              <a:effectRef idx="0">
+                <a:schemeClr val="dk1"/>
+              </a:effectRef>
+              <a:fontRef idx="minor">
+                <a:schemeClr val="lt1"/>
+              </a:fontRef>
+            </p:style>
+            <p:txBody>
+              <a:bodyPr rtlCol="0" anchor="ctr"/>
+              <a:lstStyle/>
+              <a:p>
+                <a:pPr algn="ctr"/>
+                <a:endParaRPr lang="en-US"/>
+              </a:p>
+            </p:txBody>
+          </p:sp>
+          <p:sp>
+            <p:nvSpPr>
+              <p:cNvPr id="79" name="TextBox 78">
+                <a:extLst>
+                  <a:ext uri="{FF2B5EF4-FFF2-40B4-BE49-F238E27FC236}">
+                    <a16:creationId xmlns:a16="http://schemas.microsoft.com/office/drawing/2014/main" id="{F3CD29A7-3F9F-420B-B29C-B12284F2D92A}"/>
+                  </a:ext>
+                </a:extLst>
+              </p:cNvPr>
+              <p:cNvSpPr txBox="1"/>
+              <p:nvPr/>
+            </p:nvSpPr>
+            <p:spPr>
+              <a:xfrm>
+                <a:off x="1938131" y="3781694"/>
+                <a:ext cx="1749286" cy="646331"/>
+              </a:xfrm>
+              <a:prstGeom prst="rect">
+                <a:avLst/>
+              </a:prstGeom>
+              <a:noFill/>
+            </p:spPr>
+            <p:txBody>
+              <a:bodyPr wrap="square" rtlCol="0">
+                <a:spAutoFit/>
+              </a:bodyPr>
+              <a:lstStyle/>
+              <a:p>
+                <a:pPr algn="ctr"/>
+                <a:r>
+                  <a:rPr lang="en-US" dirty="0">
+                    <a:solidFill>
+                      <a:schemeClr val="bg1"/>
+                    </a:solidFill>
+                  </a:rPr>
+                  <a:t>Continuous input</a:t>
+                </a:r>
+              </a:p>
+            </p:txBody>
+          </p:sp>
+        </p:grpSp>
+        <p:grpSp>
+          <p:nvGrpSpPr>
+            <p:cNvPr id="60" name="Group 59">
+              <a:extLst>
+                <a:ext uri="{FF2B5EF4-FFF2-40B4-BE49-F238E27FC236}">
+                  <a16:creationId xmlns:a16="http://schemas.microsoft.com/office/drawing/2014/main" id="{5DBAD87A-9FD0-41EC-95A5-B4F0BAA6DE0E}"/>
+                </a:ext>
+              </a:extLst>
+            </p:cNvPr>
+            <p:cNvGrpSpPr/>
+            <p:nvPr/>
+          </p:nvGrpSpPr>
+          <p:grpSpPr>
+            <a:xfrm>
+              <a:off x="3784600" y="3236493"/>
+              <a:ext cx="922867" cy="2236526"/>
+              <a:chOff x="3784600" y="3428999"/>
+              <a:chExt cx="922867" cy="2236526"/>
+            </a:xfrm>
+          </p:grpSpPr>
+          <p:grpSp>
+            <p:nvGrpSpPr>
+              <p:cNvPr id="73" name="Group 72">
+                <a:extLst>
+                  <a:ext uri="{FF2B5EF4-FFF2-40B4-BE49-F238E27FC236}">
+                    <a16:creationId xmlns:a16="http://schemas.microsoft.com/office/drawing/2014/main" id="{B3144FFC-CA9E-42C1-BBF7-3FD9E21BEA01}"/>
+                  </a:ext>
+                </a:extLst>
+              </p:cNvPr>
+              <p:cNvGrpSpPr/>
+              <p:nvPr/>
+            </p:nvGrpSpPr>
+            <p:grpSpPr>
+              <a:xfrm>
+                <a:off x="4293703" y="3428999"/>
+                <a:ext cx="413764" cy="2236526"/>
+                <a:chOff x="4293703" y="3428999"/>
+                <a:chExt cx="413764" cy="2236526"/>
+              </a:xfrm>
+            </p:grpSpPr>
+            <p:cxnSp>
+              <p:nvCxnSpPr>
+                <p:cNvPr id="75" name="Straight Connector 74">
+                  <a:extLst>
+                    <a:ext uri="{FF2B5EF4-FFF2-40B4-BE49-F238E27FC236}">
+                      <a16:creationId xmlns:a16="http://schemas.microsoft.com/office/drawing/2014/main" id="{64448796-4D86-4A82-B4F0-69F9BAEB9D2F}"/>
+                    </a:ext>
+                  </a:extLst>
+                </p:cNvPr>
+                <p:cNvCxnSpPr/>
+                <p:nvPr/>
+              </p:nvCxnSpPr>
+              <p:spPr>
+                <a:xfrm>
+                  <a:off x="4293704" y="3428999"/>
+                  <a:ext cx="0" cy="2236526"/>
+                </a:xfrm>
+                <a:prstGeom prst="line">
+                  <a:avLst/>
+                </a:prstGeom>
+                <a:ln/>
+              </p:spPr>
+              <p:style>
+                <a:lnRef idx="1">
+                  <a:schemeClr val="dk1"/>
+                </a:lnRef>
+                <a:fillRef idx="0">
+                  <a:schemeClr val="dk1"/>
+                </a:fillRef>
+                <a:effectRef idx="0">
+                  <a:schemeClr val="dk1"/>
+                </a:effectRef>
+                <a:fontRef idx="minor">
+                  <a:schemeClr val="tx1"/>
+                </a:fontRef>
+              </p:style>
+            </p:cxnSp>
+            <p:cxnSp>
+              <p:nvCxnSpPr>
+                <p:cNvPr id="76" name="Straight Arrow Connector 75">
+                  <a:extLst>
+                    <a:ext uri="{FF2B5EF4-FFF2-40B4-BE49-F238E27FC236}">
+                      <a16:creationId xmlns:a16="http://schemas.microsoft.com/office/drawing/2014/main" id="{A588DA5F-AA7E-41FF-B4B9-3C06A491E158}"/>
+                    </a:ext>
+                  </a:extLst>
+                </p:cNvPr>
+                <p:cNvCxnSpPr/>
+                <p:nvPr/>
+              </p:nvCxnSpPr>
+              <p:spPr>
+                <a:xfrm>
+                  <a:off x="4293704" y="3428999"/>
+                  <a:ext cx="413763" cy="0"/>
+                </a:xfrm>
+                <a:prstGeom prst="straightConnector1">
+                  <a:avLst/>
+                </a:prstGeom>
+                <a:ln>
+                  <a:tailEnd type="triangle"/>
+                </a:ln>
+              </p:spPr>
+              <p:style>
+                <a:lnRef idx="1">
+                  <a:schemeClr val="dk1"/>
+                </a:lnRef>
+                <a:fillRef idx="0">
+                  <a:schemeClr val="dk1"/>
+                </a:fillRef>
+                <a:effectRef idx="0">
+                  <a:schemeClr val="dk1"/>
+                </a:effectRef>
+                <a:fontRef idx="minor">
+                  <a:schemeClr val="tx1"/>
+                </a:fontRef>
+              </p:style>
+            </p:cxnSp>
+            <p:cxnSp>
+              <p:nvCxnSpPr>
+                <p:cNvPr id="77" name="Straight Arrow Connector 76">
+                  <a:extLst>
+                    <a:ext uri="{FF2B5EF4-FFF2-40B4-BE49-F238E27FC236}">
+                      <a16:creationId xmlns:a16="http://schemas.microsoft.com/office/drawing/2014/main" id="{F6002487-CE67-4624-B83C-715852C811B8}"/>
+                    </a:ext>
+                  </a:extLst>
+                </p:cNvPr>
+                <p:cNvCxnSpPr/>
+                <p:nvPr/>
+              </p:nvCxnSpPr>
+              <p:spPr>
+                <a:xfrm>
+                  <a:off x="4293703" y="5665525"/>
+                  <a:ext cx="413763" cy="0"/>
+                </a:xfrm>
+                <a:prstGeom prst="straightConnector1">
+                  <a:avLst/>
+                </a:prstGeom>
+                <a:ln>
+                  <a:tailEnd type="triangle"/>
+                </a:ln>
+              </p:spPr>
+              <p:style>
+                <a:lnRef idx="1">
+                  <a:schemeClr val="dk1"/>
+                </a:lnRef>
+                <a:fillRef idx="0">
+                  <a:schemeClr val="dk1"/>
+                </a:fillRef>
+                <a:effectRef idx="0">
+                  <a:schemeClr val="dk1"/>
+                </a:effectRef>
+                <a:fontRef idx="minor">
+                  <a:schemeClr val="tx1"/>
+                </a:fontRef>
+              </p:style>
+            </p:cxnSp>
+          </p:grpSp>
+          <p:cxnSp>
+            <p:nvCxnSpPr>
+              <p:cNvPr id="74" name="Straight Connector 73">
+                <a:extLst>
+                  <a:ext uri="{FF2B5EF4-FFF2-40B4-BE49-F238E27FC236}">
+                    <a16:creationId xmlns:a16="http://schemas.microsoft.com/office/drawing/2014/main" id="{EF75AB0E-7D9A-444C-895B-706B0AB96EA0}"/>
+                  </a:ext>
+                </a:extLst>
+              </p:cNvPr>
+              <p:cNvCxnSpPr/>
+              <p:nvPr/>
+            </p:nvCxnSpPr>
+            <p:spPr>
+              <a:xfrm>
+                <a:off x="3784600" y="4547262"/>
+                <a:ext cx="509103" cy="0"/>
+              </a:xfrm>
+              <a:prstGeom prst="line">
+                <a:avLst/>
+              </a:prstGeom>
+            </p:spPr>
+            <p:style>
+              <a:lnRef idx="1">
+                <a:schemeClr val="dk1"/>
+              </a:lnRef>
+              <a:fillRef idx="0">
+                <a:schemeClr val="dk1"/>
+              </a:fillRef>
+              <a:effectRef idx="0">
+                <a:schemeClr val="dk1"/>
+              </a:effectRef>
+              <a:fontRef idx="minor">
+                <a:schemeClr val="tx1"/>
+              </a:fontRef>
+            </p:style>
+          </p:cxnSp>
+        </p:grpSp>
+        <p:grpSp>
+          <p:nvGrpSpPr>
+            <p:cNvPr id="61" name="Group 60">
+              <a:extLst>
+                <a:ext uri="{FF2B5EF4-FFF2-40B4-BE49-F238E27FC236}">
+                  <a16:creationId xmlns:a16="http://schemas.microsoft.com/office/drawing/2014/main" id="{42949DA5-DC97-4E22-9D52-C4C350268675}"/>
+                </a:ext>
+              </a:extLst>
+            </p:cNvPr>
+            <p:cNvGrpSpPr/>
+            <p:nvPr/>
+          </p:nvGrpSpPr>
+          <p:grpSpPr>
+            <a:xfrm>
+              <a:off x="6688667" y="2690525"/>
+              <a:ext cx="1443566" cy="1192735"/>
+              <a:chOff x="6688667" y="2883031"/>
+              <a:chExt cx="1443566" cy="1192735"/>
+            </a:xfrm>
+          </p:grpSpPr>
+          <p:grpSp>
+            <p:nvGrpSpPr>
+              <p:cNvPr id="68" name="Group 67">
+                <a:extLst>
+                  <a:ext uri="{FF2B5EF4-FFF2-40B4-BE49-F238E27FC236}">
+                    <a16:creationId xmlns:a16="http://schemas.microsoft.com/office/drawing/2014/main" id="{1C125F7F-F0BC-4D55-986F-18DC06CB5979}"/>
+                  </a:ext>
+                </a:extLst>
+              </p:cNvPr>
+              <p:cNvGrpSpPr/>
+              <p:nvPr/>
+            </p:nvGrpSpPr>
+            <p:grpSpPr>
+              <a:xfrm>
+                <a:off x="7775713" y="2883031"/>
+                <a:ext cx="356520" cy="1192735"/>
+                <a:chOff x="7775713" y="2883031"/>
+                <a:chExt cx="356520" cy="1192735"/>
+              </a:xfrm>
+            </p:grpSpPr>
+            <p:cxnSp>
+              <p:nvCxnSpPr>
+                <p:cNvPr id="70" name="Straight Connector 69">
+                  <a:extLst>
+                    <a:ext uri="{FF2B5EF4-FFF2-40B4-BE49-F238E27FC236}">
+                      <a16:creationId xmlns:a16="http://schemas.microsoft.com/office/drawing/2014/main" id="{733FFD03-5CEC-4482-8975-5CBC73AB5BBE}"/>
+                    </a:ext>
+                  </a:extLst>
+                </p:cNvPr>
+                <p:cNvCxnSpPr>
+                  <a:cxnSpLocks/>
+                </p:cNvCxnSpPr>
+                <p:nvPr/>
+              </p:nvCxnSpPr>
+              <p:spPr>
+                <a:xfrm>
+                  <a:off x="7775713" y="2883031"/>
+                  <a:ext cx="0" cy="1192735"/>
+                </a:xfrm>
+                <a:prstGeom prst="line">
+                  <a:avLst/>
+                </a:prstGeom>
+                <a:ln/>
+              </p:spPr>
+              <p:style>
+                <a:lnRef idx="1">
+                  <a:schemeClr val="dk1"/>
+                </a:lnRef>
+                <a:fillRef idx="0">
+                  <a:schemeClr val="dk1"/>
+                </a:fillRef>
+                <a:effectRef idx="0">
+                  <a:schemeClr val="dk1"/>
+                </a:effectRef>
+                <a:fontRef idx="minor">
+                  <a:schemeClr val="tx1"/>
+                </a:fontRef>
+              </p:style>
+            </p:cxnSp>
+            <p:cxnSp>
+              <p:nvCxnSpPr>
+                <p:cNvPr id="71" name="Straight Arrow Connector 70">
+                  <a:extLst>
+                    <a:ext uri="{FF2B5EF4-FFF2-40B4-BE49-F238E27FC236}">
+                      <a16:creationId xmlns:a16="http://schemas.microsoft.com/office/drawing/2014/main" id="{D4B4CA11-6271-4FD4-BF24-9556A6E521CE}"/>
+                    </a:ext>
+                  </a:extLst>
+                </p:cNvPr>
+                <p:cNvCxnSpPr>
+                  <a:cxnSpLocks/>
+                </p:cNvCxnSpPr>
+                <p:nvPr/>
+              </p:nvCxnSpPr>
+              <p:spPr>
+                <a:xfrm>
+                  <a:off x="7775713" y="2883031"/>
+                  <a:ext cx="356520" cy="0"/>
+                </a:xfrm>
+                <a:prstGeom prst="straightConnector1">
+                  <a:avLst/>
+                </a:prstGeom>
+                <a:ln>
+                  <a:tailEnd type="triangle"/>
+                </a:ln>
+              </p:spPr>
+              <p:style>
+                <a:lnRef idx="1">
+                  <a:schemeClr val="dk1"/>
+                </a:lnRef>
+                <a:fillRef idx="0">
+                  <a:schemeClr val="dk1"/>
+                </a:fillRef>
+                <a:effectRef idx="0">
+                  <a:schemeClr val="dk1"/>
+                </a:effectRef>
+                <a:fontRef idx="minor">
+                  <a:schemeClr val="tx1"/>
+                </a:fontRef>
+              </p:style>
+            </p:cxnSp>
+            <p:cxnSp>
+              <p:nvCxnSpPr>
+                <p:cNvPr id="72" name="Straight Arrow Connector 71">
+                  <a:extLst>
+                    <a:ext uri="{FF2B5EF4-FFF2-40B4-BE49-F238E27FC236}">
+                      <a16:creationId xmlns:a16="http://schemas.microsoft.com/office/drawing/2014/main" id="{44C67B84-0F65-4D84-9763-1CD146F9D013}"/>
+                    </a:ext>
+                  </a:extLst>
+                </p:cNvPr>
+                <p:cNvCxnSpPr>
+                  <a:cxnSpLocks/>
+                </p:cNvCxnSpPr>
+                <p:nvPr/>
+              </p:nvCxnSpPr>
+              <p:spPr>
+                <a:xfrm>
+                  <a:off x="7775713" y="4075766"/>
+                  <a:ext cx="356520" cy="0"/>
+                </a:xfrm>
+                <a:prstGeom prst="straightConnector1">
+                  <a:avLst/>
+                </a:prstGeom>
+                <a:ln>
+                  <a:tailEnd type="triangle"/>
+                </a:ln>
+              </p:spPr>
+              <p:style>
+                <a:lnRef idx="1">
+                  <a:schemeClr val="dk1"/>
+                </a:lnRef>
+                <a:fillRef idx="0">
+                  <a:schemeClr val="dk1"/>
+                </a:fillRef>
+                <a:effectRef idx="0">
+                  <a:schemeClr val="dk1"/>
+                </a:effectRef>
+                <a:fontRef idx="minor">
+                  <a:schemeClr val="tx1"/>
+                </a:fontRef>
+              </p:style>
+            </p:cxnSp>
+          </p:grpSp>
+          <p:cxnSp>
+            <p:nvCxnSpPr>
+              <p:cNvPr id="69" name="Straight Connector 68">
+                <a:extLst>
+                  <a:ext uri="{FF2B5EF4-FFF2-40B4-BE49-F238E27FC236}">
+                    <a16:creationId xmlns:a16="http://schemas.microsoft.com/office/drawing/2014/main" id="{07946E1C-F7BD-41C7-9308-A0302066241F}"/>
+                  </a:ext>
+                </a:extLst>
+              </p:cNvPr>
+              <p:cNvCxnSpPr>
+                <a:cxnSpLocks/>
+              </p:cNvCxnSpPr>
+              <p:nvPr/>
+            </p:nvCxnSpPr>
+            <p:spPr>
+              <a:xfrm>
+                <a:off x="6688667" y="3425428"/>
+                <a:ext cx="1087046" cy="0"/>
+              </a:xfrm>
+              <a:prstGeom prst="line">
+                <a:avLst/>
+              </a:prstGeom>
+            </p:spPr>
+            <p:style>
+              <a:lnRef idx="1">
+                <a:schemeClr val="dk1"/>
+              </a:lnRef>
+              <a:fillRef idx="0">
+                <a:schemeClr val="dk1"/>
+              </a:fillRef>
+              <a:effectRef idx="0">
+                <a:schemeClr val="dk1"/>
+              </a:effectRef>
+              <a:fontRef idx="minor">
+                <a:schemeClr val="tx1"/>
+              </a:fontRef>
+            </p:style>
+          </p:cxnSp>
+        </p:grpSp>
+        <p:grpSp>
+          <p:nvGrpSpPr>
+            <p:cNvPr id="62" name="Group 61">
+              <a:extLst>
+                <a:ext uri="{FF2B5EF4-FFF2-40B4-BE49-F238E27FC236}">
+                  <a16:creationId xmlns:a16="http://schemas.microsoft.com/office/drawing/2014/main" id="{64F49B55-C1F9-4065-9796-FB16BED729C2}"/>
+                </a:ext>
+              </a:extLst>
+            </p:cNvPr>
+            <p:cNvGrpSpPr/>
+            <p:nvPr/>
+          </p:nvGrpSpPr>
+          <p:grpSpPr>
+            <a:xfrm>
+              <a:off x="6657469" y="5107634"/>
+              <a:ext cx="1443566" cy="1192735"/>
+              <a:chOff x="6657469" y="5300140"/>
+              <a:chExt cx="1443566" cy="1192735"/>
+            </a:xfrm>
+          </p:grpSpPr>
+          <p:grpSp>
+            <p:nvGrpSpPr>
+              <p:cNvPr id="63" name="Group 62">
+                <a:extLst>
+                  <a:ext uri="{FF2B5EF4-FFF2-40B4-BE49-F238E27FC236}">
+                    <a16:creationId xmlns:a16="http://schemas.microsoft.com/office/drawing/2014/main" id="{2EBC7689-7E88-4367-93A4-7F36D335207E}"/>
+                  </a:ext>
+                </a:extLst>
+              </p:cNvPr>
+              <p:cNvGrpSpPr/>
+              <p:nvPr/>
+            </p:nvGrpSpPr>
+            <p:grpSpPr>
+              <a:xfrm>
+                <a:off x="7744515" y="5300140"/>
+                <a:ext cx="356520" cy="1192735"/>
+                <a:chOff x="7775713" y="2883031"/>
+                <a:chExt cx="356520" cy="1192735"/>
+              </a:xfrm>
+            </p:grpSpPr>
+            <p:cxnSp>
+              <p:nvCxnSpPr>
+                <p:cNvPr id="65" name="Straight Connector 64">
+                  <a:extLst>
+                    <a:ext uri="{FF2B5EF4-FFF2-40B4-BE49-F238E27FC236}">
+                      <a16:creationId xmlns:a16="http://schemas.microsoft.com/office/drawing/2014/main" id="{DFF2A208-A217-4F5E-92AA-BD53D938587F}"/>
+                    </a:ext>
+                  </a:extLst>
+                </p:cNvPr>
+                <p:cNvCxnSpPr>
+                  <a:cxnSpLocks/>
+                </p:cNvCxnSpPr>
+                <p:nvPr/>
+              </p:nvCxnSpPr>
+              <p:spPr>
+                <a:xfrm>
+                  <a:off x="7775713" y="2883031"/>
+                  <a:ext cx="0" cy="1192735"/>
+                </a:xfrm>
+                <a:prstGeom prst="line">
+                  <a:avLst/>
+                </a:prstGeom>
+                <a:ln/>
+              </p:spPr>
+              <p:style>
+                <a:lnRef idx="1">
+                  <a:schemeClr val="dk1"/>
+                </a:lnRef>
+                <a:fillRef idx="0">
+                  <a:schemeClr val="dk1"/>
+                </a:fillRef>
+                <a:effectRef idx="0">
+                  <a:schemeClr val="dk1"/>
+                </a:effectRef>
+                <a:fontRef idx="minor">
+                  <a:schemeClr val="tx1"/>
+                </a:fontRef>
+              </p:style>
+            </p:cxnSp>
+            <p:cxnSp>
+              <p:nvCxnSpPr>
+                <p:cNvPr id="66" name="Straight Arrow Connector 65">
+                  <a:extLst>
+                    <a:ext uri="{FF2B5EF4-FFF2-40B4-BE49-F238E27FC236}">
+                      <a16:creationId xmlns:a16="http://schemas.microsoft.com/office/drawing/2014/main" id="{EC70EEF5-A46C-472E-9B2A-1CDA5BC69AB1}"/>
+                    </a:ext>
+                  </a:extLst>
+                </p:cNvPr>
+                <p:cNvCxnSpPr>
+                  <a:cxnSpLocks/>
+                </p:cNvCxnSpPr>
+                <p:nvPr/>
+              </p:nvCxnSpPr>
+              <p:spPr>
+                <a:xfrm>
+                  <a:off x="7775713" y="2883031"/>
+                  <a:ext cx="356520" cy="0"/>
+                </a:xfrm>
+                <a:prstGeom prst="straightConnector1">
+                  <a:avLst/>
+                </a:prstGeom>
+                <a:ln>
+                  <a:tailEnd type="triangle"/>
+                </a:ln>
+              </p:spPr>
+              <p:style>
+                <a:lnRef idx="1">
+                  <a:schemeClr val="dk1"/>
+                </a:lnRef>
+                <a:fillRef idx="0">
+                  <a:schemeClr val="dk1"/>
+                </a:fillRef>
+                <a:effectRef idx="0">
+                  <a:schemeClr val="dk1"/>
+                </a:effectRef>
+                <a:fontRef idx="minor">
+                  <a:schemeClr val="tx1"/>
+                </a:fontRef>
+              </p:style>
+            </p:cxnSp>
+            <p:cxnSp>
+              <p:nvCxnSpPr>
+                <p:cNvPr id="67" name="Straight Arrow Connector 66">
+                  <a:extLst>
+                    <a:ext uri="{FF2B5EF4-FFF2-40B4-BE49-F238E27FC236}">
+                      <a16:creationId xmlns:a16="http://schemas.microsoft.com/office/drawing/2014/main" id="{B6ECA968-F609-48C2-8E41-3920D7E15BCC}"/>
+                    </a:ext>
+                  </a:extLst>
+                </p:cNvPr>
+                <p:cNvCxnSpPr>
+                  <a:cxnSpLocks/>
+                </p:cNvCxnSpPr>
+                <p:nvPr/>
+              </p:nvCxnSpPr>
+              <p:spPr>
+                <a:xfrm>
+                  <a:off x="7775713" y="4075766"/>
+                  <a:ext cx="356520" cy="0"/>
+                </a:xfrm>
+                <a:prstGeom prst="straightConnector1">
+                  <a:avLst/>
+                </a:prstGeom>
+                <a:ln>
+                  <a:tailEnd type="triangle"/>
+                </a:ln>
+              </p:spPr>
+              <p:style>
+                <a:lnRef idx="1">
+                  <a:schemeClr val="dk1"/>
+                </a:lnRef>
+                <a:fillRef idx="0">
+                  <a:schemeClr val="dk1"/>
+                </a:fillRef>
+                <a:effectRef idx="0">
+                  <a:schemeClr val="dk1"/>
+                </a:effectRef>
+                <a:fontRef idx="minor">
+                  <a:schemeClr val="tx1"/>
+                </a:fontRef>
+              </p:style>
+            </p:cxnSp>
+          </p:grpSp>
+          <p:cxnSp>
+            <p:nvCxnSpPr>
+              <p:cNvPr id="64" name="Straight Connector 63">
+                <a:extLst>
+                  <a:ext uri="{FF2B5EF4-FFF2-40B4-BE49-F238E27FC236}">
+                    <a16:creationId xmlns:a16="http://schemas.microsoft.com/office/drawing/2014/main" id="{0432C4BE-462A-4201-AB47-5CD39F5CDFAE}"/>
+                  </a:ext>
+                </a:extLst>
+              </p:cNvPr>
+              <p:cNvCxnSpPr>
+                <a:cxnSpLocks/>
+              </p:cNvCxnSpPr>
+              <p:nvPr/>
+            </p:nvCxnSpPr>
+            <p:spPr>
+              <a:xfrm>
+                <a:off x="6657469" y="5723798"/>
+                <a:ext cx="1087046" cy="0"/>
+              </a:xfrm>
+              <a:prstGeom prst="line">
+                <a:avLst/>
+              </a:prstGeom>
+            </p:spPr>
+            <p:style>
+              <a:lnRef idx="1">
+                <a:schemeClr val="dk1"/>
+              </a:lnRef>
+              <a:fillRef idx="0">
+                <a:schemeClr val="dk1"/>
+              </a:fillRef>
+              <a:effectRef idx="0">
+                <a:schemeClr val="dk1"/>
+              </a:effectRef>
+              <a:fontRef idx="minor">
+                <a:schemeClr val="tx1"/>
+              </a:fontRef>
+            </p:style>
+          </p:cxnSp>
+        </p:grpSp>
+      </p:grpSp>
+    </p:spTree>
+    <p:extLst>
+      <p:ext uri="{BB962C8B-B14F-4D97-AF65-F5344CB8AC3E}">
+        <p14:creationId xmlns:p14="http://schemas.microsoft.com/office/powerpoint/2010/main" val="2573305628"/>
+      </p:ext>
+    </p:extLst>
+  </p:cSld>
+  <p:clrMapOvr>
+    <a:masterClrMapping/>
+  </p:clrMapOvr>
+</p:sld>
+</file>
+
+<file path=ppt/slides/slide8.xml><?xml version="1.0" encoding="utf-8"?>
+<p:sld xmlns:a="http://schemas.openxmlformats.org/drawingml/2006/main" xmlns:r="http://schemas.openxmlformats.org/officeDocument/2006/relationships" xmlns:p="http://schemas.openxmlformats.org/presentationml/2006/main">
+  <p:cSld>
+    <p:spTree>
+      <p:nvGrpSpPr>
+        <p:cNvPr id="1" name=""/>
+        <p:cNvGrpSpPr/>
+        <p:nvPr/>
+      </p:nvGrpSpPr>
+      <p:grpSpPr>
+        <a:xfrm>
+          <a:off x="0" y="0"/>
+          <a:ext cx="0" cy="0"/>
+          <a:chOff x="0" y="0"/>
+          <a:chExt cx="0" cy="0"/>
+        </a:xfrm>
+      </p:grpSpPr>
+      <p:sp>
+        <p:nvSpPr>
+          <p:cNvPr id="2" name="Title 1">
+            <a:extLst>
+              <a:ext uri="{FF2B5EF4-FFF2-40B4-BE49-F238E27FC236}">
+                <a16:creationId xmlns:a16="http://schemas.microsoft.com/office/drawing/2014/main" id="{71BDCC16-6D97-4CA2-AE1B-B46AE468D559}"/>
+              </a:ext>
+            </a:extLst>
+          </p:cNvPr>
+          <p:cNvSpPr>
+            <a:spLocks noGrp="1"/>
+          </p:cNvSpPr>
+          <p:nvPr>
+            <p:ph type="title"/>
+          </p:nvPr>
+        </p:nvSpPr>
+        <p:spPr>
+          <a:xfrm>
+            <a:off x="2451100" y="2766218"/>
+            <a:ext cx="10515600" cy="1325563"/>
+          </a:xfrm>
+        </p:spPr>
+        <p:txBody>
+          <a:bodyPr/>
+          <a:lstStyle/>
+          <a:p>
+            <a:r>
+              <a:rPr lang="en-US" dirty="0"/>
+              <a:t>How to determine the best split?</a:t>
+            </a:r>
+          </a:p>
+        </p:txBody>
+      </p:sp>
+    </p:spTree>
+    <p:extLst>
+      <p:ext uri="{BB962C8B-B14F-4D97-AF65-F5344CB8AC3E}">
+        <p14:creationId xmlns:p14="http://schemas.microsoft.com/office/powerpoint/2010/main" val="1408536063"/>
+      </p:ext>
+    </p:extLst>
+  </p:cSld>
+  <p:clrMapOvr>
+    <a:masterClrMapping/>
+  </p:clrMapOvr>
+</p:sld>
+</file>
+
+<file path=ppt/slides/slide9.xml><?xml version="1.0" encoding="utf-8"?>
+<p:sld xmlns:a="http://schemas.openxmlformats.org/drawingml/2006/main" xmlns:r="http://schemas.openxmlformats.org/officeDocument/2006/relationships" xmlns:p="http://schemas.openxmlformats.org/presentationml/2006/main">
+  <p:cSld>
+    <p:spTree>
+      <p:nvGrpSpPr>
+        <p:cNvPr id="1" name=""/>
+        <p:cNvGrpSpPr/>
+        <p:nvPr/>
+      </p:nvGrpSpPr>
+      <p:grpSpPr>
+        <a:xfrm>
+          <a:off x="0" y="0"/>
+          <a:ext cx="0" cy="0"/>
+          <a:chOff x="0" y="0"/>
+          <a:chExt cx="0" cy="0"/>
+        </a:xfrm>
+      </p:grpSpPr>
+      <p:sp>
+        <p:nvSpPr>
+          <p:cNvPr id="2" name="Title 1">
+            <a:extLst>
+              <a:ext uri="{FF2B5EF4-FFF2-40B4-BE49-F238E27FC236}">
+                <a16:creationId xmlns:a16="http://schemas.microsoft.com/office/drawing/2014/main" id="{71BDCC16-6D97-4CA2-AE1B-B46AE468D559}"/>
+              </a:ext>
+            </a:extLst>
+          </p:cNvPr>
+          <p:cNvSpPr>
+            <a:spLocks noGrp="1"/>
+          </p:cNvSpPr>
+          <p:nvPr>
+            <p:ph type="title"/>
+          </p:nvPr>
+        </p:nvSpPr>
+        <p:spPr/>
+        <p:txBody>
+          <a:bodyPr/>
+          <a:lstStyle/>
+          <a:p>
+            <a:r>
+              <a:rPr lang="en-US" dirty="0"/>
+              <a:t>Classification Tree</a:t>
+            </a:r>
+          </a:p>
+        </p:txBody>
+      </p:sp>
+      <p:sp>
+        <p:nvSpPr>
+          <p:cNvPr id="3" name="Content Placeholder 2">
+            <a:extLst>
+              <a:ext uri="{FF2B5EF4-FFF2-40B4-BE49-F238E27FC236}">
+                <a16:creationId xmlns:a16="http://schemas.microsoft.com/office/drawing/2014/main" id="{A7894458-4DE2-4131-BE89-29707F76907A}"/>
+              </a:ext>
+            </a:extLst>
+          </p:cNvPr>
+          <p:cNvSpPr>
+            <a:spLocks noGrp="1"/>
+          </p:cNvSpPr>
+          <p:nvPr>
+            <p:ph idx="1"/>
+          </p:nvPr>
+        </p:nvSpPr>
+        <p:spPr/>
+        <p:txBody>
+          <a:bodyPr/>
+          <a:lstStyle/>
+          <a:p>
+            <a:r>
+              <a:rPr lang="en-US" dirty="0"/>
+              <a:t>Split to maximize the information gain</a:t>
+            </a:r>
+          </a:p>
+          <a:p>
+            <a:r>
+              <a:rPr lang="en-US" dirty="0"/>
+              <a:t>Information gain = entropy before split - entropy after split </a:t>
+            </a:r>
+          </a:p>
+        </p:txBody>
+      </p:sp>
+    </p:spTree>
+    <p:extLst>
+      <p:ext uri="{BB962C8B-B14F-4D97-AF65-F5344CB8AC3E}">
+        <p14:creationId xmlns:p14="http://schemas.microsoft.com/office/powerpoint/2010/main" val="1103686836"/>
       </p:ext>
     </p:extLst>
   </p:cSld>

--- a/Decision_tree_and_Random_forest.pptx
+++ b/Decision_tree_and_Random_forest.pptx
@@ -14,6 +14,8 @@
     <p:sldId id="265" r:id="rId8"/>
     <p:sldId id="264" r:id="rId9"/>
     <p:sldId id="266" r:id="rId10"/>
+    <p:sldId id="267" r:id="rId11"/>
+    <p:sldId id="268" r:id="rId12"/>
   </p:sldIdLst>
   <p:sldSz cx="12192000" cy="6858000"/>
   <p:notesSz cx="6858000" cy="9144000"/>
@@ -3416,6 +3418,1433 @@
   <p:clrMapOvr>
     <a:masterClrMapping/>
   </p:clrMapOvr>
+</p:sld>
+</file>
+
+<file path=ppt/slides/slide10.xml><?xml version="1.0" encoding="utf-8"?>
+<p:sld xmlns:a="http://schemas.openxmlformats.org/drawingml/2006/main" xmlns:r="http://schemas.openxmlformats.org/officeDocument/2006/relationships" xmlns:p="http://schemas.openxmlformats.org/presentationml/2006/main">
+  <p:cSld>
+    <p:spTree>
+      <p:nvGrpSpPr>
+        <p:cNvPr id="1" name=""/>
+        <p:cNvGrpSpPr/>
+        <p:nvPr/>
+      </p:nvGrpSpPr>
+      <p:grpSpPr>
+        <a:xfrm>
+          <a:off x="0" y="0"/>
+          <a:ext cx="0" cy="0"/>
+          <a:chOff x="0" y="0"/>
+          <a:chExt cx="0" cy="0"/>
+        </a:xfrm>
+      </p:grpSpPr>
+      <p:sp>
+        <p:nvSpPr>
+          <p:cNvPr id="2" name="Title 1">
+            <a:extLst>
+              <a:ext uri="{FF2B5EF4-FFF2-40B4-BE49-F238E27FC236}">
+                <a16:creationId xmlns:a16="http://schemas.microsoft.com/office/drawing/2014/main" id="{71BDCC16-6D97-4CA2-AE1B-B46AE468D559}"/>
+              </a:ext>
+            </a:extLst>
+          </p:cNvPr>
+          <p:cNvSpPr>
+            <a:spLocks noGrp="1"/>
+          </p:cNvSpPr>
+          <p:nvPr>
+            <p:ph type="title"/>
+          </p:nvPr>
+        </p:nvSpPr>
+        <p:spPr/>
+        <p:txBody>
+          <a:bodyPr/>
+          <a:lstStyle/>
+          <a:p>
+            <a:r>
+              <a:rPr lang="en-US" dirty="0"/>
+              <a:t>Classification Tree: Examples</a:t>
+            </a:r>
+          </a:p>
+        </p:txBody>
+      </p:sp>
+      <mc:AlternateContent xmlns:mc="http://schemas.openxmlformats.org/markup-compatibility/2006">
+        <mc:Choice xmlns:a14="http://schemas.microsoft.com/office/drawing/2010/main" Requires="a14">
+          <p:sp>
+            <p:nvSpPr>
+              <p:cNvPr id="3" name="Content Placeholder 2">
+                <a:extLst>
+                  <a:ext uri="{FF2B5EF4-FFF2-40B4-BE49-F238E27FC236}">
+                    <a16:creationId xmlns:a16="http://schemas.microsoft.com/office/drawing/2014/main" id="{A7894458-4DE2-4131-BE89-29707F76907A}"/>
+                  </a:ext>
+                </a:extLst>
+              </p:cNvPr>
+              <p:cNvSpPr>
+                <a:spLocks noGrp="1"/>
+              </p:cNvSpPr>
+              <p:nvPr>
+                <p:ph idx="1"/>
+              </p:nvPr>
+            </p:nvSpPr>
+            <p:spPr/>
+            <p:txBody>
+              <a:bodyPr/>
+              <a:lstStyle/>
+              <a:p>
+                <a:r>
+                  <a:rPr lang="en-US" dirty="0"/>
+                  <a:t>500 observations with 250 of category 0 and 250 of category 1</a:t>
+                </a:r>
+              </a:p>
+              <a:p>
+                <a:r>
+                  <a:rPr lang="en-US" dirty="0"/>
+                  <a:t>Calculation of Entropy before split</a:t>
+                </a:r>
+              </a:p>
+              <a:p>
+                <a:pPr marL="0" indent="0">
+                  <a:buNone/>
+                </a:pPr>
+                <a:endParaRPr lang="en-US" dirty="0"/>
+              </a:p>
+              <a:p>
+                <a:pPr marL="0" indent="0">
+                  <a:buNone/>
+                </a:pPr>
+                <a:r>
+                  <a:rPr lang="en-US" dirty="0"/>
+                  <a:t>Entropy before split = - </a:t>
+                </a:r>
+                <a14:m>
+                  <m:oMath xmlns:m="http://schemas.openxmlformats.org/officeDocument/2006/math">
+                    <m:nary>
+                      <m:naryPr>
+                        <m:chr m:val="∑"/>
+                        <m:supHide m:val="on"/>
+                        <m:ctrlPr>
+                          <a:rPr lang="en-US" i="1" smtClean="0">
+                            <a:latin typeface="Cambria Math" panose="02040503050406030204" pitchFamily="18" charset="0"/>
+                          </a:rPr>
+                        </m:ctrlPr>
+                      </m:naryPr>
+                      <m:sub>
+                        <m:r>
+                          <m:rPr>
+                            <m:brk m:alnAt="7"/>
+                          </m:rPr>
+                          <a:rPr lang="en-US" b="0" i="1" smtClean="0">
+                            <a:latin typeface="Cambria Math" panose="02040503050406030204" pitchFamily="18" charset="0"/>
+                          </a:rPr>
+                          <m:t>𝑖</m:t>
+                        </m:r>
+                      </m:sub>
+                      <m:sup/>
+                      <m:e>
+                        <m:sSub>
+                          <m:sSubPr>
+                            <m:ctrlPr>
+                              <a:rPr lang="en-US" i="1" smtClean="0">
+                                <a:latin typeface="Cambria Math" panose="02040503050406030204" pitchFamily="18" charset="0"/>
+                              </a:rPr>
+                            </m:ctrlPr>
+                          </m:sSubPr>
+                          <m:e>
+                            <m:r>
+                              <a:rPr lang="en-US" b="0" i="1" smtClean="0">
+                                <a:latin typeface="Cambria Math" panose="02040503050406030204" pitchFamily="18" charset="0"/>
+                              </a:rPr>
+                              <m:t>𝑃</m:t>
+                            </m:r>
+                          </m:e>
+                          <m:sub>
+                            <m:r>
+                              <a:rPr lang="en-US" b="0" i="1" smtClean="0">
+                                <a:latin typeface="Cambria Math" panose="02040503050406030204" pitchFamily="18" charset="0"/>
+                              </a:rPr>
+                              <m:t>𝑖</m:t>
+                            </m:r>
+                          </m:sub>
+                        </m:sSub>
+                        <m:func>
+                          <m:funcPr>
+                            <m:ctrlPr>
+                              <a:rPr lang="en-US" b="0" i="1" smtClean="0">
+                                <a:latin typeface="Cambria Math" panose="02040503050406030204" pitchFamily="18" charset="0"/>
+                              </a:rPr>
+                            </m:ctrlPr>
+                          </m:funcPr>
+                          <m:fName>
+                            <m:r>
+                              <m:rPr>
+                                <m:sty m:val="p"/>
+                              </m:rPr>
+                              <a:rPr lang="en-US" b="0" i="0" smtClean="0">
+                                <a:latin typeface="Cambria Math" panose="02040503050406030204" pitchFamily="18" charset="0"/>
+                              </a:rPr>
+                              <m:t>log</m:t>
+                            </m:r>
+                          </m:fName>
+                          <m:e>
+                            <m:r>
+                              <a:rPr lang="en-US" b="0" i="1" smtClean="0">
+                                <a:latin typeface="Cambria Math" panose="02040503050406030204" pitchFamily="18" charset="0"/>
+                              </a:rPr>
+                              <m:t>(</m:t>
+                            </m:r>
+                            <m:sSub>
+                              <m:sSubPr>
+                                <m:ctrlPr>
+                                  <a:rPr lang="en-US" b="0" i="1" smtClean="0">
+                                    <a:latin typeface="Cambria Math" panose="02040503050406030204" pitchFamily="18" charset="0"/>
+                                  </a:rPr>
+                                </m:ctrlPr>
+                              </m:sSubPr>
+                              <m:e>
+                                <m:r>
+                                  <a:rPr lang="en-US" b="0" i="1" smtClean="0">
+                                    <a:latin typeface="Cambria Math" panose="02040503050406030204" pitchFamily="18" charset="0"/>
+                                  </a:rPr>
+                                  <m:t>𝑃</m:t>
+                                </m:r>
+                              </m:e>
+                              <m:sub>
+                                <m:r>
+                                  <a:rPr lang="en-US" b="0" i="1" smtClean="0">
+                                    <a:latin typeface="Cambria Math" panose="02040503050406030204" pitchFamily="18" charset="0"/>
+                                  </a:rPr>
+                                  <m:t>𝑖</m:t>
+                                </m:r>
+                              </m:sub>
+                            </m:sSub>
+                            <m:r>
+                              <a:rPr lang="en-US" b="0" i="1" smtClean="0">
+                                <a:latin typeface="Cambria Math" panose="02040503050406030204" pitchFamily="18" charset="0"/>
+                              </a:rPr>
+                              <m:t>)</m:t>
+                            </m:r>
+                          </m:e>
+                        </m:func>
+                      </m:e>
+                    </m:nary>
+                  </m:oMath>
+                </a14:m>
+                <a:r>
+                  <a:rPr lang="en-US" dirty="0"/>
+                  <a:t> </a:t>
+                </a:r>
+              </a:p>
+              <a:p>
+                <a:pPr marL="0" indent="0">
+                  <a:buNone/>
+                </a:pPr>
+                <a:r>
+                  <a:rPr lang="en-US" dirty="0"/>
+                  <a:t>                                    = - [0.5log(0.5) + 0.5log(0.5)</a:t>
+                </a:r>
+              </a:p>
+              <a:p>
+                <a:pPr marL="0" indent="0">
+                  <a:buNone/>
+                </a:pPr>
+                <a:r>
+                  <a:rPr lang="en-US" dirty="0"/>
+                  <a:t>			  = 0.6931471805599453</a:t>
+                </a:r>
+              </a:p>
+              <a:p>
+                <a:pPr marL="0" indent="0">
+                  <a:buNone/>
+                </a:pPr>
+                <a:r>
+                  <a:rPr lang="en-US" dirty="0"/>
+                  <a:t>Where </a:t>
+                </a:r>
+                <a14:m>
+                  <m:oMath xmlns:m="http://schemas.openxmlformats.org/officeDocument/2006/math">
+                    <m:sSub>
+                      <m:sSubPr>
+                        <m:ctrlPr>
+                          <a:rPr lang="en-US" i="1" smtClean="0">
+                            <a:latin typeface="Cambria Math" panose="02040503050406030204" pitchFamily="18" charset="0"/>
+                          </a:rPr>
+                        </m:ctrlPr>
+                      </m:sSubPr>
+                      <m:e>
+                        <m:r>
+                          <a:rPr lang="en-US" b="0" i="1" smtClean="0">
+                            <a:latin typeface="Cambria Math" panose="02040503050406030204" pitchFamily="18" charset="0"/>
+                          </a:rPr>
+                          <m:t>𝑃</m:t>
+                        </m:r>
+                      </m:e>
+                      <m:sub>
+                        <m:r>
+                          <a:rPr lang="en-US" b="0" i="1" smtClean="0">
+                            <a:latin typeface="Cambria Math" panose="02040503050406030204" pitchFamily="18" charset="0"/>
+                          </a:rPr>
+                          <m:t>1</m:t>
+                        </m:r>
+                      </m:sub>
+                    </m:sSub>
+                  </m:oMath>
+                </a14:m>
+                <a:r>
+                  <a:rPr lang="en-US" dirty="0"/>
+                  <a:t> and </a:t>
+                </a:r>
+                <a14:m>
+                  <m:oMath xmlns:m="http://schemas.openxmlformats.org/officeDocument/2006/math">
+                    <m:sSub>
+                      <m:sSubPr>
+                        <m:ctrlPr>
+                          <a:rPr lang="en-US" i="1">
+                            <a:latin typeface="Cambria Math" panose="02040503050406030204" pitchFamily="18" charset="0"/>
+                          </a:rPr>
+                        </m:ctrlPr>
+                      </m:sSubPr>
+                      <m:e>
+                        <m:r>
+                          <a:rPr lang="en-US" i="1">
+                            <a:latin typeface="Cambria Math" panose="02040503050406030204" pitchFamily="18" charset="0"/>
+                          </a:rPr>
+                          <m:t>𝑃</m:t>
+                        </m:r>
+                      </m:e>
+                      <m:sub>
+                        <m:r>
+                          <a:rPr lang="en-US" b="0" i="1" smtClean="0">
+                            <a:latin typeface="Cambria Math" panose="02040503050406030204" pitchFamily="18" charset="0"/>
+                          </a:rPr>
+                          <m:t>2</m:t>
+                        </m:r>
+                      </m:sub>
+                    </m:sSub>
+                    <m:r>
+                      <a:rPr lang="en-US" b="0" i="1" smtClean="0">
+                        <a:latin typeface="Cambria Math" panose="02040503050406030204" pitchFamily="18" charset="0"/>
+                      </a:rPr>
+                      <m:t> </m:t>
+                    </m:r>
+                  </m:oMath>
+                </a14:m>
+                <a:r>
+                  <a:rPr lang="en-US" dirty="0"/>
+                  <a:t>is 250/500 = 0.5</a:t>
+                </a:r>
+              </a:p>
+            </p:txBody>
+          </p:sp>
+        </mc:Choice>
+        <mc:Fallback>
+          <p:sp>
+            <p:nvSpPr>
+              <p:cNvPr id="3" name="Content Placeholder 2">
+                <a:extLst>
+                  <a:ext uri="{FF2B5EF4-FFF2-40B4-BE49-F238E27FC236}">
+                    <a16:creationId xmlns:a16="http://schemas.microsoft.com/office/drawing/2014/main" id="{A7894458-4DE2-4131-BE89-29707F76907A}"/>
+                  </a:ext>
+                </a:extLst>
+              </p:cNvPr>
+              <p:cNvSpPr>
+                <a:spLocks noGrp="1" noRot="1" noChangeAspect="1" noMove="1" noResize="1" noEditPoints="1" noAdjustHandles="1" noChangeArrowheads="1" noChangeShapeType="1" noTextEdit="1"/>
+              </p:cNvSpPr>
+              <p:nvPr>
+                <p:ph idx="1"/>
+              </p:nvPr>
+            </p:nvSpPr>
+            <p:spPr>
+              <a:blipFill>
+                <a:blip r:embed="rId2"/>
+                <a:stretch>
+                  <a:fillRect l="-1217" t="-2241"/>
+                </a:stretch>
+              </a:blipFill>
+            </p:spPr>
+            <p:txBody>
+              <a:bodyPr/>
+              <a:lstStyle/>
+              <a:p>
+                <a:r>
+                  <a:rPr lang="en-US">
+                    <a:noFill/>
+                  </a:rPr>
+                  <a:t> </a:t>
+                </a:r>
+              </a:p>
+            </p:txBody>
+          </p:sp>
+        </mc:Fallback>
+      </mc:AlternateContent>
+    </p:spTree>
+    <p:extLst>
+      <p:ext uri="{BB962C8B-B14F-4D97-AF65-F5344CB8AC3E}">
+        <p14:creationId xmlns:p14="http://schemas.microsoft.com/office/powerpoint/2010/main" val="599359795"/>
+      </p:ext>
+    </p:extLst>
+  </p:cSld>
+  <p:clrMapOvr>
+    <a:masterClrMapping/>
+  </p:clrMapOvr>
+</p:sld>
+</file>
+
+<file path=ppt/slides/slide11.xml><?xml version="1.0" encoding="utf-8"?>
+<p:sld xmlns:a="http://schemas.openxmlformats.org/drawingml/2006/main" xmlns:r="http://schemas.openxmlformats.org/officeDocument/2006/relationships" xmlns:p="http://schemas.openxmlformats.org/presentationml/2006/main">
+  <p:cSld>
+    <p:spTree>
+      <p:nvGrpSpPr>
+        <p:cNvPr id="1" name=""/>
+        <p:cNvGrpSpPr/>
+        <p:nvPr/>
+      </p:nvGrpSpPr>
+      <p:grpSpPr>
+        <a:xfrm>
+          <a:off x="0" y="0"/>
+          <a:ext cx="0" cy="0"/>
+          <a:chOff x="0" y="0"/>
+          <a:chExt cx="0" cy="0"/>
+        </a:xfrm>
+      </p:grpSpPr>
+      <p:sp>
+        <p:nvSpPr>
+          <p:cNvPr id="2" name="Title 1">
+            <a:extLst>
+              <a:ext uri="{FF2B5EF4-FFF2-40B4-BE49-F238E27FC236}">
+                <a16:creationId xmlns:a16="http://schemas.microsoft.com/office/drawing/2014/main" id="{FF032698-D97A-4D85-BE0C-15069F7D4D87}"/>
+              </a:ext>
+            </a:extLst>
+          </p:cNvPr>
+          <p:cNvSpPr>
+            <a:spLocks noGrp="1"/>
+          </p:cNvSpPr>
+          <p:nvPr>
+            <p:ph type="title"/>
+          </p:nvPr>
+        </p:nvSpPr>
+        <p:spPr/>
+        <p:txBody>
+          <a:bodyPr/>
+          <a:lstStyle/>
+          <a:p>
+            <a:r>
+              <a:rPr lang="en-US" dirty="0"/>
+              <a:t>Classification Tree: Examples</a:t>
+            </a:r>
+          </a:p>
+        </p:txBody>
+      </p:sp>
+      <p:sp>
+        <p:nvSpPr>
+          <p:cNvPr id="3" name="Content Placeholder 2">
+            <a:extLst>
+              <a:ext uri="{FF2B5EF4-FFF2-40B4-BE49-F238E27FC236}">
+                <a16:creationId xmlns:a16="http://schemas.microsoft.com/office/drawing/2014/main" id="{58C11D51-296D-4529-8467-B8995F2BDE0B}"/>
+              </a:ext>
+            </a:extLst>
+          </p:cNvPr>
+          <p:cNvSpPr>
+            <a:spLocks noGrp="1"/>
+          </p:cNvSpPr>
+          <p:nvPr>
+            <p:ph idx="1"/>
+          </p:nvPr>
+        </p:nvSpPr>
+        <p:spPr/>
+        <p:txBody>
+          <a:bodyPr/>
+          <a:lstStyle/>
+          <a:p>
+            <a:r>
+              <a:rPr lang="en-US" dirty="0"/>
+              <a:t>Consider BEST split scenario where </a:t>
+            </a:r>
+          </a:p>
+        </p:txBody>
+      </p:sp>
+      <p:grpSp>
+        <p:nvGrpSpPr>
+          <p:cNvPr id="29" name="Group 28">
+            <a:extLst>
+              <a:ext uri="{FF2B5EF4-FFF2-40B4-BE49-F238E27FC236}">
+                <a16:creationId xmlns:a16="http://schemas.microsoft.com/office/drawing/2014/main" id="{310EBBC7-D3A9-4CB6-A37C-5E48A704B19A}"/>
+              </a:ext>
+            </a:extLst>
+          </p:cNvPr>
+          <p:cNvGrpSpPr/>
+          <p:nvPr/>
+        </p:nvGrpSpPr>
+        <p:grpSpPr>
+          <a:xfrm>
+            <a:off x="2006320" y="2648110"/>
+            <a:ext cx="7520128" cy="3024087"/>
+            <a:chOff x="2006320" y="2648110"/>
+            <a:chExt cx="7520128" cy="3024087"/>
+          </a:xfrm>
+        </p:grpSpPr>
+        <p:grpSp>
+          <p:nvGrpSpPr>
+            <p:cNvPr id="4" name="Group 3">
+              <a:extLst>
+                <a:ext uri="{FF2B5EF4-FFF2-40B4-BE49-F238E27FC236}">
+                  <a16:creationId xmlns:a16="http://schemas.microsoft.com/office/drawing/2014/main" id="{687E5B58-2B5E-4652-855C-96FE808200FA}"/>
+                </a:ext>
+              </a:extLst>
+            </p:cNvPr>
+            <p:cNvGrpSpPr/>
+            <p:nvPr/>
+          </p:nvGrpSpPr>
+          <p:grpSpPr>
+            <a:xfrm>
+              <a:off x="2895872" y="2648110"/>
+              <a:ext cx="5940287" cy="2761697"/>
+              <a:chOff x="2961860" y="3349486"/>
+              <a:chExt cx="5940287" cy="2761697"/>
+            </a:xfrm>
+          </p:grpSpPr>
+          <p:grpSp>
+            <p:nvGrpSpPr>
+              <p:cNvPr id="5" name="Group 4">
+                <a:extLst>
+                  <a:ext uri="{FF2B5EF4-FFF2-40B4-BE49-F238E27FC236}">
+                    <a16:creationId xmlns:a16="http://schemas.microsoft.com/office/drawing/2014/main" id="{FAA95A4F-9195-479E-A584-3E421F1F1C72}"/>
+                  </a:ext>
+                </a:extLst>
+              </p:cNvPr>
+              <p:cNvGrpSpPr/>
+              <p:nvPr/>
+            </p:nvGrpSpPr>
+            <p:grpSpPr>
+              <a:xfrm>
+                <a:off x="4244008" y="3349486"/>
+                <a:ext cx="3061252" cy="993913"/>
+                <a:chOff x="4204252" y="3180521"/>
+                <a:chExt cx="3061252" cy="993913"/>
+              </a:xfrm>
+            </p:grpSpPr>
+            <p:sp>
+              <p:nvSpPr>
+                <p:cNvPr id="16" name="Rectangle 15">
+                  <a:extLst>
+                    <a:ext uri="{FF2B5EF4-FFF2-40B4-BE49-F238E27FC236}">
+                      <a16:creationId xmlns:a16="http://schemas.microsoft.com/office/drawing/2014/main" id="{47D99881-C79B-47E2-9CFC-5B87DDDCFA5C}"/>
+                    </a:ext>
+                  </a:extLst>
+                </p:cNvPr>
+                <p:cNvSpPr/>
+                <p:nvPr/>
+              </p:nvSpPr>
+              <p:spPr>
+                <a:xfrm>
+                  <a:off x="4204252" y="3180521"/>
+                  <a:ext cx="3061252" cy="993913"/>
+                </a:xfrm>
+                <a:prstGeom prst="rect">
+                  <a:avLst/>
+                </a:prstGeom>
+                <a:solidFill>
+                  <a:schemeClr val="accent1"/>
+                </a:solidFill>
+              </p:spPr>
+              <p:style>
+                <a:lnRef idx="2">
+                  <a:schemeClr val="dk1">
+                    <a:shade val="50000"/>
+                  </a:schemeClr>
+                </a:lnRef>
+                <a:fillRef idx="1">
+                  <a:schemeClr val="dk1"/>
+                </a:fillRef>
+                <a:effectRef idx="0">
+                  <a:schemeClr val="dk1"/>
+                </a:effectRef>
+                <a:fontRef idx="minor">
+                  <a:schemeClr val="lt1"/>
+                </a:fontRef>
+              </p:style>
+              <p:txBody>
+                <a:bodyPr rtlCol="0" anchor="ctr"/>
+                <a:lstStyle/>
+                <a:p>
+                  <a:pPr algn="ctr"/>
+                  <a:endParaRPr lang="en-US"/>
+                </a:p>
+              </p:txBody>
+            </p:sp>
+            <p:sp>
+              <p:nvSpPr>
+                <p:cNvPr id="17" name="TextBox 16">
+                  <a:extLst>
+                    <a:ext uri="{FF2B5EF4-FFF2-40B4-BE49-F238E27FC236}">
+                      <a16:creationId xmlns:a16="http://schemas.microsoft.com/office/drawing/2014/main" id="{681F8BEF-D8A0-4C83-A694-DF6D5D356878}"/>
+                    </a:ext>
+                  </a:extLst>
+                </p:cNvPr>
+                <p:cNvSpPr txBox="1"/>
+                <p:nvPr/>
+              </p:nvSpPr>
+              <p:spPr>
+                <a:xfrm>
+                  <a:off x="4472608" y="3301549"/>
+                  <a:ext cx="2524539" cy="707886"/>
+                </a:xfrm>
+                <a:prstGeom prst="rect">
+                  <a:avLst/>
+                </a:prstGeom>
+                <a:noFill/>
+              </p:spPr>
+              <p:txBody>
+                <a:bodyPr wrap="square" rtlCol="0">
+                  <a:spAutoFit/>
+                </a:bodyPr>
+                <a:lstStyle/>
+                <a:p>
+                  <a:pPr algn="ctr"/>
+                  <a:r>
+                    <a:rPr lang="en-US" sz="2000" dirty="0">
+                      <a:solidFill>
+                        <a:schemeClr val="bg1"/>
+                      </a:solidFill>
+                    </a:rPr>
+                    <a:t>250 y=0</a:t>
+                  </a:r>
+                </a:p>
+                <a:p>
+                  <a:pPr algn="ctr"/>
+                  <a:r>
+                    <a:rPr lang="en-US" sz="2000" dirty="0">
+                      <a:solidFill>
+                        <a:schemeClr val="bg1"/>
+                      </a:solidFill>
+                    </a:rPr>
+                    <a:t>250 y=1</a:t>
+                  </a:r>
+                </a:p>
+              </p:txBody>
+            </p:sp>
+          </p:grpSp>
+          <p:sp>
+            <p:nvSpPr>
+              <p:cNvPr id="15" name="TextBox 14">
+                <a:extLst>
+                  <a:ext uri="{FF2B5EF4-FFF2-40B4-BE49-F238E27FC236}">
+                    <a16:creationId xmlns:a16="http://schemas.microsoft.com/office/drawing/2014/main" id="{15452088-C690-4392-9579-2B0142AB4BED}"/>
+                  </a:ext>
+                </a:extLst>
+              </p:cNvPr>
+              <p:cNvSpPr txBox="1"/>
+              <p:nvPr/>
+            </p:nvSpPr>
+            <p:spPr>
+              <a:xfrm>
+                <a:off x="7619999" y="5557185"/>
+                <a:ext cx="1282148" cy="553998"/>
+              </a:xfrm>
+              <a:prstGeom prst="rect">
+                <a:avLst/>
+              </a:prstGeom>
+              <a:noFill/>
+            </p:spPr>
+            <p:txBody>
+              <a:bodyPr wrap="square" rtlCol="0">
+                <a:spAutoFit/>
+              </a:bodyPr>
+              <a:lstStyle/>
+              <a:p>
+                <a:r>
+                  <a:rPr lang="en-US" sz="3000" b="1" dirty="0">
+                    <a:solidFill>
+                      <a:schemeClr val="bg1"/>
+                    </a:solidFill>
+                  </a:rPr>
+                  <a:t>Y=1</a:t>
+                </a:r>
+              </a:p>
+            </p:txBody>
+          </p:sp>
+          <p:sp>
+            <p:nvSpPr>
+              <p:cNvPr id="13" name="TextBox 12">
+                <a:extLst>
+                  <a:ext uri="{FF2B5EF4-FFF2-40B4-BE49-F238E27FC236}">
+                    <a16:creationId xmlns:a16="http://schemas.microsoft.com/office/drawing/2014/main" id="{E8C87FAD-04E5-446C-8678-569A6EA61D58}"/>
+                  </a:ext>
+                </a:extLst>
+              </p:cNvPr>
+              <p:cNvSpPr txBox="1"/>
+              <p:nvPr/>
+            </p:nvSpPr>
+            <p:spPr>
+              <a:xfrm>
+                <a:off x="2961860" y="5551609"/>
+                <a:ext cx="1282148" cy="553998"/>
+              </a:xfrm>
+              <a:prstGeom prst="rect">
+                <a:avLst/>
+              </a:prstGeom>
+              <a:noFill/>
+            </p:spPr>
+            <p:txBody>
+              <a:bodyPr wrap="square" rtlCol="0">
+                <a:spAutoFit/>
+              </a:bodyPr>
+              <a:lstStyle/>
+              <a:p>
+                <a:r>
+                  <a:rPr lang="en-US" sz="3000" b="1" dirty="0">
+                    <a:solidFill>
+                      <a:schemeClr val="bg1"/>
+                    </a:solidFill>
+                  </a:rPr>
+                  <a:t>Y=0</a:t>
+                </a:r>
+              </a:p>
+            </p:txBody>
+          </p:sp>
+          <p:cxnSp>
+            <p:nvCxnSpPr>
+              <p:cNvPr id="8" name="Straight Arrow Connector 7">
+                <a:extLst>
+                  <a:ext uri="{FF2B5EF4-FFF2-40B4-BE49-F238E27FC236}">
+                    <a16:creationId xmlns:a16="http://schemas.microsoft.com/office/drawing/2014/main" id="{B7DBEB40-A210-435E-969F-44A6C9ED7742}"/>
+                  </a:ext>
+                </a:extLst>
+              </p:cNvPr>
+              <p:cNvCxnSpPr/>
+              <p:nvPr/>
+            </p:nvCxnSpPr>
+            <p:spPr>
+              <a:xfrm flipH="1">
+                <a:off x="4393095" y="4671391"/>
+                <a:ext cx="1252331" cy="576470"/>
+              </a:xfrm>
+              <a:prstGeom prst="straightConnector1">
+                <a:avLst/>
+              </a:prstGeom>
+              <a:ln w="57150">
+                <a:tailEnd type="triangle"/>
+              </a:ln>
+            </p:spPr>
+            <p:style>
+              <a:lnRef idx="1">
+                <a:schemeClr val="dk1"/>
+              </a:lnRef>
+              <a:fillRef idx="0">
+                <a:schemeClr val="dk1"/>
+              </a:fillRef>
+              <a:effectRef idx="0">
+                <a:schemeClr val="dk1"/>
+              </a:effectRef>
+              <a:fontRef idx="minor">
+                <a:schemeClr val="tx1"/>
+              </a:fontRef>
+            </p:style>
+          </p:cxnSp>
+          <p:cxnSp>
+            <p:nvCxnSpPr>
+              <p:cNvPr id="9" name="Straight Arrow Connector 8">
+                <a:extLst>
+                  <a:ext uri="{FF2B5EF4-FFF2-40B4-BE49-F238E27FC236}">
+                    <a16:creationId xmlns:a16="http://schemas.microsoft.com/office/drawing/2014/main" id="{455FB6DA-AA0C-4D12-A41E-81B34F7F22A9}"/>
+                  </a:ext>
+                </a:extLst>
+              </p:cNvPr>
+              <p:cNvCxnSpPr>
+                <a:cxnSpLocks/>
+              </p:cNvCxnSpPr>
+              <p:nvPr/>
+            </p:nvCxnSpPr>
+            <p:spPr>
+              <a:xfrm>
+                <a:off x="5953538" y="4671391"/>
+                <a:ext cx="1162879" cy="576470"/>
+              </a:xfrm>
+              <a:prstGeom prst="straightConnector1">
+                <a:avLst/>
+              </a:prstGeom>
+              <a:ln w="57150">
+                <a:tailEnd type="triangle"/>
+              </a:ln>
+            </p:spPr>
+            <p:style>
+              <a:lnRef idx="1">
+                <a:schemeClr val="dk1"/>
+              </a:lnRef>
+              <a:fillRef idx="0">
+                <a:schemeClr val="dk1"/>
+              </a:fillRef>
+              <a:effectRef idx="0">
+                <a:schemeClr val="dk1"/>
+              </a:effectRef>
+              <a:fontRef idx="minor">
+                <a:schemeClr val="tx1"/>
+              </a:fontRef>
+            </p:style>
+          </p:cxnSp>
+          <p:sp>
+            <p:nvSpPr>
+              <p:cNvPr id="10" name="TextBox 9">
+                <a:extLst>
+                  <a:ext uri="{FF2B5EF4-FFF2-40B4-BE49-F238E27FC236}">
+                    <a16:creationId xmlns:a16="http://schemas.microsoft.com/office/drawing/2014/main" id="{FD1E6922-AB13-4A67-BA16-A267CF725C9D}"/>
+                  </a:ext>
+                </a:extLst>
+              </p:cNvPr>
+              <p:cNvSpPr txBox="1"/>
+              <p:nvPr/>
+            </p:nvSpPr>
+            <p:spPr>
+              <a:xfrm>
+                <a:off x="5328729" y="4336225"/>
+                <a:ext cx="1341783" cy="369332"/>
+              </a:xfrm>
+              <a:prstGeom prst="rect">
+                <a:avLst/>
+              </a:prstGeom>
+              <a:noFill/>
+            </p:spPr>
+            <p:txBody>
+              <a:bodyPr wrap="square" rtlCol="0">
+                <a:spAutoFit/>
+              </a:bodyPr>
+              <a:lstStyle/>
+              <a:p>
+                <a:r>
+                  <a:rPr lang="en-US" dirty="0"/>
+                  <a:t>BEST split</a:t>
+                </a:r>
+                <a:endParaRPr lang="en-US" b="0" i="0" dirty="0">
+                  <a:solidFill>
+                    <a:srgbClr val="303133"/>
+                  </a:solidFill>
+                  <a:effectLst/>
+                  <a:latin typeface="Poppins"/>
+                </a:endParaRPr>
+              </a:p>
+            </p:txBody>
+          </p:sp>
+        </p:grpSp>
+        <p:sp>
+          <p:nvSpPr>
+            <p:cNvPr id="19" name="Rectangle 18">
+              <a:extLst>
+                <a:ext uri="{FF2B5EF4-FFF2-40B4-BE49-F238E27FC236}">
+                  <a16:creationId xmlns:a16="http://schemas.microsoft.com/office/drawing/2014/main" id="{517B7AEA-7148-429F-9A41-93FF1DE4FEF5}"/>
+                </a:ext>
+              </a:extLst>
+            </p:cNvPr>
+            <p:cNvSpPr/>
+            <p:nvPr/>
+          </p:nvSpPr>
+          <p:spPr>
+            <a:xfrm>
+              <a:off x="2006320" y="4674559"/>
+              <a:ext cx="3061252" cy="993913"/>
+            </a:xfrm>
+            <a:prstGeom prst="rect">
+              <a:avLst/>
+            </a:prstGeom>
+            <a:solidFill>
+              <a:schemeClr val="accent1"/>
+            </a:solidFill>
+          </p:spPr>
+          <p:style>
+            <a:lnRef idx="2">
+              <a:schemeClr val="dk1">
+                <a:shade val="50000"/>
+              </a:schemeClr>
+            </a:lnRef>
+            <a:fillRef idx="1">
+              <a:schemeClr val="dk1"/>
+            </a:fillRef>
+            <a:effectRef idx="0">
+              <a:schemeClr val="dk1"/>
+            </a:effectRef>
+            <a:fontRef idx="minor">
+              <a:schemeClr val="lt1"/>
+            </a:fontRef>
+          </p:style>
+          <p:txBody>
+            <a:bodyPr rtlCol="0" anchor="ctr"/>
+            <a:lstStyle/>
+            <a:p>
+              <a:pPr algn="ctr"/>
+              <a:r>
+                <a:rPr lang="en-US" dirty="0"/>
+                <a:t>250 y=0</a:t>
+              </a:r>
+            </a:p>
+            <a:p>
+              <a:pPr algn="ctr"/>
+              <a:r>
+                <a:rPr lang="en-US" dirty="0"/>
+                <a:t>0 y=1</a:t>
+              </a:r>
+            </a:p>
+          </p:txBody>
+        </p:sp>
+        <p:sp>
+          <p:nvSpPr>
+            <p:cNvPr id="21" name="Rectangle 20">
+              <a:extLst>
+                <a:ext uri="{FF2B5EF4-FFF2-40B4-BE49-F238E27FC236}">
+                  <a16:creationId xmlns:a16="http://schemas.microsoft.com/office/drawing/2014/main" id="{DCCBB972-8F9F-4918-BCFC-FFF542647D14}"/>
+                </a:ext>
+              </a:extLst>
+            </p:cNvPr>
+            <p:cNvSpPr/>
+            <p:nvPr/>
+          </p:nvSpPr>
+          <p:spPr>
+            <a:xfrm>
+              <a:off x="6465196" y="4678284"/>
+              <a:ext cx="3061252" cy="993913"/>
+            </a:xfrm>
+            <a:prstGeom prst="rect">
+              <a:avLst/>
+            </a:prstGeom>
+            <a:solidFill>
+              <a:schemeClr val="accent1"/>
+            </a:solidFill>
+          </p:spPr>
+          <p:style>
+            <a:lnRef idx="2">
+              <a:schemeClr val="dk1">
+                <a:shade val="50000"/>
+              </a:schemeClr>
+            </a:lnRef>
+            <a:fillRef idx="1">
+              <a:schemeClr val="dk1"/>
+            </a:fillRef>
+            <a:effectRef idx="0">
+              <a:schemeClr val="dk1"/>
+            </a:effectRef>
+            <a:fontRef idx="minor">
+              <a:schemeClr val="lt1"/>
+            </a:fontRef>
+          </p:style>
+          <p:txBody>
+            <a:bodyPr rtlCol="0" anchor="ctr"/>
+            <a:lstStyle/>
+            <a:p>
+              <a:pPr algn="ctr"/>
+              <a:r>
+                <a:rPr lang="en-US" dirty="0"/>
+                <a:t>0 y=0</a:t>
+              </a:r>
+            </a:p>
+            <a:p>
+              <a:pPr algn="ctr"/>
+              <a:r>
+                <a:rPr lang="en-US" dirty="0"/>
+                <a:t>250 y=1</a:t>
+              </a:r>
+            </a:p>
+          </p:txBody>
+        </p:sp>
+      </p:grpSp>
+      <p:sp>
+        <p:nvSpPr>
+          <p:cNvPr id="24" name="TextBox 23">
+            <a:extLst>
+              <a:ext uri="{FF2B5EF4-FFF2-40B4-BE49-F238E27FC236}">
+                <a16:creationId xmlns:a16="http://schemas.microsoft.com/office/drawing/2014/main" id="{6D2C8F6E-B369-4B85-ABCC-A544713B0CCA}"/>
+              </a:ext>
+            </a:extLst>
+          </p:cNvPr>
+          <p:cNvSpPr txBox="1"/>
+          <p:nvPr/>
+        </p:nvSpPr>
+        <p:spPr>
+          <a:xfrm>
+            <a:off x="7507628" y="2988518"/>
+            <a:ext cx="4619134" cy="646331"/>
+          </a:xfrm>
+          <a:prstGeom prst="rect">
+            <a:avLst/>
+          </a:prstGeom>
+          <a:noFill/>
+        </p:spPr>
+        <p:txBody>
+          <a:bodyPr wrap="square" rtlCol="0">
+            <a:spAutoFit/>
+          </a:bodyPr>
+          <a:lstStyle/>
+          <a:p>
+            <a:r>
+              <a:rPr lang="en-US" dirty="0"/>
+              <a:t>Entropy before split = 0.6931471805599453</a:t>
+            </a:r>
+          </a:p>
+          <a:p>
+            <a:r>
+              <a:rPr lang="en-US" dirty="0"/>
+              <a:t> </a:t>
+            </a:r>
+          </a:p>
+        </p:txBody>
+      </p:sp>
+      <p:sp>
+        <p:nvSpPr>
+          <p:cNvPr id="26" name="TextBox 25">
+            <a:extLst>
+              <a:ext uri="{FF2B5EF4-FFF2-40B4-BE49-F238E27FC236}">
+                <a16:creationId xmlns:a16="http://schemas.microsoft.com/office/drawing/2014/main" id="{666BAF99-9E99-4208-9CC2-3D00153E928E}"/>
+              </a:ext>
+            </a:extLst>
+          </p:cNvPr>
+          <p:cNvSpPr txBox="1"/>
+          <p:nvPr/>
+        </p:nvSpPr>
+        <p:spPr>
+          <a:xfrm>
+            <a:off x="1985390" y="5840659"/>
+            <a:ext cx="2460986" cy="646331"/>
+          </a:xfrm>
+          <a:prstGeom prst="rect">
+            <a:avLst/>
+          </a:prstGeom>
+          <a:noFill/>
+        </p:spPr>
+        <p:txBody>
+          <a:bodyPr wrap="square" rtlCol="0">
+            <a:spAutoFit/>
+          </a:bodyPr>
+          <a:lstStyle/>
+          <a:p>
+            <a:r>
+              <a:rPr lang="en-US" dirty="0"/>
+              <a:t>Entropy left branch = 0</a:t>
+            </a:r>
+          </a:p>
+          <a:p>
+            <a:r>
+              <a:rPr lang="en-US" dirty="0"/>
+              <a:t> </a:t>
+            </a:r>
+          </a:p>
+        </p:txBody>
+      </p:sp>
+      <p:sp>
+        <p:nvSpPr>
+          <p:cNvPr id="28" name="TextBox 27">
+            <a:extLst>
+              <a:ext uri="{FF2B5EF4-FFF2-40B4-BE49-F238E27FC236}">
+                <a16:creationId xmlns:a16="http://schemas.microsoft.com/office/drawing/2014/main" id="{5AAFD5C1-9393-49BA-87C5-2EB26E7195F5}"/>
+              </a:ext>
+            </a:extLst>
+          </p:cNvPr>
+          <p:cNvSpPr txBox="1"/>
+          <p:nvPr/>
+        </p:nvSpPr>
+        <p:spPr>
+          <a:xfrm>
+            <a:off x="6420008" y="5838271"/>
+            <a:ext cx="2460986" cy="646331"/>
+          </a:xfrm>
+          <a:prstGeom prst="rect">
+            <a:avLst/>
+          </a:prstGeom>
+          <a:noFill/>
+        </p:spPr>
+        <p:txBody>
+          <a:bodyPr wrap="square" rtlCol="0">
+            <a:spAutoFit/>
+          </a:bodyPr>
+          <a:lstStyle/>
+          <a:p>
+            <a:r>
+              <a:rPr lang="en-US" dirty="0"/>
+              <a:t>Entropy right branch = 0  </a:t>
+            </a:r>
+          </a:p>
+          <a:p>
+            <a:r>
+              <a:rPr lang="en-US" dirty="0"/>
+              <a:t> </a:t>
+            </a:r>
+          </a:p>
+        </p:txBody>
+      </p:sp>
+      <p:sp>
+        <p:nvSpPr>
+          <p:cNvPr id="30" name="TextBox 29">
+            <a:extLst>
+              <a:ext uri="{FF2B5EF4-FFF2-40B4-BE49-F238E27FC236}">
+                <a16:creationId xmlns:a16="http://schemas.microsoft.com/office/drawing/2014/main" id="{81AD0B78-437A-44EF-9442-8133F790B246}"/>
+              </a:ext>
+            </a:extLst>
+          </p:cNvPr>
+          <p:cNvSpPr txBox="1"/>
+          <p:nvPr/>
+        </p:nvSpPr>
+        <p:spPr>
+          <a:xfrm>
+            <a:off x="1774691" y="4836163"/>
+            <a:ext cx="10699478" cy="1323439"/>
+          </a:xfrm>
+          <a:prstGeom prst="rect">
+            <a:avLst/>
+          </a:prstGeom>
+          <a:noFill/>
+        </p:spPr>
+        <p:txBody>
+          <a:bodyPr wrap="square" rtlCol="0">
+            <a:spAutoFit/>
+          </a:bodyPr>
+          <a:lstStyle/>
+          <a:p>
+            <a:r>
+              <a:rPr lang="en-US" sz="4000" b="1" dirty="0"/>
+              <a:t>Information Gain = 0.6931471805599453</a:t>
+            </a:r>
+          </a:p>
+          <a:p>
+            <a:r>
+              <a:rPr lang="en-US" sz="4000" b="1" dirty="0"/>
+              <a:t> </a:t>
+            </a:r>
+          </a:p>
+        </p:txBody>
+      </p:sp>
+    </p:spTree>
+    <p:extLst>
+      <p:ext uri="{BB962C8B-B14F-4D97-AF65-F5344CB8AC3E}">
+        <p14:creationId xmlns:p14="http://schemas.microsoft.com/office/powerpoint/2010/main" val="3590834431"/>
+      </p:ext>
+    </p:extLst>
+  </p:cSld>
+  <p:clrMapOvr>
+    <a:masterClrMapping/>
+  </p:clrMapOvr>
+  <p:timing>
+    <p:tnLst>
+      <p:par>
+        <p:cTn id="1" dur="indefinite" restart="never" nodeType="tmRoot">
+          <p:childTnLst>
+            <p:seq concurrent="1" nextAc="seek">
+              <p:cTn id="2" dur="indefinite" nodeType="mainSeq">
+                <p:childTnLst>
+                  <p:par>
+                    <p:cTn id="3" fill="hold">
+                      <p:stCondLst>
+                        <p:cond delay="indefinite"/>
+                      </p:stCondLst>
+                      <p:childTnLst>
+                        <p:par>
+                          <p:cTn id="4" fill="hold">
+                            <p:stCondLst>
+                              <p:cond delay="0"/>
+                            </p:stCondLst>
+                            <p:childTnLst>
+                              <p:par>
+                                <p:cTn id="5" presetID="10" presetClass="entr" presetSubtype="0" fill="hold" grpId="1" nodeType="clickEffect">
+                                  <p:stCondLst>
+                                    <p:cond delay="0"/>
+                                  </p:stCondLst>
+                                  <p:childTnLst>
+                                    <p:set>
+                                      <p:cBhvr>
+                                        <p:cTn id="6" dur="1" fill="hold">
+                                          <p:stCondLst>
+                                            <p:cond delay="0"/>
+                                          </p:stCondLst>
+                                        </p:cTn>
+                                        <p:tgtEl>
+                                          <p:spTgt spid="24"/>
+                                        </p:tgtEl>
+                                        <p:attrNameLst>
+                                          <p:attrName>style.visibility</p:attrName>
+                                        </p:attrNameLst>
+                                      </p:cBhvr>
+                                      <p:to>
+                                        <p:strVal val="visible"/>
+                                      </p:to>
+                                    </p:set>
+                                    <p:animEffect transition="in" filter="fade">
+                                      <p:cBhvr>
+                                        <p:cTn id="7" dur="500"/>
+                                        <p:tgtEl>
+                                          <p:spTgt spid="24"/>
+                                        </p:tgtEl>
+                                      </p:cBhvr>
+                                    </p:animEffect>
+                                  </p:childTnLst>
+                                </p:cTn>
+                              </p:par>
+                            </p:childTnLst>
+                          </p:cTn>
+                        </p:par>
+                      </p:childTnLst>
+                    </p:cTn>
+                  </p:par>
+                  <p:par>
+                    <p:cTn id="8" fill="hold">
+                      <p:stCondLst>
+                        <p:cond delay="indefinite"/>
+                      </p:stCondLst>
+                      <p:childTnLst>
+                        <p:par>
+                          <p:cTn id="9" fill="hold">
+                            <p:stCondLst>
+                              <p:cond delay="0"/>
+                            </p:stCondLst>
+                            <p:childTnLst>
+                              <p:par>
+                                <p:cTn id="10" presetID="10" presetClass="entr" presetSubtype="0" fill="hold" grpId="1" nodeType="clickEffect">
+                                  <p:stCondLst>
+                                    <p:cond delay="0"/>
+                                  </p:stCondLst>
+                                  <p:childTnLst>
+                                    <p:set>
+                                      <p:cBhvr>
+                                        <p:cTn id="11" dur="1" fill="hold">
+                                          <p:stCondLst>
+                                            <p:cond delay="0"/>
+                                          </p:stCondLst>
+                                        </p:cTn>
+                                        <p:tgtEl>
+                                          <p:spTgt spid="26"/>
+                                        </p:tgtEl>
+                                        <p:attrNameLst>
+                                          <p:attrName>style.visibility</p:attrName>
+                                        </p:attrNameLst>
+                                      </p:cBhvr>
+                                      <p:to>
+                                        <p:strVal val="visible"/>
+                                      </p:to>
+                                    </p:set>
+                                    <p:animEffect transition="in" filter="fade">
+                                      <p:cBhvr>
+                                        <p:cTn id="12" dur="500"/>
+                                        <p:tgtEl>
+                                          <p:spTgt spid="26"/>
+                                        </p:tgtEl>
+                                      </p:cBhvr>
+                                    </p:animEffect>
+                                  </p:childTnLst>
+                                </p:cTn>
+                              </p:par>
+                              <p:par>
+                                <p:cTn id="13" presetID="10" presetClass="entr" presetSubtype="0" fill="hold" grpId="1" nodeType="withEffect">
+                                  <p:stCondLst>
+                                    <p:cond delay="0"/>
+                                  </p:stCondLst>
+                                  <p:childTnLst>
+                                    <p:set>
+                                      <p:cBhvr>
+                                        <p:cTn id="14" dur="1" fill="hold">
+                                          <p:stCondLst>
+                                            <p:cond delay="0"/>
+                                          </p:stCondLst>
+                                        </p:cTn>
+                                        <p:tgtEl>
+                                          <p:spTgt spid="28"/>
+                                        </p:tgtEl>
+                                        <p:attrNameLst>
+                                          <p:attrName>style.visibility</p:attrName>
+                                        </p:attrNameLst>
+                                      </p:cBhvr>
+                                      <p:to>
+                                        <p:strVal val="visible"/>
+                                      </p:to>
+                                    </p:set>
+                                    <p:animEffect transition="in" filter="fade">
+                                      <p:cBhvr>
+                                        <p:cTn id="15" dur="500"/>
+                                        <p:tgtEl>
+                                          <p:spTgt spid="28"/>
+                                        </p:tgtEl>
+                                      </p:cBhvr>
+                                    </p:animEffect>
+                                  </p:childTnLst>
+                                </p:cTn>
+                              </p:par>
+                            </p:childTnLst>
+                          </p:cTn>
+                        </p:par>
+                      </p:childTnLst>
+                    </p:cTn>
+                  </p:par>
+                  <p:par>
+                    <p:cTn id="16" fill="hold">
+                      <p:stCondLst>
+                        <p:cond delay="indefinite"/>
+                      </p:stCondLst>
+                      <p:childTnLst>
+                        <p:par>
+                          <p:cTn id="17" fill="hold">
+                            <p:stCondLst>
+                              <p:cond delay="0"/>
+                            </p:stCondLst>
+                            <p:childTnLst>
+                              <p:par>
+                                <p:cTn id="18" presetID="42" presetClass="path" presetSubtype="0" accel="50000" decel="50000" fill="hold" nodeType="clickEffect">
+                                  <p:stCondLst>
+                                    <p:cond delay="0"/>
+                                  </p:stCondLst>
+                                  <p:childTnLst>
+                                    <p:animMotion origin="layout" path="M 3.33333E-6 -1.48148E-6 L -0.79896 0.00046 " pathEditMode="relative" rAng="0" ptsTypes="AA">
+                                      <p:cBhvr>
+                                        <p:cTn id="19" dur="1000" fill="hold"/>
+                                        <p:tgtEl>
+                                          <p:spTgt spid="29"/>
+                                        </p:tgtEl>
+                                        <p:attrNameLst>
+                                          <p:attrName>ppt_x</p:attrName>
+                                          <p:attrName>ppt_y</p:attrName>
+                                        </p:attrNameLst>
+                                      </p:cBhvr>
+                                      <p:rCtr x="-39948" y="23"/>
+                                    </p:animMotion>
+                                  </p:childTnLst>
+                                </p:cTn>
+                              </p:par>
+                              <p:par>
+                                <p:cTn id="20" presetID="42" presetClass="path" presetSubtype="0" accel="50000" decel="50000" fill="hold" grpId="0" nodeType="withEffect">
+                                  <p:stCondLst>
+                                    <p:cond delay="0"/>
+                                  </p:stCondLst>
+                                  <p:childTnLst>
+                                    <p:animMotion origin="layout" path="M 0.09401 0.00764 L -0.52708 -0.08426 " pathEditMode="relative" rAng="0" ptsTypes="AA">
+                                      <p:cBhvr>
+                                        <p:cTn id="21" dur="1000" fill="hold"/>
+                                        <p:tgtEl>
+                                          <p:spTgt spid="24"/>
+                                        </p:tgtEl>
+                                        <p:attrNameLst>
+                                          <p:attrName>ppt_x</p:attrName>
+                                          <p:attrName>ppt_y</p:attrName>
+                                        </p:attrNameLst>
+                                      </p:cBhvr>
+                                      <p:rCtr x="-31055" y="-4606"/>
+                                    </p:animMotion>
+                                  </p:childTnLst>
+                                </p:cTn>
+                              </p:par>
+                              <p:par>
+                                <p:cTn id="22" presetID="42" presetClass="path" presetSubtype="0" accel="50000" decel="50000" fill="hold" grpId="0" nodeType="withEffect">
+                                  <p:stCondLst>
+                                    <p:cond delay="0"/>
+                                  </p:stCondLst>
+                                  <p:childTnLst>
+                                    <p:animMotion origin="layout" path="M -0.04049 -0.02569 L -0.07487 -0.44305 " pathEditMode="relative" rAng="0" ptsTypes="AA">
+                                      <p:cBhvr>
+                                        <p:cTn id="23" dur="1000" fill="hold"/>
+                                        <p:tgtEl>
+                                          <p:spTgt spid="26"/>
+                                        </p:tgtEl>
+                                        <p:attrNameLst>
+                                          <p:attrName>ppt_x</p:attrName>
+                                          <p:attrName>ppt_y</p:attrName>
+                                        </p:attrNameLst>
+                                      </p:cBhvr>
+                                      <p:rCtr x="-1719" y="-20880"/>
+                                    </p:animMotion>
+                                  </p:childTnLst>
+                                </p:cTn>
+                              </p:par>
+                              <p:par>
+                                <p:cTn id="24" presetID="42" presetClass="path" presetSubtype="0" accel="50000" decel="50000" fill="hold" grpId="0" nodeType="withEffect">
+                                  <p:stCondLst>
+                                    <p:cond delay="0"/>
+                                  </p:stCondLst>
+                                  <p:childTnLst>
+                                    <p:animMotion origin="layout" path="M 0.00625 0.0037 L -0.43893 -0.38773 " pathEditMode="relative" rAng="0" ptsTypes="AA">
+                                      <p:cBhvr>
+                                        <p:cTn id="25" dur="1000" fill="hold"/>
+                                        <p:tgtEl>
+                                          <p:spTgt spid="28"/>
+                                        </p:tgtEl>
+                                        <p:attrNameLst>
+                                          <p:attrName>ppt_x</p:attrName>
+                                          <p:attrName>ppt_y</p:attrName>
+                                        </p:attrNameLst>
+                                      </p:cBhvr>
+                                      <p:rCtr x="-22266" y="-19583"/>
+                                    </p:animMotion>
+                                  </p:childTnLst>
+                                </p:cTn>
+                              </p:par>
+                            </p:childTnLst>
+                          </p:cTn>
+                        </p:par>
+                        <p:par>
+                          <p:cTn id="26" fill="hold">
+                            <p:stCondLst>
+                              <p:cond delay="1000"/>
+                            </p:stCondLst>
+                            <p:childTnLst>
+                              <p:par>
+                                <p:cTn id="27" presetID="10" presetClass="entr" presetSubtype="0" fill="hold" grpId="0" nodeType="afterEffect">
+                                  <p:stCondLst>
+                                    <p:cond delay="0"/>
+                                  </p:stCondLst>
+                                  <p:childTnLst>
+                                    <p:set>
+                                      <p:cBhvr>
+                                        <p:cTn id="28" dur="1" fill="hold">
+                                          <p:stCondLst>
+                                            <p:cond delay="0"/>
+                                          </p:stCondLst>
+                                        </p:cTn>
+                                        <p:tgtEl>
+                                          <p:spTgt spid="30"/>
+                                        </p:tgtEl>
+                                        <p:attrNameLst>
+                                          <p:attrName>style.visibility</p:attrName>
+                                        </p:attrNameLst>
+                                      </p:cBhvr>
+                                      <p:to>
+                                        <p:strVal val="visible"/>
+                                      </p:to>
+                                    </p:set>
+                                    <p:animEffect transition="in" filter="fade">
+                                      <p:cBhvr>
+                                        <p:cTn id="29" dur="500"/>
+                                        <p:tgtEl>
+                                          <p:spTgt spid="30"/>
+                                        </p:tgtEl>
+                                      </p:cBhvr>
+                                    </p:animEffect>
+                                  </p:childTnLst>
+                                </p:cTn>
+                              </p:par>
+                            </p:childTnLst>
+                          </p:cTn>
+                        </p:par>
+                      </p:childTnLst>
+                    </p:cTn>
+                  </p:par>
+                </p:childTnLst>
+              </p:cTn>
+              <p:prevCondLst>
+                <p:cond evt="onPrev" delay="0">
+                  <p:tgtEl>
+                    <p:sldTgt/>
+                  </p:tgtEl>
+                </p:cond>
+              </p:prevCondLst>
+              <p:nextCondLst>
+                <p:cond evt="onNext" delay="0">
+                  <p:tgtEl>
+                    <p:sldTgt/>
+                  </p:tgtEl>
+                </p:cond>
+              </p:nextCondLst>
+            </p:seq>
+          </p:childTnLst>
+        </p:cTn>
+      </p:par>
+    </p:tnLst>
+    <p:bldLst>
+      <p:bldP spid="24" grpId="0"/>
+      <p:bldP spid="24" grpId="1"/>
+      <p:bldP spid="26" grpId="0"/>
+      <p:bldP spid="26" grpId="1"/>
+      <p:bldP spid="28" grpId="0"/>
+      <p:bldP spid="28" grpId="1"/>
+      <p:bldP spid="30" grpId="0"/>
+    </p:bldLst>
+  </p:timing>
 </p:sld>
 </file>
 
@@ -6043,40 +7472,237 @@
           </a:p>
         </p:txBody>
       </p:sp>
-      <p:sp>
-        <p:nvSpPr>
-          <p:cNvPr id="3" name="Content Placeholder 2">
-            <a:extLst>
-              <a:ext uri="{FF2B5EF4-FFF2-40B4-BE49-F238E27FC236}">
-                <a16:creationId xmlns:a16="http://schemas.microsoft.com/office/drawing/2014/main" id="{A7894458-4DE2-4131-BE89-29707F76907A}"/>
-              </a:ext>
-            </a:extLst>
-          </p:cNvPr>
-          <p:cNvSpPr>
-            <a:spLocks noGrp="1"/>
-          </p:cNvSpPr>
-          <p:nvPr>
-            <p:ph idx="1"/>
-          </p:nvPr>
-        </p:nvSpPr>
-        <p:spPr/>
-        <p:txBody>
-          <a:bodyPr/>
-          <a:lstStyle/>
-          <a:p>
-            <a:r>
-              <a:rPr lang="en-US" dirty="0"/>
-              <a:t>Split to maximize the information gain</a:t>
-            </a:r>
-          </a:p>
-          <a:p>
-            <a:r>
-              <a:rPr lang="en-US" dirty="0"/>
-              <a:t>Information gain = entropy before split - entropy after split </a:t>
-            </a:r>
-          </a:p>
-        </p:txBody>
-      </p:sp>
+      <mc:AlternateContent xmlns:mc="http://schemas.openxmlformats.org/markup-compatibility/2006">
+        <mc:Choice xmlns:a14="http://schemas.microsoft.com/office/drawing/2010/main" Requires="a14">
+          <p:sp>
+            <p:nvSpPr>
+              <p:cNvPr id="3" name="Content Placeholder 2">
+                <a:extLst>
+                  <a:ext uri="{FF2B5EF4-FFF2-40B4-BE49-F238E27FC236}">
+                    <a16:creationId xmlns:a16="http://schemas.microsoft.com/office/drawing/2014/main" id="{A7894458-4DE2-4131-BE89-29707F76907A}"/>
+                  </a:ext>
+                </a:extLst>
+              </p:cNvPr>
+              <p:cNvSpPr>
+                <a:spLocks noGrp="1"/>
+              </p:cNvSpPr>
+              <p:nvPr>
+                <p:ph idx="1"/>
+              </p:nvPr>
+            </p:nvSpPr>
+            <p:spPr/>
+            <p:txBody>
+              <a:bodyPr/>
+              <a:lstStyle/>
+              <a:p>
+                <a:r>
+                  <a:rPr lang="en-US" dirty="0"/>
+                  <a:t>Objective: split to accurately classify each category of dependent output variable y according to independent input variable x</a:t>
+                </a:r>
+              </a:p>
+              <a:p>
+                <a:r>
+                  <a:rPr lang="en-US" dirty="0"/>
+                  <a:t>Split to maximize the information gain</a:t>
+                </a:r>
+              </a:p>
+              <a:p>
+                <a:r>
+                  <a:rPr lang="en-US" dirty="0"/>
+                  <a:t>Information gain = Entropy before split - Entropy after split </a:t>
+                </a:r>
+              </a:p>
+              <a:p>
+                <a:r>
+                  <a:rPr lang="en-US" dirty="0"/>
+                  <a:t>Entropy: measure of homogeneity (similar value)</a:t>
+                </a:r>
+              </a:p>
+              <a:p>
+                <a:pPr lvl="1"/>
+                <a:r>
+                  <a:rPr lang="en-US" dirty="0"/>
+                  <a:t>Entropy = 0: most homogeneous or all data are in the same class or pure!</a:t>
+                </a:r>
+              </a:p>
+              <a:p>
+                <a:pPr lvl="1"/>
+                <a:r>
+                  <a:rPr lang="en-US" dirty="0"/>
+                  <a:t>Entropy = - </a:t>
+                </a:r>
+                <a14:m>
+                  <m:oMath xmlns:m="http://schemas.openxmlformats.org/officeDocument/2006/math">
+                    <m:nary>
+                      <m:naryPr>
+                        <m:chr m:val="∑"/>
+                        <m:supHide m:val="on"/>
+                        <m:ctrlPr>
+                          <a:rPr lang="en-US" i="1" smtClean="0">
+                            <a:latin typeface="Cambria Math" panose="02040503050406030204" pitchFamily="18" charset="0"/>
+                          </a:rPr>
+                        </m:ctrlPr>
+                      </m:naryPr>
+                      <m:sub>
+                        <m:r>
+                          <m:rPr>
+                            <m:brk m:alnAt="7"/>
+                          </m:rPr>
+                          <a:rPr lang="en-US" b="0" i="1" smtClean="0">
+                            <a:latin typeface="Cambria Math" panose="02040503050406030204" pitchFamily="18" charset="0"/>
+                          </a:rPr>
+                          <m:t>𝑖</m:t>
+                        </m:r>
+                      </m:sub>
+                      <m:sup/>
+                      <m:e>
+                        <m:sSub>
+                          <m:sSubPr>
+                            <m:ctrlPr>
+                              <a:rPr lang="en-US" i="1" smtClean="0">
+                                <a:latin typeface="Cambria Math" panose="02040503050406030204" pitchFamily="18" charset="0"/>
+                              </a:rPr>
+                            </m:ctrlPr>
+                          </m:sSubPr>
+                          <m:e>
+                            <m:r>
+                              <a:rPr lang="en-US" b="0" i="1" smtClean="0">
+                                <a:latin typeface="Cambria Math" panose="02040503050406030204" pitchFamily="18" charset="0"/>
+                              </a:rPr>
+                              <m:t>𝑃</m:t>
+                            </m:r>
+                          </m:e>
+                          <m:sub>
+                            <m:r>
+                              <a:rPr lang="en-US" b="0" i="1" smtClean="0">
+                                <a:latin typeface="Cambria Math" panose="02040503050406030204" pitchFamily="18" charset="0"/>
+                              </a:rPr>
+                              <m:t>𝑖</m:t>
+                            </m:r>
+                          </m:sub>
+                        </m:sSub>
+                        <m:func>
+                          <m:funcPr>
+                            <m:ctrlPr>
+                              <a:rPr lang="en-US" b="0" i="1" smtClean="0">
+                                <a:latin typeface="Cambria Math" panose="02040503050406030204" pitchFamily="18" charset="0"/>
+                              </a:rPr>
+                            </m:ctrlPr>
+                          </m:funcPr>
+                          <m:fName>
+                            <m:r>
+                              <m:rPr>
+                                <m:sty m:val="p"/>
+                              </m:rPr>
+                              <a:rPr lang="en-US" b="0" i="0" smtClean="0">
+                                <a:latin typeface="Cambria Math" panose="02040503050406030204" pitchFamily="18" charset="0"/>
+                              </a:rPr>
+                              <m:t>log</m:t>
+                            </m:r>
+                          </m:fName>
+                          <m:e>
+                            <m:r>
+                              <a:rPr lang="en-US" b="0" i="1" smtClean="0">
+                                <a:latin typeface="Cambria Math" panose="02040503050406030204" pitchFamily="18" charset="0"/>
+                              </a:rPr>
+                              <m:t>(</m:t>
+                            </m:r>
+                            <m:sSub>
+                              <m:sSubPr>
+                                <m:ctrlPr>
+                                  <a:rPr lang="en-US" b="0" i="1" smtClean="0">
+                                    <a:latin typeface="Cambria Math" panose="02040503050406030204" pitchFamily="18" charset="0"/>
+                                  </a:rPr>
+                                </m:ctrlPr>
+                              </m:sSubPr>
+                              <m:e>
+                                <m:r>
+                                  <a:rPr lang="en-US" b="0" i="1" smtClean="0">
+                                    <a:latin typeface="Cambria Math" panose="02040503050406030204" pitchFamily="18" charset="0"/>
+                                  </a:rPr>
+                                  <m:t>𝑃</m:t>
+                                </m:r>
+                              </m:e>
+                              <m:sub>
+                                <m:r>
+                                  <a:rPr lang="en-US" b="0" i="1" smtClean="0">
+                                    <a:latin typeface="Cambria Math" panose="02040503050406030204" pitchFamily="18" charset="0"/>
+                                  </a:rPr>
+                                  <m:t>𝑖</m:t>
+                                </m:r>
+                              </m:sub>
+                            </m:sSub>
+                            <m:r>
+                              <a:rPr lang="en-US" b="0" i="1" smtClean="0">
+                                <a:latin typeface="Cambria Math" panose="02040503050406030204" pitchFamily="18" charset="0"/>
+                              </a:rPr>
+                              <m:t>)</m:t>
+                            </m:r>
+                          </m:e>
+                        </m:func>
+                      </m:e>
+                    </m:nary>
+                  </m:oMath>
+                </a14:m>
+                <a:r>
+                  <a:rPr lang="en-US" dirty="0"/>
+                  <a:t> where </a:t>
+                </a:r>
+                <a:r>
+                  <a:rPr lang="en-US" dirty="0" err="1"/>
+                  <a:t>i</a:t>
+                </a:r>
+                <a:r>
+                  <a:rPr lang="en-US" dirty="0"/>
+                  <a:t> is the index of category</a:t>
+                </a:r>
+              </a:p>
+              <a:p>
+                <a:endParaRPr lang="en-US" dirty="0"/>
+              </a:p>
+            </p:txBody>
+          </p:sp>
+        </mc:Choice>
+        <mc:Fallback>
+          <p:sp>
+            <p:nvSpPr>
+              <p:cNvPr id="3" name="Content Placeholder 2">
+                <a:extLst>
+                  <a:ext uri="{FF2B5EF4-FFF2-40B4-BE49-F238E27FC236}">
+                    <a16:creationId xmlns:a16="http://schemas.microsoft.com/office/drawing/2014/main" id="{A7894458-4DE2-4131-BE89-29707F76907A}"/>
+                  </a:ext>
+                </a:extLst>
+              </p:cNvPr>
+              <p:cNvSpPr>
+                <a:spLocks noGrp="1" noRot="1" noChangeAspect="1" noMove="1" noResize="1" noEditPoints="1" noAdjustHandles="1" noChangeArrowheads="1" noChangeShapeType="1" noTextEdit="1"/>
+              </p:cNvSpPr>
+              <p:nvPr>
+                <p:ph idx="1"/>
+              </p:nvPr>
+            </p:nvSpPr>
+            <p:spPr>
+              <a:blipFill>
+                <a:blip r:embed="rId2"/>
+                <a:stretch>
+                  <a:fillRect l="-1043" t="-2241"/>
+                </a:stretch>
+              </a:blipFill>
+            </p:spPr>
+            <p:txBody>
+              <a:bodyPr/>
+              <a:lstStyle/>
+              <a:p>
+                <a:r>
+                  <a:rPr lang="en-US">
+                    <a:noFill/>
+                  </a:rPr>
+                  <a:t> </a:t>
+                </a:r>
+              </a:p>
+            </p:txBody>
+          </p:sp>
+        </mc:Fallback>
+      </mc:AlternateContent>
     </p:spTree>
     <p:extLst>
       <p:ext uri="{BB962C8B-B14F-4D97-AF65-F5344CB8AC3E}">

--- a/Decision_tree_and_Random_forest.pptx
+++ b/Decision_tree_and_Random_forest.pptx
@@ -15,10 +15,8 @@
     <p:sldId id="264" r:id="rId9"/>
     <p:sldId id="266" r:id="rId10"/>
     <p:sldId id="267" r:id="rId11"/>
-    <p:sldId id="268" r:id="rId12"/>
-    <p:sldId id="269" r:id="rId13"/>
-    <p:sldId id="270" r:id="rId14"/>
-    <p:sldId id="271" r:id="rId15"/>
+    <p:sldId id="270" r:id="rId12"/>
+    <p:sldId id="271" r:id="rId13"/>
   </p:sldIdLst>
   <p:sldSz cx="12192000" cy="6858000"/>
   <p:notesSz cx="6858000" cy="9144000"/>
@@ -272,7 +270,7 @@
           <a:p>
             <a:fld id="{5FC1DAE4-642B-4BE8-8CEA-1456295B9D97}" type="datetimeFigureOut">
               <a:rPr lang="en-US" smtClean="0"/>
-              <a:t>8/27/2020</a:t>
+              <a:t>8/30/2020</a:t>
             </a:fld>
             <a:endParaRPr lang="en-US"/>
           </a:p>
@@ -470,7 +468,7 @@
           <a:p>
             <a:fld id="{5FC1DAE4-642B-4BE8-8CEA-1456295B9D97}" type="datetimeFigureOut">
               <a:rPr lang="en-US" smtClean="0"/>
-              <a:t>8/27/2020</a:t>
+              <a:t>8/30/2020</a:t>
             </a:fld>
             <a:endParaRPr lang="en-US"/>
           </a:p>
@@ -678,7 +676,7 @@
           <a:p>
             <a:fld id="{5FC1DAE4-642B-4BE8-8CEA-1456295B9D97}" type="datetimeFigureOut">
               <a:rPr lang="en-US" smtClean="0"/>
-              <a:t>8/27/2020</a:t>
+              <a:t>8/30/2020</a:t>
             </a:fld>
             <a:endParaRPr lang="en-US"/>
           </a:p>
@@ -876,7 +874,7 @@
           <a:p>
             <a:fld id="{5FC1DAE4-642B-4BE8-8CEA-1456295B9D97}" type="datetimeFigureOut">
               <a:rPr lang="en-US" smtClean="0"/>
-              <a:t>8/27/2020</a:t>
+              <a:t>8/30/2020</a:t>
             </a:fld>
             <a:endParaRPr lang="en-US"/>
           </a:p>
@@ -1151,7 +1149,7 @@
           <a:p>
             <a:fld id="{5FC1DAE4-642B-4BE8-8CEA-1456295B9D97}" type="datetimeFigureOut">
               <a:rPr lang="en-US" smtClean="0"/>
-              <a:t>8/27/2020</a:t>
+              <a:t>8/30/2020</a:t>
             </a:fld>
             <a:endParaRPr lang="en-US"/>
           </a:p>
@@ -1416,7 +1414,7 @@
           <a:p>
             <a:fld id="{5FC1DAE4-642B-4BE8-8CEA-1456295B9D97}" type="datetimeFigureOut">
               <a:rPr lang="en-US" smtClean="0"/>
-              <a:t>8/27/2020</a:t>
+              <a:t>8/30/2020</a:t>
             </a:fld>
             <a:endParaRPr lang="en-US"/>
           </a:p>
@@ -1828,7 +1826,7 @@
           <a:p>
             <a:fld id="{5FC1DAE4-642B-4BE8-8CEA-1456295B9D97}" type="datetimeFigureOut">
               <a:rPr lang="en-US" smtClean="0"/>
-              <a:t>8/27/2020</a:t>
+              <a:t>8/30/2020</a:t>
             </a:fld>
             <a:endParaRPr lang="en-US"/>
           </a:p>
@@ -1969,7 +1967,7 @@
           <a:p>
             <a:fld id="{5FC1DAE4-642B-4BE8-8CEA-1456295B9D97}" type="datetimeFigureOut">
               <a:rPr lang="en-US" smtClean="0"/>
-              <a:t>8/27/2020</a:t>
+              <a:t>8/30/2020</a:t>
             </a:fld>
             <a:endParaRPr lang="en-US"/>
           </a:p>
@@ -2082,7 +2080,7 @@
           <a:p>
             <a:fld id="{5FC1DAE4-642B-4BE8-8CEA-1456295B9D97}" type="datetimeFigureOut">
               <a:rPr lang="en-US" smtClean="0"/>
-              <a:t>8/27/2020</a:t>
+              <a:t>8/30/2020</a:t>
             </a:fld>
             <a:endParaRPr lang="en-US"/>
           </a:p>
@@ -2393,7 +2391,7 @@
           <a:p>
             <a:fld id="{5FC1DAE4-642B-4BE8-8CEA-1456295B9D97}" type="datetimeFigureOut">
               <a:rPr lang="en-US" smtClean="0"/>
-              <a:t>8/27/2020</a:t>
+              <a:t>8/30/2020</a:t>
             </a:fld>
             <a:endParaRPr lang="en-US"/>
           </a:p>
@@ -2681,7 +2679,7 @@
           <a:p>
             <a:fld id="{5FC1DAE4-642B-4BE8-8CEA-1456295B9D97}" type="datetimeFigureOut">
               <a:rPr lang="en-US" smtClean="0"/>
-              <a:t>8/27/2020</a:t>
+              <a:t>8/30/2020</a:t>
             </a:fld>
             <a:endParaRPr lang="en-US"/>
           </a:p>
@@ -2922,7 +2920,7 @@
           <a:p>
             <a:fld id="{5FC1DAE4-642B-4BE8-8CEA-1456295B9D97}" type="datetimeFigureOut">
               <a:rPr lang="en-US" smtClean="0"/>
-              <a:t>8/27/2020</a:t>
+              <a:t>8/30/2020</a:t>
             </a:fld>
             <a:endParaRPr lang="en-US"/>
           </a:p>
@@ -3812,2128 +3810,6 @@
           <p:cNvPr id="2" name="Title 1">
             <a:extLst>
               <a:ext uri="{FF2B5EF4-FFF2-40B4-BE49-F238E27FC236}">
-                <a16:creationId xmlns:a16="http://schemas.microsoft.com/office/drawing/2014/main" id="{FF032698-D97A-4D85-BE0C-15069F7D4D87}"/>
-              </a:ext>
-            </a:extLst>
-          </p:cNvPr>
-          <p:cNvSpPr>
-            <a:spLocks noGrp="1"/>
-          </p:cNvSpPr>
-          <p:nvPr>
-            <p:ph type="title"/>
-          </p:nvPr>
-        </p:nvSpPr>
-        <p:spPr/>
-        <p:txBody>
-          <a:bodyPr/>
-          <a:lstStyle/>
-          <a:p>
-            <a:r>
-              <a:rPr lang="en-US" dirty="0"/>
-              <a:t>Classification Tree: Examples</a:t>
-            </a:r>
-          </a:p>
-        </p:txBody>
-      </p:sp>
-      <p:sp>
-        <p:nvSpPr>
-          <p:cNvPr id="3" name="Content Placeholder 2">
-            <a:extLst>
-              <a:ext uri="{FF2B5EF4-FFF2-40B4-BE49-F238E27FC236}">
-                <a16:creationId xmlns:a16="http://schemas.microsoft.com/office/drawing/2014/main" id="{58C11D51-296D-4529-8467-B8995F2BDE0B}"/>
-              </a:ext>
-            </a:extLst>
-          </p:cNvPr>
-          <p:cNvSpPr>
-            <a:spLocks noGrp="1"/>
-          </p:cNvSpPr>
-          <p:nvPr>
-            <p:ph idx="1"/>
-          </p:nvPr>
-        </p:nvSpPr>
-        <p:spPr/>
-        <p:txBody>
-          <a:bodyPr/>
-          <a:lstStyle/>
-          <a:p>
-            <a:r>
-              <a:rPr lang="en-US" dirty="0"/>
-              <a:t>Consider BEST split scenario where </a:t>
-            </a:r>
-          </a:p>
-        </p:txBody>
-      </p:sp>
-      <p:grpSp>
-        <p:nvGrpSpPr>
-          <p:cNvPr id="29" name="Group 28">
-            <a:extLst>
-              <a:ext uri="{FF2B5EF4-FFF2-40B4-BE49-F238E27FC236}">
-                <a16:creationId xmlns:a16="http://schemas.microsoft.com/office/drawing/2014/main" id="{310EBBC7-D3A9-4CB6-A37C-5E48A704B19A}"/>
-              </a:ext>
-            </a:extLst>
-          </p:cNvPr>
-          <p:cNvGrpSpPr/>
-          <p:nvPr/>
-        </p:nvGrpSpPr>
-        <p:grpSpPr>
-          <a:xfrm>
-            <a:off x="2006320" y="2648110"/>
-            <a:ext cx="7520128" cy="3024087"/>
-            <a:chOff x="2006320" y="2648110"/>
-            <a:chExt cx="7520128" cy="3024087"/>
-          </a:xfrm>
-        </p:grpSpPr>
-        <p:grpSp>
-          <p:nvGrpSpPr>
-            <p:cNvPr id="4" name="Group 3">
-              <a:extLst>
-                <a:ext uri="{FF2B5EF4-FFF2-40B4-BE49-F238E27FC236}">
-                  <a16:creationId xmlns:a16="http://schemas.microsoft.com/office/drawing/2014/main" id="{687E5B58-2B5E-4652-855C-96FE808200FA}"/>
-                </a:ext>
-              </a:extLst>
-            </p:cNvPr>
-            <p:cNvGrpSpPr/>
-            <p:nvPr/>
-          </p:nvGrpSpPr>
-          <p:grpSpPr>
-            <a:xfrm>
-              <a:off x="2895872" y="2648110"/>
-              <a:ext cx="5940287" cy="2761697"/>
-              <a:chOff x="2961860" y="3349486"/>
-              <a:chExt cx="5940287" cy="2761697"/>
-            </a:xfrm>
-          </p:grpSpPr>
-          <p:grpSp>
-            <p:nvGrpSpPr>
-              <p:cNvPr id="5" name="Group 4">
-                <a:extLst>
-                  <a:ext uri="{FF2B5EF4-FFF2-40B4-BE49-F238E27FC236}">
-                    <a16:creationId xmlns:a16="http://schemas.microsoft.com/office/drawing/2014/main" id="{FAA95A4F-9195-479E-A584-3E421F1F1C72}"/>
-                  </a:ext>
-                </a:extLst>
-              </p:cNvPr>
-              <p:cNvGrpSpPr/>
-              <p:nvPr/>
-            </p:nvGrpSpPr>
-            <p:grpSpPr>
-              <a:xfrm>
-                <a:off x="4244008" y="3349486"/>
-                <a:ext cx="3061252" cy="993913"/>
-                <a:chOff x="4204252" y="3180521"/>
-                <a:chExt cx="3061252" cy="993913"/>
-              </a:xfrm>
-            </p:grpSpPr>
-            <p:sp>
-              <p:nvSpPr>
-                <p:cNvPr id="16" name="Rectangle 15">
-                  <a:extLst>
-                    <a:ext uri="{FF2B5EF4-FFF2-40B4-BE49-F238E27FC236}">
-                      <a16:creationId xmlns:a16="http://schemas.microsoft.com/office/drawing/2014/main" id="{47D99881-C79B-47E2-9CFC-5B87DDDCFA5C}"/>
-                    </a:ext>
-                  </a:extLst>
-                </p:cNvPr>
-                <p:cNvSpPr/>
-                <p:nvPr/>
-              </p:nvSpPr>
-              <p:spPr>
-                <a:xfrm>
-                  <a:off x="4204252" y="3180521"/>
-                  <a:ext cx="3061252" cy="993913"/>
-                </a:xfrm>
-                <a:prstGeom prst="rect">
-                  <a:avLst/>
-                </a:prstGeom>
-                <a:solidFill>
-                  <a:schemeClr val="accent1"/>
-                </a:solidFill>
-              </p:spPr>
-              <p:style>
-                <a:lnRef idx="2">
-                  <a:schemeClr val="dk1">
-                    <a:shade val="50000"/>
-                  </a:schemeClr>
-                </a:lnRef>
-                <a:fillRef idx="1">
-                  <a:schemeClr val="dk1"/>
-                </a:fillRef>
-                <a:effectRef idx="0">
-                  <a:schemeClr val="dk1"/>
-                </a:effectRef>
-                <a:fontRef idx="minor">
-                  <a:schemeClr val="lt1"/>
-                </a:fontRef>
-              </p:style>
-              <p:txBody>
-                <a:bodyPr rtlCol="0" anchor="ctr"/>
-                <a:lstStyle/>
-                <a:p>
-                  <a:pPr algn="ctr"/>
-                  <a:endParaRPr lang="en-US"/>
-                </a:p>
-              </p:txBody>
-            </p:sp>
-            <p:sp>
-              <p:nvSpPr>
-                <p:cNvPr id="17" name="TextBox 16">
-                  <a:extLst>
-                    <a:ext uri="{FF2B5EF4-FFF2-40B4-BE49-F238E27FC236}">
-                      <a16:creationId xmlns:a16="http://schemas.microsoft.com/office/drawing/2014/main" id="{681F8BEF-D8A0-4C83-A694-DF6D5D356878}"/>
-                    </a:ext>
-                  </a:extLst>
-                </p:cNvPr>
-                <p:cNvSpPr txBox="1"/>
-                <p:nvPr/>
-              </p:nvSpPr>
-              <p:spPr>
-                <a:xfrm>
-                  <a:off x="4472608" y="3301549"/>
-                  <a:ext cx="2524539" cy="707886"/>
-                </a:xfrm>
-                <a:prstGeom prst="rect">
-                  <a:avLst/>
-                </a:prstGeom>
-                <a:noFill/>
-              </p:spPr>
-              <p:txBody>
-                <a:bodyPr wrap="square" rtlCol="0">
-                  <a:spAutoFit/>
-                </a:bodyPr>
-                <a:lstStyle/>
-                <a:p>
-                  <a:pPr algn="ctr"/>
-                  <a:r>
-                    <a:rPr lang="en-US" sz="2000" dirty="0">
-                      <a:solidFill>
-                        <a:schemeClr val="bg1"/>
-                      </a:solidFill>
-                    </a:rPr>
-                    <a:t>250 y=0</a:t>
-                  </a:r>
-                </a:p>
-                <a:p>
-                  <a:pPr algn="ctr"/>
-                  <a:r>
-                    <a:rPr lang="en-US" sz="2000" dirty="0">
-                      <a:solidFill>
-                        <a:schemeClr val="bg1"/>
-                      </a:solidFill>
-                    </a:rPr>
-                    <a:t>250 y=1</a:t>
-                  </a:r>
-                </a:p>
-              </p:txBody>
-            </p:sp>
-          </p:grpSp>
-          <p:sp>
-            <p:nvSpPr>
-              <p:cNvPr id="15" name="TextBox 14">
-                <a:extLst>
-                  <a:ext uri="{FF2B5EF4-FFF2-40B4-BE49-F238E27FC236}">
-                    <a16:creationId xmlns:a16="http://schemas.microsoft.com/office/drawing/2014/main" id="{15452088-C690-4392-9579-2B0142AB4BED}"/>
-                  </a:ext>
-                </a:extLst>
-              </p:cNvPr>
-              <p:cNvSpPr txBox="1"/>
-              <p:nvPr/>
-            </p:nvSpPr>
-            <p:spPr>
-              <a:xfrm>
-                <a:off x="7619999" y="5557185"/>
-                <a:ext cx="1282148" cy="553998"/>
-              </a:xfrm>
-              <a:prstGeom prst="rect">
-                <a:avLst/>
-              </a:prstGeom>
-              <a:noFill/>
-            </p:spPr>
-            <p:txBody>
-              <a:bodyPr wrap="square" rtlCol="0">
-                <a:spAutoFit/>
-              </a:bodyPr>
-              <a:lstStyle/>
-              <a:p>
-                <a:r>
-                  <a:rPr lang="en-US" sz="3000" b="1" dirty="0">
-                    <a:solidFill>
-                      <a:schemeClr val="bg1"/>
-                    </a:solidFill>
-                  </a:rPr>
-                  <a:t>Y=1</a:t>
-                </a:r>
-              </a:p>
-            </p:txBody>
-          </p:sp>
-          <p:sp>
-            <p:nvSpPr>
-              <p:cNvPr id="13" name="TextBox 12">
-                <a:extLst>
-                  <a:ext uri="{FF2B5EF4-FFF2-40B4-BE49-F238E27FC236}">
-                    <a16:creationId xmlns:a16="http://schemas.microsoft.com/office/drawing/2014/main" id="{E8C87FAD-04E5-446C-8678-569A6EA61D58}"/>
-                  </a:ext>
-                </a:extLst>
-              </p:cNvPr>
-              <p:cNvSpPr txBox="1"/>
-              <p:nvPr/>
-            </p:nvSpPr>
-            <p:spPr>
-              <a:xfrm>
-                <a:off x="2961860" y="5551609"/>
-                <a:ext cx="1282148" cy="553998"/>
-              </a:xfrm>
-              <a:prstGeom prst="rect">
-                <a:avLst/>
-              </a:prstGeom>
-              <a:noFill/>
-            </p:spPr>
-            <p:txBody>
-              <a:bodyPr wrap="square" rtlCol="0">
-                <a:spAutoFit/>
-              </a:bodyPr>
-              <a:lstStyle/>
-              <a:p>
-                <a:r>
-                  <a:rPr lang="en-US" sz="3000" b="1" dirty="0">
-                    <a:solidFill>
-                      <a:schemeClr val="bg1"/>
-                    </a:solidFill>
-                  </a:rPr>
-                  <a:t>Y=0</a:t>
-                </a:r>
-              </a:p>
-            </p:txBody>
-          </p:sp>
-          <p:cxnSp>
-            <p:nvCxnSpPr>
-              <p:cNvPr id="8" name="Straight Arrow Connector 7">
-                <a:extLst>
-                  <a:ext uri="{FF2B5EF4-FFF2-40B4-BE49-F238E27FC236}">
-                    <a16:creationId xmlns:a16="http://schemas.microsoft.com/office/drawing/2014/main" id="{B7DBEB40-A210-435E-969F-44A6C9ED7742}"/>
-                  </a:ext>
-                </a:extLst>
-              </p:cNvPr>
-              <p:cNvCxnSpPr/>
-              <p:nvPr/>
-            </p:nvCxnSpPr>
-            <p:spPr>
-              <a:xfrm flipH="1">
-                <a:off x="4393095" y="4671391"/>
-                <a:ext cx="1252331" cy="576470"/>
-              </a:xfrm>
-              <a:prstGeom prst="straightConnector1">
-                <a:avLst/>
-              </a:prstGeom>
-              <a:ln w="57150">
-                <a:tailEnd type="triangle"/>
-              </a:ln>
-            </p:spPr>
-            <p:style>
-              <a:lnRef idx="1">
-                <a:schemeClr val="dk1"/>
-              </a:lnRef>
-              <a:fillRef idx="0">
-                <a:schemeClr val="dk1"/>
-              </a:fillRef>
-              <a:effectRef idx="0">
-                <a:schemeClr val="dk1"/>
-              </a:effectRef>
-              <a:fontRef idx="minor">
-                <a:schemeClr val="tx1"/>
-              </a:fontRef>
-            </p:style>
-          </p:cxnSp>
-          <p:cxnSp>
-            <p:nvCxnSpPr>
-              <p:cNvPr id="9" name="Straight Arrow Connector 8">
-                <a:extLst>
-                  <a:ext uri="{FF2B5EF4-FFF2-40B4-BE49-F238E27FC236}">
-                    <a16:creationId xmlns:a16="http://schemas.microsoft.com/office/drawing/2014/main" id="{455FB6DA-AA0C-4D12-A41E-81B34F7F22A9}"/>
-                  </a:ext>
-                </a:extLst>
-              </p:cNvPr>
-              <p:cNvCxnSpPr>
-                <a:cxnSpLocks/>
-              </p:cNvCxnSpPr>
-              <p:nvPr/>
-            </p:nvCxnSpPr>
-            <p:spPr>
-              <a:xfrm>
-                <a:off x="5953538" y="4671391"/>
-                <a:ext cx="1162879" cy="576470"/>
-              </a:xfrm>
-              <a:prstGeom prst="straightConnector1">
-                <a:avLst/>
-              </a:prstGeom>
-              <a:ln w="57150">
-                <a:tailEnd type="triangle"/>
-              </a:ln>
-            </p:spPr>
-            <p:style>
-              <a:lnRef idx="1">
-                <a:schemeClr val="dk1"/>
-              </a:lnRef>
-              <a:fillRef idx="0">
-                <a:schemeClr val="dk1"/>
-              </a:fillRef>
-              <a:effectRef idx="0">
-                <a:schemeClr val="dk1"/>
-              </a:effectRef>
-              <a:fontRef idx="minor">
-                <a:schemeClr val="tx1"/>
-              </a:fontRef>
-            </p:style>
-          </p:cxnSp>
-          <p:sp>
-            <p:nvSpPr>
-              <p:cNvPr id="10" name="TextBox 9">
-                <a:extLst>
-                  <a:ext uri="{FF2B5EF4-FFF2-40B4-BE49-F238E27FC236}">
-                    <a16:creationId xmlns:a16="http://schemas.microsoft.com/office/drawing/2014/main" id="{FD1E6922-AB13-4A67-BA16-A267CF725C9D}"/>
-                  </a:ext>
-                </a:extLst>
-              </p:cNvPr>
-              <p:cNvSpPr txBox="1"/>
-              <p:nvPr/>
-            </p:nvSpPr>
-            <p:spPr>
-              <a:xfrm>
-                <a:off x="5328729" y="4336225"/>
-                <a:ext cx="1341783" cy="369332"/>
-              </a:xfrm>
-              <a:prstGeom prst="rect">
-                <a:avLst/>
-              </a:prstGeom>
-              <a:noFill/>
-            </p:spPr>
-            <p:txBody>
-              <a:bodyPr wrap="square" rtlCol="0">
-                <a:spAutoFit/>
-              </a:bodyPr>
-              <a:lstStyle/>
-              <a:p>
-                <a:r>
-                  <a:rPr lang="en-US" dirty="0"/>
-                  <a:t>BEST split</a:t>
-                </a:r>
-                <a:endParaRPr lang="en-US" b="0" i="0" dirty="0">
-                  <a:solidFill>
-                    <a:srgbClr val="303133"/>
-                  </a:solidFill>
-                  <a:effectLst/>
-                  <a:latin typeface="Poppins"/>
-                </a:endParaRPr>
-              </a:p>
-            </p:txBody>
-          </p:sp>
-        </p:grpSp>
-        <p:sp>
-          <p:nvSpPr>
-            <p:cNvPr id="19" name="Rectangle 18">
-              <a:extLst>
-                <a:ext uri="{FF2B5EF4-FFF2-40B4-BE49-F238E27FC236}">
-                  <a16:creationId xmlns:a16="http://schemas.microsoft.com/office/drawing/2014/main" id="{517B7AEA-7148-429F-9A41-93FF1DE4FEF5}"/>
-                </a:ext>
-              </a:extLst>
-            </p:cNvPr>
-            <p:cNvSpPr/>
-            <p:nvPr/>
-          </p:nvSpPr>
-          <p:spPr>
-            <a:xfrm>
-              <a:off x="2006320" y="4674559"/>
-              <a:ext cx="3061252" cy="993913"/>
-            </a:xfrm>
-            <a:prstGeom prst="rect">
-              <a:avLst/>
-            </a:prstGeom>
-            <a:solidFill>
-              <a:schemeClr val="accent1"/>
-            </a:solidFill>
-          </p:spPr>
-          <p:style>
-            <a:lnRef idx="2">
-              <a:schemeClr val="dk1">
-                <a:shade val="50000"/>
-              </a:schemeClr>
-            </a:lnRef>
-            <a:fillRef idx="1">
-              <a:schemeClr val="dk1"/>
-            </a:fillRef>
-            <a:effectRef idx="0">
-              <a:schemeClr val="dk1"/>
-            </a:effectRef>
-            <a:fontRef idx="minor">
-              <a:schemeClr val="lt1"/>
-            </a:fontRef>
-          </p:style>
-          <p:txBody>
-            <a:bodyPr rtlCol="0" anchor="ctr"/>
-            <a:lstStyle/>
-            <a:p>
-              <a:pPr algn="ctr"/>
-              <a:r>
-                <a:rPr lang="en-US" dirty="0"/>
-                <a:t>250 y=0</a:t>
-              </a:r>
-            </a:p>
-            <a:p>
-              <a:pPr algn="ctr"/>
-              <a:r>
-                <a:rPr lang="en-US" dirty="0"/>
-                <a:t>0 y=1</a:t>
-              </a:r>
-            </a:p>
-          </p:txBody>
-        </p:sp>
-        <p:sp>
-          <p:nvSpPr>
-            <p:cNvPr id="21" name="Rectangle 20">
-              <a:extLst>
-                <a:ext uri="{FF2B5EF4-FFF2-40B4-BE49-F238E27FC236}">
-                  <a16:creationId xmlns:a16="http://schemas.microsoft.com/office/drawing/2014/main" id="{DCCBB972-8F9F-4918-BCFC-FFF542647D14}"/>
-                </a:ext>
-              </a:extLst>
-            </p:cNvPr>
-            <p:cNvSpPr/>
-            <p:nvPr/>
-          </p:nvSpPr>
-          <p:spPr>
-            <a:xfrm>
-              <a:off x="6465196" y="4678284"/>
-              <a:ext cx="3061252" cy="993913"/>
-            </a:xfrm>
-            <a:prstGeom prst="rect">
-              <a:avLst/>
-            </a:prstGeom>
-            <a:solidFill>
-              <a:schemeClr val="accent1"/>
-            </a:solidFill>
-          </p:spPr>
-          <p:style>
-            <a:lnRef idx="2">
-              <a:schemeClr val="dk1">
-                <a:shade val="50000"/>
-              </a:schemeClr>
-            </a:lnRef>
-            <a:fillRef idx="1">
-              <a:schemeClr val="dk1"/>
-            </a:fillRef>
-            <a:effectRef idx="0">
-              <a:schemeClr val="dk1"/>
-            </a:effectRef>
-            <a:fontRef idx="minor">
-              <a:schemeClr val="lt1"/>
-            </a:fontRef>
-          </p:style>
-          <p:txBody>
-            <a:bodyPr rtlCol="0" anchor="ctr"/>
-            <a:lstStyle/>
-            <a:p>
-              <a:pPr algn="ctr"/>
-              <a:r>
-                <a:rPr lang="en-US" dirty="0"/>
-                <a:t>0 y=0</a:t>
-              </a:r>
-            </a:p>
-            <a:p>
-              <a:pPr algn="ctr"/>
-              <a:r>
-                <a:rPr lang="en-US" dirty="0"/>
-                <a:t>250 y=1</a:t>
-              </a:r>
-            </a:p>
-          </p:txBody>
-        </p:sp>
-      </p:grpSp>
-      <p:sp>
-        <p:nvSpPr>
-          <p:cNvPr id="24" name="TextBox 23">
-            <a:extLst>
-              <a:ext uri="{FF2B5EF4-FFF2-40B4-BE49-F238E27FC236}">
-                <a16:creationId xmlns:a16="http://schemas.microsoft.com/office/drawing/2014/main" id="{6D2C8F6E-B369-4B85-ABCC-A544713B0CCA}"/>
-              </a:ext>
-            </a:extLst>
-          </p:cNvPr>
-          <p:cNvSpPr txBox="1"/>
-          <p:nvPr/>
-        </p:nvSpPr>
-        <p:spPr>
-          <a:xfrm>
-            <a:off x="7507628" y="2988518"/>
-            <a:ext cx="4619134" cy="646331"/>
-          </a:xfrm>
-          <a:prstGeom prst="rect">
-            <a:avLst/>
-          </a:prstGeom>
-          <a:noFill/>
-        </p:spPr>
-        <p:txBody>
-          <a:bodyPr wrap="square" rtlCol="0">
-            <a:spAutoFit/>
-          </a:bodyPr>
-          <a:lstStyle/>
-          <a:p>
-            <a:r>
-              <a:rPr lang="en-US" dirty="0"/>
-              <a:t>Entropy before split = 0.6931471805599453</a:t>
-            </a:r>
-          </a:p>
-          <a:p>
-            <a:r>
-              <a:rPr lang="en-US" dirty="0"/>
-              <a:t> </a:t>
-            </a:r>
-          </a:p>
-        </p:txBody>
-      </p:sp>
-      <p:sp>
-        <p:nvSpPr>
-          <p:cNvPr id="26" name="TextBox 25">
-            <a:extLst>
-              <a:ext uri="{FF2B5EF4-FFF2-40B4-BE49-F238E27FC236}">
-                <a16:creationId xmlns:a16="http://schemas.microsoft.com/office/drawing/2014/main" id="{666BAF99-9E99-4208-9CC2-3D00153E928E}"/>
-              </a:ext>
-            </a:extLst>
-          </p:cNvPr>
-          <p:cNvSpPr txBox="1"/>
-          <p:nvPr/>
-        </p:nvSpPr>
-        <p:spPr>
-          <a:xfrm>
-            <a:off x="1985390" y="5840659"/>
-            <a:ext cx="2460986" cy="646331"/>
-          </a:xfrm>
-          <a:prstGeom prst="rect">
-            <a:avLst/>
-          </a:prstGeom>
-          <a:noFill/>
-        </p:spPr>
-        <p:txBody>
-          <a:bodyPr wrap="square" rtlCol="0">
-            <a:spAutoFit/>
-          </a:bodyPr>
-          <a:lstStyle/>
-          <a:p>
-            <a:r>
-              <a:rPr lang="en-US" dirty="0"/>
-              <a:t>Entropy left branch = 0</a:t>
-            </a:r>
-          </a:p>
-          <a:p>
-            <a:r>
-              <a:rPr lang="en-US" dirty="0"/>
-              <a:t> </a:t>
-            </a:r>
-          </a:p>
-        </p:txBody>
-      </p:sp>
-      <p:sp>
-        <p:nvSpPr>
-          <p:cNvPr id="28" name="TextBox 27">
-            <a:extLst>
-              <a:ext uri="{FF2B5EF4-FFF2-40B4-BE49-F238E27FC236}">
-                <a16:creationId xmlns:a16="http://schemas.microsoft.com/office/drawing/2014/main" id="{5AAFD5C1-9393-49BA-87C5-2EB26E7195F5}"/>
-              </a:ext>
-            </a:extLst>
-          </p:cNvPr>
-          <p:cNvSpPr txBox="1"/>
-          <p:nvPr/>
-        </p:nvSpPr>
-        <p:spPr>
-          <a:xfrm>
-            <a:off x="6420008" y="5838271"/>
-            <a:ext cx="2460986" cy="646331"/>
-          </a:xfrm>
-          <a:prstGeom prst="rect">
-            <a:avLst/>
-          </a:prstGeom>
-          <a:noFill/>
-        </p:spPr>
-        <p:txBody>
-          <a:bodyPr wrap="square" rtlCol="0">
-            <a:spAutoFit/>
-          </a:bodyPr>
-          <a:lstStyle/>
-          <a:p>
-            <a:r>
-              <a:rPr lang="en-US" dirty="0"/>
-              <a:t>Entropy right branch = 0  </a:t>
-            </a:r>
-          </a:p>
-          <a:p>
-            <a:r>
-              <a:rPr lang="en-US" dirty="0"/>
-              <a:t> </a:t>
-            </a:r>
-          </a:p>
-        </p:txBody>
-      </p:sp>
-      <p:sp>
-        <p:nvSpPr>
-          <p:cNvPr id="30" name="TextBox 29">
-            <a:extLst>
-              <a:ext uri="{FF2B5EF4-FFF2-40B4-BE49-F238E27FC236}">
-                <a16:creationId xmlns:a16="http://schemas.microsoft.com/office/drawing/2014/main" id="{81AD0B78-437A-44EF-9442-8133F790B246}"/>
-              </a:ext>
-            </a:extLst>
-          </p:cNvPr>
-          <p:cNvSpPr txBox="1"/>
-          <p:nvPr/>
-        </p:nvSpPr>
-        <p:spPr>
-          <a:xfrm>
-            <a:off x="1774691" y="4836163"/>
-            <a:ext cx="10699478" cy="1323439"/>
-          </a:xfrm>
-          <a:prstGeom prst="rect">
-            <a:avLst/>
-          </a:prstGeom>
-          <a:noFill/>
-        </p:spPr>
-        <p:txBody>
-          <a:bodyPr wrap="square" rtlCol="0">
-            <a:spAutoFit/>
-          </a:bodyPr>
-          <a:lstStyle/>
-          <a:p>
-            <a:r>
-              <a:rPr lang="en-US" sz="4000" b="1" dirty="0"/>
-              <a:t>Information Gain = 0.6931471805599453</a:t>
-            </a:r>
-          </a:p>
-          <a:p>
-            <a:r>
-              <a:rPr lang="en-US" sz="4000" b="1" dirty="0"/>
-              <a:t> </a:t>
-            </a:r>
-          </a:p>
-        </p:txBody>
-      </p:sp>
-    </p:spTree>
-    <p:extLst>
-      <p:ext uri="{BB962C8B-B14F-4D97-AF65-F5344CB8AC3E}">
-        <p14:creationId xmlns:p14="http://schemas.microsoft.com/office/powerpoint/2010/main" val="3590834431"/>
-      </p:ext>
-    </p:extLst>
-  </p:cSld>
-  <p:clrMapOvr>
-    <a:masterClrMapping/>
-  </p:clrMapOvr>
-  <p:timing>
-    <p:tnLst>
-      <p:par>
-        <p:cTn id="1" dur="indefinite" restart="never" nodeType="tmRoot">
-          <p:childTnLst>
-            <p:seq concurrent="1" nextAc="seek">
-              <p:cTn id="2" dur="indefinite" nodeType="mainSeq">
-                <p:childTnLst>
-                  <p:par>
-                    <p:cTn id="3" fill="hold">
-                      <p:stCondLst>
-                        <p:cond delay="indefinite"/>
-                      </p:stCondLst>
-                      <p:childTnLst>
-                        <p:par>
-                          <p:cTn id="4" fill="hold">
-                            <p:stCondLst>
-                              <p:cond delay="0"/>
-                            </p:stCondLst>
-                            <p:childTnLst>
-                              <p:par>
-                                <p:cTn id="5" presetID="10" presetClass="entr" presetSubtype="0" fill="hold" grpId="1" nodeType="clickEffect">
-                                  <p:stCondLst>
-                                    <p:cond delay="0"/>
-                                  </p:stCondLst>
-                                  <p:childTnLst>
-                                    <p:set>
-                                      <p:cBhvr>
-                                        <p:cTn id="6" dur="1" fill="hold">
-                                          <p:stCondLst>
-                                            <p:cond delay="0"/>
-                                          </p:stCondLst>
-                                        </p:cTn>
-                                        <p:tgtEl>
-                                          <p:spTgt spid="24"/>
-                                        </p:tgtEl>
-                                        <p:attrNameLst>
-                                          <p:attrName>style.visibility</p:attrName>
-                                        </p:attrNameLst>
-                                      </p:cBhvr>
-                                      <p:to>
-                                        <p:strVal val="visible"/>
-                                      </p:to>
-                                    </p:set>
-                                    <p:animEffect transition="in" filter="fade">
-                                      <p:cBhvr>
-                                        <p:cTn id="7" dur="500"/>
-                                        <p:tgtEl>
-                                          <p:spTgt spid="24"/>
-                                        </p:tgtEl>
-                                      </p:cBhvr>
-                                    </p:animEffect>
-                                  </p:childTnLst>
-                                </p:cTn>
-                              </p:par>
-                            </p:childTnLst>
-                          </p:cTn>
-                        </p:par>
-                      </p:childTnLst>
-                    </p:cTn>
-                  </p:par>
-                  <p:par>
-                    <p:cTn id="8" fill="hold">
-                      <p:stCondLst>
-                        <p:cond delay="indefinite"/>
-                      </p:stCondLst>
-                      <p:childTnLst>
-                        <p:par>
-                          <p:cTn id="9" fill="hold">
-                            <p:stCondLst>
-                              <p:cond delay="0"/>
-                            </p:stCondLst>
-                            <p:childTnLst>
-                              <p:par>
-                                <p:cTn id="10" presetID="10" presetClass="entr" presetSubtype="0" fill="hold" grpId="1" nodeType="clickEffect">
-                                  <p:stCondLst>
-                                    <p:cond delay="0"/>
-                                  </p:stCondLst>
-                                  <p:childTnLst>
-                                    <p:set>
-                                      <p:cBhvr>
-                                        <p:cTn id="11" dur="1" fill="hold">
-                                          <p:stCondLst>
-                                            <p:cond delay="0"/>
-                                          </p:stCondLst>
-                                        </p:cTn>
-                                        <p:tgtEl>
-                                          <p:spTgt spid="26"/>
-                                        </p:tgtEl>
-                                        <p:attrNameLst>
-                                          <p:attrName>style.visibility</p:attrName>
-                                        </p:attrNameLst>
-                                      </p:cBhvr>
-                                      <p:to>
-                                        <p:strVal val="visible"/>
-                                      </p:to>
-                                    </p:set>
-                                    <p:animEffect transition="in" filter="fade">
-                                      <p:cBhvr>
-                                        <p:cTn id="12" dur="500"/>
-                                        <p:tgtEl>
-                                          <p:spTgt spid="26"/>
-                                        </p:tgtEl>
-                                      </p:cBhvr>
-                                    </p:animEffect>
-                                  </p:childTnLst>
-                                </p:cTn>
-                              </p:par>
-                              <p:par>
-                                <p:cTn id="13" presetID="10" presetClass="entr" presetSubtype="0" fill="hold" grpId="1" nodeType="withEffect">
-                                  <p:stCondLst>
-                                    <p:cond delay="0"/>
-                                  </p:stCondLst>
-                                  <p:childTnLst>
-                                    <p:set>
-                                      <p:cBhvr>
-                                        <p:cTn id="14" dur="1" fill="hold">
-                                          <p:stCondLst>
-                                            <p:cond delay="0"/>
-                                          </p:stCondLst>
-                                        </p:cTn>
-                                        <p:tgtEl>
-                                          <p:spTgt spid="28"/>
-                                        </p:tgtEl>
-                                        <p:attrNameLst>
-                                          <p:attrName>style.visibility</p:attrName>
-                                        </p:attrNameLst>
-                                      </p:cBhvr>
-                                      <p:to>
-                                        <p:strVal val="visible"/>
-                                      </p:to>
-                                    </p:set>
-                                    <p:animEffect transition="in" filter="fade">
-                                      <p:cBhvr>
-                                        <p:cTn id="15" dur="500"/>
-                                        <p:tgtEl>
-                                          <p:spTgt spid="28"/>
-                                        </p:tgtEl>
-                                      </p:cBhvr>
-                                    </p:animEffect>
-                                  </p:childTnLst>
-                                </p:cTn>
-                              </p:par>
-                            </p:childTnLst>
-                          </p:cTn>
-                        </p:par>
-                      </p:childTnLst>
-                    </p:cTn>
-                  </p:par>
-                  <p:par>
-                    <p:cTn id="16" fill="hold">
-                      <p:stCondLst>
-                        <p:cond delay="indefinite"/>
-                      </p:stCondLst>
-                      <p:childTnLst>
-                        <p:par>
-                          <p:cTn id="17" fill="hold">
-                            <p:stCondLst>
-                              <p:cond delay="0"/>
-                            </p:stCondLst>
-                            <p:childTnLst>
-                              <p:par>
-                                <p:cTn id="18" presetID="42" presetClass="path" presetSubtype="0" accel="50000" decel="50000" fill="hold" nodeType="clickEffect">
-                                  <p:stCondLst>
-                                    <p:cond delay="0"/>
-                                  </p:stCondLst>
-                                  <p:childTnLst>
-                                    <p:animMotion origin="layout" path="M 3.33333E-6 -1.48148E-6 L -0.79896 0.00046 " pathEditMode="relative" rAng="0" ptsTypes="AA">
-                                      <p:cBhvr>
-                                        <p:cTn id="19" dur="1000" fill="hold"/>
-                                        <p:tgtEl>
-                                          <p:spTgt spid="29"/>
-                                        </p:tgtEl>
-                                        <p:attrNameLst>
-                                          <p:attrName>ppt_x</p:attrName>
-                                          <p:attrName>ppt_y</p:attrName>
-                                        </p:attrNameLst>
-                                      </p:cBhvr>
-                                      <p:rCtr x="-39948" y="23"/>
-                                    </p:animMotion>
-                                  </p:childTnLst>
-                                </p:cTn>
-                              </p:par>
-                              <p:par>
-                                <p:cTn id="20" presetID="42" presetClass="path" presetSubtype="0" accel="50000" decel="50000" fill="hold" grpId="0" nodeType="withEffect">
-                                  <p:stCondLst>
-                                    <p:cond delay="0"/>
-                                  </p:stCondLst>
-                                  <p:childTnLst>
-                                    <p:animMotion origin="layout" path="M 0.09401 0.00764 L -0.52708 -0.08426 " pathEditMode="relative" rAng="0" ptsTypes="AA">
-                                      <p:cBhvr>
-                                        <p:cTn id="21" dur="1000" fill="hold"/>
-                                        <p:tgtEl>
-                                          <p:spTgt spid="24"/>
-                                        </p:tgtEl>
-                                        <p:attrNameLst>
-                                          <p:attrName>ppt_x</p:attrName>
-                                          <p:attrName>ppt_y</p:attrName>
-                                        </p:attrNameLst>
-                                      </p:cBhvr>
-                                      <p:rCtr x="-31055" y="-4606"/>
-                                    </p:animMotion>
-                                  </p:childTnLst>
-                                </p:cTn>
-                              </p:par>
-                              <p:par>
-                                <p:cTn id="22" presetID="42" presetClass="path" presetSubtype="0" accel="50000" decel="50000" fill="hold" grpId="0" nodeType="withEffect">
-                                  <p:stCondLst>
-                                    <p:cond delay="0"/>
-                                  </p:stCondLst>
-                                  <p:childTnLst>
-                                    <p:animMotion origin="layout" path="M -0.04049 -0.02569 L -0.07487 -0.44305 " pathEditMode="relative" rAng="0" ptsTypes="AA">
-                                      <p:cBhvr>
-                                        <p:cTn id="23" dur="1000" fill="hold"/>
-                                        <p:tgtEl>
-                                          <p:spTgt spid="26"/>
-                                        </p:tgtEl>
-                                        <p:attrNameLst>
-                                          <p:attrName>ppt_x</p:attrName>
-                                          <p:attrName>ppt_y</p:attrName>
-                                        </p:attrNameLst>
-                                      </p:cBhvr>
-                                      <p:rCtr x="-1719" y="-20880"/>
-                                    </p:animMotion>
-                                  </p:childTnLst>
-                                </p:cTn>
-                              </p:par>
-                              <p:par>
-                                <p:cTn id="24" presetID="42" presetClass="path" presetSubtype="0" accel="50000" decel="50000" fill="hold" grpId="0" nodeType="withEffect">
-                                  <p:stCondLst>
-                                    <p:cond delay="0"/>
-                                  </p:stCondLst>
-                                  <p:childTnLst>
-                                    <p:animMotion origin="layout" path="M 0.00625 0.0037 L -0.43893 -0.38773 " pathEditMode="relative" rAng="0" ptsTypes="AA">
-                                      <p:cBhvr>
-                                        <p:cTn id="25" dur="1000" fill="hold"/>
-                                        <p:tgtEl>
-                                          <p:spTgt spid="28"/>
-                                        </p:tgtEl>
-                                        <p:attrNameLst>
-                                          <p:attrName>ppt_x</p:attrName>
-                                          <p:attrName>ppt_y</p:attrName>
-                                        </p:attrNameLst>
-                                      </p:cBhvr>
-                                      <p:rCtr x="-22266" y="-19583"/>
-                                    </p:animMotion>
-                                  </p:childTnLst>
-                                </p:cTn>
-                              </p:par>
-                            </p:childTnLst>
-                          </p:cTn>
-                        </p:par>
-                        <p:par>
-                          <p:cTn id="26" fill="hold">
-                            <p:stCondLst>
-                              <p:cond delay="1000"/>
-                            </p:stCondLst>
-                            <p:childTnLst>
-                              <p:par>
-                                <p:cTn id="27" presetID="10" presetClass="entr" presetSubtype="0" fill="hold" grpId="0" nodeType="afterEffect">
-                                  <p:stCondLst>
-                                    <p:cond delay="0"/>
-                                  </p:stCondLst>
-                                  <p:childTnLst>
-                                    <p:set>
-                                      <p:cBhvr>
-                                        <p:cTn id="28" dur="1" fill="hold">
-                                          <p:stCondLst>
-                                            <p:cond delay="0"/>
-                                          </p:stCondLst>
-                                        </p:cTn>
-                                        <p:tgtEl>
-                                          <p:spTgt spid="30"/>
-                                        </p:tgtEl>
-                                        <p:attrNameLst>
-                                          <p:attrName>style.visibility</p:attrName>
-                                        </p:attrNameLst>
-                                      </p:cBhvr>
-                                      <p:to>
-                                        <p:strVal val="visible"/>
-                                      </p:to>
-                                    </p:set>
-                                    <p:animEffect transition="in" filter="fade">
-                                      <p:cBhvr>
-                                        <p:cTn id="29" dur="500"/>
-                                        <p:tgtEl>
-                                          <p:spTgt spid="30"/>
-                                        </p:tgtEl>
-                                      </p:cBhvr>
-                                    </p:animEffect>
-                                  </p:childTnLst>
-                                </p:cTn>
-                              </p:par>
-                            </p:childTnLst>
-                          </p:cTn>
-                        </p:par>
-                      </p:childTnLst>
-                    </p:cTn>
-                  </p:par>
-                </p:childTnLst>
-              </p:cTn>
-              <p:prevCondLst>
-                <p:cond evt="onPrev" delay="0">
-                  <p:tgtEl>
-                    <p:sldTgt/>
-                  </p:tgtEl>
-                </p:cond>
-              </p:prevCondLst>
-              <p:nextCondLst>
-                <p:cond evt="onNext" delay="0">
-                  <p:tgtEl>
-                    <p:sldTgt/>
-                  </p:tgtEl>
-                </p:cond>
-              </p:nextCondLst>
-            </p:seq>
-          </p:childTnLst>
-        </p:cTn>
-      </p:par>
-    </p:tnLst>
-    <p:bldLst>
-      <p:bldP spid="24" grpId="0"/>
-      <p:bldP spid="24" grpId="1"/>
-      <p:bldP spid="26" grpId="0"/>
-      <p:bldP spid="26" grpId="1"/>
-      <p:bldP spid="28" grpId="0"/>
-      <p:bldP spid="28" grpId="1"/>
-      <p:bldP spid="30" grpId="0"/>
-    </p:bldLst>
-  </p:timing>
-</p:sld>
-</file>
-
-<file path=ppt/slides/slide12.xml><?xml version="1.0" encoding="utf-8"?>
-<p:sld xmlns:a="http://schemas.openxmlformats.org/drawingml/2006/main" xmlns:r="http://schemas.openxmlformats.org/officeDocument/2006/relationships" xmlns:p="http://schemas.openxmlformats.org/presentationml/2006/main">
-  <p:cSld>
-    <p:spTree>
-      <p:nvGrpSpPr>
-        <p:cNvPr id="1" name=""/>
-        <p:cNvGrpSpPr/>
-        <p:nvPr/>
-      </p:nvGrpSpPr>
-      <p:grpSpPr>
-        <a:xfrm>
-          <a:off x="0" y="0"/>
-          <a:ext cx="0" cy="0"/>
-          <a:chOff x="0" y="0"/>
-          <a:chExt cx="0" cy="0"/>
-        </a:xfrm>
-      </p:grpSpPr>
-      <p:sp>
-        <p:nvSpPr>
-          <p:cNvPr id="2" name="Title 1">
-            <a:extLst>
-              <a:ext uri="{FF2B5EF4-FFF2-40B4-BE49-F238E27FC236}">
-                <a16:creationId xmlns:a16="http://schemas.microsoft.com/office/drawing/2014/main" id="{FF032698-D97A-4D85-BE0C-15069F7D4D87}"/>
-              </a:ext>
-            </a:extLst>
-          </p:cNvPr>
-          <p:cNvSpPr>
-            <a:spLocks noGrp="1"/>
-          </p:cNvSpPr>
-          <p:nvPr>
-            <p:ph type="title"/>
-          </p:nvPr>
-        </p:nvSpPr>
-        <p:spPr/>
-        <p:txBody>
-          <a:bodyPr/>
-          <a:lstStyle/>
-          <a:p>
-            <a:r>
-              <a:rPr lang="en-US" dirty="0"/>
-              <a:t>Classification Tree: Examples</a:t>
-            </a:r>
-          </a:p>
-        </p:txBody>
-      </p:sp>
-      <p:sp>
-        <p:nvSpPr>
-          <p:cNvPr id="3" name="Content Placeholder 2">
-            <a:extLst>
-              <a:ext uri="{FF2B5EF4-FFF2-40B4-BE49-F238E27FC236}">
-                <a16:creationId xmlns:a16="http://schemas.microsoft.com/office/drawing/2014/main" id="{58C11D51-296D-4529-8467-B8995F2BDE0B}"/>
-              </a:ext>
-            </a:extLst>
-          </p:cNvPr>
-          <p:cNvSpPr>
-            <a:spLocks noGrp="1"/>
-          </p:cNvSpPr>
-          <p:nvPr>
-            <p:ph idx="1"/>
-          </p:nvPr>
-        </p:nvSpPr>
-        <p:spPr/>
-        <p:txBody>
-          <a:bodyPr/>
-          <a:lstStyle/>
-          <a:p>
-            <a:r>
-              <a:rPr lang="en-US" dirty="0"/>
-              <a:t>Consider WORST split scenario where </a:t>
-            </a:r>
-          </a:p>
-        </p:txBody>
-      </p:sp>
-      <p:grpSp>
-        <p:nvGrpSpPr>
-          <p:cNvPr id="29" name="Group 28">
-            <a:extLst>
-              <a:ext uri="{FF2B5EF4-FFF2-40B4-BE49-F238E27FC236}">
-                <a16:creationId xmlns:a16="http://schemas.microsoft.com/office/drawing/2014/main" id="{310EBBC7-D3A9-4CB6-A37C-5E48A704B19A}"/>
-              </a:ext>
-            </a:extLst>
-          </p:cNvPr>
-          <p:cNvGrpSpPr/>
-          <p:nvPr/>
-        </p:nvGrpSpPr>
-        <p:grpSpPr>
-          <a:xfrm>
-            <a:off x="2006320" y="2648110"/>
-            <a:ext cx="7520128" cy="3024087"/>
-            <a:chOff x="2006320" y="2648110"/>
-            <a:chExt cx="7520128" cy="3024087"/>
-          </a:xfrm>
-        </p:grpSpPr>
-        <p:grpSp>
-          <p:nvGrpSpPr>
-            <p:cNvPr id="4" name="Group 3">
-              <a:extLst>
-                <a:ext uri="{FF2B5EF4-FFF2-40B4-BE49-F238E27FC236}">
-                  <a16:creationId xmlns:a16="http://schemas.microsoft.com/office/drawing/2014/main" id="{687E5B58-2B5E-4652-855C-96FE808200FA}"/>
-                </a:ext>
-              </a:extLst>
-            </p:cNvPr>
-            <p:cNvGrpSpPr/>
-            <p:nvPr/>
-          </p:nvGrpSpPr>
-          <p:grpSpPr>
-            <a:xfrm>
-              <a:off x="2895872" y="2648110"/>
-              <a:ext cx="5940287" cy="2761697"/>
-              <a:chOff x="2961860" y="3349486"/>
-              <a:chExt cx="5940287" cy="2761697"/>
-            </a:xfrm>
-          </p:grpSpPr>
-          <p:grpSp>
-            <p:nvGrpSpPr>
-              <p:cNvPr id="5" name="Group 4">
-                <a:extLst>
-                  <a:ext uri="{FF2B5EF4-FFF2-40B4-BE49-F238E27FC236}">
-                    <a16:creationId xmlns:a16="http://schemas.microsoft.com/office/drawing/2014/main" id="{FAA95A4F-9195-479E-A584-3E421F1F1C72}"/>
-                  </a:ext>
-                </a:extLst>
-              </p:cNvPr>
-              <p:cNvGrpSpPr/>
-              <p:nvPr/>
-            </p:nvGrpSpPr>
-            <p:grpSpPr>
-              <a:xfrm>
-                <a:off x="4244008" y="3349486"/>
-                <a:ext cx="3061252" cy="993913"/>
-                <a:chOff x="4204252" y="3180521"/>
-                <a:chExt cx="3061252" cy="993913"/>
-              </a:xfrm>
-            </p:grpSpPr>
-            <p:sp>
-              <p:nvSpPr>
-                <p:cNvPr id="16" name="Rectangle 15">
-                  <a:extLst>
-                    <a:ext uri="{FF2B5EF4-FFF2-40B4-BE49-F238E27FC236}">
-                      <a16:creationId xmlns:a16="http://schemas.microsoft.com/office/drawing/2014/main" id="{47D99881-C79B-47E2-9CFC-5B87DDDCFA5C}"/>
-                    </a:ext>
-                  </a:extLst>
-                </p:cNvPr>
-                <p:cNvSpPr/>
-                <p:nvPr/>
-              </p:nvSpPr>
-              <p:spPr>
-                <a:xfrm>
-                  <a:off x="4204252" y="3180521"/>
-                  <a:ext cx="3061252" cy="993913"/>
-                </a:xfrm>
-                <a:prstGeom prst="rect">
-                  <a:avLst/>
-                </a:prstGeom>
-                <a:solidFill>
-                  <a:schemeClr val="accent1"/>
-                </a:solidFill>
-              </p:spPr>
-              <p:style>
-                <a:lnRef idx="2">
-                  <a:schemeClr val="dk1">
-                    <a:shade val="50000"/>
-                  </a:schemeClr>
-                </a:lnRef>
-                <a:fillRef idx="1">
-                  <a:schemeClr val="dk1"/>
-                </a:fillRef>
-                <a:effectRef idx="0">
-                  <a:schemeClr val="dk1"/>
-                </a:effectRef>
-                <a:fontRef idx="minor">
-                  <a:schemeClr val="lt1"/>
-                </a:fontRef>
-              </p:style>
-              <p:txBody>
-                <a:bodyPr rtlCol="0" anchor="ctr"/>
-                <a:lstStyle/>
-                <a:p>
-                  <a:pPr algn="ctr"/>
-                  <a:endParaRPr lang="en-US"/>
-                </a:p>
-              </p:txBody>
-            </p:sp>
-            <p:sp>
-              <p:nvSpPr>
-                <p:cNvPr id="17" name="TextBox 16">
-                  <a:extLst>
-                    <a:ext uri="{FF2B5EF4-FFF2-40B4-BE49-F238E27FC236}">
-                      <a16:creationId xmlns:a16="http://schemas.microsoft.com/office/drawing/2014/main" id="{681F8BEF-D8A0-4C83-A694-DF6D5D356878}"/>
-                    </a:ext>
-                  </a:extLst>
-                </p:cNvPr>
-                <p:cNvSpPr txBox="1"/>
-                <p:nvPr/>
-              </p:nvSpPr>
-              <p:spPr>
-                <a:xfrm>
-                  <a:off x="4472608" y="3301549"/>
-                  <a:ext cx="2524539" cy="707886"/>
-                </a:xfrm>
-                <a:prstGeom prst="rect">
-                  <a:avLst/>
-                </a:prstGeom>
-                <a:noFill/>
-              </p:spPr>
-              <p:txBody>
-                <a:bodyPr wrap="square" rtlCol="0">
-                  <a:spAutoFit/>
-                </a:bodyPr>
-                <a:lstStyle/>
-                <a:p>
-                  <a:pPr algn="ctr"/>
-                  <a:r>
-                    <a:rPr lang="en-US" sz="2000" dirty="0">
-                      <a:solidFill>
-                        <a:schemeClr val="bg1"/>
-                      </a:solidFill>
-                    </a:rPr>
-                    <a:t>250 y=0</a:t>
-                  </a:r>
-                </a:p>
-                <a:p>
-                  <a:pPr algn="ctr"/>
-                  <a:r>
-                    <a:rPr lang="en-US" sz="2000" dirty="0">
-                      <a:solidFill>
-                        <a:schemeClr val="bg1"/>
-                      </a:solidFill>
-                    </a:rPr>
-                    <a:t>250 y=1</a:t>
-                  </a:r>
-                </a:p>
-              </p:txBody>
-            </p:sp>
-          </p:grpSp>
-          <p:sp>
-            <p:nvSpPr>
-              <p:cNvPr id="15" name="TextBox 14">
-                <a:extLst>
-                  <a:ext uri="{FF2B5EF4-FFF2-40B4-BE49-F238E27FC236}">
-                    <a16:creationId xmlns:a16="http://schemas.microsoft.com/office/drawing/2014/main" id="{15452088-C690-4392-9579-2B0142AB4BED}"/>
-                  </a:ext>
-                </a:extLst>
-              </p:cNvPr>
-              <p:cNvSpPr txBox="1"/>
-              <p:nvPr/>
-            </p:nvSpPr>
-            <p:spPr>
-              <a:xfrm>
-                <a:off x="7619999" y="5557185"/>
-                <a:ext cx="1282148" cy="553998"/>
-              </a:xfrm>
-              <a:prstGeom prst="rect">
-                <a:avLst/>
-              </a:prstGeom>
-              <a:noFill/>
-            </p:spPr>
-            <p:txBody>
-              <a:bodyPr wrap="square" rtlCol="0">
-                <a:spAutoFit/>
-              </a:bodyPr>
-              <a:lstStyle/>
-              <a:p>
-                <a:r>
-                  <a:rPr lang="en-US" sz="3000" b="1" dirty="0">
-                    <a:solidFill>
-                      <a:schemeClr val="bg1"/>
-                    </a:solidFill>
-                  </a:rPr>
-                  <a:t>Y=1</a:t>
-                </a:r>
-              </a:p>
-            </p:txBody>
-          </p:sp>
-          <p:sp>
-            <p:nvSpPr>
-              <p:cNvPr id="13" name="TextBox 12">
-                <a:extLst>
-                  <a:ext uri="{FF2B5EF4-FFF2-40B4-BE49-F238E27FC236}">
-                    <a16:creationId xmlns:a16="http://schemas.microsoft.com/office/drawing/2014/main" id="{E8C87FAD-04E5-446C-8678-569A6EA61D58}"/>
-                  </a:ext>
-                </a:extLst>
-              </p:cNvPr>
-              <p:cNvSpPr txBox="1"/>
-              <p:nvPr/>
-            </p:nvSpPr>
-            <p:spPr>
-              <a:xfrm>
-                <a:off x="2961860" y="5551609"/>
-                <a:ext cx="1282148" cy="553998"/>
-              </a:xfrm>
-              <a:prstGeom prst="rect">
-                <a:avLst/>
-              </a:prstGeom>
-              <a:noFill/>
-            </p:spPr>
-            <p:txBody>
-              <a:bodyPr wrap="square" rtlCol="0">
-                <a:spAutoFit/>
-              </a:bodyPr>
-              <a:lstStyle/>
-              <a:p>
-                <a:r>
-                  <a:rPr lang="en-US" sz="3000" b="1" dirty="0">
-                    <a:solidFill>
-                      <a:schemeClr val="bg1"/>
-                    </a:solidFill>
-                  </a:rPr>
-                  <a:t>Y=0</a:t>
-                </a:r>
-              </a:p>
-            </p:txBody>
-          </p:sp>
-          <p:cxnSp>
-            <p:nvCxnSpPr>
-              <p:cNvPr id="8" name="Straight Arrow Connector 7">
-                <a:extLst>
-                  <a:ext uri="{FF2B5EF4-FFF2-40B4-BE49-F238E27FC236}">
-                    <a16:creationId xmlns:a16="http://schemas.microsoft.com/office/drawing/2014/main" id="{B7DBEB40-A210-435E-969F-44A6C9ED7742}"/>
-                  </a:ext>
-                </a:extLst>
-              </p:cNvPr>
-              <p:cNvCxnSpPr/>
-              <p:nvPr/>
-            </p:nvCxnSpPr>
-            <p:spPr>
-              <a:xfrm flipH="1">
-                <a:off x="4393095" y="4671391"/>
-                <a:ext cx="1252331" cy="576470"/>
-              </a:xfrm>
-              <a:prstGeom prst="straightConnector1">
-                <a:avLst/>
-              </a:prstGeom>
-              <a:ln w="57150">
-                <a:tailEnd type="triangle"/>
-              </a:ln>
-            </p:spPr>
-            <p:style>
-              <a:lnRef idx="1">
-                <a:schemeClr val="dk1"/>
-              </a:lnRef>
-              <a:fillRef idx="0">
-                <a:schemeClr val="dk1"/>
-              </a:fillRef>
-              <a:effectRef idx="0">
-                <a:schemeClr val="dk1"/>
-              </a:effectRef>
-              <a:fontRef idx="minor">
-                <a:schemeClr val="tx1"/>
-              </a:fontRef>
-            </p:style>
-          </p:cxnSp>
-          <p:cxnSp>
-            <p:nvCxnSpPr>
-              <p:cNvPr id="9" name="Straight Arrow Connector 8">
-                <a:extLst>
-                  <a:ext uri="{FF2B5EF4-FFF2-40B4-BE49-F238E27FC236}">
-                    <a16:creationId xmlns:a16="http://schemas.microsoft.com/office/drawing/2014/main" id="{455FB6DA-AA0C-4D12-A41E-81B34F7F22A9}"/>
-                  </a:ext>
-                </a:extLst>
-              </p:cNvPr>
-              <p:cNvCxnSpPr>
-                <a:cxnSpLocks/>
-              </p:cNvCxnSpPr>
-              <p:nvPr/>
-            </p:nvCxnSpPr>
-            <p:spPr>
-              <a:xfrm>
-                <a:off x="5953538" y="4671391"/>
-                <a:ext cx="1162879" cy="576470"/>
-              </a:xfrm>
-              <a:prstGeom prst="straightConnector1">
-                <a:avLst/>
-              </a:prstGeom>
-              <a:ln w="57150">
-                <a:tailEnd type="triangle"/>
-              </a:ln>
-            </p:spPr>
-            <p:style>
-              <a:lnRef idx="1">
-                <a:schemeClr val="dk1"/>
-              </a:lnRef>
-              <a:fillRef idx="0">
-                <a:schemeClr val="dk1"/>
-              </a:fillRef>
-              <a:effectRef idx="0">
-                <a:schemeClr val="dk1"/>
-              </a:effectRef>
-              <a:fontRef idx="minor">
-                <a:schemeClr val="tx1"/>
-              </a:fontRef>
-            </p:style>
-          </p:cxnSp>
-          <p:sp>
-            <p:nvSpPr>
-              <p:cNvPr id="10" name="TextBox 9">
-                <a:extLst>
-                  <a:ext uri="{FF2B5EF4-FFF2-40B4-BE49-F238E27FC236}">
-                    <a16:creationId xmlns:a16="http://schemas.microsoft.com/office/drawing/2014/main" id="{FD1E6922-AB13-4A67-BA16-A267CF725C9D}"/>
-                  </a:ext>
-                </a:extLst>
-              </p:cNvPr>
-              <p:cNvSpPr txBox="1"/>
-              <p:nvPr/>
-            </p:nvSpPr>
-            <p:spPr>
-              <a:xfrm>
-                <a:off x="5209452" y="4336225"/>
-                <a:ext cx="1341783" cy="369332"/>
-              </a:xfrm>
-              <a:prstGeom prst="rect">
-                <a:avLst/>
-              </a:prstGeom>
-              <a:noFill/>
-            </p:spPr>
-            <p:txBody>
-              <a:bodyPr wrap="square" rtlCol="0">
-                <a:spAutoFit/>
-              </a:bodyPr>
-              <a:lstStyle/>
-              <a:p>
-                <a:r>
-                  <a:rPr lang="en-US" dirty="0"/>
-                  <a:t>WORST split</a:t>
-                </a:r>
-                <a:endParaRPr lang="en-US" b="0" i="0" dirty="0">
-                  <a:solidFill>
-                    <a:srgbClr val="303133"/>
-                  </a:solidFill>
-                  <a:effectLst/>
-                  <a:latin typeface="Poppins"/>
-                </a:endParaRPr>
-              </a:p>
-            </p:txBody>
-          </p:sp>
-        </p:grpSp>
-        <p:sp>
-          <p:nvSpPr>
-            <p:cNvPr id="19" name="Rectangle 18">
-              <a:extLst>
-                <a:ext uri="{FF2B5EF4-FFF2-40B4-BE49-F238E27FC236}">
-                  <a16:creationId xmlns:a16="http://schemas.microsoft.com/office/drawing/2014/main" id="{517B7AEA-7148-429F-9A41-93FF1DE4FEF5}"/>
-                </a:ext>
-              </a:extLst>
-            </p:cNvPr>
-            <p:cNvSpPr/>
-            <p:nvPr/>
-          </p:nvSpPr>
-          <p:spPr>
-            <a:xfrm>
-              <a:off x="2006320" y="4674559"/>
-              <a:ext cx="3061252" cy="993913"/>
-            </a:xfrm>
-            <a:prstGeom prst="rect">
-              <a:avLst/>
-            </a:prstGeom>
-            <a:solidFill>
-              <a:schemeClr val="accent1"/>
-            </a:solidFill>
-          </p:spPr>
-          <p:style>
-            <a:lnRef idx="2">
-              <a:schemeClr val="dk1">
-                <a:shade val="50000"/>
-              </a:schemeClr>
-            </a:lnRef>
-            <a:fillRef idx="1">
-              <a:schemeClr val="dk1"/>
-            </a:fillRef>
-            <a:effectRef idx="0">
-              <a:schemeClr val="dk1"/>
-            </a:effectRef>
-            <a:fontRef idx="minor">
-              <a:schemeClr val="lt1"/>
-            </a:fontRef>
-          </p:style>
-          <p:txBody>
-            <a:bodyPr rtlCol="0" anchor="ctr"/>
-            <a:lstStyle/>
-            <a:p>
-              <a:pPr algn="ctr"/>
-              <a:r>
-                <a:rPr lang="en-US" dirty="0"/>
-                <a:t>125 y=0</a:t>
-              </a:r>
-            </a:p>
-            <a:p>
-              <a:pPr algn="ctr"/>
-              <a:r>
-                <a:rPr lang="en-US" dirty="0"/>
-                <a:t>125 y=1</a:t>
-              </a:r>
-            </a:p>
-          </p:txBody>
-        </p:sp>
-        <p:sp>
-          <p:nvSpPr>
-            <p:cNvPr id="21" name="Rectangle 20">
-              <a:extLst>
-                <a:ext uri="{FF2B5EF4-FFF2-40B4-BE49-F238E27FC236}">
-                  <a16:creationId xmlns:a16="http://schemas.microsoft.com/office/drawing/2014/main" id="{DCCBB972-8F9F-4918-BCFC-FFF542647D14}"/>
-                </a:ext>
-              </a:extLst>
-            </p:cNvPr>
-            <p:cNvSpPr/>
-            <p:nvPr/>
-          </p:nvSpPr>
-          <p:spPr>
-            <a:xfrm>
-              <a:off x="6465196" y="4678284"/>
-              <a:ext cx="3061252" cy="993913"/>
-            </a:xfrm>
-            <a:prstGeom prst="rect">
-              <a:avLst/>
-            </a:prstGeom>
-            <a:solidFill>
-              <a:schemeClr val="accent1"/>
-            </a:solidFill>
-          </p:spPr>
-          <p:style>
-            <a:lnRef idx="2">
-              <a:schemeClr val="dk1">
-                <a:shade val="50000"/>
-              </a:schemeClr>
-            </a:lnRef>
-            <a:fillRef idx="1">
-              <a:schemeClr val="dk1"/>
-            </a:fillRef>
-            <a:effectRef idx="0">
-              <a:schemeClr val="dk1"/>
-            </a:effectRef>
-            <a:fontRef idx="minor">
-              <a:schemeClr val="lt1"/>
-            </a:fontRef>
-          </p:style>
-          <p:txBody>
-            <a:bodyPr rtlCol="0" anchor="ctr"/>
-            <a:lstStyle/>
-            <a:p>
-              <a:pPr algn="ctr"/>
-              <a:r>
-                <a:rPr lang="en-US" dirty="0"/>
-                <a:t>125 y=0</a:t>
-              </a:r>
-            </a:p>
-            <a:p>
-              <a:pPr algn="ctr"/>
-              <a:r>
-                <a:rPr lang="en-US" dirty="0"/>
-                <a:t>125 y=1</a:t>
-              </a:r>
-            </a:p>
-          </p:txBody>
-        </p:sp>
-      </p:grpSp>
-      <p:sp>
-        <p:nvSpPr>
-          <p:cNvPr id="24" name="TextBox 23">
-            <a:extLst>
-              <a:ext uri="{FF2B5EF4-FFF2-40B4-BE49-F238E27FC236}">
-                <a16:creationId xmlns:a16="http://schemas.microsoft.com/office/drawing/2014/main" id="{6D2C8F6E-B369-4B85-ABCC-A544713B0CCA}"/>
-              </a:ext>
-            </a:extLst>
-          </p:cNvPr>
-          <p:cNvSpPr txBox="1"/>
-          <p:nvPr/>
-        </p:nvSpPr>
-        <p:spPr>
-          <a:xfrm>
-            <a:off x="7507628" y="2988518"/>
-            <a:ext cx="4619134" cy="646331"/>
-          </a:xfrm>
-          <a:prstGeom prst="rect">
-            <a:avLst/>
-          </a:prstGeom>
-          <a:noFill/>
-        </p:spPr>
-        <p:txBody>
-          <a:bodyPr wrap="square" rtlCol="0">
-            <a:spAutoFit/>
-          </a:bodyPr>
-          <a:lstStyle/>
-          <a:p>
-            <a:r>
-              <a:rPr lang="en-US" dirty="0"/>
-              <a:t>Entropy before split = 0.6931471805599453</a:t>
-            </a:r>
-          </a:p>
-          <a:p>
-            <a:r>
-              <a:rPr lang="en-US" dirty="0"/>
-              <a:t> </a:t>
-            </a:r>
-          </a:p>
-        </p:txBody>
-      </p:sp>
-      <p:sp>
-        <p:nvSpPr>
-          <p:cNvPr id="26" name="TextBox 25">
-            <a:extLst>
-              <a:ext uri="{FF2B5EF4-FFF2-40B4-BE49-F238E27FC236}">
-                <a16:creationId xmlns:a16="http://schemas.microsoft.com/office/drawing/2014/main" id="{666BAF99-9E99-4208-9CC2-3D00153E928E}"/>
-              </a:ext>
-            </a:extLst>
-          </p:cNvPr>
-          <p:cNvSpPr txBox="1"/>
-          <p:nvPr/>
-        </p:nvSpPr>
-        <p:spPr>
-          <a:xfrm>
-            <a:off x="1985390" y="5840659"/>
-            <a:ext cx="4309532" cy="646331"/>
-          </a:xfrm>
-          <a:prstGeom prst="rect">
-            <a:avLst/>
-          </a:prstGeom>
-          <a:noFill/>
-        </p:spPr>
-        <p:txBody>
-          <a:bodyPr wrap="square" rtlCol="0">
-            <a:spAutoFit/>
-          </a:bodyPr>
-          <a:lstStyle/>
-          <a:p>
-            <a:r>
-              <a:rPr lang="en-US" dirty="0"/>
-              <a:t>Entropy left branch = 0.6931471805599453 </a:t>
-            </a:r>
-          </a:p>
-          <a:p>
-            <a:r>
-              <a:rPr lang="en-US" dirty="0"/>
-              <a:t> </a:t>
-            </a:r>
-          </a:p>
-        </p:txBody>
-      </p:sp>
-      <p:sp>
-        <p:nvSpPr>
-          <p:cNvPr id="28" name="TextBox 27">
-            <a:extLst>
-              <a:ext uri="{FF2B5EF4-FFF2-40B4-BE49-F238E27FC236}">
-                <a16:creationId xmlns:a16="http://schemas.microsoft.com/office/drawing/2014/main" id="{5AAFD5C1-9393-49BA-87C5-2EB26E7195F5}"/>
-              </a:ext>
-            </a:extLst>
-          </p:cNvPr>
-          <p:cNvSpPr txBox="1"/>
-          <p:nvPr/>
-        </p:nvSpPr>
-        <p:spPr>
-          <a:xfrm>
-            <a:off x="6420007" y="5838271"/>
-            <a:ext cx="4591293" cy="646331"/>
-          </a:xfrm>
-          <a:prstGeom prst="rect">
-            <a:avLst/>
-          </a:prstGeom>
-          <a:noFill/>
-        </p:spPr>
-        <p:txBody>
-          <a:bodyPr wrap="square" rtlCol="0">
-            <a:spAutoFit/>
-          </a:bodyPr>
-          <a:lstStyle/>
-          <a:p>
-            <a:r>
-              <a:rPr lang="en-US" dirty="0"/>
-              <a:t>Entropy right branch = 0.6931471805599453   </a:t>
-            </a:r>
-          </a:p>
-          <a:p>
-            <a:r>
-              <a:rPr lang="en-US" dirty="0"/>
-              <a:t> </a:t>
-            </a:r>
-          </a:p>
-        </p:txBody>
-      </p:sp>
-      <p:sp>
-        <p:nvSpPr>
-          <p:cNvPr id="20" name="TextBox 19">
-            <a:extLst>
-              <a:ext uri="{FF2B5EF4-FFF2-40B4-BE49-F238E27FC236}">
-                <a16:creationId xmlns:a16="http://schemas.microsoft.com/office/drawing/2014/main" id="{A0F0FAD4-CDE9-4B1E-B7E4-A5AA166286AC}"/>
-              </a:ext>
-            </a:extLst>
-          </p:cNvPr>
-          <p:cNvSpPr txBox="1"/>
-          <p:nvPr/>
-        </p:nvSpPr>
-        <p:spPr>
-          <a:xfrm>
-            <a:off x="1774691" y="4836163"/>
-            <a:ext cx="10699478" cy="1323439"/>
-          </a:xfrm>
-          <a:prstGeom prst="rect">
-            <a:avLst/>
-          </a:prstGeom>
-          <a:noFill/>
-        </p:spPr>
-        <p:txBody>
-          <a:bodyPr wrap="square" rtlCol="0">
-            <a:spAutoFit/>
-          </a:bodyPr>
-          <a:lstStyle/>
-          <a:p>
-            <a:r>
-              <a:rPr lang="en-US" sz="4000" b="1" dirty="0"/>
-              <a:t>Information Gain = 0.0</a:t>
-            </a:r>
-          </a:p>
-          <a:p>
-            <a:r>
-              <a:rPr lang="en-US" sz="4000" b="1" dirty="0"/>
-              <a:t> </a:t>
-            </a:r>
-          </a:p>
-        </p:txBody>
-      </p:sp>
-    </p:spTree>
-    <p:extLst>
-      <p:ext uri="{BB962C8B-B14F-4D97-AF65-F5344CB8AC3E}">
-        <p14:creationId xmlns:p14="http://schemas.microsoft.com/office/powerpoint/2010/main" val="1903707347"/>
-      </p:ext>
-    </p:extLst>
-  </p:cSld>
-  <p:clrMapOvr>
-    <a:masterClrMapping/>
-  </p:clrMapOvr>
-  <p:timing>
-    <p:tnLst>
-      <p:par>
-        <p:cTn id="1" dur="indefinite" restart="never" nodeType="tmRoot">
-          <p:childTnLst>
-            <p:seq concurrent="1" nextAc="seek">
-              <p:cTn id="2" dur="indefinite" nodeType="mainSeq">
-                <p:childTnLst>
-                  <p:par>
-                    <p:cTn id="3" fill="hold">
-                      <p:stCondLst>
-                        <p:cond delay="indefinite"/>
-                      </p:stCondLst>
-                      <p:childTnLst>
-                        <p:par>
-                          <p:cTn id="4" fill="hold">
-                            <p:stCondLst>
-                              <p:cond delay="0"/>
-                            </p:stCondLst>
-                            <p:childTnLst>
-                              <p:par>
-                                <p:cTn id="5" presetID="10" presetClass="entr" presetSubtype="0" fill="hold" grpId="1" nodeType="clickEffect">
-                                  <p:stCondLst>
-                                    <p:cond delay="0"/>
-                                  </p:stCondLst>
-                                  <p:childTnLst>
-                                    <p:set>
-                                      <p:cBhvr>
-                                        <p:cTn id="6" dur="1" fill="hold">
-                                          <p:stCondLst>
-                                            <p:cond delay="0"/>
-                                          </p:stCondLst>
-                                        </p:cTn>
-                                        <p:tgtEl>
-                                          <p:spTgt spid="24"/>
-                                        </p:tgtEl>
-                                        <p:attrNameLst>
-                                          <p:attrName>style.visibility</p:attrName>
-                                        </p:attrNameLst>
-                                      </p:cBhvr>
-                                      <p:to>
-                                        <p:strVal val="visible"/>
-                                      </p:to>
-                                    </p:set>
-                                    <p:animEffect transition="in" filter="fade">
-                                      <p:cBhvr>
-                                        <p:cTn id="7" dur="500"/>
-                                        <p:tgtEl>
-                                          <p:spTgt spid="24"/>
-                                        </p:tgtEl>
-                                      </p:cBhvr>
-                                    </p:animEffect>
-                                  </p:childTnLst>
-                                </p:cTn>
-                              </p:par>
-                            </p:childTnLst>
-                          </p:cTn>
-                        </p:par>
-                      </p:childTnLst>
-                    </p:cTn>
-                  </p:par>
-                  <p:par>
-                    <p:cTn id="8" fill="hold">
-                      <p:stCondLst>
-                        <p:cond delay="indefinite"/>
-                      </p:stCondLst>
-                      <p:childTnLst>
-                        <p:par>
-                          <p:cTn id="9" fill="hold">
-                            <p:stCondLst>
-                              <p:cond delay="0"/>
-                            </p:stCondLst>
-                            <p:childTnLst>
-                              <p:par>
-                                <p:cTn id="10" presetID="10" presetClass="entr" presetSubtype="0" fill="hold" grpId="1" nodeType="clickEffect">
-                                  <p:stCondLst>
-                                    <p:cond delay="0"/>
-                                  </p:stCondLst>
-                                  <p:childTnLst>
-                                    <p:set>
-                                      <p:cBhvr>
-                                        <p:cTn id="11" dur="1" fill="hold">
-                                          <p:stCondLst>
-                                            <p:cond delay="0"/>
-                                          </p:stCondLst>
-                                        </p:cTn>
-                                        <p:tgtEl>
-                                          <p:spTgt spid="26"/>
-                                        </p:tgtEl>
-                                        <p:attrNameLst>
-                                          <p:attrName>style.visibility</p:attrName>
-                                        </p:attrNameLst>
-                                      </p:cBhvr>
-                                      <p:to>
-                                        <p:strVal val="visible"/>
-                                      </p:to>
-                                    </p:set>
-                                    <p:animEffect transition="in" filter="fade">
-                                      <p:cBhvr>
-                                        <p:cTn id="12" dur="500"/>
-                                        <p:tgtEl>
-                                          <p:spTgt spid="26"/>
-                                        </p:tgtEl>
-                                      </p:cBhvr>
-                                    </p:animEffect>
-                                  </p:childTnLst>
-                                </p:cTn>
-                              </p:par>
-                              <p:par>
-                                <p:cTn id="13" presetID="10" presetClass="entr" presetSubtype="0" fill="hold" grpId="1" nodeType="withEffect">
-                                  <p:stCondLst>
-                                    <p:cond delay="0"/>
-                                  </p:stCondLst>
-                                  <p:childTnLst>
-                                    <p:set>
-                                      <p:cBhvr>
-                                        <p:cTn id="14" dur="1" fill="hold">
-                                          <p:stCondLst>
-                                            <p:cond delay="0"/>
-                                          </p:stCondLst>
-                                        </p:cTn>
-                                        <p:tgtEl>
-                                          <p:spTgt spid="28"/>
-                                        </p:tgtEl>
-                                        <p:attrNameLst>
-                                          <p:attrName>style.visibility</p:attrName>
-                                        </p:attrNameLst>
-                                      </p:cBhvr>
-                                      <p:to>
-                                        <p:strVal val="visible"/>
-                                      </p:to>
-                                    </p:set>
-                                    <p:animEffect transition="in" filter="fade">
-                                      <p:cBhvr>
-                                        <p:cTn id="15" dur="500"/>
-                                        <p:tgtEl>
-                                          <p:spTgt spid="28"/>
-                                        </p:tgtEl>
-                                      </p:cBhvr>
-                                    </p:animEffect>
-                                  </p:childTnLst>
-                                </p:cTn>
-                              </p:par>
-                            </p:childTnLst>
-                          </p:cTn>
-                        </p:par>
-                      </p:childTnLst>
-                    </p:cTn>
-                  </p:par>
-                  <p:par>
-                    <p:cTn id="16" fill="hold">
-                      <p:stCondLst>
-                        <p:cond delay="indefinite"/>
-                      </p:stCondLst>
-                      <p:childTnLst>
-                        <p:par>
-                          <p:cTn id="17" fill="hold">
-                            <p:stCondLst>
-                              <p:cond delay="0"/>
-                            </p:stCondLst>
-                            <p:childTnLst>
-                              <p:par>
-                                <p:cTn id="18" presetID="42" presetClass="path" presetSubtype="0" accel="50000" decel="50000" fill="hold" nodeType="clickEffect">
-                                  <p:stCondLst>
-                                    <p:cond delay="0"/>
-                                  </p:stCondLst>
-                                  <p:childTnLst>
-                                    <p:animMotion origin="layout" path="M 3.33333E-6 -1.48148E-6 L -0.79896 0.00046 " pathEditMode="relative" rAng="0" ptsTypes="AA">
-                                      <p:cBhvr>
-                                        <p:cTn id="19" dur="1000" fill="hold"/>
-                                        <p:tgtEl>
-                                          <p:spTgt spid="29"/>
-                                        </p:tgtEl>
-                                        <p:attrNameLst>
-                                          <p:attrName>ppt_x</p:attrName>
-                                          <p:attrName>ppt_y</p:attrName>
-                                        </p:attrNameLst>
-                                      </p:cBhvr>
-                                      <p:rCtr x="-39948" y="23"/>
-                                    </p:animMotion>
-                                  </p:childTnLst>
-                                </p:cTn>
-                              </p:par>
-                              <p:par>
-                                <p:cTn id="20" presetID="42" presetClass="path" presetSubtype="0" accel="50000" decel="50000" fill="hold" grpId="0" nodeType="withEffect">
-                                  <p:stCondLst>
-                                    <p:cond delay="0"/>
-                                  </p:stCondLst>
-                                  <p:childTnLst>
-                                    <p:animMotion origin="layout" path="M 0.09401 0.00764 L -0.52708 -0.08426 " pathEditMode="relative" rAng="0" ptsTypes="AA">
-                                      <p:cBhvr>
-                                        <p:cTn id="21" dur="1000" fill="hold"/>
-                                        <p:tgtEl>
-                                          <p:spTgt spid="24"/>
-                                        </p:tgtEl>
-                                        <p:attrNameLst>
-                                          <p:attrName>ppt_x</p:attrName>
-                                          <p:attrName>ppt_y</p:attrName>
-                                        </p:attrNameLst>
-                                      </p:cBhvr>
-                                      <p:rCtr x="-31055" y="-4606"/>
-                                    </p:animMotion>
-                                  </p:childTnLst>
-                                </p:cTn>
-                              </p:par>
-                              <p:par>
-                                <p:cTn id="22" presetID="42" presetClass="path" presetSubtype="0" accel="50000" decel="50000" fill="hold" grpId="0" nodeType="withEffect">
-                                  <p:stCondLst>
-                                    <p:cond delay="0"/>
-                                  </p:stCondLst>
-                                  <p:childTnLst>
-                                    <p:animMotion origin="layout" path="M -0.04049 -0.02569 L -0.07487 -0.44305 " pathEditMode="relative" rAng="0" ptsTypes="AA">
-                                      <p:cBhvr>
-                                        <p:cTn id="23" dur="1000" fill="hold"/>
-                                        <p:tgtEl>
-                                          <p:spTgt spid="26"/>
-                                        </p:tgtEl>
-                                        <p:attrNameLst>
-                                          <p:attrName>ppt_x</p:attrName>
-                                          <p:attrName>ppt_y</p:attrName>
-                                        </p:attrNameLst>
-                                      </p:cBhvr>
-                                      <p:rCtr x="-1719" y="-20880"/>
-                                    </p:animMotion>
-                                  </p:childTnLst>
-                                </p:cTn>
-                              </p:par>
-                              <p:par>
-                                <p:cTn id="24" presetID="42" presetClass="path" presetSubtype="0" accel="50000" decel="50000" fill="hold" grpId="0" nodeType="withEffect">
-                                  <p:stCondLst>
-                                    <p:cond delay="0"/>
-                                  </p:stCondLst>
-                                  <p:childTnLst>
-                                    <p:animMotion origin="layout" path="M 0.00625 0.0037 L -0.43893 -0.38773 " pathEditMode="relative" rAng="0" ptsTypes="AA">
-                                      <p:cBhvr>
-                                        <p:cTn id="25" dur="1000" fill="hold"/>
-                                        <p:tgtEl>
-                                          <p:spTgt spid="28"/>
-                                        </p:tgtEl>
-                                        <p:attrNameLst>
-                                          <p:attrName>ppt_x</p:attrName>
-                                          <p:attrName>ppt_y</p:attrName>
-                                        </p:attrNameLst>
-                                      </p:cBhvr>
-                                      <p:rCtr x="-22266" y="-19583"/>
-                                    </p:animMotion>
-                                  </p:childTnLst>
-                                </p:cTn>
-                              </p:par>
-                            </p:childTnLst>
-                          </p:cTn>
-                        </p:par>
-                        <p:par>
-                          <p:cTn id="26" fill="hold">
-                            <p:stCondLst>
-                              <p:cond delay="1000"/>
-                            </p:stCondLst>
-                            <p:childTnLst>
-                              <p:par>
-                                <p:cTn id="27" presetID="10" presetClass="entr" presetSubtype="0" fill="hold" grpId="0" nodeType="afterEffect">
-                                  <p:stCondLst>
-                                    <p:cond delay="0"/>
-                                  </p:stCondLst>
-                                  <p:childTnLst>
-                                    <p:set>
-                                      <p:cBhvr>
-                                        <p:cTn id="28" dur="1" fill="hold">
-                                          <p:stCondLst>
-                                            <p:cond delay="0"/>
-                                          </p:stCondLst>
-                                        </p:cTn>
-                                        <p:tgtEl>
-                                          <p:spTgt spid="20"/>
-                                        </p:tgtEl>
-                                        <p:attrNameLst>
-                                          <p:attrName>style.visibility</p:attrName>
-                                        </p:attrNameLst>
-                                      </p:cBhvr>
-                                      <p:to>
-                                        <p:strVal val="visible"/>
-                                      </p:to>
-                                    </p:set>
-                                    <p:animEffect transition="in" filter="fade">
-                                      <p:cBhvr>
-                                        <p:cTn id="29" dur="500"/>
-                                        <p:tgtEl>
-                                          <p:spTgt spid="20"/>
-                                        </p:tgtEl>
-                                      </p:cBhvr>
-                                    </p:animEffect>
-                                  </p:childTnLst>
-                                </p:cTn>
-                              </p:par>
-                            </p:childTnLst>
-                          </p:cTn>
-                        </p:par>
-                      </p:childTnLst>
-                    </p:cTn>
-                  </p:par>
-                </p:childTnLst>
-              </p:cTn>
-              <p:prevCondLst>
-                <p:cond evt="onPrev" delay="0">
-                  <p:tgtEl>
-                    <p:sldTgt/>
-                  </p:tgtEl>
-                </p:cond>
-              </p:prevCondLst>
-              <p:nextCondLst>
-                <p:cond evt="onNext" delay="0">
-                  <p:tgtEl>
-                    <p:sldTgt/>
-                  </p:tgtEl>
-                </p:cond>
-              </p:nextCondLst>
-            </p:seq>
-          </p:childTnLst>
-        </p:cTn>
-      </p:par>
-    </p:tnLst>
-    <p:bldLst>
-      <p:bldP spid="24" grpId="0"/>
-      <p:bldP spid="24" grpId="1"/>
-      <p:bldP spid="26" grpId="0"/>
-      <p:bldP spid="26" grpId="1"/>
-      <p:bldP spid="28" grpId="0"/>
-      <p:bldP spid="28" grpId="1"/>
-      <p:bldP spid="20" grpId="0"/>
-    </p:bldLst>
-  </p:timing>
-</p:sld>
-</file>
-
-<file path=ppt/slides/slide13.xml><?xml version="1.0" encoding="utf-8"?>
-<p:sld xmlns:a="http://schemas.openxmlformats.org/drawingml/2006/main" xmlns:r="http://schemas.openxmlformats.org/officeDocument/2006/relationships" xmlns:p="http://schemas.openxmlformats.org/presentationml/2006/main">
-  <p:cSld>
-    <p:spTree>
-      <p:nvGrpSpPr>
-        <p:cNvPr id="1" name=""/>
-        <p:cNvGrpSpPr/>
-        <p:nvPr/>
-      </p:nvGrpSpPr>
-      <p:grpSpPr>
-        <a:xfrm>
-          <a:off x="0" y="0"/>
-          <a:ext cx="0" cy="0"/>
-          <a:chOff x="0" y="0"/>
-          <a:chExt cx="0" cy="0"/>
-        </a:xfrm>
-      </p:grpSpPr>
-      <p:sp>
-        <p:nvSpPr>
-          <p:cNvPr id="2" name="Title 1">
-            <a:extLst>
-              <a:ext uri="{FF2B5EF4-FFF2-40B4-BE49-F238E27FC236}">
                 <a16:creationId xmlns:a16="http://schemas.microsoft.com/office/drawing/2014/main" id="{4ACB073A-5816-44A6-84A1-FF16D3A9CC45}"/>
               </a:ext>
             </a:extLst>
@@ -7593,7 +5469,7 @@
                     <a:schemeClr val="bg1"/>
                   </a:solidFill>
                 </a:rPr>
-                <a:t>250 y=0</a:t>
+                <a:t>250 red</a:t>
               </a:r>
             </a:p>
             <a:p>
@@ -7604,7 +5480,7 @@
                     <a:schemeClr val="bg1"/>
                   </a:solidFill>
                 </a:rPr>
-                <a:t>250 y=1</a:t>
+                <a:t>250 green</a:t>
               </a:r>
             </a:p>
           </p:txBody>
@@ -8979,7 +6855,7 @@
                     <a:schemeClr val="bg1"/>
                   </a:solidFill>
                 </a:rPr>
-                <a:t>0 y=0</a:t>
+                <a:t>0 red</a:t>
               </a:r>
             </a:p>
             <a:p>
@@ -8990,7 +6866,7 @@
                     <a:schemeClr val="bg1"/>
                   </a:solidFill>
                 </a:rPr>
-                <a:t>250 y=1</a:t>
+                <a:t>250 green</a:t>
               </a:r>
             </a:p>
           </p:txBody>
@@ -10365,7 +8241,7 @@
                     <a:schemeClr val="bg1"/>
                   </a:solidFill>
                 </a:rPr>
-                <a:t>250 y=0</a:t>
+                <a:t>250 red</a:t>
               </a:r>
             </a:p>
             <a:p>
@@ -10376,7 +8252,7 @@
                     <a:schemeClr val="bg1"/>
                   </a:solidFill>
                 </a:rPr>
-                <a:t>0 y=1</a:t>
+                <a:t>0 green</a:t>
               </a:r>
             </a:p>
           </p:txBody>
@@ -11415,7 +9291,7 @@
 </p:sld>
 </file>
 
-<file path=ppt/slides/slide14.xml><?xml version="1.0" encoding="utf-8"?>
+<file path=ppt/slides/slide12.xml><?xml version="1.0" encoding="utf-8"?>
 <p:sld xmlns:a="http://schemas.openxmlformats.org/drawingml/2006/main" xmlns:r="http://schemas.openxmlformats.org/officeDocument/2006/relationships" xmlns:p="http://schemas.openxmlformats.org/presentationml/2006/main">
   <p:cSld>
     <p:spTree>
@@ -11453,7 +9329,10 @@
           <a:bodyPr/>
           <a:lstStyle/>
           <a:p>
-            <a:endParaRPr lang="en-US"/>
+            <a:r>
+              <a:rPr lang="en-US" dirty="0"/>
+              <a:t>Classification Tree: Examples</a:t>
+            </a:r>
           </a:p>
         </p:txBody>
       </p:sp>
@@ -13060,7 +10939,7 @@
                     <a:schemeClr val="bg1"/>
                   </a:solidFill>
                 </a:rPr>
-                <a:t>250 y=0</a:t>
+                <a:t>250 red</a:t>
               </a:r>
             </a:p>
             <a:p>
@@ -13071,7 +10950,7 @@
                     <a:schemeClr val="bg1"/>
                   </a:solidFill>
                 </a:rPr>
-                <a:t>250 y=1</a:t>
+                <a:t>250 green</a:t>
               </a:r>
             </a:p>
           </p:txBody>
@@ -14491,7 +12370,7 @@
                     <a:schemeClr val="bg1"/>
                   </a:solidFill>
                 </a:rPr>
-                <a:t>125 y=0</a:t>
+                <a:t>125 red</a:t>
               </a:r>
             </a:p>
             <a:p>
@@ -14502,7 +12381,7 @@
                     <a:schemeClr val="bg1"/>
                   </a:solidFill>
                 </a:rPr>
-                <a:t>125 y=1</a:t>
+                <a:t>125 green</a:t>
               </a:r>
             </a:p>
           </p:txBody>
@@ -15922,7 +13801,7 @@
                     <a:schemeClr val="bg1"/>
                   </a:solidFill>
                 </a:rPr>
-                <a:t>125 y=0</a:t>
+                <a:t>125 red</a:t>
               </a:r>
             </a:p>
             <a:p>
@@ -15933,7 +13812,7 @@
                     <a:schemeClr val="bg1"/>
                   </a:solidFill>
                 </a:rPr>
-                <a:t>125 y=1</a:t>
+                <a:t>125 green</a:t>
               </a:r>
             </a:p>
           </p:txBody>
@@ -15941,10 +13820,168 @@
       </p:grpSp>
       <p:sp>
         <p:nvSpPr>
-          <p:cNvPr id="178" name="Content Placeholder 2">
+          <p:cNvPr id="95" name="TextBox 94">
             <a:extLst>
               <a:ext uri="{FF2B5EF4-FFF2-40B4-BE49-F238E27FC236}">
-                <a16:creationId xmlns:a16="http://schemas.microsoft.com/office/drawing/2014/main" id="{9B752490-E2EE-4A17-9737-D87903606042}"/>
+                <a16:creationId xmlns:a16="http://schemas.microsoft.com/office/drawing/2014/main" id="{E465BE41-B666-4E67-97CC-E5199B449D74}"/>
+              </a:ext>
+            </a:extLst>
+          </p:cNvPr>
+          <p:cNvSpPr txBox="1"/>
+          <p:nvPr/>
+        </p:nvSpPr>
+        <p:spPr>
+          <a:xfrm>
+            <a:off x="7507628" y="2988518"/>
+            <a:ext cx="4619134" cy="646331"/>
+          </a:xfrm>
+          <a:prstGeom prst="rect">
+            <a:avLst/>
+          </a:prstGeom>
+          <a:noFill/>
+        </p:spPr>
+        <p:txBody>
+          <a:bodyPr wrap="square" rtlCol="0">
+            <a:spAutoFit/>
+          </a:bodyPr>
+          <a:lstStyle/>
+          <a:p>
+            <a:r>
+              <a:rPr lang="en-US" dirty="0"/>
+              <a:t>Entropy before split = 0.6931471805599453</a:t>
+            </a:r>
+          </a:p>
+          <a:p>
+            <a:r>
+              <a:rPr lang="en-US" dirty="0"/>
+              <a:t> </a:t>
+            </a:r>
+          </a:p>
+        </p:txBody>
+      </p:sp>
+      <p:sp>
+        <p:nvSpPr>
+          <p:cNvPr id="96" name="TextBox 95">
+            <a:extLst>
+              <a:ext uri="{FF2B5EF4-FFF2-40B4-BE49-F238E27FC236}">
+                <a16:creationId xmlns:a16="http://schemas.microsoft.com/office/drawing/2014/main" id="{08A89EA9-7350-43FF-A254-67F02FE4F0A8}"/>
+              </a:ext>
+            </a:extLst>
+          </p:cNvPr>
+          <p:cNvSpPr txBox="1"/>
+          <p:nvPr/>
+        </p:nvSpPr>
+        <p:spPr>
+          <a:xfrm>
+            <a:off x="1985390" y="5840659"/>
+            <a:ext cx="4479806" cy="646331"/>
+          </a:xfrm>
+          <a:prstGeom prst="rect">
+            <a:avLst/>
+          </a:prstGeom>
+          <a:noFill/>
+        </p:spPr>
+        <p:txBody>
+          <a:bodyPr wrap="square" rtlCol="0">
+            <a:spAutoFit/>
+          </a:bodyPr>
+          <a:lstStyle/>
+          <a:p>
+            <a:r>
+              <a:rPr lang="en-US" dirty="0"/>
+              <a:t>Entropy left branch = 0.6931471805599453</a:t>
+            </a:r>
+          </a:p>
+          <a:p>
+            <a:endParaRPr lang="en-US" dirty="0"/>
+          </a:p>
+        </p:txBody>
+      </p:sp>
+      <p:sp>
+        <p:nvSpPr>
+          <p:cNvPr id="97" name="TextBox 96">
+            <a:extLst>
+              <a:ext uri="{FF2B5EF4-FFF2-40B4-BE49-F238E27FC236}">
+                <a16:creationId xmlns:a16="http://schemas.microsoft.com/office/drawing/2014/main" id="{C8FE1F3B-F29C-4179-8E54-7249A2824F9E}"/>
+              </a:ext>
+            </a:extLst>
+          </p:cNvPr>
+          <p:cNvSpPr txBox="1"/>
+          <p:nvPr/>
+        </p:nvSpPr>
+        <p:spPr>
+          <a:xfrm>
+            <a:off x="6420008" y="5838271"/>
+            <a:ext cx="4479806" cy="646331"/>
+          </a:xfrm>
+          <a:prstGeom prst="rect">
+            <a:avLst/>
+          </a:prstGeom>
+          <a:noFill/>
+        </p:spPr>
+        <p:txBody>
+          <a:bodyPr wrap="square" rtlCol="0">
+            <a:spAutoFit/>
+          </a:bodyPr>
+          <a:lstStyle/>
+          <a:p>
+            <a:r>
+              <a:rPr lang="en-US" dirty="0"/>
+              <a:t>Entropy right branch = 0.6931471805599453</a:t>
+            </a:r>
+          </a:p>
+          <a:p>
+            <a:endParaRPr lang="en-US" dirty="0"/>
+          </a:p>
+        </p:txBody>
+      </p:sp>
+      <p:sp>
+        <p:nvSpPr>
+          <p:cNvPr id="98" name="TextBox 97">
+            <a:extLst>
+              <a:ext uri="{FF2B5EF4-FFF2-40B4-BE49-F238E27FC236}">
+                <a16:creationId xmlns:a16="http://schemas.microsoft.com/office/drawing/2014/main" id="{F625D0A0-318A-4C39-9C83-724E6B12128C}"/>
+              </a:ext>
+            </a:extLst>
+          </p:cNvPr>
+          <p:cNvSpPr txBox="1"/>
+          <p:nvPr/>
+        </p:nvSpPr>
+        <p:spPr>
+          <a:xfrm>
+            <a:off x="1774691" y="4836163"/>
+            <a:ext cx="10699478" cy="1323439"/>
+          </a:xfrm>
+          <a:prstGeom prst="rect">
+            <a:avLst/>
+          </a:prstGeom>
+          <a:noFill/>
+        </p:spPr>
+        <p:txBody>
+          <a:bodyPr wrap="square" rtlCol="0">
+            <a:spAutoFit/>
+          </a:bodyPr>
+          <a:lstStyle/>
+          <a:p>
+            <a:r>
+              <a:rPr lang="en-US" sz="4000" b="1" dirty="0"/>
+              <a:t>Information Gain = 0.0</a:t>
+            </a:r>
+          </a:p>
+          <a:p>
+            <a:r>
+              <a:rPr lang="en-US" sz="4000" b="1" dirty="0"/>
+              <a:t> </a:t>
+            </a:r>
+          </a:p>
+        </p:txBody>
+      </p:sp>
+      <p:sp>
+        <p:nvSpPr>
+          <p:cNvPr id="101" name="Content Placeholder 2">
+            <a:extLst>
+              <a:ext uri="{FF2B5EF4-FFF2-40B4-BE49-F238E27FC236}">
+                <a16:creationId xmlns:a16="http://schemas.microsoft.com/office/drawing/2014/main" id="{98E7F618-6953-492D-BD85-32B349A3D316}"/>
               </a:ext>
             </a:extLst>
           </p:cNvPr>
@@ -15982,6 +14019,790 @@
   <p:clrMapOvr>
     <a:masterClrMapping/>
   </p:clrMapOvr>
+  <p:timing>
+    <p:tnLst>
+      <p:par>
+        <p:cTn id="1" dur="indefinite" restart="never" nodeType="tmRoot">
+          <p:childTnLst>
+            <p:seq concurrent="1" nextAc="seek">
+              <p:cTn id="2" dur="indefinite" nodeType="mainSeq">
+                <p:childTnLst>
+                  <p:par>
+                    <p:cTn id="3" fill="hold">
+                      <p:stCondLst>
+                        <p:cond delay="indefinite"/>
+                      </p:stCondLst>
+                      <p:childTnLst>
+                        <p:par>
+                          <p:cTn id="4" fill="hold">
+                            <p:stCondLst>
+                              <p:cond delay="0"/>
+                            </p:stCondLst>
+                            <p:childTnLst>
+                              <p:par>
+                                <p:cTn id="5" presetID="10" presetClass="entr" presetSubtype="0" fill="hold" nodeType="clickEffect">
+                                  <p:stCondLst>
+                                    <p:cond delay="0"/>
+                                  </p:stCondLst>
+                                  <p:childTnLst>
+                                    <p:set>
+                                      <p:cBhvr>
+                                        <p:cTn id="6" dur="1" fill="hold">
+                                          <p:stCondLst>
+                                            <p:cond delay="0"/>
+                                          </p:stCondLst>
+                                        </p:cTn>
+                                        <p:tgtEl>
+                                          <p:spTgt spid="18"/>
+                                        </p:tgtEl>
+                                        <p:attrNameLst>
+                                          <p:attrName>style.visibility</p:attrName>
+                                        </p:attrNameLst>
+                                      </p:cBhvr>
+                                      <p:to>
+                                        <p:strVal val="visible"/>
+                                      </p:to>
+                                    </p:set>
+                                    <p:animEffect transition="in" filter="fade">
+                                      <p:cBhvr>
+                                        <p:cTn id="7" dur="500"/>
+                                        <p:tgtEl>
+                                          <p:spTgt spid="18"/>
+                                        </p:tgtEl>
+                                      </p:cBhvr>
+                                    </p:animEffect>
+                                  </p:childTnLst>
+                                </p:cTn>
+                              </p:par>
+                            </p:childTnLst>
+                          </p:cTn>
+                        </p:par>
+                      </p:childTnLst>
+                    </p:cTn>
+                  </p:par>
+                  <p:par>
+                    <p:cTn id="8" fill="hold">
+                      <p:stCondLst>
+                        <p:cond delay="indefinite"/>
+                      </p:stCondLst>
+                      <p:childTnLst>
+                        <p:par>
+                          <p:cTn id="9" fill="hold">
+                            <p:stCondLst>
+                              <p:cond delay="0"/>
+                            </p:stCondLst>
+                            <p:childTnLst>
+                              <p:par>
+                                <p:cTn id="10" presetID="10" presetClass="entr" presetSubtype="0" fill="hold" nodeType="clickEffect">
+                                  <p:stCondLst>
+                                    <p:cond delay="0"/>
+                                  </p:stCondLst>
+                                  <p:childTnLst>
+                                    <p:set>
+                                      <p:cBhvr>
+                                        <p:cTn id="11" dur="1" fill="hold">
+                                          <p:stCondLst>
+                                            <p:cond delay="0"/>
+                                          </p:stCondLst>
+                                        </p:cTn>
+                                        <p:tgtEl>
+                                          <p:spTgt spid="11"/>
+                                        </p:tgtEl>
+                                        <p:attrNameLst>
+                                          <p:attrName>style.visibility</p:attrName>
+                                        </p:attrNameLst>
+                                      </p:cBhvr>
+                                      <p:to>
+                                        <p:strVal val="visible"/>
+                                      </p:to>
+                                    </p:set>
+                                    <p:animEffect transition="in" filter="fade">
+                                      <p:cBhvr>
+                                        <p:cTn id="12" dur="500"/>
+                                        <p:tgtEl>
+                                          <p:spTgt spid="11"/>
+                                        </p:tgtEl>
+                                      </p:cBhvr>
+                                    </p:animEffect>
+                                  </p:childTnLst>
+                                </p:cTn>
+                              </p:par>
+                              <p:par>
+                                <p:cTn id="13" presetID="10" presetClass="entr" presetSubtype="0" fill="hold" nodeType="withEffect">
+                                  <p:stCondLst>
+                                    <p:cond delay="0"/>
+                                  </p:stCondLst>
+                                  <p:childTnLst>
+                                    <p:set>
+                                      <p:cBhvr>
+                                        <p:cTn id="14" dur="1" fill="hold">
+                                          <p:stCondLst>
+                                            <p:cond delay="0"/>
+                                          </p:stCondLst>
+                                        </p:cTn>
+                                        <p:tgtEl>
+                                          <p:spTgt spid="12"/>
+                                        </p:tgtEl>
+                                        <p:attrNameLst>
+                                          <p:attrName>style.visibility</p:attrName>
+                                        </p:attrNameLst>
+                                      </p:cBhvr>
+                                      <p:to>
+                                        <p:strVal val="visible"/>
+                                      </p:to>
+                                    </p:set>
+                                    <p:animEffect transition="in" filter="fade">
+                                      <p:cBhvr>
+                                        <p:cTn id="15" dur="500"/>
+                                        <p:tgtEl>
+                                          <p:spTgt spid="12"/>
+                                        </p:tgtEl>
+                                      </p:cBhvr>
+                                    </p:animEffect>
+                                  </p:childTnLst>
+                                </p:cTn>
+                              </p:par>
+                              <p:par>
+                                <p:cTn id="16" presetID="10" presetClass="entr" presetSubtype="0" fill="hold" grpId="0" nodeType="withEffect">
+                                  <p:stCondLst>
+                                    <p:cond delay="0"/>
+                                  </p:stCondLst>
+                                  <p:childTnLst>
+                                    <p:set>
+                                      <p:cBhvr>
+                                        <p:cTn id="17" dur="1" fill="hold">
+                                          <p:stCondLst>
+                                            <p:cond delay="0"/>
+                                          </p:stCondLst>
+                                        </p:cTn>
+                                        <p:tgtEl>
+                                          <p:spTgt spid="13"/>
+                                        </p:tgtEl>
+                                        <p:attrNameLst>
+                                          <p:attrName>style.visibility</p:attrName>
+                                        </p:attrNameLst>
+                                      </p:cBhvr>
+                                      <p:to>
+                                        <p:strVal val="visible"/>
+                                      </p:to>
+                                    </p:set>
+                                    <p:animEffect transition="in" filter="fade">
+                                      <p:cBhvr>
+                                        <p:cTn id="18" dur="500"/>
+                                        <p:tgtEl>
+                                          <p:spTgt spid="13"/>
+                                        </p:tgtEl>
+                                      </p:cBhvr>
+                                    </p:animEffect>
+                                  </p:childTnLst>
+                                </p:cTn>
+                              </p:par>
+                            </p:childTnLst>
+                          </p:cTn>
+                        </p:par>
+                      </p:childTnLst>
+                    </p:cTn>
+                  </p:par>
+                  <p:par>
+                    <p:cTn id="19" fill="hold">
+                      <p:stCondLst>
+                        <p:cond delay="indefinite"/>
+                      </p:stCondLst>
+                      <p:childTnLst>
+                        <p:par>
+                          <p:cTn id="20" fill="hold">
+                            <p:stCondLst>
+                              <p:cond delay="0"/>
+                            </p:stCondLst>
+                            <p:childTnLst>
+                              <p:par>
+                                <p:cTn id="21" presetID="10" presetClass="entr" presetSubtype="0" fill="hold" nodeType="clickEffect">
+                                  <p:stCondLst>
+                                    <p:cond delay="0"/>
+                                  </p:stCondLst>
+                                  <p:childTnLst>
+                                    <p:set>
+                                      <p:cBhvr>
+                                        <p:cTn id="22" dur="1" fill="hold">
+                                          <p:stCondLst>
+                                            <p:cond delay="0"/>
+                                          </p:stCondLst>
+                                        </p:cTn>
+                                        <p:tgtEl>
+                                          <p:spTgt spid="21"/>
+                                        </p:tgtEl>
+                                        <p:attrNameLst>
+                                          <p:attrName>style.visibility</p:attrName>
+                                        </p:attrNameLst>
+                                      </p:cBhvr>
+                                      <p:to>
+                                        <p:strVal val="visible"/>
+                                      </p:to>
+                                    </p:set>
+                                    <p:animEffect transition="in" filter="fade">
+                                      <p:cBhvr>
+                                        <p:cTn id="23" dur="500"/>
+                                        <p:tgtEl>
+                                          <p:spTgt spid="21"/>
+                                        </p:tgtEl>
+                                      </p:cBhvr>
+                                    </p:animEffect>
+                                  </p:childTnLst>
+                                </p:cTn>
+                              </p:par>
+                              <p:par>
+                                <p:cTn id="24" presetID="10" presetClass="entr" presetSubtype="0" fill="hold" nodeType="withEffect">
+                                  <p:stCondLst>
+                                    <p:cond delay="0"/>
+                                  </p:stCondLst>
+                                  <p:childTnLst>
+                                    <p:set>
+                                      <p:cBhvr>
+                                        <p:cTn id="25" dur="1" fill="hold">
+                                          <p:stCondLst>
+                                            <p:cond delay="0"/>
+                                          </p:stCondLst>
+                                        </p:cTn>
+                                        <p:tgtEl>
+                                          <p:spTgt spid="22"/>
+                                        </p:tgtEl>
+                                        <p:attrNameLst>
+                                          <p:attrName>style.visibility</p:attrName>
+                                        </p:attrNameLst>
+                                      </p:cBhvr>
+                                      <p:to>
+                                        <p:strVal val="visible"/>
+                                      </p:to>
+                                    </p:set>
+                                    <p:animEffect transition="in" filter="fade">
+                                      <p:cBhvr>
+                                        <p:cTn id="26" dur="500"/>
+                                        <p:tgtEl>
+                                          <p:spTgt spid="22"/>
+                                        </p:tgtEl>
+                                      </p:cBhvr>
+                                    </p:animEffect>
+                                  </p:childTnLst>
+                                </p:cTn>
+                              </p:par>
+                            </p:childTnLst>
+                          </p:cTn>
+                        </p:par>
+                      </p:childTnLst>
+                    </p:cTn>
+                  </p:par>
+                  <p:par>
+                    <p:cTn id="27" fill="hold">
+                      <p:stCondLst>
+                        <p:cond delay="indefinite"/>
+                      </p:stCondLst>
+                      <p:childTnLst>
+                        <p:par>
+                          <p:cTn id="28" fill="hold">
+                            <p:stCondLst>
+                              <p:cond delay="0"/>
+                            </p:stCondLst>
+                            <p:childTnLst>
+                              <p:par>
+                                <p:cTn id="29" presetID="10" presetClass="entr" presetSubtype="0" fill="hold" grpId="1" nodeType="clickEffect">
+                                  <p:stCondLst>
+                                    <p:cond delay="0"/>
+                                  </p:stCondLst>
+                                  <p:childTnLst>
+                                    <p:set>
+                                      <p:cBhvr>
+                                        <p:cTn id="30" dur="1" fill="hold">
+                                          <p:stCondLst>
+                                            <p:cond delay="0"/>
+                                          </p:stCondLst>
+                                        </p:cTn>
+                                        <p:tgtEl>
+                                          <p:spTgt spid="95"/>
+                                        </p:tgtEl>
+                                        <p:attrNameLst>
+                                          <p:attrName>style.visibility</p:attrName>
+                                        </p:attrNameLst>
+                                      </p:cBhvr>
+                                      <p:to>
+                                        <p:strVal val="visible"/>
+                                      </p:to>
+                                    </p:set>
+                                    <p:animEffect transition="in" filter="fade">
+                                      <p:cBhvr>
+                                        <p:cTn id="31" dur="500"/>
+                                        <p:tgtEl>
+                                          <p:spTgt spid="95"/>
+                                        </p:tgtEl>
+                                      </p:cBhvr>
+                                    </p:animEffect>
+                                  </p:childTnLst>
+                                </p:cTn>
+                              </p:par>
+                            </p:childTnLst>
+                          </p:cTn>
+                        </p:par>
+                      </p:childTnLst>
+                    </p:cTn>
+                  </p:par>
+                  <p:par>
+                    <p:cTn id="32" fill="hold">
+                      <p:stCondLst>
+                        <p:cond delay="indefinite"/>
+                      </p:stCondLst>
+                      <p:childTnLst>
+                        <p:par>
+                          <p:cTn id="33" fill="hold">
+                            <p:stCondLst>
+                              <p:cond delay="0"/>
+                            </p:stCondLst>
+                            <p:childTnLst>
+                              <p:par>
+                                <p:cTn id="34" presetID="10" presetClass="entr" presetSubtype="0" fill="hold" grpId="1" nodeType="clickEffect">
+                                  <p:stCondLst>
+                                    <p:cond delay="0"/>
+                                  </p:stCondLst>
+                                  <p:childTnLst>
+                                    <p:set>
+                                      <p:cBhvr>
+                                        <p:cTn id="35" dur="1" fill="hold">
+                                          <p:stCondLst>
+                                            <p:cond delay="0"/>
+                                          </p:stCondLst>
+                                        </p:cTn>
+                                        <p:tgtEl>
+                                          <p:spTgt spid="96"/>
+                                        </p:tgtEl>
+                                        <p:attrNameLst>
+                                          <p:attrName>style.visibility</p:attrName>
+                                        </p:attrNameLst>
+                                      </p:cBhvr>
+                                      <p:to>
+                                        <p:strVal val="visible"/>
+                                      </p:to>
+                                    </p:set>
+                                    <p:animEffect transition="in" filter="fade">
+                                      <p:cBhvr>
+                                        <p:cTn id="36" dur="500"/>
+                                        <p:tgtEl>
+                                          <p:spTgt spid="96"/>
+                                        </p:tgtEl>
+                                      </p:cBhvr>
+                                    </p:animEffect>
+                                  </p:childTnLst>
+                                </p:cTn>
+                              </p:par>
+                              <p:par>
+                                <p:cTn id="37" presetID="10" presetClass="entr" presetSubtype="0" fill="hold" grpId="1" nodeType="withEffect">
+                                  <p:stCondLst>
+                                    <p:cond delay="0"/>
+                                  </p:stCondLst>
+                                  <p:childTnLst>
+                                    <p:set>
+                                      <p:cBhvr>
+                                        <p:cTn id="38" dur="1" fill="hold">
+                                          <p:stCondLst>
+                                            <p:cond delay="0"/>
+                                          </p:stCondLst>
+                                        </p:cTn>
+                                        <p:tgtEl>
+                                          <p:spTgt spid="97"/>
+                                        </p:tgtEl>
+                                        <p:attrNameLst>
+                                          <p:attrName>style.visibility</p:attrName>
+                                        </p:attrNameLst>
+                                      </p:cBhvr>
+                                      <p:to>
+                                        <p:strVal val="visible"/>
+                                      </p:to>
+                                    </p:set>
+                                    <p:animEffect transition="in" filter="fade">
+                                      <p:cBhvr>
+                                        <p:cTn id="39" dur="500"/>
+                                        <p:tgtEl>
+                                          <p:spTgt spid="97"/>
+                                        </p:tgtEl>
+                                      </p:cBhvr>
+                                    </p:animEffect>
+                                  </p:childTnLst>
+                                </p:cTn>
+                              </p:par>
+                            </p:childTnLst>
+                          </p:cTn>
+                        </p:par>
+                      </p:childTnLst>
+                    </p:cTn>
+                  </p:par>
+                  <p:par>
+                    <p:cTn id="40" fill="hold">
+                      <p:stCondLst>
+                        <p:cond delay="indefinite"/>
+                      </p:stCondLst>
+                      <p:childTnLst>
+                        <p:par>
+                          <p:cTn id="41" fill="hold">
+                            <p:stCondLst>
+                              <p:cond delay="0"/>
+                            </p:stCondLst>
+                            <p:childTnLst>
+                              <p:par>
+                                <p:cTn id="42" presetID="10" presetClass="exit" presetSubtype="0" fill="hold" nodeType="clickEffect">
+                                  <p:stCondLst>
+                                    <p:cond delay="0"/>
+                                  </p:stCondLst>
+                                  <p:childTnLst>
+                                    <p:animEffect transition="out" filter="fade">
+                                      <p:cBhvr>
+                                        <p:cTn id="43" dur="500"/>
+                                        <p:tgtEl>
+                                          <p:spTgt spid="18"/>
+                                        </p:tgtEl>
+                                      </p:cBhvr>
+                                    </p:animEffect>
+                                    <p:set>
+                                      <p:cBhvr>
+                                        <p:cTn id="44" dur="1" fill="hold">
+                                          <p:stCondLst>
+                                            <p:cond delay="499"/>
+                                          </p:stCondLst>
+                                        </p:cTn>
+                                        <p:tgtEl>
+                                          <p:spTgt spid="18"/>
+                                        </p:tgtEl>
+                                        <p:attrNameLst>
+                                          <p:attrName>style.visibility</p:attrName>
+                                        </p:attrNameLst>
+                                      </p:cBhvr>
+                                      <p:to>
+                                        <p:strVal val="hidden"/>
+                                      </p:to>
+                                    </p:set>
+                                  </p:childTnLst>
+                                </p:cTn>
+                              </p:par>
+                              <p:par>
+                                <p:cTn id="45" presetID="10" presetClass="exit" presetSubtype="0" fill="hold" nodeType="withEffect">
+                                  <p:stCondLst>
+                                    <p:cond delay="0"/>
+                                  </p:stCondLst>
+                                  <p:childTnLst>
+                                    <p:animEffect transition="out" filter="fade">
+                                      <p:cBhvr>
+                                        <p:cTn id="46" dur="500"/>
+                                        <p:tgtEl>
+                                          <p:spTgt spid="11"/>
+                                        </p:tgtEl>
+                                      </p:cBhvr>
+                                    </p:animEffect>
+                                    <p:set>
+                                      <p:cBhvr>
+                                        <p:cTn id="47" dur="1" fill="hold">
+                                          <p:stCondLst>
+                                            <p:cond delay="499"/>
+                                          </p:stCondLst>
+                                        </p:cTn>
+                                        <p:tgtEl>
+                                          <p:spTgt spid="11"/>
+                                        </p:tgtEl>
+                                        <p:attrNameLst>
+                                          <p:attrName>style.visibility</p:attrName>
+                                        </p:attrNameLst>
+                                      </p:cBhvr>
+                                      <p:to>
+                                        <p:strVal val="hidden"/>
+                                      </p:to>
+                                    </p:set>
+                                  </p:childTnLst>
+                                </p:cTn>
+                              </p:par>
+                              <p:par>
+                                <p:cTn id="48" presetID="10" presetClass="exit" presetSubtype="0" fill="hold" nodeType="withEffect">
+                                  <p:stCondLst>
+                                    <p:cond delay="0"/>
+                                  </p:stCondLst>
+                                  <p:childTnLst>
+                                    <p:animEffect transition="out" filter="fade">
+                                      <p:cBhvr>
+                                        <p:cTn id="49" dur="500"/>
+                                        <p:tgtEl>
+                                          <p:spTgt spid="12"/>
+                                        </p:tgtEl>
+                                      </p:cBhvr>
+                                    </p:animEffect>
+                                    <p:set>
+                                      <p:cBhvr>
+                                        <p:cTn id="50" dur="1" fill="hold">
+                                          <p:stCondLst>
+                                            <p:cond delay="499"/>
+                                          </p:stCondLst>
+                                        </p:cTn>
+                                        <p:tgtEl>
+                                          <p:spTgt spid="12"/>
+                                        </p:tgtEl>
+                                        <p:attrNameLst>
+                                          <p:attrName>style.visibility</p:attrName>
+                                        </p:attrNameLst>
+                                      </p:cBhvr>
+                                      <p:to>
+                                        <p:strVal val="hidden"/>
+                                      </p:to>
+                                    </p:set>
+                                  </p:childTnLst>
+                                </p:cTn>
+                              </p:par>
+                              <p:par>
+                                <p:cTn id="51" presetID="10" presetClass="exit" presetSubtype="0" fill="hold" grpId="1" nodeType="withEffect">
+                                  <p:stCondLst>
+                                    <p:cond delay="0"/>
+                                  </p:stCondLst>
+                                  <p:childTnLst>
+                                    <p:animEffect transition="out" filter="fade">
+                                      <p:cBhvr>
+                                        <p:cTn id="52" dur="500"/>
+                                        <p:tgtEl>
+                                          <p:spTgt spid="13"/>
+                                        </p:tgtEl>
+                                      </p:cBhvr>
+                                    </p:animEffect>
+                                    <p:set>
+                                      <p:cBhvr>
+                                        <p:cTn id="53" dur="1" fill="hold">
+                                          <p:stCondLst>
+                                            <p:cond delay="499"/>
+                                          </p:stCondLst>
+                                        </p:cTn>
+                                        <p:tgtEl>
+                                          <p:spTgt spid="13"/>
+                                        </p:tgtEl>
+                                        <p:attrNameLst>
+                                          <p:attrName>style.visibility</p:attrName>
+                                        </p:attrNameLst>
+                                      </p:cBhvr>
+                                      <p:to>
+                                        <p:strVal val="hidden"/>
+                                      </p:to>
+                                    </p:set>
+                                  </p:childTnLst>
+                                </p:cTn>
+                              </p:par>
+                              <p:par>
+                                <p:cTn id="54" presetID="10" presetClass="exit" presetSubtype="0" fill="hold" nodeType="withEffect">
+                                  <p:stCondLst>
+                                    <p:cond delay="0"/>
+                                  </p:stCondLst>
+                                  <p:childTnLst>
+                                    <p:animEffect transition="out" filter="fade">
+                                      <p:cBhvr>
+                                        <p:cTn id="55" dur="500"/>
+                                        <p:tgtEl>
+                                          <p:spTgt spid="21"/>
+                                        </p:tgtEl>
+                                      </p:cBhvr>
+                                    </p:animEffect>
+                                    <p:set>
+                                      <p:cBhvr>
+                                        <p:cTn id="56" dur="1" fill="hold">
+                                          <p:stCondLst>
+                                            <p:cond delay="499"/>
+                                          </p:stCondLst>
+                                        </p:cTn>
+                                        <p:tgtEl>
+                                          <p:spTgt spid="21"/>
+                                        </p:tgtEl>
+                                        <p:attrNameLst>
+                                          <p:attrName>style.visibility</p:attrName>
+                                        </p:attrNameLst>
+                                      </p:cBhvr>
+                                      <p:to>
+                                        <p:strVal val="hidden"/>
+                                      </p:to>
+                                    </p:set>
+                                  </p:childTnLst>
+                                </p:cTn>
+                              </p:par>
+                              <p:par>
+                                <p:cTn id="57" presetID="10" presetClass="exit" presetSubtype="0" fill="hold" nodeType="withEffect">
+                                  <p:stCondLst>
+                                    <p:cond delay="0"/>
+                                  </p:stCondLst>
+                                  <p:childTnLst>
+                                    <p:animEffect transition="out" filter="fade">
+                                      <p:cBhvr>
+                                        <p:cTn id="58" dur="500"/>
+                                        <p:tgtEl>
+                                          <p:spTgt spid="22"/>
+                                        </p:tgtEl>
+                                      </p:cBhvr>
+                                    </p:animEffect>
+                                    <p:set>
+                                      <p:cBhvr>
+                                        <p:cTn id="59" dur="1" fill="hold">
+                                          <p:stCondLst>
+                                            <p:cond delay="499"/>
+                                          </p:stCondLst>
+                                        </p:cTn>
+                                        <p:tgtEl>
+                                          <p:spTgt spid="22"/>
+                                        </p:tgtEl>
+                                        <p:attrNameLst>
+                                          <p:attrName>style.visibility</p:attrName>
+                                        </p:attrNameLst>
+                                      </p:cBhvr>
+                                      <p:to>
+                                        <p:strVal val="hidden"/>
+                                      </p:to>
+                                    </p:set>
+                                  </p:childTnLst>
+                                </p:cTn>
+                              </p:par>
+                              <p:par>
+                                <p:cTn id="60" presetID="42" presetClass="path" presetSubtype="0" accel="50000" decel="50000" fill="hold" grpId="0" nodeType="withEffect">
+                                  <p:stCondLst>
+                                    <p:cond delay="0"/>
+                                  </p:stCondLst>
+                                  <p:childTnLst>
+                                    <p:animMotion origin="layout" path="M 0.09401 0.00764 L -0.52708 -0.08426 " pathEditMode="relative" rAng="0" ptsTypes="AA">
+                                      <p:cBhvr>
+                                        <p:cTn id="61" dur="1000" fill="hold"/>
+                                        <p:tgtEl>
+                                          <p:spTgt spid="95"/>
+                                        </p:tgtEl>
+                                        <p:attrNameLst>
+                                          <p:attrName>ppt_x</p:attrName>
+                                          <p:attrName>ppt_y</p:attrName>
+                                        </p:attrNameLst>
+                                      </p:cBhvr>
+                                      <p:rCtr x="-31055" y="-4606"/>
+                                    </p:animMotion>
+                                  </p:childTnLst>
+                                </p:cTn>
+                              </p:par>
+                              <p:par>
+                                <p:cTn id="62" presetID="42" presetClass="path" presetSubtype="0" accel="50000" decel="50000" fill="hold" grpId="0" nodeType="withEffect">
+                                  <p:stCondLst>
+                                    <p:cond delay="0"/>
+                                  </p:stCondLst>
+                                  <p:childTnLst>
+                                    <p:animMotion origin="layout" path="M -0.04049 -0.02569 L -0.07487 -0.44305 " pathEditMode="relative" rAng="0" ptsTypes="AA">
+                                      <p:cBhvr>
+                                        <p:cTn id="63" dur="1000" fill="hold"/>
+                                        <p:tgtEl>
+                                          <p:spTgt spid="96"/>
+                                        </p:tgtEl>
+                                        <p:attrNameLst>
+                                          <p:attrName>ppt_x</p:attrName>
+                                          <p:attrName>ppt_y</p:attrName>
+                                        </p:attrNameLst>
+                                      </p:cBhvr>
+                                      <p:rCtr x="-1719" y="-20880"/>
+                                    </p:animMotion>
+                                  </p:childTnLst>
+                                </p:cTn>
+                              </p:par>
+                              <p:par>
+                                <p:cTn id="64" presetID="42" presetClass="path" presetSubtype="0" accel="50000" decel="50000" fill="hold" grpId="0" nodeType="withEffect">
+                                  <p:stCondLst>
+                                    <p:cond delay="0"/>
+                                  </p:stCondLst>
+                                  <p:childTnLst>
+                                    <p:animMotion origin="layout" path="M 0.00625 0.0037 L -0.43894 -0.38773 " pathEditMode="relative" rAng="0" ptsTypes="AA">
+                                      <p:cBhvr>
+                                        <p:cTn id="65" dur="1000" fill="hold"/>
+                                        <p:tgtEl>
+                                          <p:spTgt spid="97"/>
+                                        </p:tgtEl>
+                                        <p:attrNameLst>
+                                          <p:attrName>ppt_x</p:attrName>
+                                          <p:attrName>ppt_y</p:attrName>
+                                        </p:attrNameLst>
+                                      </p:cBhvr>
+                                      <p:rCtr x="-22266" y="-19583"/>
+                                    </p:animMotion>
+                                  </p:childTnLst>
+                                </p:cTn>
+                              </p:par>
+                            </p:childTnLst>
+                          </p:cTn>
+                        </p:par>
+                        <p:par>
+                          <p:cTn id="66" fill="hold">
+                            <p:stCondLst>
+                              <p:cond delay="1000"/>
+                            </p:stCondLst>
+                            <p:childTnLst>
+                              <p:par>
+                                <p:cTn id="67" presetID="10" presetClass="entr" presetSubtype="0" fill="hold" grpId="0" nodeType="afterEffect">
+                                  <p:stCondLst>
+                                    <p:cond delay="0"/>
+                                  </p:stCondLst>
+                                  <p:childTnLst>
+                                    <p:set>
+                                      <p:cBhvr>
+                                        <p:cTn id="68" dur="1" fill="hold">
+                                          <p:stCondLst>
+                                            <p:cond delay="0"/>
+                                          </p:stCondLst>
+                                        </p:cTn>
+                                        <p:tgtEl>
+                                          <p:spTgt spid="98"/>
+                                        </p:tgtEl>
+                                        <p:attrNameLst>
+                                          <p:attrName>style.visibility</p:attrName>
+                                        </p:attrNameLst>
+                                      </p:cBhvr>
+                                      <p:to>
+                                        <p:strVal val="visible"/>
+                                      </p:to>
+                                    </p:set>
+                                    <p:animEffect transition="in" filter="fade">
+                                      <p:cBhvr>
+                                        <p:cTn id="69" dur="500"/>
+                                        <p:tgtEl>
+                                          <p:spTgt spid="98"/>
+                                        </p:tgtEl>
+                                      </p:cBhvr>
+                                    </p:animEffect>
+                                  </p:childTnLst>
+                                </p:cTn>
+                              </p:par>
+                            </p:childTnLst>
+                          </p:cTn>
+                        </p:par>
+                      </p:childTnLst>
+                    </p:cTn>
+                  </p:par>
+                </p:childTnLst>
+              </p:cTn>
+              <p:prevCondLst>
+                <p:cond evt="onPrev" delay="0">
+                  <p:tgtEl>
+                    <p:sldTgt/>
+                  </p:tgtEl>
+                </p:cond>
+              </p:prevCondLst>
+              <p:nextCondLst>
+                <p:cond evt="onNext" delay="0">
+                  <p:tgtEl>
+                    <p:sldTgt/>
+                  </p:tgtEl>
+                </p:cond>
+              </p:nextCondLst>
+            </p:seq>
+          </p:childTnLst>
+        </p:cTn>
+      </p:par>
+    </p:tnLst>
+    <p:bldLst>
+      <p:bldP spid="13" grpId="0"/>
+      <p:bldP spid="13" grpId="1"/>
+      <p:bldP spid="95" grpId="0"/>
+      <p:bldP spid="95" grpId="1"/>
+      <p:bldP spid="96" grpId="0"/>
+      <p:bldP spid="96" grpId="1"/>
+      <p:bldP spid="97" grpId="0"/>
+      <p:bldP spid="97" grpId="1"/>
+      <p:bldP spid="98" grpId="0"/>
+    </p:bldLst>
+  </p:timing>
 </p:sld>
 </file>
 

--- a/Decision_tree_and_Random_forest.pptx
+++ b/Decision_tree_and_Random_forest.pptx
@@ -3467,8 +3467,8 @@
           </a:p>
         </p:txBody>
       </p:sp>
-      <mc:AlternateContent xmlns:mc="http://schemas.openxmlformats.org/markup-compatibility/2006" xmlns:a14="http://schemas.microsoft.com/office/drawing/2010/main">
-        <mc:Choice Requires="a14">
+      <mc:AlternateContent xmlns:mc="http://schemas.openxmlformats.org/markup-compatibility/2006">
+        <mc:Choice xmlns:a14="http://schemas.microsoft.com/office/drawing/2010/main" Requires="a14">
           <p:sp>
             <p:nvSpPr>
               <p:cNvPr id="3" name="Content Placeholder 2">
@@ -3492,7 +3492,7 @@
               <a:p>
                 <a:r>
                   <a:rPr lang="en-US" dirty="0"/>
-                  <a:t>500 observations with 250 of category 0 and 250 of category 1</a:t>
+                  <a:t>500 balls with 250 of red and 250 of green</a:t>
                 </a:r>
               </a:p>
               <a:p>
@@ -3682,7 +3682,7 @@
                           <a:rPr lang="en-US" b="0" i="1" smtClean="0">
                             <a:latin typeface="Cambria Math" panose="02040503050406030204" pitchFamily="18" charset="0"/>
                           </a:rPr>
-                          <m:t>1</m:t>
+                          <m:t>𝑟𝑒𝑑</m:t>
                         </m:r>
                       </m:sub>
                     </m:sSub>
@@ -3715,7 +3715,7 @@
                           <a:rPr lang="en-US" b="0" i="1" smtClean="0">
                             <a:latin typeface="Cambria Math" panose="02040503050406030204" pitchFamily="18" charset="0"/>
                           </a:rPr>
-                          <m:t>2</m:t>
+                          <m:t>𝑔𝑟𝑒𝑒𝑛</m:t>
                         </m:r>
                       </m:sub>
                     </m:sSub>
@@ -3735,7 +3735,7 @@
             </p:txBody>
           </p:sp>
         </mc:Choice>
-        <mc:Fallback xmlns="">
+        <mc:Fallback>
           <p:sp>
             <p:nvSpPr>
               <p:cNvPr id="3" name="Content Placeholder 2">
@@ -3775,6 +3775,1396 @@
           </p:sp>
         </mc:Fallback>
       </mc:AlternateContent>
+      <p:grpSp>
+        <p:nvGrpSpPr>
+          <p:cNvPr id="4" name="Group 3">
+            <a:extLst>
+              <a:ext uri="{FF2B5EF4-FFF2-40B4-BE49-F238E27FC236}">
+                <a16:creationId xmlns:a16="http://schemas.microsoft.com/office/drawing/2014/main" id="{2B1A96CB-EE86-4F97-BD14-F82916AB36C9}"/>
+              </a:ext>
+            </a:extLst>
+          </p:cNvPr>
+          <p:cNvGrpSpPr/>
+          <p:nvPr/>
+        </p:nvGrpSpPr>
+        <p:grpSpPr>
+          <a:xfrm>
+            <a:off x="8061863" y="2043169"/>
+            <a:ext cx="3061252" cy="1004965"/>
+            <a:chOff x="4178020" y="2637058"/>
+            <a:chExt cx="3061252" cy="1004965"/>
+          </a:xfrm>
+        </p:grpSpPr>
+        <p:sp>
+          <p:nvSpPr>
+            <p:cNvPr id="5" name="Rectangle 4">
+              <a:extLst>
+                <a:ext uri="{FF2B5EF4-FFF2-40B4-BE49-F238E27FC236}">
+                  <a16:creationId xmlns:a16="http://schemas.microsoft.com/office/drawing/2014/main" id="{B3B4CBE4-96ED-48FE-8A69-762A75D0E4E1}"/>
+                </a:ext>
+              </a:extLst>
+            </p:cNvPr>
+            <p:cNvSpPr/>
+            <p:nvPr/>
+          </p:nvSpPr>
+          <p:spPr>
+            <a:xfrm>
+              <a:off x="4178020" y="2648110"/>
+              <a:ext cx="3061252" cy="993913"/>
+            </a:xfrm>
+            <a:prstGeom prst="rect">
+              <a:avLst/>
+            </a:prstGeom>
+            <a:solidFill>
+              <a:schemeClr val="tx1"/>
+            </a:solidFill>
+          </p:spPr>
+          <p:style>
+            <a:lnRef idx="2">
+              <a:schemeClr val="dk1">
+                <a:shade val="50000"/>
+              </a:schemeClr>
+            </a:lnRef>
+            <a:fillRef idx="1">
+              <a:schemeClr val="dk1"/>
+            </a:fillRef>
+            <a:effectRef idx="0">
+              <a:schemeClr val="dk1"/>
+            </a:effectRef>
+            <a:fontRef idx="minor">
+              <a:schemeClr val="lt1"/>
+            </a:fontRef>
+          </p:style>
+          <p:txBody>
+            <a:bodyPr rtlCol="0" anchor="ctr"/>
+            <a:lstStyle/>
+            <a:p>
+              <a:pPr algn="ctr"/>
+              <a:endParaRPr lang="en-US"/>
+            </a:p>
+          </p:txBody>
+        </p:sp>
+        <p:grpSp>
+          <p:nvGrpSpPr>
+            <p:cNvPr id="6" name="Group 5">
+              <a:extLst>
+                <a:ext uri="{FF2B5EF4-FFF2-40B4-BE49-F238E27FC236}">
+                  <a16:creationId xmlns:a16="http://schemas.microsoft.com/office/drawing/2014/main" id="{A7D85E9A-1DF8-40B2-9801-D02E6CE1496C}"/>
+                </a:ext>
+              </a:extLst>
+            </p:cNvPr>
+            <p:cNvGrpSpPr/>
+            <p:nvPr/>
+          </p:nvGrpSpPr>
+          <p:grpSpPr>
+            <a:xfrm>
+              <a:off x="4330002" y="2682248"/>
+              <a:ext cx="2773596" cy="939196"/>
+              <a:chOff x="4236869" y="2682248"/>
+              <a:chExt cx="2773596" cy="939196"/>
+            </a:xfrm>
+          </p:grpSpPr>
+          <p:sp>
+            <p:nvSpPr>
+              <p:cNvPr id="8" name="Oval 7">
+                <a:extLst>
+                  <a:ext uri="{FF2B5EF4-FFF2-40B4-BE49-F238E27FC236}">
+                    <a16:creationId xmlns:a16="http://schemas.microsoft.com/office/drawing/2014/main" id="{BB36D25D-7CD7-4280-B412-61F56ADB6339}"/>
+                  </a:ext>
+                </a:extLst>
+              </p:cNvPr>
+              <p:cNvSpPr/>
+              <p:nvPr/>
+            </p:nvSpPr>
+            <p:spPr>
+              <a:xfrm>
+                <a:off x="4240463" y="2682248"/>
+                <a:ext cx="291049" cy="291049"/>
+              </a:xfrm>
+              <a:prstGeom prst="ellipse">
+                <a:avLst/>
+              </a:prstGeom>
+              <a:solidFill>
+                <a:srgbClr val="FF0000"/>
+              </a:solidFill>
+              <a:ln>
+                <a:noFill/>
+              </a:ln>
+            </p:spPr>
+            <p:style>
+              <a:lnRef idx="2">
+                <a:schemeClr val="accent1">
+                  <a:shade val="50000"/>
+                </a:schemeClr>
+              </a:lnRef>
+              <a:fillRef idx="1">
+                <a:schemeClr val="accent1"/>
+              </a:fillRef>
+              <a:effectRef idx="0">
+                <a:schemeClr val="accent1"/>
+              </a:effectRef>
+              <a:fontRef idx="minor">
+                <a:schemeClr val="lt1"/>
+              </a:fontRef>
+            </p:style>
+            <p:txBody>
+              <a:bodyPr rtlCol="0" anchor="ctr"/>
+              <a:lstStyle/>
+              <a:p>
+                <a:pPr algn="ctr"/>
+                <a:endParaRPr lang="en-US"/>
+              </a:p>
+            </p:txBody>
+          </p:sp>
+          <p:sp>
+            <p:nvSpPr>
+              <p:cNvPr id="9" name="Oval 8">
+                <a:extLst>
+                  <a:ext uri="{FF2B5EF4-FFF2-40B4-BE49-F238E27FC236}">
+                    <a16:creationId xmlns:a16="http://schemas.microsoft.com/office/drawing/2014/main" id="{C14FCA2D-2494-4119-B96A-A3EB6D03F6BF}"/>
+                  </a:ext>
+                </a:extLst>
+              </p:cNvPr>
+              <p:cNvSpPr/>
+              <p:nvPr/>
+            </p:nvSpPr>
+            <p:spPr>
+              <a:xfrm>
+                <a:off x="4593955" y="2683166"/>
+                <a:ext cx="291049" cy="291049"/>
+              </a:xfrm>
+              <a:prstGeom prst="ellipse">
+                <a:avLst/>
+              </a:prstGeom>
+              <a:solidFill>
+                <a:srgbClr val="00B050"/>
+              </a:solidFill>
+              <a:ln>
+                <a:noFill/>
+              </a:ln>
+            </p:spPr>
+            <p:style>
+              <a:lnRef idx="2">
+                <a:schemeClr val="accent1">
+                  <a:shade val="50000"/>
+                </a:schemeClr>
+              </a:lnRef>
+              <a:fillRef idx="1">
+                <a:schemeClr val="accent1"/>
+              </a:fillRef>
+              <a:effectRef idx="0">
+                <a:schemeClr val="accent1"/>
+              </a:effectRef>
+              <a:fontRef idx="minor">
+                <a:schemeClr val="lt1"/>
+              </a:fontRef>
+            </p:style>
+            <p:txBody>
+              <a:bodyPr rtlCol="0" anchor="ctr"/>
+              <a:lstStyle/>
+              <a:p>
+                <a:pPr algn="ctr"/>
+                <a:endParaRPr lang="en-US"/>
+              </a:p>
+            </p:txBody>
+          </p:sp>
+          <p:sp>
+            <p:nvSpPr>
+              <p:cNvPr id="10" name="Oval 9">
+                <a:extLst>
+                  <a:ext uri="{FF2B5EF4-FFF2-40B4-BE49-F238E27FC236}">
+                    <a16:creationId xmlns:a16="http://schemas.microsoft.com/office/drawing/2014/main" id="{3D010138-57AE-42DC-ABDB-F3AD00F6E0F5}"/>
+                  </a:ext>
+                </a:extLst>
+              </p:cNvPr>
+              <p:cNvSpPr/>
+              <p:nvPr/>
+            </p:nvSpPr>
+            <p:spPr>
+              <a:xfrm>
+                <a:off x="4240462" y="3302046"/>
+                <a:ext cx="291049" cy="291049"/>
+              </a:xfrm>
+              <a:prstGeom prst="ellipse">
+                <a:avLst/>
+              </a:prstGeom>
+              <a:solidFill>
+                <a:srgbClr val="FF0000"/>
+              </a:solidFill>
+              <a:ln>
+                <a:noFill/>
+              </a:ln>
+            </p:spPr>
+            <p:style>
+              <a:lnRef idx="2">
+                <a:schemeClr val="accent1">
+                  <a:shade val="50000"/>
+                </a:schemeClr>
+              </a:lnRef>
+              <a:fillRef idx="1">
+                <a:schemeClr val="accent1"/>
+              </a:fillRef>
+              <a:effectRef idx="0">
+                <a:schemeClr val="accent1"/>
+              </a:effectRef>
+              <a:fontRef idx="minor">
+                <a:schemeClr val="lt1"/>
+              </a:fontRef>
+            </p:style>
+            <p:txBody>
+              <a:bodyPr rtlCol="0" anchor="ctr"/>
+              <a:lstStyle/>
+              <a:p>
+                <a:pPr algn="ctr"/>
+                <a:endParaRPr lang="en-US"/>
+              </a:p>
+            </p:txBody>
+          </p:sp>
+          <p:sp>
+            <p:nvSpPr>
+              <p:cNvPr id="11" name="Oval 10">
+                <a:extLst>
+                  <a:ext uri="{FF2B5EF4-FFF2-40B4-BE49-F238E27FC236}">
+                    <a16:creationId xmlns:a16="http://schemas.microsoft.com/office/drawing/2014/main" id="{3D300DE5-2BC9-412C-91F0-B43E61369701}"/>
+                  </a:ext>
+                </a:extLst>
+              </p:cNvPr>
+              <p:cNvSpPr/>
+              <p:nvPr/>
+            </p:nvSpPr>
+            <p:spPr>
+              <a:xfrm>
+                <a:off x="4236869" y="2991768"/>
+                <a:ext cx="291049" cy="291049"/>
+              </a:xfrm>
+              <a:prstGeom prst="ellipse">
+                <a:avLst/>
+              </a:prstGeom>
+              <a:solidFill>
+                <a:srgbClr val="00B050"/>
+              </a:solidFill>
+              <a:ln>
+                <a:noFill/>
+              </a:ln>
+            </p:spPr>
+            <p:style>
+              <a:lnRef idx="2">
+                <a:schemeClr val="accent1">
+                  <a:shade val="50000"/>
+                </a:schemeClr>
+              </a:lnRef>
+              <a:fillRef idx="1">
+                <a:schemeClr val="accent1"/>
+              </a:fillRef>
+              <a:effectRef idx="0">
+                <a:schemeClr val="accent1"/>
+              </a:effectRef>
+              <a:fontRef idx="minor">
+                <a:schemeClr val="lt1"/>
+              </a:fontRef>
+            </p:style>
+            <p:txBody>
+              <a:bodyPr rtlCol="0" anchor="ctr"/>
+              <a:lstStyle/>
+              <a:p>
+                <a:pPr algn="ctr"/>
+                <a:endParaRPr lang="en-US"/>
+              </a:p>
+            </p:txBody>
+          </p:sp>
+          <p:sp>
+            <p:nvSpPr>
+              <p:cNvPr id="12" name="Oval 11">
+                <a:extLst>
+                  <a:ext uri="{FF2B5EF4-FFF2-40B4-BE49-F238E27FC236}">
+                    <a16:creationId xmlns:a16="http://schemas.microsoft.com/office/drawing/2014/main" id="{0666BB8B-F655-4989-A4B5-EE317B23CA2B}"/>
+                  </a:ext>
+                </a:extLst>
+              </p:cNvPr>
+              <p:cNvSpPr/>
+              <p:nvPr/>
+            </p:nvSpPr>
+            <p:spPr>
+              <a:xfrm>
+                <a:off x="4593954" y="3315999"/>
+                <a:ext cx="291049" cy="291049"/>
+              </a:xfrm>
+              <a:prstGeom prst="ellipse">
+                <a:avLst/>
+              </a:prstGeom>
+              <a:solidFill>
+                <a:srgbClr val="00B050"/>
+              </a:solidFill>
+              <a:ln>
+                <a:noFill/>
+              </a:ln>
+            </p:spPr>
+            <p:style>
+              <a:lnRef idx="2">
+                <a:schemeClr val="accent1">
+                  <a:shade val="50000"/>
+                </a:schemeClr>
+              </a:lnRef>
+              <a:fillRef idx="1">
+                <a:schemeClr val="accent1"/>
+              </a:fillRef>
+              <a:effectRef idx="0">
+                <a:schemeClr val="accent1"/>
+              </a:effectRef>
+              <a:fontRef idx="minor">
+                <a:schemeClr val="lt1"/>
+              </a:fontRef>
+            </p:style>
+            <p:txBody>
+              <a:bodyPr rtlCol="0" anchor="ctr"/>
+              <a:lstStyle/>
+              <a:p>
+                <a:pPr algn="ctr"/>
+                <a:endParaRPr lang="en-US"/>
+              </a:p>
+            </p:txBody>
+          </p:sp>
+          <p:sp>
+            <p:nvSpPr>
+              <p:cNvPr id="13" name="Oval 12">
+                <a:extLst>
+                  <a:ext uri="{FF2B5EF4-FFF2-40B4-BE49-F238E27FC236}">
+                    <a16:creationId xmlns:a16="http://schemas.microsoft.com/office/drawing/2014/main" id="{FD80943B-482A-4494-B97B-498CB273E8FD}"/>
+                  </a:ext>
+                </a:extLst>
+              </p:cNvPr>
+              <p:cNvSpPr/>
+              <p:nvPr/>
+            </p:nvSpPr>
+            <p:spPr>
+              <a:xfrm>
+                <a:off x="4593954" y="2999541"/>
+                <a:ext cx="291049" cy="291049"/>
+              </a:xfrm>
+              <a:prstGeom prst="ellipse">
+                <a:avLst/>
+              </a:prstGeom>
+              <a:solidFill>
+                <a:srgbClr val="FF0000"/>
+              </a:solidFill>
+              <a:ln>
+                <a:noFill/>
+              </a:ln>
+            </p:spPr>
+            <p:style>
+              <a:lnRef idx="2">
+                <a:schemeClr val="accent1">
+                  <a:shade val="50000"/>
+                </a:schemeClr>
+              </a:lnRef>
+              <a:fillRef idx="1">
+                <a:schemeClr val="accent1"/>
+              </a:fillRef>
+              <a:effectRef idx="0">
+                <a:schemeClr val="accent1"/>
+              </a:effectRef>
+              <a:fontRef idx="minor">
+                <a:schemeClr val="lt1"/>
+              </a:fontRef>
+            </p:style>
+            <p:txBody>
+              <a:bodyPr rtlCol="0" anchor="ctr"/>
+              <a:lstStyle/>
+              <a:p>
+                <a:pPr algn="ctr"/>
+                <a:endParaRPr lang="en-US"/>
+              </a:p>
+            </p:txBody>
+          </p:sp>
+          <p:sp>
+            <p:nvSpPr>
+              <p:cNvPr id="14" name="Oval 13">
+                <a:extLst>
+                  <a:ext uri="{FF2B5EF4-FFF2-40B4-BE49-F238E27FC236}">
+                    <a16:creationId xmlns:a16="http://schemas.microsoft.com/office/drawing/2014/main" id="{BF0D8FB6-087A-475C-A388-DD31192567F7}"/>
+                  </a:ext>
+                </a:extLst>
+              </p:cNvPr>
+              <p:cNvSpPr/>
+              <p:nvPr/>
+            </p:nvSpPr>
+            <p:spPr>
+              <a:xfrm>
+                <a:off x="4949702" y="2692358"/>
+                <a:ext cx="291049" cy="291049"/>
+              </a:xfrm>
+              <a:prstGeom prst="ellipse">
+                <a:avLst/>
+              </a:prstGeom>
+              <a:solidFill>
+                <a:srgbClr val="FF0000"/>
+              </a:solidFill>
+              <a:ln>
+                <a:noFill/>
+              </a:ln>
+            </p:spPr>
+            <p:style>
+              <a:lnRef idx="2">
+                <a:schemeClr val="accent1">
+                  <a:shade val="50000"/>
+                </a:schemeClr>
+              </a:lnRef>
+              <a:fillRef idx="1">
+                <a:schemeClr val="accent1"/>
+              </a:fillRef>
+              <a:effectRef idx="0">
+                <a:schemeClr val="accent1"/>
+              </a:effectRef>
+              <a:fontRef idx="minor">
+                <a:schemeClr val="lt1"/>
+              </a:fontRef>
+            </p:style>
+            <p:txBody>
+              <a:bodyPr rtlCol="0" anchor="ctr"/>
+              <a:lstStyle/>
+              <a:p>
+                <a:pPr algn="ctr"/>
+                <a:endParaRPr lang="en-US"/>
+              </a:p>
+            </p:txBody>
+          </p:sp>
+          <p:sp>
+            <p:nvSpPr>
+              <p:cNvPr id="15" name="Oval 14">
+                <a:extLst>
+                  <a:ext uri="{FF2B5EF4-FFF2-40B4-BE49-F238E27FC236}">
+                    <a16:creationId xmlns:a16="http://schemas.microsoft.com/office/drawing/2014/main" id="{320029B3-7ADC-4DF3-A857-0ABFDC155F14}"/>
+                  </a:ext>
+                </a:extLst>
+              </p:cNvPr>
+              <p:cNvSpPr/>
+              <p:nvPr/>
+            </p:nvSpPr>
+            <p:spPr>
+              <a:xfrm>
+                <a:off x="5303194" y="2693276"/>
+                <a:ext cx="291049" cy="291049"/>
+              </a:xfrm>
+              <a:prstGeom prst="ellipse">
+                <a:avLst/>
+              </a:prstGeom>
+              <a:solidFill>
+                <a:srgbClr val="00B050"/>
+              </a:solidFill>
+              <a:ln>
+                <a:noFill/>
+              </a:ln>
+            </p:spPr>
+            <p:style>
+              <a:lnRef idx="2">
+                <a:schemeClr val="accent1">
+                  <a:shade val="50000"/>
+                </a:schemeClr>
+              </a:lnRef>
+              <a:fillRef idx="1">
+                <a:schemeClr val="accent1"/>
+              </a:fillRef>
+              <a:effectRef idx="0">
+                <a:schemeClr val="accent1"/>
+              </a:effectRef>
+              <a:fontRef idx="minor">
+                <a:schemeClr val="lt1"/>
+              </a:fontRef>
+            </p:style>
+            <p:txBody>
+              <a:bodyPr rtlCol="0" anchor="ctr"/>
+              <a:lstStyle/>
+              <a:p>
+                <a:pPr algn="ctr"/>
+                <a:endParaRPr lang="en-US"/>
+              </a:p>
+            </p:txBody>
+          </p:sp>
+          <p:sp>
+            <p:nvSpPr>
+              <p:cNvPr id="16" name="Oval 15">
+                <a:extLst>
+                  <a:ext uri="{FF2B5EF4-FFF2-40B4-BE49-F238E27FC236}">
+                    <a16:creationId xmlns:a16="http://schemas.microsoft.com/office/drawing/2014/main" id="{0A56E0C7-B068-4B69-8A8E-8BFE340740F6}"/>
+                  </a:ext>
+                </a:extLst>
+              </p:cNvPr>
+              <p:cNvSpPr/>
+              <p:nvPr/>
+            </p:nvSpPr>
+            <p:spPr>
+              <a:xfrm>
+                <a:off x="4949701" y="3312156"/>
+                <a:ext cx="291049" cy="291049"/>
+              </a:xfrm>
+              <a:prstGeom prst="ellipse">
+                <a:avLst/>
+              </a:prstGeom>
+              <a:solidFill>
+                <a:srgbClr val="FF0000"/>
+              </a:solidFill>
+              <a:ln>
+                <a:noFill/>
+              </a:ln>
+            </p:spPr>
+            <p:style>
+              <a:lnRef idx="2">
+                <a:schemeClr val="accent1">
+                  <a:shade val="50000"/>
+                </a:schemeClr>
+              </a:lnRef>
+              <a:fillRef idx="1">
+                <a:schemeClr val="accent1"/>
+              </a:fillRef>
+              <a:effectRef idx="0">
+                <a:schemeClr val="accent1"/>
+              </a:effectRef>
+              <a:fontRef idx="minor">
+                <a:schemeClr val="lt1"/>
+              </a:fontRef>
+            </p:style>
+            <p:txBody>
+              <a:bodyPr rtlCol="0" anchor="ctr"/>
+              <a:lstStyle/>
+              <a:p>
+                <a:pPr algn="ctr"/>
+                <a:endParaRPr lang="en-US"/>
+              </a:p>
+            </p:txBody>
+          </p:sp>
+          <p:sp>
+            <p:nvSpPr>
+              <p:cNvPr id="17" name="Oval 16">
+                <a:extLst>
+                  <a:ext uri="{FF2B5EF4-FFF2-40B4-BE49-F238E27FC236}">
+                    <a16:creationId xmlns:a16="http://schemas.microsoft.com/office/drawing/2014/main" id="{48AC9BCA-14F4-4850-A8C0-D06627AF32E8}"/>
+                  </a:ext>
+                </a:extLst>
+              </p:cNvPr>
+              <p:cNvSpPr/>
+              <p:nvPr/>
+            </p:nvSpPr>
+            <p:spPr>
+              <a:xfrm>
+                <a:off x="4946108" y="3001878"/>
+                <a:ext cx="291049" cy="291049"/>
+              </a:xfrm>
+              <a:prstGeom prst="ellipse">
+                <a:avLst/>
+              </a:prstGeom>
+              <a:solidFill>
+                <a:srgbClr val="00B050"/>
+              </a:solidFill>
+              <a:ln>
+                <a:noFill/>
+              </a:ln>
+            </p:spPr>
+            <p:style>
+              <a:lnRef idx="2">
+                <a:schemeClr val="accent1">
+                  <a:shade val="50000"/>
+                </a:schemeClr>
+              </a:lnRef>
+              <a:fillRef idx="1">
+                <a:schemeClr val="accent1"/>
+              </a:fillRef>
+              <a:effectRef idx="0">
+                <a:schemeClr val="accent1"/>
+              </a:effectRef>
+              <a:fontRef idx="minor">
+                <a:schemeClr val="lt1"/>
+              </a:fontRef>
+            </p:style>
+            <p:txBody>
+              <a:bodyPr rtlCol="0" anchor="ctr"/>
+              <a:lstStyle/>
+              <a:p>
+                <a:pPr algn="ctr"/>
+                <a:endParaRPr lang="en-US"/>
+              </a:p>
+            </p:txBody>
+          </p:sp>
+          <p:sp>
+            <p:nvSpPr>
+              <p:cNvPr id="18" name="Oval 17">
+                <a:extLst>
+                  <a:ext uri="{FF2B5EF4-FFF2-40B4-BE49-F238E27FC236}">
+                    <a16:creationId xmlns:a16="http://schemas.microsoft.com/office/drawing/2014/main" id="{1CC62CB3-17F4-4E9C-A37F-69B41C151AEB}"/>
+                  </a:ext>
+                </a:extLst>
+              </p:cNvPr>
+              <p:cNvSpPr/>
+              <p:nvPr/>
+            </p:nvSpPr>
+            <p:spPr>
+              <a:xfrm>
+                <a:off x="5303193" y="3326109"/>
+                <a:ext cx="291049" cy="291049"/>
+              </a:xfrm>
+              <a:prstGeom prst="ellipse">
+                <a:avLst/>
+              </a:prstGeom>
+              <a:solidFill>
+                <a:srgbClr val="00B050"/>
+              </a:solidFill>
+              <a:ln>
+                <a:noFill/>
+              </a:ln>
+            </p:spPr>
+            <p:style>
+              <a:lnRef idx="2">
+                <a:schemeClr val="accent1">
+                  <a:shade val="50000"/>
+                </a:schemeClr>
+              </a:lnRef>
+              <a:fillRef idx="1">
+                <a:schemeClr val="accent1"/>
+              </a:fillRef>
+              <a:effectRef idx="0">
+                <a:schemeClr val="accent1"/>
+              </a:effectRef>
+              <a:fontRef idx="minor">
+                <a:schemeClr val="lt1"/>
+              </a:fontRef>
+            </p:style>
+            <p:txBody>
+              <a:bodyPr rtlCol="0" anchor="ctr"/>
+              <a:lstStyle/>
+              <a:p>
+                <a:pPr algn="ctr"/>
+                <a:endParaRPr lang="en-US"/>
+              </a:p>
+            </p:txBody>
+          </p:sp>
+          <p:sp>
+            <p:nvSpPr>
+              <p:cNvPr id="19" name="Oval 18">
+                <a:extLst>
+                  <a:ext uri="{FF2B5EF4-FFF2-40B4-BE49-F238E27FC236}">
+                    <a16:creationId xmlns:a16="http://schemas.microsoft.com/office/drawing/2014/main" id="{B963BB41-4B78-4735-9AA4-03C880F3D234}"/>
+                  </a:ext>
+                </a:extLst>
+              </p:cNvPr>
+              <p:cNvSpPr/>
+              <p:nvPr/>
+            </p:nvSpPr>
+            <p:spPr>
+              <a:xfrm>
+                <a:off x="5303193" y="3009651"/>
+                <a:ext cx="291049" cy="291049"/>
+              </a:xfrm>
+              <a:prstGeom prst="ellipse">
+                <a:avLst/>
+              </a:prstGeom>
+              <a:solidFill>
+                <a:srgbClr val="FF0000"/>
+              </a:solidFill>
+              <a:ln>
+                <a:noFill/>
+              </a:ln>
+            </p:spPr>
+            <p:style>
+              <a:lnRef idx="2">
+                <a:schemeClr val="accent1">
+                  <a:shade val="50000"/>
+                </a:schemeClr>
+              </a:lnRef>
+              <a:fillRef idx="1">
+                <a:schemeClr val="accent1"/>
+              </a:fillRef>
+              <a:effectRef idx="0">
+                <a:schemeClr val="accent1"/>
+              </a:effectRef>
+              <a:fontRef idx="minor">
+                <a:schemeClr val="lt1"/>
+              </a:fontRef>
+            </p:style>
+            <p:txBody>
+              <a:bodyPr rtlCol="0" anchor="ctr"/>
+              <a:lstStyle/>
+              <a:p>
+                <a:pPr algn="ctr"/>
+                <a:endParaRPr lang="en-US"/>
+              </a:p>
+            </p:txBody>
+          </p:sp>
+          <p:sp>
+            <p:nvSpPr>
+              <p:cNvPr id="20" name="Oval 19">
+                <a:extLst>
+                  <a:ext uri="{FF2B5EF4-FFF2-40B4-BE49-F238E27FC236}">
+                    <a16:creationId xmlns:a16="http://schemas.microsoft.com/office/drawing/2014/main" id="{9AFE72DE-C155-4207-86CF-440AD4A7F110}"/>
+                  </a:ext>
+                </a:extLst>
+              </p:cNvPr>
+              <p:cNvSpPr/>
+              <p:nvPr/>
+            </p:nvSpPr>
+            <p:spPr>
+              <a:xfrm>
+                <a:off x="5663872" y="2693937"/>
+                <a:ext cx="291049" cy="291049"/>
+              </a:xfrm>
+              <a:prstGeom prst="ellipse">
+                <a:avLst/>
+              </a:prstGeom>
+              <a:solidFill>
+                <a:srgbClr val="FF0000"/>
+              </a:solidFill>
+              <a:ln>
+                <a:noFill/>
+              </a:ln>
+            </p:spPr>
+            <p:style>
+              <a:lnRef idx="2">
+                <a:schemeClr val="accent1">
+                  <a:shade val="50000"/>
+                </a:schemeClr>
+              </a:lnRef>
+              <a:fillRef idx="1">
+                <a:schemeClr val="accent1"/>
+              </a:fillRef>
+              <a:effectRef idx="0">
+                <a:schemeClr val="accent1"/>
+              </a:effectRef>
+              <a:fontRef idx="minor">
+                <a:schemeClr val="lt1"/>
+              </a:fontRef>
+            </p:style>
+            <p:txBody>
+              <a:bodyPr rtlCol="0" anchor="ctr"/>
+              <a:lstStyle/>
+              <a:p>
+                <a:pPr algn="ctr"/>
+                <a:endParaRPr lang="en-US"/>
+              </a:p>
+            </p:txBody>
+          </p:sp>
+          <p:sp>
+            <p:nvSpPr>
+              <p:cNvPr id="21" name="Oval 20">
+                <a:extLst>
+                  <a:ext uri="{FF2B5EF4-FFF2-40B4-BE49-F238E27FC236}">
+                    <a16:creationId xmlns:a16="http://schemas.microsoft.com/office/drawing/2014/main" id="{FC986614-81D2-4596-948D-709833EF8574}"/>
+                  </a:ext>
+                </a:extLst>
+              </p:cNvPr>
+              <p:cNvSpPr/>
+              <p:nvPr/>
+            </p:nvSpPr>
+            <p:spPr>
+              <a:xfrm>
+                <a:off x="6017364" y="2694855"/>
+                <a:ext cx="291049" cy="291049"/>
+              </a:xfrm>
+              <a:prstGeom prst="ellipse">
+                <a:avLst/>
+              </a:prstGeom>
+              <a:solidFill>
+                <a:srgbClr val="00B050"/>
+              </a:solidFill>
+              <a:ln>
+                <a:noFill/>
+              </a:ln>
+            </p:spPr>
+            <p:style>
+              <a:lnRef idx="2">
+                <a:schemeClr val="accent1">
+                  <a:shade val="50000"/>
+                </a:schemeClr>
+              </a:lnRef>
+              <a:fillRef idx="1">
+                <a:schemeClr val="accent1"/>
+              </a:fillRef>
+              <a:effectRef idx="0">
+                <a:schemeClr val="accent1"/>
+              </a:effectRef>
+              <a:fontRef idx="minor">
+                <a:schemeClr val="lt1"/>
+              </a:fontRef>
+            </p:style>
+            <p:txBody>
+              <a:bodyPr rtlCol="0" anchor="ctr"/>
+              <a:lstStyle/>
+              <a:p>
+                <a:pPr algn="ctr"/>
+                <a:endParaRPr lang="en-US"/>
+              </a:p>
+            </p:txBody>
+          </p:sp>
+          <p:sp>
+            <p:nvSpPr>
+              <p:cNvPr id="22" name="Oval 21">
+                <a:extLst>
+                  <a:ext uri="{FF2B5EF4-FFF2-40B4-BE49-F238E27FC236}">
+                    <a16:creationId xmlns:a16="http://schemas.microsoft.com/office/drawing/2014/main" id="{08BA2235-E267-4DBC-A11C-A26731B9CF7B}"/>
+                  </a:ext>
+                </a:extLst>
+              </p:cNvPr>
+              <p:cNvSpPr/>
+              <p:nvPr/>
+            </p:nvSpPr>
+            <p:spPr>
+              <a:xfrm>
+                <a:off x="5663871" y="3313735"/>
+                <a:ext cx="291049" cy="291049"/>
+              </a:xfrm>
+              <a:prstGeom prst="ellipse">
+                <a:avLst/>
+              </a:prstGeom>
+              <a:solidFill>
+                <a:srgbClr val="FF0000"/>
+              </a:solidFill>
+              <a:ln>
+                <a:noFill/>
+              </a:ln>
+            </p:spPr>
+            <p:style>
+              <a:lnRef idx="2">
+                <a:schemeClr val="accent1">
+                  <a:shade val="50000"/>
+                </a:schemeClr>
+              </a:lnRef>
+              <a:fillRef idx="1">
+                <a:schemeClr val="accent1"/>
+              </a:fillRef>
+              <a:effectRef idx="0">
+                <a:schemeClr val="accent1"/>
+              </a:effectRef>
+              <a:fontRef idx="minor">
+                <a:schemeClr val="lt1"/>
+              </a:fontRef>
+            </p:style>
+            <p:txBody>
+              <a:bodyPr rtlCol="0" anchor="ctr"/>
+              <a:lstStyle/>
+              <a:p>
+                <a:pPr algn="ctr"/>
+                <a:endParaRPr lang="en-US"/>
+              </a:p>
+            </p:txBody>
+          </p:sp>
+          <p:sp>
+            <p:nvSpPr>
+              <p:cNvPr id="23" name="Oval 22">
+                <a:extLst>
+                  <a:ext uri="{FF2B5EF4-FFF2-40B4-BE49-F238E27FC236}">
+                    <a16:creationId xmlns:a16="http://schemas.microsoft.com/office/drawing/2014/main" id="{46E97DF4-175F-4933-9F64-601A97395FE9}"/>
+                  </a:ext>
+                </a:extLst>
+              </p:cNvPr>
+              <p:cNvSpPr/>
+              <p:nvPr/>
+            </p:nvSpPr>
+            <p:spPr>
+              <a:xfrm>
+                <a:off x="5660278" y="3003457"/>
+                <a:ext cx="291049" cy="291049"/>
+              </a:xfrm>
+              <a:prstGeom prst="ellipse">
+                <a:avLst/>
+              </a:prstGeom>
+              <a:solidFill>
+                <a:srgbClr val="00B050"/>
+              </a:solidFill>
+              <a:ln>
+                <a:noFill/>
+              </a:ln>
+            </p:spPr>
+            <p:style>
+              <a:lnRef idx="2">
+                <a:schemeClr val="accent1">
+                  <a:shade val="50000"/>
+                </a:schemeClr>
+              </a:lnRef>
+              <a:fillRef idx="1">
+                <a:schemeClr val="accent1"/>
+              </a:fillRef>
+              <a:effectRef idx="0">
+                <a:schemeClr val="accent1"/>
+              </a:effectRef>
+              <a:fontRef idx="minor">
+                <a:schemeClr val="lt1"/>
+              </a:fontRef>
+            </p:style>
+            <p:txBody>
+              <a:bodyPr rtlCol="0" anchor="ctr"/>
+              <a:lstStyle/>
+              <a:p>
+                <a:pPr algn="ctr"/>
+                <a:endParaRPr lang="en-US"/>
+              </a:p>
+            </p:txBody>
+          </p:sp>
+          <p:sp>
+            <p:nvSpPr>
+              <p:cNvPr id="24" name="Oval 23">
+                <a:extLst>
+                  <a:ext uri="{FF2B5EF4-FFF2-40B4-BE49-F238E27FC236}">
+                    <a16:creationId xmlns:a16="http://schemas.microsoft.com/office/drawing/2014/main" id="{9121EB61-F0A4-4A1E-A060-2AE812903D22}"/>
+                  </a:ext>
+                </a:extLst>
+              </p:cNvPr>
+              <p:cNvSpPr/>
+              <p:nvPr/>
+            </p:nvSpPr>
+            <p:spPr>
+              <a:xfrm>
+                <a:off x="6017363" y="3327688"/>
+                <a:ext cx="291049" cy="291049"/>
+              </a:xfrm>
+              <a:prstGeom prst="ellipse">
+                <a:avLst/>
+              </a:prstGeom>
+              <a:solidFill>
+                <a:srgbClr val="00B050"/>
+              </a:solidFill>
+              <a:ln>
+                <a:noFill/>
+              </a:ln>
+            </p:spPr>
+            <p:style>
+              <a:lnRef idx="2">
+                <a:schemeClr val="accent1">
+                  <a:shade val="50000"/>
+                </a:schemeClr>
+              </a:lnRef>
+              <a:fillRef idx="1">
+                <a:schemeClr val="accent1"/>
+              </a:fillRef>
+              <a:effectRef idx="0">
+                <a:schemeClr val="accent1"/>
+              </a:effectRef>
+              <a:fontRef idx="minor">
+                <a:schemeClr val="lt1"/>
+              </a:fontRef>
+            </p:style>
+            <p:txBody>
+              <a:bodyPr rtlCol="0" anchor="ctr"/>
+              <a:lstStyle/>
+              <a:p>
+                <a:pPr algn="ctr"/>
+                <a:endParaRPr lang="en-US"/>
+              </a:p>
+            </p:txBody>
+          </p:sp>
+          <p:sp>
+            <p:nvSpPr>
+              <p:cNvPr id="25" name="Oval 24">
+                <a:extLst>
+                  <a:ext uri="{FF2B5EF4-FFF2-40B4-BE49-F238E27FC236}">
+                    <a16:creationId xmlns:a16="http://schemas.microsoft.com/office/drawing/2014/main" id="{37849344-C95B-40AB-BD2A-1260547D0B4E}"/>
+                  </a:ext>
+                </a:extLst>
+              </p:cNvPr>
+              <p:cNvSpPr/>
+              <p:nvPr/>
+            </p:nvSpPr>
+            <p:spPr>
+              <a:xfrm>
+                <a:off x="6017363" y="3011230"/>
+                <a:ext cx="291049" cy="291049"/>
+              </a:xfrm>
+              <a:prstGeom prst="ellipse">
+                <a:avLst/>
+              </a:prstGeom>
+              <a:solidFill>
+                <a:srgbClr val="FF0000"/>
+              </a:solidFill>
+              <a:ln>
+                <a:noFill/>
+              </a:ln>
+            </p:spPr>
+            <p:style>
+              <a:lnRef idx="2">
+                <a:schemeClr val="accent1">
+                  <a:shade val="50000"/>
+                </a:schemeClr>
+              </a:lnRef>
+              <a:fillRef idx="1">
+                <a:schemeClr val="accent1"/>
+              </a:fillRef>
+              <a:effectRef idx="0">
+                <a:schemeClr val="accent1"/>
+              </a:effectRef>
+              <a:fontRef idx="minor">
+                <a:schemeClr val="lt1"/>
+              </a:fontRef>
+            </p:style>
+            <p:txBody>
+              <a:bodyPr rtlCol="0" anchor="ctr"/>
+              <a:lstStyle/>
+              <a:p>
+                <a:pPr algn="ctr"/>
+                <a:endParaRPr lang="en-US"/>
+              </a:p>
+            </p:txBody>
+          </p:sp>
+          <p:sp>
+            <p:nvSpPr>
+              <p:cNvPr id="26" name="Oval 25">
+                <a:extLst>
+                  <a:ext uri="{FF2B5EF4-FFF2-40B4-BE49-F238E27FC236}">
+                    <a16:creationId xmlns:a16="http://schemas.microsoft.com/office/drawing/2014/main" id="{DCB37F17-6B14-4679-ABFD-5E14ABA839E6}"/>
+                  </a:ext>
+                </a:extLst>
+              </p:cNvPr>
+              <p:cNvSpPr/>
+              <p:nvPr/>
+            </p:nvSpPr>
+            <p:spPr>
+              <a:xfrm>
+                <a:off x="6365924" y="2696644"/>
+                <a:ext cx="291049" cy="291049"/>
+              </a:xfrm>
+              <a:prstGeom prst="ellipse">
+                <a:avLst/>
+              </a:prstGeom>
+              <a:solidFill>
+                <a:srgbClr val="FF0000"/>
+              </a:solidFill>
+              <a:ln>
+                <a:noFill/>
+              </a:ln>
+            </p:spPr>
+            <p:style>
+              <a:lnRef idx="2">
+                <a:schemeClr val="accent1">
+                  <a:shade val="50000"/>
+                </a:schemeClr>
+              </a:lnRef>
+              <a:fillRef idx="1">
+                <a:schemeClr val="accent1"/>
+              </a:fillRef>
+              <a:effectRef idx="0">
+                <a:schemeClr val="accent1"/>
+              </a:effectRef>
+              <a:fontRef idx="minor">
+                <a:schemeClr val="lt1"/>
+              </a:fontRef>
+            </p:style>
+            <p:txBody>
+              <a:bodyPr rtlCol="0" anchor="ctr"/>
+              <a:lstStyle/>
+              <a:p>
+                <a:pPr algn="ctr"/>
+                <a:endParaRPr lang="en-US"/>
+              </a:p>
+            </p:txBody>
+          </p:sp>
+          <p:sp>
+            <p:nvSpPr>
+              <p:cNvPr id="27" name="Oval 26">
+                <a:extLst>
+                  <a:ext uri="{FF2B5EF4-FFF2-40B4-BE49-F238E27FC236}">
+                    <a16:creationId xmlns:a16="http://schemas.microsoft.com/office/drawing/2014/main" id="{656BD307-0D84-4345-A262-85AC36F301A1}"/>
+                  </a:ext>
+                </a:extLst>
+              </p:cNvPr>
+              <p:cNvSpPr/>
+              <p:nvPr/>
+            </p:nvSpPr>
+            <p:spPr>
+              <a:xfrm>
+                <a:off x="6719416" y="2697562"/>
+                <a:ext cx="291049" cy="291049"/>
+              </a:xfrm>
+              <a:prstGeom prst="ellipse">
+                <a:avLst/>
+              </a:prstGeom>
+              <a:solidFill>
+                <a:srgbClr val="00B050"/>
+              </a:solidFill>
+              <a:ln>
+                <a:noFill/>
+              </a:ln>
+            </p:spPr>
+            <p:style>
+              <a:lnRef idx="2">
+                <a:schemeClr val="accent1">
+                  <a:shade val="50000"/>
+                </a:schemeClr>
+              </a:lnRef>
+              <a:fillRef idx="1">
+                <a:schemeClr val="accent1"/>
+              </a:fillRef>
+              <a:effectRef idx="0">
+                <a:schemeClr val="accent1"/>
+              </a:effectRef>
+              <a:fontRef idx="minor">
+                <a:schemeClr val="lt1"/>
+              </a:fontRef>
+            </p:style>
+            <p:txBody>
+              <a:bodyPr rtlCol="0" anchor="ctr"/>
+              <a:lstStyle/>
+              <a:p>
+                <a:pPr algn="ctr"/>
+                <a:endParaRPr lang="en-US"/>
+              </a:p>
+            </p:txBody>
+          </p:sp>
+          <p:sp>
+            <p:nvSpPr>
+              <p:cNvPr id="28" name="Oval 27">
+                <a:extLst>
+                  <a:ext uri="{FF2B5EF4-FFF2-40B4-BE49-F238E27FC236}">
+                    <a16:creationId xmlns:a16="http://schemas.microsoft.com/office/drawing/2014/main" id="{AE44480E-DB6B-40E4-9B1A-22925E5D67A6}"/>
+                  </a:ext>
+                </a:extLst>
+              </p:cNvPr>
+              <p:cNvSpPr/>
+              <p:nvPr/>
+            </p:nvSpPr>
+            <p:spPr>
+              <a:xfrm>
+                <a:off x="6365923" y="3316442"/>
+                <a:ext cx="291049" cy="291049"/>
+              </a:xfrm>
+              <a:prstGeom prst="ellipse">
+                <a:avLst/>
+              </a:prstGeom>
+              <a:solidFill>
+                <a:srgbClr val="FF0000"/>
+              </a:solidFill>
+              <a:ln>
+                <a:noFill/>
+              </a:ln>
+            </p:spPr>
+            <p:style>
+              <a:lnRef idx="2">
+                <a:schemeClr val="accent1">
+                  <a:shade val="50000"/>
+                </a:schemeClr>
+              </a:lnRef>
+              <a:fillRef idx="1">
+                <a:schemeClr val="accent1"/>
+              </a:fillRef>
+              <a:effectRef idx="0">
+                <a:schemeClr val="accent1"/>
+              </a:effectRef>
+              <a:fontRef idx="minor">
+                <a:schemeClr val="lt1"/>
+              </a:fontRef>
+            </p:style>
+            <p:txBody>
+              <a:bodyPr rtlCol="0" anchor="ctr"/>
+              <a:lstStyle/>
+              <a:p>
+                <a:pPr algn="ctr"/>
+                <a:endParaRPr lang="en-US"/>
+              </a:p>
+            </p:txBody>
+          </p:sp>
+          <p:sp>
+            <p:nvSpPr>
+              <p:cNvPr id="29" name="Oval 28">
+                <a:extLst>
+                  <a:ext uri="{FF2B5EF4-FFF2-40B4-BE49-F238E27FC236}">
+                    <a16:creationId xmlns:a16="http://schemas.microsoft.com/office/drawing/2014/main" id="{4367AD2E-9EB3-4DE3-8AC6-B7AD8973E470}"/>
+                  </a:ext>
+                </a:extLst>
+              </p:cNvPr>
+              <p:cNvSpPr/>
+              <p:nvPr/>
+            </p:nvSpPr>
+            <p:spPr>
+              <a:xfrm>
+                <a:off x="6362330" y="3006164"/>
+                <a:ext cx="291049" cy="291049"/>
+              </a:xfrm>
+              <a:prstGeom prst="ellipse">
+                <a:avLst/>
+              </a:prstGeom>
+              <a:solidFill>
+                <a:srgbClr val="00B050"/>
+              </a:solidFill>
+              <a:ln>
+                <a:noFill/>
+              </a:ln>
+            </p:spPr>
+            <p:style>
+              <a:lnRef idx="2">
+                <a:schemeClr val="accent1">
+                  <a:shade val="50000"/>
+                </a:schemeClr>
+              </a:lnRef>
+              <a:fillRef idx="1">
+                <a:schemeClr val="accent1"/>
+              </a:fillRef>
+              <a:effectRef idx="0">
+                <a:schemeClr val="accent1"/>
+              </a:effectRef>
+              <a:fontRef idx="minor">
+                <a:schemeClr val="lt1"/>
+              </a:fontRef>
+            </p:style>
+            <p:txBody>
+              <a:bodyPr rtlCol="0" anchor="ctr"/>
+              <a:lstStyle/>
+              <a:p>
+                <a:pPr algn="ctr"/>
+                <a:endParaRPr lang="en-US"/>
+              </a:p>
+            </p:txBody>
+          </p:sp>
+          <p:sp>
+            <p:nvSpPr>
+              <p:cNvPr id="30" name="Oval 29">
+                <a:extLst>
+                  <a:ext uri="{FF2B5EF4-FFF2-40B4-BE49-F238E27FC236}">
+                    <a16:creationId xmlns:a16="http://schemas.microsoft.com/office/drawing/2014/main" id="{50C88285-FA72-4AE6-BB84-528E9F6814DD}"/>
+                  </a:ext>
+                </a:extLst>
+              </p:cNvPr>
+              <p:cNvSpPr/>
+              <p:nvPr/>
+            </p:nvSpPr>
+            <p:spPr>
+              <a:xfrm>
+                <a:off x="6719415" y="3330395"/>
+                <a:ext cx="291049" cy="291049"/>
+              </a:xfrm>
+              <a:prstGeom prst="ellipse">
+                <a:avLst/>
+              </a:prstGeom>
+              <a:solidFill>
+                <a:srgbClr val="00B050"/>
+              </a:solidFill>
+              <a:ln>
+                <a:noFill/>
+              </a:ln>
+            </p:spPr>
+            <p:style>
+              <a:lnRef idx="2">
+                <a:schemeClr val="accent1">
+                  <a:shade val="50000"/>
+                </a:schemeClr>
+              </a:lnRef>
+              <a:fillRef idx="1">
+                <a:schemeClr val="accent1"/>
+              </a:fillRef>
+              <a:effectRef idx="0">
+                <a:schemeClr val="accent1"/>
+              </a:effectRef>
+              <a:fontRef idx="minor">
+                <a:schemeClr val="lt1"/>
+              </a:fontRef>
+            </p:style>
+            <p:txBody>
+              <a:bodyPr rtlCol="0" anchor="ctr"/>
+              <a:lstStyle/>
+              <a:p>
+                <a:pPr algn="ctr"/>
+                <a:endParaRPr lang="en-US"/>
+              </a:p>
+            </p:txBody>
+          </p:sp>
+          <p:sp>
+            <p:nvSpPr>
+              <p:cNvPr id="31" name="Oval 30">
+                <a:extLst>
+                  <a:ext uri="{FF2B5EF4-FFF2-40B4-BE49-F238E27FC236}">
+                    <a16:creationId xmlns:a16="http://schemas.microsoft.com/office/drawing/2014/main" id="{2ADA509B-CA50-4FF8-A59A-7BD9AC9A7ED5}"/>
+                  </a:ext>
+                </a:extLst>
+              </p:cNvPr>
+              <p:cNvSpPr/>
+              <p:nvPr/>
+            </p:nvSpPr>
+            <p:spPr>
+              <a:xfrm>
+                <a:off x="6719415" y="3013937"/>
+                <a:ext cx="291049" cy="291049"/>
+              </a:xfrm>
+              <a:prstGeom prst="ellipse">
+                <a:avLst/>
+              </a:prstGeom>
+              <a:solidFill>
+                <a:srgbClr val="FF0000"/>
+              </a:solidFill>
+              <a:ln>
+                <a:noFill/>
+              </a:ln>
+            </p:spPr>
+            <p:style>
+              <a:lnRef idx="2">
+                <a:schemeClr val="accent1">
+                  <a:shade val="50000"/>
+                </a:schemeClr>
+              </a:lnRef>
+              <a:fillRef idx="1">
+                <a:schemeClr val="accent1"/>
+              </a:fillRef>
+              <a:effectRef idx="0">
+                <a:schemeClr val="accent1"/>
+              </a:effectRef>
+              <a:fontRef idx="minor">
+                <a:schemeClr val="lt1"/>
+              </a:fontRef>
+            </p:style>
+            <p:txBody>
+              <a:bodyPr rtlCol="0" anchor="ctr"/>
+              <a:lstStyle/>
+              <a:p>
+                <a:pPr algn="ctr"/>
+                <a:endParaRPr lang="en-US"/>
+              </a:p>
+            </p:txBody>
+          </p:sp>
+        </p:grpSp>
+        <p:sp>
+          <p:nvSpPr>
+            <p:cNvPr id="7" name="TextBox 6">
+              <a:extLst>
+                <a:ext uri="{FF2B5EF4-FFF2-40B4-BE49-F238E27FC236}">
+                  <a16:creationId xmlns:a16="http://schemas.microsoft.com/office/drawing/2014/main" id="{9B63BD92-BE22-46D0-AEE0-D3929AA55051}"/>
+                </a:ext>
+              </a:extLst>
+            </p:cNvPr>
+            <p:cNvSpPr txBox="1"/>
+            <p:nvPr/>
+          </p:nvSpPr>
+          <p:spPr>
+            <a:xfrm>
+              <a:off x="4491141" y="2637058"/>
+              <a:ext cx="2524539" cy="954107"/>
+            </a:xfrm>
+            <a:prstGeom prst="rect">
+              <a:avLst/>
+            </a:prstGeom>
+            <a:noFill/>
+          </p:spPr>
+          <p:txBody>
+            <a:bodyPr wrap="square" rtlCol="0">
+              <a:spAutoFit/>
+            </a:bodyPr>
+            <a:lstStyle/>
+            <a:p>
+              <a:pPr algn="ctr"/>
+              <a:r>
+                <a:rPr lang="en-US" sz="2800" b="1" dirty="0">
+                  <a:solidFill>
+                    <a:schemeClr val="bg1"/>
+                  </a:solidFill>
+                </a:rPr>
+                <a:t>250 red</a:t>
+              </a:r>
+            </a:p>
+            <a:p>
+              <a:pPr algn="ctr"/>
+              <a:r>
+                <a:rPr lang="en-US" sz="2800" b="1" dirty="0">
+                  <a:solidFill>
+                    <a:schemeClr val="bg1"/>
+                  </a:solidFill>
+                </a:rPr>
+                <a:t>250 green</a:t>
+              </a:r>
+            </a:p>
+          </p:txBody>
+        </p:sp>
+      </p:grpSp>
     </p:spTree>
     <p:extLst>
       <p:ext uri="{BB962C8B-B14F-4D97-AF65-F5344CB8AC3E}">
@@ -14879,7 +16269,7 @@
             </a:pPr>
             <a:r>
               <a:rPr lang="en-US" sz="4400" dirty="0"/>
-              <a:t>1.Simple Decision Tree</a:t>
+              <a:t>1.Decision Tree</a:t>
             </a:r>
           </a:p>
           <a:p>
@@ -14934,6 +16324,58 @@
       </p:grpSpPr>
       <p:sp>
         <p:nvSpPr>
+          <p:cNvPr id="7" name="Oval 6">
+            <a:extLst>
+              <a:ext uri="{FF2B5EF4-FFF2-40B4-BE49-F238E27FC236}">
+                <a16:creationId xmlns:a16="http://schemas.microsoft.com/office/drawing/2014/main" id="{9F628009-1479-4759-91B7-021D325EAED6}"/>
+              </a:ext>
+            </a:extLst>
+          </p:cNvPr>
+          <p:cNvSpPr/>
+          <p:nvPr/>
+        </p:nvSpPr>
+        <p:spPr>
+          <a:xfrm>
+            <a:off x="3900819" y="4554391"/>
+            <a:ext cx="3888146" cy="1062998"/>
+          </a:xfrm>
+          <a:prstGeom prst="ellipse">
+            <a:avLst/>
+          </a:prstGeom>
+          <a:noFill/>
+          <a:ln w="28575">
+            <a:solidFill>
+              <a:srgbClr val="FF0000"/>
+            </a:solidFill>
+          </a:ln>
+        </p:spPr>
+        <p:style>
+          <a:lnRef idx="2">
+            <a:schemeClr val="accent1">
+              <a:shade val="50000"/>
+            </a:schemeClr>
+          </a:lnRef>
+          <a:fillRef idx="1">
+            <a:schemeClr val="accent1"/>
+          </a:fillRef>
+          <a:effectRef idx="0">
+            <a:schemeClr val="accent1"/>
+          </a:effectRef>
+          <a:fontRef idx="minor">
+            <a:schemeClr val="lt1"/>
+          </a:fontRef>
+        </p:style>
+        <p:txBody>
+          <a:bodyPr rtlCol="0" anchor="ctr"/>
+          <a:lstStyle/>
+          <a:p>
+            <a:pPr algn="ctr"/>
+            <a:endParaRPr lang="en-US"/>
+          </a:p>
+        </p:txBody>
+      </p:sp>
+      <p:sp>
+        <p:nvSpPr>
           <p:cNvPr id="2" name="Title 1">
             <a:extLst>
               <a:ext uri="{FF2B5EF4-FFF2-40B4-BE49-F238E27FC236}">
@@ -14955,7 +16397,7 @@
           <a:p>
             <a:r>
               <a:rPr lang="en-US" dirty="0"/>
-              <a:t>1.Simple Decision Tree</a:t>
+              <a:t>1.Decision Tree</a:t>
             </a:r>
           </a:p>
         </p:txBody>
@@ -15322,7 +16764,7 @@
             <p:spPr>
               <a:xfrm>
                 <a:off x="2484782" y="5201669"/>
-                <a:ext cx="1282148" cy="553998"/>
+                <a:ext cx="940837" cy="553998"/>
               </a:xfrm>
               <a:prstGeom prst="rect">
                 <a:avLst/>
@@ -15530,6 +16972,145 @@
   <p:clrMapOvr>
     <a:masterClrMapping/>
   </p:clrMapOvr>
+  <p:timing>
+    <p:tnLst>
+      <p:par>
+        <p:cTn id="1" dur="indefinite" restart="never" nodeType="tmRoot">
+          <p:childTnLst>
+            <p:seq concurrent="1" nextAc="seek">
+              <p:cTn id="2" dur="indefinite" nodeType="mainSeq">
+                <p:childTnLst>
+                  <p:par>
+                    <p:cTn id="3" fill="hold">
+                      <p:stCondLst>
+                        <p:cond delay="indefinite"/>
+                      </p:stCondLst>
+                      <p:childTnLst>
+                        <p:par>
+                          <p:cTn id="4" fill="hold">
+                            <p:stCondLst>
+                              <p:cond delay="0"/>
+                            </p:stCondLst>
+                            <p:childTnLst>
+                              <p:par>
+                                <p:cTn id="5" presetID="10" presetClass="entr" presetSubtype="0" fill="hold" nodeType="clickEffect">
+                                  <p:stCondLst>
+                                    <p:cond delay="0"/>
+                                  </p:stCondLst>
+                                  <p:childTnLst>
+                                    <p:set>
+                                      <p:cBhvr>
+                                        <p:cTn id="6" dur="1" fill="hold">
+                                          <p:stCondLst>
+                                            <p:cond delay="0"/>
+                                          </p:stCondLst>
+                                        </p:cTn>
+                                        <p:tgtEl>
+                                          <p:spTgt spid="32"/>
+                                        </p:tgtEl>
+                                        <p:attrNameLst>
+                                          <p:attrName>style.visibility</p:attrName>
+                                        </p:attrNameLst>
+                                      </p:cBhvr>
+                                      <p:to>
+                                        <p:strVal val="visible"/>
+                                      </p:to>
+                                    </p:set>
+                                    <p:animEffect transition="in" filter="fade">
+                                      <p:cBhvr>
+                                        <p:cTn id="7" dur="500"/>
+                                        <p:tgtEl>
+                                          <p:spTgt spid="32"/>
+                                        </p:tgtEl>
+                                      </p:cBhvr>
+                                    </p:animEffect>
+                                  </p:childTnLst>
+                                </p:cTn>
+                              </p:par>
+                            </p:childTnLst>
+                          </p:cTn>
+                        </p:par>
+                      </p:childTnLst>
+                    </p:cTn>
+                  </p:par>
+                  <p:par>
+                    <p:cTn id="8" fill="hold">
+                      <p:stCondLst>
+                        <p:cond delay="indefinite"/>
+                      </p:stCondLst>
+                      <p:childTnLst>
+                        <p:par>
+                          <p:cTn id="9" fill="hold">
+                            <p:stCondLst>
+                              <p:cond delay="0"/>
+                            </p:stCondLst>
+                            <p:childTnLst>
+                              <p:par>
+                                <p:cTn id="10" presetID="10" presetClass="entr" presetSubtype="0" fill="hold" grpId="0" nodeType="clickEffect">
+                                  <p:stCondLst>
+                                    <p:cond delay="0"/>
+                                  </p:stCondLst>
+                                  <p:childTnLst>
+                                    <p:set>
+                                      <p:cBhvr>
+                                        <p:cTn id="11" dur="1" fill="hold">
+                                          <p:stCondLst>
+                                            <p:cond delay="0"/>
+                                          </p:stCondLst>
+                                        </p:cTn>
+                                        <p:tgtEl>
+                                          <p:spTgt spid="7"/>
+                                        </p:tgtEl>
+                                        <p:attrNameLst>
+                                          <p:attrName>style.visibility</p:attrName>
+                                        </p:attrNameLst>
+                                      </p:cBhvr>
+                                      <p:to>
+                                        <p:strVal val="visible"/>
+                                      </p:to>
+                                    </p:set>
+                                    <p:animEffect transition="in" filter="fade">
+                                      <p:cBhvr>
+                                        <p:cTn id="12" dur="500"/>
+                                        <p:tgtEl>
+                                          <p:spTgt spid="7"/>
+                                        </p:tgtEl>
+                                      </p:cBhvr>
+                                    </p:animEffect>
+                                  </p:childTnLst>
+                                </p:cTn>
+                              </p:par>
+                            </p:childTnLst>
+                          </p:cTn>
+                        </p:par>
+                      </p:childTnLst>
+                    </p:cTn>
+                  </p:par>
+                </p:childTnLst>
+              </p:cTn>
+              <p:prevCondLst>
+                <p:cond evt="onPrev" delay="0">
+                  <p:tgtEl>
+                    <p:sldTgt/>
+                  </p:tgtEl>
+                </p:cond>
+              </p:prevCondLst>
+              <p:nextCondLst>
+                <p:cond evt="onNext" delay="0">
+                  <p:tgtEl>
+                    <p:sldTgt/>
+                  </p:tgtEl>
+                </p:cond>
+              </p:nextCondLst>
+            </p:seq>
+          </p:childTnLst>
+        </p:cTn>
+      </p:par>
+    </p:tnLst>
+    <p:bldLst>
+      <p:bldP spid="7" grpId="0" animBg="1"/>
+    </p:bldLst>
+  </p:timing>
 </p:sld>
 </file>
 
@@ -15573,7 +17154,7 @@
           <a:p>
             <a:r>
               <a:rPr lang="en-US" dirty="0"/>
-              <a:t>1.Simple Decision Tree</a:t>
+              <a:t>1.Decision Tree</a:t>
             </a:r>
           </a:p>
         </p:txBody>
@@ -17681,10 +19262,10 @@
   <a:themeElements>
     <a:clrScheme name="Office">
       <a:dk1>
-        <a:sysClr val="windowText" lastClr="000000"/>
+        <a:sysClr val="windowText" lastClr="FFFFFF"/>
       </a:dk1>
       <a:lt1>
-        <a:sysClr val="window" lastClr="FFFFFF"/>
+        <a:sysClr val="window" lastClr="000000"/>
       </a:lt1>
       <a:dk2>
         <a:srgbClr val="44546A"/>

--- a/Decision_tree_and_Random_forest.pptx
+++ b/Decision_tree_and_Random_forest.pptx
@@ -10,13 +10,15 @@
     <p:sldId id="258" r:id="rId4"/>
     <p:sldId id="260" r:id="rId5"/>
     <p:sldId id="261" r:id="rId6"/>
-    <p:sldId id="259" r:id="rId7"/>
-    <p:sldId id="265" r:id="rId8"/>
-    <p:sldId id="264" r:id="rId9"/>
-    <p:sldId id="266" r:id="rId10"/>
-    <p:sldId id="267" r:id="rId11"/>
-    <p:sldId id="270" r:id="rId12"/>
-    <p:sldId id="271" r:id="rId13"/>
+    <p:sldId id="272" r:id="rId7"/>
+    <p:sldId id="273" r:id="rId8"/>
+    <p:sldId id="259" r:id="rId9"/>
+    <p:sldId id="265" r:id="rId10"/>
+    <p:sldId id="264" r:id="rId11"/>
+    <p:sldId id="266" r:id="rId12"/>
+    <p:sldId id="267" r:id="rId13"/>
+    <p:sldId id="270" r:id="rId14"/>
+    <p:sldId id="271" r:id="rId15"/>
   </p:sldIdLst>
   <p:sldSz cx="12192000" cy="6858000"/>
   <p:notesSz cx="6858000" cy="9144000"/>
@@ -270,7 +272,7 @@
           <a:p>
             <a:fld id="{5FC1DAE4-642B-4BE8-8CEA-1456295B9D97}" type="datetimeFigureOut">
               <a:rPr lang="en-US" smtClean="0"/>
-              <a:t>8/30/2020</a:t>
+              <a:t>8/31/2020</a:t>
             </a:fld>
             <a:endParaRPr lang="en-US"/>
           </a:p>
@@ -468,7 +470,7 @@
           <a:p>
             <a:fld id="{5FC1DAE4-642B-4BE8-8CEA-1456295B9D97}" type="datetimeFigureOut">
               <a:rPr lang="en-US" smtClean="0"/>
-              <a:t>8/30/2020</a:t>
+              <a:t>8/31/2020</a:t>
             </a:fld>
             <a:endParaRPr lang="en-US"/>
           </a:p>
@@ -676,7 +678,7 @@
           <a:p>
             <a:fld id="{5FC1DAE4-642B-4BE8-8CEA-1456295B9D97}" type="datetimeFigureOut">
               <a:rPr lang="en-US" smtClean="0"/>
-              <a:t>8/30/2020</a:t>
+              <a:t>8/31/2020</a:t>
             </a:fld>
             <a:endParaRPr lang="en-US"/>
           </a:p>
@@ -874,7 +876,7 @@
           <a:p>
             <a:fld id="{5FC1DAE4-642B-4BE8-8CEA-1456295B9D97}" type="datetimeFigureOut">
               <a:rPr lang="en-US" smtClean="0"/>
-              <a:t>8/30/2020</a:t>
+              <a:t>8/31/2020</a:t>
             </a:fld>
             <a:endParaRPr lang="en-US"/>
           </a:p>
@@ -1149,7 +1151,7 @@
           <a:p>
             <a:fld id="{5FC1DAE4-642B-4BE8-8CEA-1456295B9D97}" type="datetimeFigureOut">
               <a:rPr lang="en-US" smtClean="0"/>
-              <a:t>8/30/2020</a:t>
+              <a:t>8/31/2020</a:t>
             </a:fld>
             <a:endParaRPr lang="en-US"/>
           </a:p>
@@ -1414,7 +1416,7 @@
           <a:p>
             <a:fld id="{5FC1DAE4-642B-4BE8-8CEA-1456295B9D97}" type="datetimeFigureOut">
               <a:rPr lang="en-US" smtClean="0"/>
-              <a:t>8/30/2020</a:t>
+              <a:t>8/31/2020</a:t>
             </a:fld>
             <a:endParaRPr lang="en-US"/>
           </a:p>
@@ -1826,7 +1828,7 @@
           <a:p>
             <a:fld id="{5FC1DAE4-642B-4BE8-8CEA-1456295B9D97}" type="datetimeFigureOut">
               <a:rPr lang="en-US" smtClean="0"/>
-              <a:t>8/30/2020</a:t>
+              <a:t>8/31/2020</a:t>
             </a:fld>
             <a:endParaRPr lang="en-US"/>
           </a:p>
@@ -1967,7 +1969,7 @@
           <a:p>
             <a:fld id="{5FC1DAE4-642B-4BE8-8CEA-1456295B9D97}" type="datetimeFigureOut">
               <a:rPr lang="en-US" smtClean="0"/>
-              <a:t>8/30/2020</a:t>
+              <a:t>8/31/2020</a:t>
             </a:fld>
             <a:endParaRPr lang="en-US"/>
           </a:p>
@@ -2080,7 +2082,7 @@
           <a:p>
             <a:fld id="{5FC1DAE4-642B-4BE8-8CEA-1456295B9D97}" type="datetimeFigureOut">
               <a:rPr lang="en-US" smtClean="0"/>
-              <a:t>8/30/2020</a:t>
+              <a:t>8/31/2020</a:t>
             </a:fld>
             <a:endParaRPr lang="en-US"/>
           </a:p>
@@ -2391,7 +2393,7 @@
           <a:p>
             <a:fld id="{5FC1DAE4-642B-4BE8-8CEA-1456295B9D97}" type="datetimeFigureOut">
               <a:rPr lang="en-US" smtClean="0"/>
-              <a:t>8/30/2020</a:t>
+              <a:t>8/31/2020</a:t>
             </a:fld>
             <a:endParaRPr lang="en-US"/>
           </a:p>
@@ -2679,7 +2681,7 @@
           <a:p>
             <a:fld id="{5FC1DAE4-642B-4BE8-8CEA-1456295B9D97}" type="datetimeFigureOut">
               <a:rPr lang="en-US" smtClean="0"/>
-              <a:t>8/30/2020</a:t>
+              <a:t>8/31/2020</a:t>
             </a:fld>
             <a:endParaRPr lang="en-US"/>
           </a:p>
@@ -2920,7 +2922,7 @@
           <a:p>
             <a:fld id="{5FC1DAE4-642B-4BE8-8CEA-1456295B9D97}" type="datetimeFigureOut">
               <a:rPr lang="en-US" smtClean="0"/>
-              <a:t>8/30/2020</a:t>
+              <a:t>8/31/2020</a:t>
             </a:fld>
             <a:endParaRPr lang="en-US"/>
           </a:p>
@@ -3455,6 +3457,358 @@
             <p:ph type="title"/>
           </p:nvPr>
         </p:nvSpPr>
+        <p:spPr>
+          <a:xfrm>
+            <a:off x="2451100" y="2766218"/>
+            <a:ext cx="10515600" cy="1325563"/>
+          </a:xfrm>
+        </p:spPr>
+        <p:txBody>
+          <a:bodyPr/>
+          <a:lstStyle/>
+          <a:p>
+            <a:r>
+              <a:rPr lang="en-US" dirty="0"/>
+              <a:t>How to determine the best split?</a:t>
+            </a:r>
+          </a:p>
+        </p:txBody>
+      </p:sp>
+    </p:spTree>
+    <p:extLst>
+      <p:ext uri="{BB962C8B-B14F-4D97-AF65-F5344CB8AC3E}">
+        <p14:creationId xmlns:p14="http://schemas.microsoft.com/office/powerpoint/2010/main" val="1408536063"/>
+      </p:ext>
+    </p:extLst>
+  </p:cSld>
+  <p:clrMapOvr>
+    <a:masterClrMapping/>
+  </p:clrMapOvr>
+</p:sld>
+</file>
+
+<file path=ppt/slides/slide11.xml><?xml version="1.0" encoding="utf-8"?>
+<p:sld xmlns:a="http://schemas.openxmlformats.org/drawingml/2006/main" xmlns:r="http://schemas.openxmlformats.org/officeDocument/2006/relationships" xmlns:p="http://schemas.openxmlformats.org/presentationml/2006/main">
+  <p:cSld>
+    <p:spTree>
+      <p:nvGrpSpPr>
+        <p:cNvPr id="1" name=""/>
+        <p:cNvGrpSpPr/>
+        <p:nvPr/>
+      </p:nvGrpSpPr>
+      <p:grpSpPr>
+        <a:xfrm>
+          <a:off x="0" y="0"/>
+          <a:ext cx="0" cy="0"/>
+          <a:chOff x="0" y="0"/>
+          <a:chExt cx="0" cy="0"/>
+        </a:xfrm>
+      </p:grpSpPr>
+      <p:sp>
+        <p:nvSpPr>
+          <p:cNvPr id="2" name="Title 1">
+            <a:extLst>
+              <a:ext uri="{FF2B5EF4-FFF2-40B4-BE49-F238E27FC236}">
+                <a16:creationId xmlns:a16="http://schemas.microsoft.com/office/drawing/2014/main" id="{71BDCC16-6D97-4CA2-AE1B-B46AE468D559}"/>
+              </a:ext>
+            </a:extLst>
+          </p:cNvPr>
+          <p:cNvSpPr>
+            <a:spLocks noGrp="1"/>
+          </p:cNvSpPr>
+          <p:nvPr>
+            <p:ph type="title"/>
+          </p:nvPr>
+        </p:nvSpPr>
+        <p:spPr/>
+        <p:txBody>
+          <a:bodyPr/>
+          <a:lstStyle/>
+          <a:p>
+            <a:r>
+              <a:rPr lang="en-US" dirty="0"/>
+              <a:t>Classification Tree</a:t>
+            </a:r>
+          </a:p>
+        </p:txBody>
+      </p:sp>
+      <mc:AlternateContent xmlns:mc="http://schemas.openxmlformats.org/markup-compatibility/2006" xmlns:a14="http://schemas.microsoft.com/office/drawing/2010/main">
+        <mc:Choice Requires="a14">
+          <p:sp>
+            <p:nvSpPr>
+              <p:cNvPr id="3" name="Content Placeholder 2">
+                <a:extLst>
+                  <a:ext uri="{FF2B5EF4-FFF2-40B4-BE49-F238E27FC236}">
+                    <a16:creationId xmlns:a16="http://schemas.microsoft.com/office/drawing/2014/main" id="{A7894458-4DE2-4131-BE89-29707F76907A}"/>
+                  </a:ext>
+                </a:extLst>
+              </p:cNvPr>
+              <p:cNvSpPr>
+                <a:spLocks noGrp="1"/>
+              </p:cNvSpPr>
+              <p:nvPr>
+                <p:ph idx="1"/>
+              </p:nvPr>
+            </p:nvSpPr>
+            <p:spPr/>
+            <p:txBody>
+              <a:bodyPr/>
+              <a:lstStyle/>
+              <a:p>
+                <a:r>
+                  <a:rPr lang="en-US" dirty="0"/>
+                  <a:t>Objective: split to accurately classify each category of dependent output variable y according to independent input variable x</a:t>
+                </a:r>
+              </a:p>
+              <a:p>
+                <a:r>
+                  <a:rPr lang="en-US" dirty="0"/>
+                  <a:t>Split to maximize the information gain</a:t>
+                </a:r>
+              </a:p>
+              <a:p>
+                <a:r>
+                  <a:rPr lang="en-US" dirty="0"/>
+                  <a:t>Information gain = Entropy before split - Entropy after split </a:t>
+                </a:r>
+              </a:p>
+              <a:p>
+                <a:r>
+                  <a:rPr lang="en-US" dirty="0"/>
+                  <a:t>Entropy: measure of homogeneity (similar value)</a:t>
+                </a:r>
+              </a:p>
+              <a:p>
+                <a:pPr lvl="1"/>
+                <a:r>
+                  <a:rPr lang="en-US" dirty="0"/>
+                  <a:t>Entropy = 0: most homogeneous or all data are in the same class or pure!</a:t>
+                </a:r>
+              </a:p>
+              <a:p>
+                <a:pPr lvl="1"/>
+                <a:r>
+                  <a:rPr lang="en-US" dirty="0"/>
+                  <a:t>Entropy = - </a:t>
+                </a:r>
+                <a14:m>
+                  <m:oMath xmlns:m="http://schemas.openxmlformats.org/officeDocument/2006/math">
+                    <m:nary>
+                      <m:naryPr>
+                        <m:chr m:val="∑"/>
+                        <m:supHide m:val="on"/>
+                        <m:ctrlPr>
+                          <a:rPr lang="en-US" i="1" smtClean="0">
+                            <a:latin typeface="Cambria Math" panose="02040503050406030204" pitchFamily="18" charset="0"/>
+                          </a:rPr>
+                        </m:ctrlPr>
+                      </m:naryPr>
+                      <m:sub>
+                        <m:r>
+                          <m:rPr>
+                            <m:brk m:alnAt="7"/>
+                          </m:rPr>
+                          <a:rPr lang="en-US" b="0" i="1" smtClean="0">
+                            <a:latin typeface="Cambria Math" panose="02040503050406030204" pitchFamily="18" charset="0"/>
+                          </a:rPr>
+                          <m:t>𝑖</m:t>
+                        </m:r>
+                      </m:sub>
+                      <m:sup/>
+                      <m:e>
+                        <m:sSub>
+                          <m:sSubPr>
+                            <m:ctrlPr>
+                              <a:rPr lang="en-US" i="1" smtClean="0">
+                                <a:latin typeface="Cambria Math" panose="02040503050406030204" pitchFamily="18" charset="0"/>
+                              </a:rPr>
+                            </m:ctrlPr>
+                          </m:sSubPr>
+                          <m:e>
+                            <m:r>
+                              <a:rPr lang="en-US" b="0" i="1" smtClean="0">
+                                <a:latin typeface="Cambria Math" panose="02040503050406030204" pitchFamily="18" charset="0"/>
+                              </a:rPr>
+                              <m:t>𝑃</m:t>
+                            </m:r>
+                          </m:e>
+                          <m:sub>
+                            <m:r>
+                              <a:rPr lang="en-US" b="0" i="1" smtClean="0">
+                                <a:latin typeface="Cambria Math" panose="02040503050406030204" pitchFamily="18" charset="0"/>
+                              </a:rPr>
+                              <m:t>𝑖</m:t>
+                            </m:r>
+                          </m:sub>
+                        </m:sSub>
+                        <m:func>
+                          <m:funcPr>
+                            <m:ctrlPr>
+                              <a:rPr lang="en-US" b="0" i="1" smtClean="0">
+                                <a:latin typeface="Cambria Math" panose="02040503050406030204" pitchFamily="18" charset="0"/>
+                              </a:rPr>
+                            </m:ctrlPr>
+                          </m:funcPr>
+                          <m:fName>
+                            <m:r>
+                              <m:rPr>
+                                <m:sty m:val="p"/>
+                              </m:rPr>
+                              <a:rPr lang="en-US" b="0" i="0" smtClean="0">
+                                <a:latin typeface="Cambria Math" panose="02040503050406030204" pitchFamily="18" charset="0"/>
+                              </a:rPr>
+                              <m:t>log</m:t>
+                            </m:r>
+                          </m:fName>
+                          <m:e>
+                            <m:r>
+                              <a:rPr lang="en-US" b="0" i="1" smtClean="0">
+                                <a:latin typeface="Cambria Math" panose="02040503050406030204" pitchFamily="18" charset="0"/>
+                              </a:rPr>
+                              <m:t>(</m:t>
+                            </m:r>
+                            <m:sSub>
+                              <m:sSubPr>
+                                <m:ctrlPr>
+                                  <a:rPr lang="en-US" b="0" i="1" smtClean="0">
+                                    <a:latin typeface="Cambria Math" panose="02040503050406030204" pitchFamily="18" charset="0"/>
+                                  </a:rPr>
+                                </m:ctrlPr>
+                              </m:sSubPr>
+                              <m:e>
+                                <m:r>
+                                  <a:rPr lang="en-US" b="0" i="1" smtClean="0">
+                                    <a:latin typeface="Cambria Math" panose="02040503050406030204" pitchFamily="18" charset="0"/>
+                                  </a:rPr>
+                                  <m:t>𝑃</m:t>
+                                </m:r>
+                              </m:e>
+                              <m:sub>
+                                <m:r>
+                                  <a:rPr lang="en-US" b="0" i="1" smtClean="0">
+                                    <a:latin typeface="Cambria Math" panose="02040503050406030204" pitchFamily="18" charset="0"/>
+                                  </a:rPr>
+                                  <m:t>𝑖</m:t>
+                                </m:r>
+                              </m:sub>
+                            </m:sSub>
+                            <m:r>
+                              <a:rPr lang="en-US" b="0" i="1" smtClean="0">
+                                <a:latin typeface="Cambria Math" panose="02040503050406030204" pitchFamily="18" charset="0"/>
+                              </a:rPr>
+                              <m:t>)</m:t>
+                            </m:r>
+                          </m:e>
+                        </m:func>
+                      </m:e>
+                    </m:nary>
+                  </m:oMath>
+                </a14:m>
+                <a:r>
+                  <a:rPr lang="en-US" dirty="0"/>
+                  <a:t> where </a:t>
+                </a:r>
+                <a:r>
+                  <a:rPr lang="en-US" dirty="0" err="1"/>
+                  <a:t>i</a:t>
+                </a:r>
+                <a:r>
+                  <a:rPr lang="en-US" dirty="0"/>
+                  <a:t> is the index of category</a:t>
+                </a:r>
+              </a:p>
+              <a:p>
+                <a:endParaRPr lang="en-US" dirty="0"/>
+              </a:p>
+            </p:txBody>
+          </p:sp>
+        </mc:Choice>
+        <mc:Fallback xmlns="">
+          <p:sp>
+            <p:nvSpPr>
+              <p:cNvPr id="3" name="Content Placeholder 2">
+                <a:extLst>
+                  <a:ext uri="{FF2B5EF4-FFF2-40B4-BE49-F238E27FC236}">
+                    <a16:creationId xmlns:a16="http://schemas.microsoft.com/office/drawing/2014/main" id="{A7894458-4DE2-4131-BE89-29707F76907A}"/>
+                  </a:ext>
+                </a:extLst>
+              </p:cNvPr>
+              <p:cNvSpPr>
+                <a:spLocks noGrp="1" noRot="1" noChangeAspect="1" noMove="1" noResize="1" noEditPoints="1" noAdjustHandles="1" noChangeArrowheads="1" noChangeShapeType="1" noTextEdit="1"/>
+              </p:cNvSpPr>
+              <p:nvPr>
+                <p:ph idx="1"/>
+              </p:nvPr>
+            </p:nvSpPr>
+            <p:spPr>
+              <a:blipFill>
+                <a:blip r:embed="rId2"/>
+                <a:stretch>
+                  <a:fillRect l="-1043" t="-2241"/>
+                </a:stretch>
+              </a:blipFill>
+            </p:spPr>
+            <p:txBody>
+              <a:bodyPr/>
+              <a:lstStyle/>
+              <a:p>
+                <a:r>
+                  <a:rPr lang="en-US">
+                    <a:noFill/>
+                  </a:rPr>
+                  <a:t> </a:t>
+                </a:r>
+              </a:p>
+            </p:txBody>
+          </p:sp>
+        </mc:Fallback>
+      </mc:AlternateContent>
+    </p:spTree>
+    <p:extLst>
+      <p:ext uri="{BB962C8B-B14F-4D97-AF65-F5344CB8AC3E}">
+        <p14:creationId xmlns:p14="http://schemas.microsoft.com/office/powerpoint/2010/main" val="1103686836"/>
+      </p:ext>
+    </p:extLst>
+  </p:cSld>
+  <p:clrMapOvr>
+    <a:masterClrMapping/>
+  </p:clrMapOvr>
+</p:sld>
+</file>
+
+<file path=ppt/slides/slide12.xml><?xml version="1.0" encoding="utf-8"?>
+<p:sld xmlns:a="http://schemas.openxmlformats.org/drawingml/2006/main" xmlns:r="http://schemas.openxmlformats.org/officeDocument/2006/relationships" xmlns:p="http://schemas.openxmlformats.org/presentationml/2006/main">
+  <p:cSld>
+    <p:spTree>
+      <p:nvGrpSpPr>
+        <p:cNvPr id="1" name=""/>
+        <p:cNvGrpSpPr/>
+        <p:nvPr/>
+      </p:nvGrpSpPr>
+      <p:grpSpPr>
+        <a:xfrm>
+          <a:off x="0" y="0"/>
+          <a:ext cx="0" cy="0"/>
+          <a:chOff x="0" y="0"/>
+          <a:chExt cx="0" cy="0"/>
+        </a:xfrm>
+      </p:grpSpPr>
+      <p:sp>
+        <p:nvSpPr>
+          <p:cNvPr id="2" name="Title 1">
+            <a:extLst>
+              <a:ext uri="{FF2B5EF4-FFF2-40B4-BE49-F238E27FC236}">
+                <a16:creationId xmlns:a16="http://schemas.microsoft.com/office/drawing/2014/main" id="{71BDCC16-6D97-4CA2-AE1B-B46AE468D559}"/>
+              </a:ext>
+            </a:extLst>
+          </p:cNvPr>
+          <p:cNvSpPr>
+            <a:spLocks noGrp="1"/>
+          </p:cNvSpPr>
+          <p:nvPr>
+            <p:ph type="title"/>
+          </p:nvPr>
+        </p:nvSpPr>
         <p:spPr/>
         <p:txBody>
           <a:bodyPr/>
@@ -3467,8 +3821,8 @@
           </a:p>
         </p:txBody>
       </p:sp>
-      <mc:AlternateContent xmlns:mc="http://schemas.openxmlformats.org/markup-compatibility/2006">
-        <mc:Choice xmlns:a14="http://schemas.microsoft.com/office/drawing/2010/main" Requires="a14">
+      <mc:AlternateContent xmlns:mc="http://schemas.openxmlformats.org/markup-compatibility/2006" xmlns:a14="http://schemas.microsoft.com/office/drawing/2010/main">
+        <mc:Choice Requires="a14">
           <p:sp>
             <p:nvSpPr>
               <p:cNvPr id="3" name="Content Placeholder 2">
@@ -3735,7 +4089,7 @@
             </p:txBody>
           </p:sp>
         </mc:Choice>
-        <mc:Fallback>
+        <mc:Fallback xmlns="">
           <p:sp>
             <p:nvSpPr>
               <p:cNvPr id="3" name="Content Placeholder 2">
@@ -5178,7 +5532,7 @@
 </p:sld>
 </file>
 
-<file path=ppt/slides/slide11.xml><?xml version="1.0" encoding="utf-8"?>
+<file path=ppt/slides/slide13.xml><?xml version="1.0" encoding="utf-8"?>
 <p:sld xmlns:a="http://schemas.openxmlformats.org/drawingml/2006/main" xmlns:r="http://schemas.openxmlformats.org/officeDocument/2006/relationships" xmlns:p="http://schemas.openxmlformats.org/presentationml/2006/main">
   <p:cSld>
     <p:spTree>
@@ -10681,7 +11035,7 @@
 </p:sld>
 </file>
 
-<file path=ppt/slides/slide12.xml><?xml version="1.0" encoding="utf-8"?>
+<file path=ppt/slides/slide14.xml><?xml version="1.0" encoding="utf-8"?>
 <p:sld xmlns:a="http://schemas.openxmlformats.org/drawingml/2006/main" xmlns:r="http://schemas.openxmlformats.org/officeDocument/2006/relationships" xmlns:p="http://schemas.openxmlformats.org/presentationml/2006/main">
   <p:cSld>
     <p:spTree>
@@ -17284,7 +17638,12 @@
             <p:ph idx="1"/>
           </p:nvPr>
         </p:nvSpPr>
-        <p:spPr/>
+        <p:spPr>
+          <a:xfrm>
+            <a:off x="838200" y="1872759"/>
+            <a:ext cx="10515600" cy="4351338"/>
+          </a:xfrm>
+        </p:spPr>
         <p:txBody>
           <a:bodyPr/>
           <a:lstStyle/>
@@ -17295,17 +17654,857 @@
             </a:r>
           </a:p>
           <a:p>
+            <a:pPr marL="0" indent="0">
+              <a:buNone/>
+            </a:pPr>
+            <a:endParaRPr lang="en-US" dirty="0"/>
+          </a:p>
+          <a:p>
+            <a:endParaRPr lang="en-US" dirty="0"/>
+          </a:p>
+          <a:p>
+            <a:endParaRPr lang="en-US" dirty="0"/>
+          </a:p>
+        </p:txBody>
+      </p:sp>
+    </p:spTree>
+    <p:extLst>
+      <p:ext uri="{BB962C8B-B14F-4D97-AF65-F5344CB8AC3E}">
+        <p14:creationId xmlns:p14="http://schemas.microsoft.com/office/powerpoint/2010/main" val="1085461373"/>
+      </p:ext>
+    </p:extLst>
+  </p:cSld>
+  <p:clrMapOvr>
+    <a:masterClrMapping/>
+  </p:clrMapOvr>
+</p:sld>
+</file>
+
+<file path=ppt/slides/slide6.xml><?xml version="1.0" encoding="utf-8"?>
+<p:sld xmlns:a="http://schemas.openxmlformats.org/drawingml/2006/main" xmlns:r="http://schemas.openxmlformats.org/officeDocument/2006/relationships" xmlns:p="http://schemas.openxmlformats.org/presentationml/2006/main">
+  <p:cSld>
+    <p:spTree>
+      <p:nvGrpSpPr>
+        <p:cNvPr id="1" name=""/>
+        <p:cNvGrpSpPr/>
+        <p:nvPr/>
+      </p:nvGrpSpPr>
+      <p:grpSpPr>
+        <a:xfrm>
+          <a:off x="0" y="0"/>
+          <a:ext cx="0" cy="0"/>
+          <a:chOff x="0" y="0"/>
+          <a:chExt cx="0" cy="0"/>
+        </a:xfrm>
+      </p:grpSpPr>
+      <p:sp>
+        <p:nvSpPr>
+          <p:cNvPr id="2" name="Title 1">
+            <a:extLst>
+              <a:ext uri="{FF2B5EF4-FFF2-40B4-BE49-F238E27FC236}">
+                <a16:creationId xmlns:a16="http://schemas.microsoft.com/office/drawing/2014/main" id="{E0A74983-CFAF-48BA-97FA-24B0D3D0A4B6}"/>
+              </a:ext>
+            </a:extLst>
+          </p:cNvPr>
+          <p:cNvSpPr>
+            <a:spLocks noGrp="1"/>
+          </p:cNvSpPr>
+          <p:nvPr>
+            <p:ph type="title"/>
+          </p:nvPr>
+        </p:nvSpPr>
+        <p:spPr/>
+        <p:txBody>
+          <a:bodyPr/>
+          <a:lstStyle/>
+          <a:p>
             <a:r>
               <a:rPr lang="en-US" dirty="0"/>
-              <a:t>Affect the process of splitting</a:t>
+              <a:t>Type of input (independent variable x)</a:t>
+            </a:r>
+          </a:p>
+        </p:txBody>
+      </p:sp>
+      <p:sp>
+        <p:nvSpPr>
+          <p:cNvPr id="3" name="Content Placeholder 2">
+            <a:extLst>
+              <a:ext uri="{FF2B5EF4-FFF2-40B4-BE49-F238E27FC236}">
+                <a16:creationId xmlns:a16="http://schemas.microsoft.com/office/drawing/2014/main" id="{1F830E94-293C-46D9-AB96-AA09D8E7F0B9}"/>
+              </a:ext>
+            </a:extLst>
+          </p:cNvPr>
+          <p:cNvSpPr>
+            <a:spLocks noGrp="1"/>
+          </p:cNvSpPr>
+          <p:nvPr>
+            <p:ph idx="1"/>
+          </p:nvPr>
+        </p:nvSpPr>
+        <p:spPr/>
+        <p:txBody>
+          <a:bodyPr/>
+          <a:lstStyle/>
+          <a:p>
+            <a:r>
+              <a:rPr lang="en-US" dirty="0"/>
+              <a:t>Categorical x: split according to the category of input data such as Yes or No</a:t>
             </a:r>
           </a:p>
           <a:p>
+            <a:pPr marL="0" indent="0">
+              <a:buNone/>
+            </a:pPr>
+            <a:endParaRPr lang="en-US" dirty="0"/>
+          </a:p>
+        </p:txBody>
+      </p:sp>
+      <p:grpSp>
+        <p:nvGrpSpPr>
+          <p:cNvPr id="4" name="Group 3">
+            <a:extLst>
+              <a:ext uri="{FF2B5EF4-FFF2-40B4-BE49-F238E27FC236}">
+                <a16:creationId xmlns:a16="http://schemas.microsoft.com/office/drawing/2014/main" id="{2681504E-90D3-4C32-BB5B-492597657760}"/>
+              </a:ext>
+            </a:extLst>
+          </p:cNvPr>
+          <p:cNvGrpSpPr/>
+          <p:nvPr/>
+        </p:nvGrpSpPr>
+        <p:grpSpPr>
+          <a:xfrm>
+            <a:off x="2898913" y="2999547"/>
+            <a:ext cx="6394174" cy="3312353"/>
+            <a:chOff x="2577547" y="3349486"/>
+            <a:chExt cx="6394174" cy="3312353"/>
+          </a:xfrm>
+          <a:solidFill>
+            <a:schemeClr val="tx1"/>
+          </a:solidFill>
+        </p:grpSpPr>
+        <p:grpSp>
+          <p:nvGrpSpPr>
+            <p:cNvPr id="5" name="Group 4">
+              <a:extLst>
+                <a:ext uri="{FF2B5EF4-FFF2-40B4-BE49-F238E27FC236}">
+                  <a16:creationId xmlns:a16="http://schemas.microsoft.com/office/drawing/2014/main" id="{D79553FB-EC0E-47DB-BB07-A4025361052F}"/>
+                </a:ext>
+              </a:extLst>
+            </p:cNvPr>
+            <p:cNvGrpSpPr/>
+            <p:nvPr/>
+          </p:nvGrpSpPr>
+          <p:grpSpPr>
+            <a:xfrm>
+              <a:off x="4244008" y="3349486"/>
+              <a:ext cx="3061252" cy="993913"/>
+              <a:chOff x="4204252" y="3180521"/>
+              <a:chExt cx="3061252" cy="993913"/>
+            </a:xfrm>
+            <a:grpFill/>
+          </p:grpSpPr>
+          <p:sp>
+            <p:nvSpPr>
+              <p:cNvPr id="16" name="Rectangle 15">
+                <a:extLst>
+                  <a:ext uri="{FF2B5EF4-FFF2-40B4-BE49-F238E27FC236}">
+                    <a16:creationId xmlns:a16="http://schemas.microsoft.com/office/drawing/2014/main" id="{9A3E1CD7-651F-40C0-AB64-CC8845D43175}"/>
+                  </a:ext>
+                </a:extLst>
+              </p:cNvPr>
+              <p:cNvSpPr/>
+              <p:nvPr/>
+            </p:nvSpPr>
+            <p:spPr>
+              <a:xfrm>
+                <a:off x="4204252" y="3180521"/>
+                <a:ext cx="3061252" cy="993913"/>
+              </a:xfrm>
+              <a:prstGeom prst="rect">
+                <a:avLst/>
+              </a:prstGeom>
+              <a:grpFill/>
+            </p:spPr>
+            <p:style>
+              <a:lnRef idx="2">
+                <a:schemeClr val="dk1">
+                  <a:shade val="50000"/>
+                </a:schemeClr>
+              </a:lnRef>
+              <a:fillRef idx="1">
+                <a:schemeClr val="dk1"/>
+              </a:fillRef>
+              <a:effectRef idx="0">
+                <a:schemeClr val="dk1"/>
+              </a:effectRef>
+              <a:fontRef idx="minor">
+                <a:schemeClr val="lt1"/>
+              </a:fontRef>
+            </p:style>
+            <p:txBody>
+              <a:bodyPr rtlCol="0" anchor="ctr"/>
+              <a:lstStyle/>
+              <a:p>
+                <a:pPr algn="ctr"/>
+                <a:endParaRPr lang="en-US"/>
+              </a:p>
+            </p:txBody>
+          </p:sp>
+          <p:sp>
+            <p:nvSpPr>
+              <p:cNvPr id="17" name="TextBox 16">
+                <a:extLst>
+                  <a:ext uri="{FF2B5EF4-FFF2-40B4-BE49-F238E27FC236}">
+                    <a16:creationId xmlns:a16="http://schemas.microsoft.com/office/drawing/2014/main" id="{A9773E1F-5A30-499E-A74F-FC105131486D}"/>
+                  </a:ext>
+                </a:extLst>
+              </p:cNvPr>
+              <p:cNvSpPr txBox="1"/>
+              <p:nvPr/>
+            </p:nvSpPr>
+            <p:spPr>
+              <a:xfrm>
+                <a:off x="4472608" y="3388233"/>
+                <a:ext cx="2524539" cy="553998"/>
+              </a:xfrm>
+              <a:prstGeom prst="rect">
+                <a:avLst/>
+              </a:prstGeom>
+              <a:grpFill/>
+            </p:spPr>
+            <p:txBody>
+              <a:bodyPr wrap="square" rtlCol="0">
+                <a:spAutoFit/>
+              </a:bodyPr>
+              <a:lstStyle/>
+              <a:p>
+                <a:pPr algn="ctr"/>
+                <a:r>
+                  <a:rPr lang="en-US" sz="3000" b="1" dirty="0">
+                    <a:solidFill>
+                      <a:schemeClr val="bg1"/>
+                    </a:solidFill>
+                  </a:rPr>
+                  <a:t>Exercise</a:t>
+                </a:r>
+              </a:p>
+            </p:txBody>
+          </p:sp>
+        </p:grpSp>
+        <p:grpSp>
+          <p:nvGrpSpPr>
+            <p:cNvPr id="6" name="Group 5">
+              <a:extLst>
+                <a:ext uri="{FF2B5EF4-FFF2-40B4-BE49-F238E27FC236}">
+                  <a16:creationId xmlns:a16="http://schemas.microsoft.com/office/drawing/2014/main" id="{A41E17F3-A378-4DC1-9A34-CF6F15A0AD79}"/>
+                </a:ext>
+              </a:extLst>
+            </p:cNvPr>
+            <p:cNvGrpSpPr/>
+            <p:nvPr/>
+          </p:nvGrpSpPr>
+          <p:grpSpPr>
+            <a:xfrm>
+              <a:off x="7305260" y="4995378"/>
+              <a:ext cx="1666461" cy="1666461"/>
+              <a:chOff x="2100469" y="4645439"/>
+              <a:chExt cx="1666461" cy="1666461"/>
+            </a:xfrm>
+            <a:grpFill/>
+          </p:grpSpPr>
+          <p:sp>
+            <p:nvSpPr>
+              <p:cNvPr id="14" name="Oval 13">
+                <a:extLst>
+                  <a:ext uri="{FF2B5EF4-FFF2-40B4-BE49-F238E27FC236}">
+                    <a16:creationId xmlns:a16="http://schemas.microsoft.com/office/drawing/2014/main" id="{AF19F97D-4234-4662-BF27-348E46085CC9}"/>
+                  </a:ext>
+                </a:extLst>
+              </p:cNvPr>
+              <p:cNvSpPr/>
+              <p:nvPr/>
+            </p:nvSpPr>
+            <p:spPr>
+              <a:xfrm>
+                <a:off x="2100469" y="4645439"/>
+                <a:ext cx="1666461" cy="1666461"/>
+              </a:xfrm>
+              <a:prstGeom prst="ellipse">
+                <a:avLst/>
+              </a:prstGeom>
+              <a:grpFill/>
+            </p:spPr>
+            <p:style>
+              <a:lnRef idx="2">
+                <a:schemeClr val="dk1">
+                  <a:shade val="50000"/>
+                </a:schemeClr>
+              </a:lnRef>
+              <a:fillRef idx="1">
+                <a:schemeClr val="dk1"/>
+              </a:fillRef>
+              <a:effectRef idx="0">
+                <a:schemeClr val="dk1"/>
+              </a:effectRef>
+              <a:fontRef idx="minor">
+                <a:schemeClr val="lt1"/>
+              </a:fontRef>
+            </p:style>
+            <p:txBody>
+              <a:bodyPr rtlCol="0" anchor="ctr"/>
+              <a:lstStyle/>
+              <a:p>
+                <a:pPr algn="ctr"/>
+                <a:endParaRPr lang="en-US"/>
+              </a:p>
+            </p:txBody>
+          </p:sp>
+          <p:sp>
+            <p:nvSpPr>
+              <p:cNvPr id="15" name="TextBox 14">
+                <a:extLst>
+                  <a:ext uri="{FF2B5EF4-FFF2-40B4-BE49-F238E27FC236}">
+                    <a16:creationId xmlns:a16="http://schemas.microsoft.com/office/drawing/2014/main" id="{09E71737-AD1E-4B94-A6BB-CB34CCF102FA}"/>
+                  </a:ext>
+                </a:extLst>
+              </p:cNvPr>
+              <p:cNvSpPr txBox="1"/>
+              <p:nvPr/>
+            </p:nvSpPr>
+            <p:spPr>
+              <a:xfrm>
+                <a:off x="2415208" y="5207246"/>
+                <a:ext cx="1282148" cy="553998"/>
+              </a:xfrm>
+              <a:prstGeom prst="rect">
+                <a:avLst/>
+              </a:prstGeom>
+              <a:grpFill/>
+            </p:spPr>
+            <p:txBody>
+              <a:bodyPr wrap="square" rtlCol="0">
+                <a:spAutoFit/>
+              </a:bodyPr>
+              <a:lstStyle/>
+              <a:p>
+                <a:r>
+                  <a:rPr lang="en-US" sz="3000" b="1" dirty="0">
+                    <a:solidFill>
+                      <a:schemeClr val="bg1"/>
+                    </a:solidFill>
+                  </a:rPr>
+                  <a:t>Unfit</a:t>
+                </a:r>
+              </a:p>
+            </p:txBody>
+          </p:sp>
+        </p:grpSp>
+        <p:grpSp>
+          <p:nvGrpSpPr>
+            <p:cNvPr id="7" name="Group 6">
+              <a:extLst>
+                <a:ext uri="{FF2B5EF4-FFF2-40B4-BE49-F238E27FC236}">
+                  <a16:creationId xmlns:a16="http://schemas.microsoft.com/office/drawing/2014/main" id="{86FE744E-CB8C-456A-9B13-845661983342}"/>
+                </a:ext>
+              </a:extLst>
+            </p:cNvPr>
+            <p:cNvGrpSpPr/>
+            <p:nvPr/>
+          </p:nvGrpSpPr>
+          <p:grpSpPr>
+            <a:xfrm>
+              <a:off x="2577547" y="4995378"/>
+              <a:ext cx="1666461" cy="1666461"/>
+              <a:chOff x="2100469" y="4645438"/>
+              <a:chExt cx="1666461" cy="1666461"/>
+            </a:xfrm>
+            <a:grpFill/>
+          </p:grpSpPr>
+          <p:sp>
+            <p:nvSpPr>
+              <p:cNvPr id="12" name="Oval 11">
+                <a:extLst>
+                  <a:ext uri="{FF2B5EF4-FFF2-40B4-BE49-F238E27FC236}">
+                    <a16:creationId xmlns:a16="http://schemas.microsoft.com/office/drawing/2014/main" id="{F97BEF2E-283D-4602-85DE-7EC7166A8B9A}"/>
+                  </a:ext>
+                </a:extLst>
+              </p:cNvPr>
+              <p:cNvSpPr/>
+              <p:nvPr/>
+            </p:nvSpPr>
+            <p:spPr>
+              <a:xfrm>
+                <a:off x="2100469" y="4645438"/>
+                <a:ext cx="1666461" cy="1666461"/>
+              </a:xfrm>
+              <a:prstGeom prst="ellipse">
+                <a:avLst/>
+              </a:prstGeom>
+              <a:grpFill/>
+            </p:spPr>
+            <p:style>
+              <a:lnRef idx="2">
+                <a:schemeClr val="dk1">
+                  <a:shade val="50000"/>
+                </a:schemeClr>
+              </a:lnRef>
+              <a:fillRef idx="1">
+                <a:schemeClr val="dk1"/>
+              </a:fillRef>
+              <a:effectRef idx="0">
+                <a:schemeClr val="dk1"/>
+              </a:effectRef>
+              <a:fontRef idx="minor">
+                <a:schemeClr val="lt1"/>
+              </a:fontRef>
+            </p:style>
+            <p:txBody>
+              <a:bodyPr rtlCol="0" anchor="ctr"/>
+              <a:lstStyle/>
+              <a:p>
+                <a:pPr algn="ctr"/>
+                <a:endParaRPr lang="en-US"/>
+              </a:p>
+            </p:txBody>
+          </p:sp>
+          <p:sp>
+            <p:nvSpPr>
+              <p:cNvPr id="13" name="TextBox 12">
+                <a:extLst>
+                  <a:ext uri="{FF2B5EF4-FFF2-40B4-BE49-F238E27FC236}">
+                    <a16:creationId xmlns:a16="http://schemas.microsoft.com/office/drawing/2014/main" id="{B4020C6C-C38B-4C7C-A661-FDA1F8BA568F}"/>
+                  </a:ext>
+                </a:extLst>
+              </p:cNvPr>
+              <p:cNvSpPr txBox="1"/>
+              <p:nvPr/>
+            </p:nvSpPr>
+            <p:spPr>
+              <a:xfrm>
+                <a:off x="2430218" y="5201669"/>
+                <a:ext cx="940837" cy="553998"/>
+              </a:xfrm>
+              <a:prstGeom prst="rect">
+                <a:avLst/>
+              </a:prstGeom>
+              <a:grpFill/>
+            </p:spPr>
+            <p:txBody>
+              <a:bodyPr wrap="square" rtlCol="0">
+                <a:spAutoFit/>
+              </a:bodyPr>
+              <a:lstStyle/>
+              <a:p>
+                <a:pPr algn="ctr"/>
+                <a:r>
+                  <a:rPr lang="en-US" sz="3000" b="1" dirty="0">
+                    <a:solidFill>
+                      <a:schemeClr val="bg1"/>
+                    </a:solidFill>
+                  </a:rPr>
+                  <a:t>Fit</a:t>
+                </a:r>
+              </a:p>
+            </p:txBody>
+          </p:sp>
+        </p:grpSp>
+        <p:cxnSp>
+          <p:nvCxnSpPr>
+            <p:cNvPr id="8" name="Straight Arrow Connector 7">
+              <a:extLst>
+                <a:ext uri="{FF2B5EF4-FFF2-40B4-BE49-F238E27FC236}">
+                  <a16:creationId xmlns:a16="http://schemas.microsoft.com/office/drawing/2014/main" id="{94E4D994-78D1-4BFD-8806-F12198877080}"/>
+                </a:ext>
+              </a:extLst>
+            </p:cNvPr>
+            <p:cNvCxnSpPr/>
+            <p:nvPr/>
+          </p:nvCxnSpPr>
+          <p:spPr>
+            <a:xfrm flipH="1">
+              <a:off x="4393095" y="4671391"/>
+              <a:ext cx="1252331" cy="576470"/>
+            </a:xfrm>
+            <a:prstGeom prst="straightConnector1">
+              <a:avLst/>
+            </a:prstGeom>
+            <a:grpFill/>
+            <a:ln w="57150">
+              <a:tailEnd type="triangle"/>
+            </a:ln>
+          </p:spPr>
+          <p:style>
+            <a:lnRef idx="1">
+              <a:schemeClr val="dk1"/>
+            </a:lnRef>
+            <a:fillRef idx="0">
+              <a:schemeClr val="dk1"/>
+            </a:fillRef>
+            <a:effectRef idx="0">
+              <a:schemeClr val="dk1"/>
+            </a:effectRef>
+            <a:fontRef idx="minor">
+              <a:schemeClr val="tx1"/>
+            </a:fontRef>
+          </p:style>
+        </p:cxnSp>
+        <p:cxnSp>
+          <p:nvCxnSpPr>
+            <p:cNvPr id="9" name="Straight Arrow Connector 8">
+              <a:extLst>
+                <a:ext uri="{FF2B5EF4-FFF2-40B4-BE49-F238E27FC236}">
+                  <a16:creationId xmlns:a16="http://schemas.microsoft.com/office/drawing/2014/main" id="{0B490F20-D4DA-47A0-940D-D10348480215}"/>
+                </a:ext>
+              </a:extLst>
+            </p:cNvPr>
+            <p:cNvCxnSpPr>
+              <a:cxnSpLocks/>
+            </p:cNvCxnSpPr>
+            <p:nvPr/>
+          </p:nvCxnSpPr>
+          <p:spPr>
+            <a:xfrm>
+              <a:off x="5953538" y="4671391"/>
+              <a:ext cx="1162879" cy="576470"/>
+            </a:xfrm>
+            <a:prstGeom prst="straightConnector1">
+              <a:avLst/>
+            </a:prstGeom>
+            <a:grpFill/>
+            <a:ln w="57150">
+              <a:tailEnd type="triangle"/>
+            </a:ln>
+          </p:spPr>
+          <p:style>
+            <a:lnRef idx="1">
+              <a:schemeClr val="dk1"/>
+            </a:lnRef>
+            <a:fillRef idx="0">
+              <a:schemeClr val="dk1"/>
+            </a:fillRef>
+            <a:effectRef idx="0">
+              <a:schemeClr val="dk1"/>
+            </a:effectRef>
+            <a:fontRef idx="minor">
+              <a:schemeClr val="tx1"/>
+            </a:fontRef>
+          </p:style>
+        </p:cxnSp>
+        <p:sp>
+          <p:nvSpPr>
+            <p:cNvPr id="10" name="TextBox 9">
+              <a:extLst>
+                <a:ext uri="{FF2B5EF4-FFF2-40B4-BE49-F238E27FC236}">
+                  <a16:creationId xmlns:a16="http://schemas.microsoft.com/office/drawing/2014/main" id="{F7C238D5-BE22-47D1-9A25-ECD0EC2B26EB}"/>
+                </a:ext>
+              </a:extLst>
+            </p:cNvPr>
+            <p:cNvSpPr txBox="1"/>
+            <p:nvPr/>
+          </p:nvSpPr>
+          <p:spPr>
+            <a:xfrm>
+              <a:off x="4562061" y="4563357"/>
+              <a:ext cx="1341783" cy="369332"/>
+            </a:xfrm>
+            <a:prstGeom prst="rect">
+              <a:avLst/>
+            </a:prstGeom>
+            <a:noFill/>
+          </p:spPr>
+          <p:txBody>
+            <a:bodyPr wrap="square" rtlCol="0">
+              <a:spAutoFit/>
+            </a:bodyPr>
+            <a:lstStyle/>
+            <a:p>
+              <a:r>
+                <a:rPr lang="en-US" b="0" i="0" dirty="0">
+                  <a:solidFill>
+                    <a:srgbClr val="303133"/>
+                  </a:solidFill>
+                  <a:effectLst/>
+                  <a:latin typeface="Poppins"/>
+                </a:rPr>
+                <a:t>Y</a:t>
+              </a:r>
+              <a:r>
+                <a:rPr lang="en-US" dirty="0">
+                  <a:solidFill>
+                    <a:srgbClr val="303133"/>
+                  </a:solidFill>
+                  <a:latin typeface="Poppins"/>
+                </a:rPr>
+                <a:t>ES</a:t>
+              </a:r>
+              <a:endParaRPr lang="en-US" b="0" i="0" dirty="0">
+                <a:solidFill>
+                  <a:srgbClr val="303133"/>
+                </a:solidFill>
+                <a:effectLst/>
+                <a:latin typeface="Poppins"/>
+              </a:endParaRPr>
+            </a:p>
+          </p:txBody>
+        </p:sp>
+        <p:sp>
+          <p:nvSpPr>
+            <p:cNvPr id="11" name="TextBox 10">
+              <a:extLst>
+                <a:ext uri="{FF2B5EF4-FFF2-40B4-BE49-F238E27FC236}">
+                  <a16:creationId xmlns:a16="http://schemas.microsoft.com/office/drawing/2014/main" id="{B515313F-8DB2-4DFB-8645-762A5DF53282}"/>
+                </a:ext>
+              </a:extLst>
+            </p:cNvPr>
+            <p:cNvSpPr txBox="1"/>
+            <p:nvPr/>
+          </p:nvSpPr>
+          <p:spPr>
+            <a:xfrm>
+              <a:off x="6634368" y="4536454"/>
+              <a:ext cx="1341783" cy="369332"/>
+            </a:xfrm>
+            <a:prstGeom prst="rect">
+              <a:avLst/>
+            </a:prstGeom>
+            <a:noFill/>
+          </p:spPr>
+          <p:txBody>
+            <a:bodyPr wrap="square" rtlCol="0">
+              <a:spAutoFit/>
+            </a:bodyPr>
+            <a:lstStyle/>
+            <a:p>
+              <a:r>
+                <a:rPr lang="en-US" b="0" i="0" dirty="0">
+                  <a:solidFill>
+                    <a:srgbClr val="303133"/>
+                  </a:solidFill>
+                  <a:effectLst/>
+                  <a:latin typeface="Poppins"/>
+                </a:rPr>
+                <a:t>NO</a:t>
+              </a:r>
+            </a:p>
+          </p:txBody>
+        </p:sp>
+      </p:grpSp>
+      <p:sp>
+        <p:nvSpPr>
+          <p:cNvPr id="20" name="Oval 19">
+            <a:extLst>
+              <a:ext uri="{FF2B5EF4-FFF2-40B4-BE49-F238E27FC236}">
+                <a16:creationId xmlns:a16="http://schemas.microsoft.com/office/drawing/2014/main" id="{1185AA86-AD7C-4861-86B2-3815323E23EE}"/>
+              </a:ext>
+            </a:extLst>
+          </p:cNvPr>
+          <p:cNvSpPr/>
+          <p:nvPr/>
+        </p:nvSpPr>
+        <p:spPr>
+          <a:xfrm>
+            <a:off x="4149443" y="4093876"/>
+            <a:ext cx="3888146" cy="1062998"/>
+          </a:xfrm>
+          <a:prstGeom prst="ellipse">
+            <a:avLst/>
+          </a:prstGeom>
+          <a:noFill/>
+          <a:ln w="28575">
+            <a:solidFill>
+              <a:srgbClr val="FF0000"/>
+            </a:solidFill>
+          </a:ln>
+        </p:spPr>
+        <p:style>
+          <a:lnRef idx="2">
+            <a:schemeClr val="accent1">
+              <a:shade val="50000"/>
+            </a:schemeClr>
+          </a:lnRef>
+          <a:fillRef idx="1">
+            <a:schemeClr val="accent1"/>
+          </a:fillRef>
+          <a:effectRef idx="0">
+            <a:schemeClr val="accent1"/>
+          </a:effectRef>
+          <a:fontRef idx="minor">
+            <a:schemeClr val="lt1"/>
+          </a:fontRef>
+        </p:style>
+        <p:txBody>
+          <a:bodyPr rtlCol="0" anchor="ctr"/>
+          <a:lstStyle/>
+          <a:p>
+            <a:pPr algn="ctr"/>
+            <a:endParaRPr lang="en-US"/>
+          </a:p>
+        </p:txBody>
+      </p:sp>
+    </p:spTree>
+    <p:extLst>
+      <p:ext uri="{BB962C8B-B14F-4D97-AF65-F5344CB8AC3E}">
+        <p14:creationId xmlns:p14="http://schemas.microsoft.com/office/powerpoint/2010/main" val="658826214"/>
+      </p:ext>
+    </p:extLst>
+  </p:cSld>
+  <p:clrMapOvr>
+    <a:masterClrMapping/>
+  </p:clrMapOvr>
+  <p:timing>
+    <p:tnLst>
+      <p:par>
+        <p:cTn id="1" dur="indefinite" restart="never" nodeType="tmRoot">
+          <p:childTnLst>
+            <p:seq concurrent="1" nextAc="seek">
+              <p:cTn id="2" dur="indefinite" nodeType="mainSeq">
+                <p:childTnLst>
+                  <p:par>
+                    <p:cTn id="3" fill="hold">
+                      <p:stCondLst>
+                        <p:cond delay="indefinite"/>
+                      </p:stCondLst>
+                      <p:childTnLst>
+                        <p:par>
+                          <p:cTn id="4" fill="hold">
+                            <p:stCondLst>
+                              <p:cond delay="0"/>
+                            </p:stCondLst>
+                            <p:childTnLst>
+                              <p:par>
+                                <p:cTn id="5" presetID="10" presetClass="entr" presetSubtype="0" fill="hold" grpId="0" nodeType="clickEffect">
+                                  <p:stCondLst>
+                                    <p:cond delay="0"/>
+                                  </p:stCondLst>
+                                  <p:childTnLst>
+                                    <p:set>
+                                      <p:cBhvr>
+                                        <p:cTn id="6" dur="1" fill="hold">
+                                          <p:stCondLst>
+                                            <p:cond delay="0"/>
+                                          </p:stCondLst>
+                                        </p:cTn>
+                                        <p:tgtEl>
+                                          <p:spTgt spid="20"/>
+                                        </p:tgtEl>
+                                        <p:attrNameLst>
+                                          <p:attrName>style.visibility</p:attrName>
+                                        </p:attrNameLst>
+                                      </p:cBhvr>
+                                      <p:to>
+                                        <p:strVal val="visible"/>
+                                      </p:to>
+                                    </p:set>
+                                    <p:animEffect transition="in" filter="fade">
+                                      <p:cBhvr>
+                                        <p:cTn id="7" dur="500"/>
+                                        <p:tgtEl>
+                                          <p:spTgt spid="20"/>
+                                        </p:tgtEl>
+                                      </p:cBhvr>
+                                    </p:animEffect>
+                                  </p:childTnLst>
+                                </p:cTn>
+                              </p:par>
+                            </p:childTnLst>
+                          </p:cTn>
+                        </p:par>
+                      </p:childTnLst>
+                    </p:cTn>
+                  </p:par>
+                </p:childTnLst>
+              </p:cTn>
+              <p:prevCondLst>
+                <p:cond evt="onPrev" delay="0">
+                  <p:tgtEl>
+                    <p:sldTgt/>
+                  </p:tgtEl>
+                </p:cond>
+              </p:prevCondLst>
+              <p:nextCondLst>
+                <p:cond evt="onNext" delay="0">
+                  <p:tgtEl>
+                    <p:sldTgt/>
+                  </p:tgtEl>
+                </p:cond>
+              </p:nextCondLst>
+            </p:seq>
+          </p:childTnLst>
+        </p:cTn>
+      </p:par>
+    </p:tnLst>
+    <p:bldLst>
+      <p:bldP spid="20" grpId="0" animBg="1"/>
+    </p:bldLst>
+  </p:timing>
+</p:sld>
+</file>
+
+<file path=ppt/slides/slide7.xml><?xml version="1.0" encoding="utf-8"?>
+<p:sld xmlns:a="http://schemas.openxmlformats.org/drawingml/2006/main" xmlns:r="http://schemas.openxmlformats.org/officeDocument/2006/relationships" xmlns:p="http://schemas.openxmlformats.org/presentationml/2006/main">
+  <p:cSld>
+    <p:spTree>
+      <p:nvGrpSpPr>
+        <p:cNvPr id="1" name=""/>
+        <p:cNvGrpSpPr/>
+        <p:nvPr/>
+      </p:nvGrpSpPr>
+      <p:grpSpPr>
+        <a:xfrm>
+          <a:off x="0" y="0"/>
+          <a:ext cx="0" cy="0"/>
+          <a:chOff x="0" y="0"/>
+          <a:chExt cx="0" cy="0"/>
+        </a:xfrm>
+      </p:grpSpPr>
+      <p:sp>
+        <p:nvSpPr>
+          <p:cNvPr id="2" name="Title 1">
+            <a:extLst>
+              <a:ext uri="{FF2B5EF4-FFF2-40B4-BE49-F238E27FC236}">
+                <a16:creationId xmlns:a16="http://schemas.microsoft.com/office/drawing/2014/main" id="{E0A74983-CFAF-48BA-97FA-24B0D3D0A4B6}"/>
+              </a:ext>
+            </a:extLst>
+          </p:cNvPr>
+          <p:cNvSpPr>
+            <a:spLocks noGrp="1"/>
+          </p:cNvSpPr>
+          <p:nvPr>
+            <p:ph type="title"/>
+          </p:nvPr>
+        </p:nvSpPr>
+        <p:spPr/>
+        <p:txBody>
+          <a:bodyPr/>
+          <a:lstStyle/>
+          <a:p>
             <a:r>
               <a:rPr lang="en-US" dirty="0"/>
-              <a:t>Categorical x: split according to the category of input data such as hot and cold weather</a:t>
+              <a:t>Type of input (independent variable x)</a:t>
             </a:r>
           </a:p>
+        </p:txBody>
+      </p:sp>
+      <p:sp>
+        <p:nvSpPr>
+          <p:cNvPr id="3" name="Content Placeholder 2">
+            <a:extLst>
+              <a:ext uri="{FF2B5EF4-FFF2-40B4-BE49-F238E27FC236}">
+                <a16:creationId xmlns:a16="http://schemas.microsoft.com/office/drawing/2014/main" id="{1F830E94-293C-46D9-AB96-AA09D8E7F0B9}"/>
+              </a:ext>
+            </a:extLst>
+          </p:cNvPr>
+          <p:cNvSpPr>
+            <a:spLocks noGrp="1"/>
+          </p:cNvSpPr>
+          <p:nvPr>
+            <p:ph idx="1"/>
+          </p:nvPr>
+        </p:nvSpPr>
+        <p:spPr/>
+        <p:txBody>
+          <a:bodyPr/>
+          <a:lstStyle/>
           <a:p>
             <a:r>
               <a:rPr lang="en-US" dirty="0"/>
@@ -17342,28 +18541,680 @@
             </a:pPr>
             <a:endParaRPr lang="en-US" dirty="0"/>
           </a:p>
+        </p:txBody>
+      </p:sp>
+      <p:grpSp>
+        <p:nvGrpSpPr>
+          <p:cNvPr id="4" name="Group 3">
+            <a:extLst>
+              <a:ext uri="{FF2B5EF4-FFF2-40B4-BE49-F238E27FC236}">
+                <a16:creationId xmlns:a16="http://schemas.microsoft.com/office/drawing/2014/main" id="{2681504E-90D3-4C32-BB5B-492597657760}"/>
+              </a:ext>
+            </a:extLst>
+          </p:cNvPr>
+          <p:cNvGrpSpPr/>
+          <p:nvPr/>
+        </p:nvGrpSpPr>
+        <p:grpSpPr>
+          <a:xfrm>
+            <a:off x="2993181" y="2864610"/>
+            <a:ext cx="6394174" cy="3312353"/>
+            <a:chOff x="2577547" y="3349486"/>
+            <a:chExt cx="6394174" cy="3312353"/>
+          </a:xfrm>
+          <a:solidFill>
+            <a:schemeClr val="tx1"/>
+          </a:solidFill>
+        </p:grpSpPr>
+        <p:grpSp>
+          <p:nvGrpSpPr>
+            <p:cNvPr id="5" name="Group 4">
+              <a:extLst>
+                <a:ext uri="{FF2B5EF4-FFF2-40B4-BE49-F238E27FC236}">
+                  <a16:creationId xmlns:a16="http://schemas.microsoft.com/office/drawing/2014/main" id="{D79553FB-EC0E-47DB-BB07-A4025361052F}"/>
+                </a:ext>
+              </a:extLst>
+            </p:cNvPr>
+            <p:cNvGrpSpPr/>
+            <p:nvPr/>
+          </p:nvGrpSpPr>
+          <p:grpSpPr>
+            <a:xfrm>
+              <a:off x="4244008" y="3349486"/>
+              <a:ext cx="3061252" cy="993913"/>
+              <a:chOff x="4204252" y="3180521"/>
+              <a:chExt cx="3061252" cy="993913"/>
+            </a:xfrm>
+            <a:grpFill/>
+          </p:grpSpPr>
+          <p:sp>
+            <p:nvSpPr>
+              <p:cNvPr id="16" name="Rectangle 15">
+                <a:extLst>
+                  <a:ext uri="{FF2B5EF4-FFF2-40B4-BE49-F238E27FC236}">
+                    <a16:creationId xmlns:a16="http://schemas.microsoft.com/office/drawing/2014/main" id="{9A3E1CD7-651F-40C0-AB64-CC8845D43175}"/>
+                  </a:ext>
+                </a:extLst>
+              </p:cNvPr>
+              <p:cNvSpPr/>
+              <p:nvPr/>
+            </p:nvSpPr>
+            <p:spPr>
+              <a:xfrm>
+                <a:off x="4204252" y="3180521"/>
+                <a:ext cx="3061252" cy="993913"/>
+              </a:xfrm>
+              <a:prstGeom prst="rect">
+                <a:avLst/>
+              </a:prstGeom>
+              <a:grpFill/>
+            </p:spPr>
+            <p:style>
+              <a:lnRef idx="2">
+                <a:schemeClr val="dk1">
+                  <a:shade val="50000"/>
+                </a:schemeClr>
+              </a:lnRef>
+              <a:fillRef idx="1">
+                <a:schemeClr val="dk1"/>
+              </a:fillRef>
+              <a:effectRef idx="0">
+                <a:schemeClr val="dk1"/>
+              </a:effectRef>
+              <a:fontRef idx="minor">
+                <a:schemeClr val="lt1"/>
+              </a:fontRef>
+            </p:style>
+            <p:txBody>
+              <a:bodyPr rtlCol="0" anchor="ctr"/>
+              <a:lstStyle/>
+              <a:p>
+                <a:pPr algn="ctr"/>
+                <a:endParaRPr lang="en-US"/>
+              </a:p>
+            </p:txBody>
+          </p:sp>
+          <p:sp>
+            <p:nvSpPr>
+              <p:cNvPr id="17" name="TextBox 16">
+                <a:extLst>
+                  <a:ext uri="{FF2B5EF4-FFF2-40B4-BE49-F238E27FC236}">
+                    <a16:creationId xmlns:a16="http://schemas.microsoft.com/office/drawing/2014/main" id="{A9773E1F-5A30-499E-A74F-FC105131486D}"/>
+                  </a:ext>
+                </a:extLst>
+              </p:cNvPr>
+              <p:cNvSpPr txBox="1"/>
+              <p:nvPr/>
+            </p:nvSpPr>
+            <p:spPr>
+              <a:xfrm>
+                <a:off x="4651513" y="3400479"/>
+                <a:ext cx="2524539" cy="553998"/>
+              </a:xfrm>
+              <a:prstGeom prst="rect">
+                <a:avLst/>
+              </a:prstGeom>
+              <a:grpFill/>
+            </p:spPr>
+            <p:txBody>
+              <a:bodyPr wrap="square" rtlCol="0">
+                <a:spAutoFit/>
+              </a:bodyPr>
+              <a:lstStyle/>
+              <a:p>
+                <a:r>
+                  <a:rPr lang="en-US" sz="3000" b="1" dirty="0">
+                    <a:solidFill>
+                      <a:schemeClr val="bg1"/>
+                    </a:solidFill>
+                  </a:rPr>
+                  <a:t>Temperature</a:t>
+                </a:r>
+              </a:p>
+            </p:txBody>
+          </p:sp>
+        </p:grpSp>
+        <p:grpSp>
+          <p:nvGrpSpPr>
+            <p:cNvPr id="6" name="Group 5">
+              <a:extLst>
+                <a:ext uri="{FF2B5EF4-FFF2-40B4-BE49-F238E27FC236}">
+                  <a16:creationId xmlns:a16="http://schemas.microsoft.com/office/drawing/2014/main" id="{A41E17F3-A378-4DC1-9A34-CF6F15A0AD79}"/>
+                </a:ext>
+              </a:extLst>
+            </p:cNvPr>
+            <p:cNvGrpSpPr/>
+            <p:nvPr/>
+          </p:nvGrpSpPr>
+          <p:grpSpPr>
+            <a:xfrm>
+              <a:off x="7305260" y="4995378"/>
+              <a:ext cx="1666461" cy="1666461"/>
+              <a:chOff x="2100469" y="4645439"/>
+              <a:chExt cx="1666461" cy="1666461"/>
+            </a:xfrm>
+            <a:grpFill/>
+          </p:grpSpPr>
+          <p:sp>
+            <p:nvSpPr>
+              <p:cNvPr id="14" name="Oval 13">
+                <a:extLst>
+                  <a:ext uri="{FF2B5EF4-FFF2-40B4-BE49-F238E27FC236}">
+                    <a16:creationId xmlns:a16="http://schemas.microsoft.com/office/drawing/2014/main" id="{AF19F97D-4234-4662-BF27-348E46085CC9}"/>
+                  </a:ext>
+                </a:extLst>
+              </p:cNvPr>
+              <p:cNvSpPr/>
+              <p:nvPr/>
+            </p:nvSpPr>
+            <p:spPr>
+              <a:xfrm>
+                <a:off x="2100469" y="4645439"/>
+                <a:ext cx="1666461" cy="1666461"/>
+              </a:xfrm>
+              <a:prstGeom prst="ellipse">
+                <a:avLst/>
+              </a:prstGeom>
+              <a:grpFill/>
+            </p:spPr>
+            <p:style>
+              <a:lnRef idx="2">
+                <a:schemeClr val="dk1">
+                  <a:shade val="50000"/>
+                </a:schemeClr>
+              </a:lnRef>
+              <a:fillRef idx="1">
+                <a:schemeClr val="dk1"/>
+              </a:fillRef>
+              <a:effectRef idx="0">
+                <a:schemeClr val="dk1"/>
+              </a:effectRef>
+              <a:fontRef idx="minor">
+                <a:schemeClr val="lt1"/>
+              </a:fontRef>
+            </p:style>
+            <p:txBody>
+              <a:bodyPr rtlCol="0" anchor="ctr"/>
+              <a:lstStyle/>
+              <a:p>
+                <a:pPr algn="ctr"/>
+                <a:endParaRPr lang="en-US"/>
+              </a:p>
+            </p:txBody>
+          </p:sp>
+          <p:sp>
+            <p:nvSpPr>
+              <p:cNvPr id="15" name="TextBox 14">
+                <a:extLst>
+                  <a:ext uri="{FF2B5EF4-FFF2-40B4-BE49-F238E27FC236}">
+                    <a16:creationId xmlns:a16="http://schemas.microsoft.com/office/drawing/2014/main" id="{09E71737-AD1E-4B94-A6BB-CB34CCF102FA}"/>
+                  </a:ext>
+                </a:extLst>
+              </p:cNvPr>
+              <p:cNvSpPr txBox="1"/>
+              <p:nvPr/>
+            </p:nvSpPr>
+            <p:spPr>
+              <a:xfrm>
+                <a:off x="2415208" y="5207246"/>
+                <a:ext cx="1282148" cy="553998"/>
+              </a:xfrm>
+              <a:prstGeom prst="rect">
+                <a:avLst/>
+              </a:prstGeom>
+              <a:grpFill/>
+            </p:spPr>
+            <p:txBody>
+              <a:bodyPr wrap="square" rtlCol="0">
+                <a:spAutoFit/>
+              </a:bodyPr>
+              <a:lstStyle/>
+              <a:p>
+                <a:r>
+                  <a:rPr lang="en-US" sz="3000" b="1" dirty="0">
+                    <a:solidFill>
+                      <a:schemeClr val="bg1"/>
+                    </a:solidFill>
+                  </a:rPr>
+                  <a:t>COLD</a:t>
+                </a:r>
+              </a:p>
+            </p:txBody>
+          </p:sp>
+        </p:grpSp>
+        <p:grpSp>
+          <p:nvGrpSpPr>
+            <p:cNvPr id="7" name="Group 6">
+              <a:extLst>
+                <a:ext uri="{FF2B5EF4-FFF2-40B4-BE49-F238E27FC236}">
+                  <a16:creationId xmlns:a16="http://schemas.microsoft.com/office/drawing/2014/main" id="{86FE744E-CB8C-456A-9B13-845661983342}"/>
+                </a:ext>
+              </a:extLst>
+            </p:cNvPr>
+            <p:cNvGrpSpPr/>
+            <p:nvPr/>
+          </p:nvGrpSpPr>
+          <p:grpSpPr>
+            <a:xfrm>
+              <a:off x="2577547" y="4995378"/>
+              <a:ext cx="1666461" cy="1666461"/>
+              <a:chOff x="2100469" y="4645438"/>
+              <a:chExt cx="1666461" cy="1666461"/>
+            </a:xfrm>
+            <a:grpFill/>
+          </p:grpSpPr>
+          <p:sp>
+            <p:nvSpPr>
+              <p:cNvPr id="12" name="Oval 11">
+                <a:extLst>
+                  <a:ext uri="{FF2B5EF4-FFF2-40B4-BE49-F238E27FC236}">
+                    <a16:creationId xmlns:a16="http://schemas.microsoft.com/office/drawing/2014/main" id="{F97BEF2E-283D-4602-85DE-7EC7166A8B9A}"/>
+                  </a:ext>
+                </a:extLst>
+              </p:cNvPr>
+              <p:cNvSpPr/>
+              <p:nvPr/>
+            </p:nvSpPr>
+            <p:spPr>
+              <a:xfrm>
+                <a:off x="2100469" y="4645438"/>
+                <a:ext cx="1666461" cy="1666461"/>
+              </a:xfrm>
+              <a:prstGeom prst="ellipse">
+                <a:avLst/>
+              </a:prstGeom>
+              <a:grpFill/>
+            </p:spPr>
+            <p:style>
+              <a:lnRef idx="2">
+                <a:schemeClr val="dk1">
+                  <a:shade val="50000"/>
+                </a:schemeClr>
+              </a:lnRef>
+              <a:fillRef idx="1">
+                <a:schemeClr val="dk1"/>
+              </a:fillRef>
+              <a:effectRef idx="0">
+                <a:schemeClr val="dk1"/>
+              </a:effectRef>
+              <a:fontRef idx="minor">
+                <a:schemeClr val="lt1"/>
+              </a:fontRef>
+            </p:style>
+            <p:txBody>
+              <a:bodyPr rtlCol="0" anchor="ctr"/>
+              <a:lstStyle/>
+              <a:p>
+                <a:pPr algn="ctr"/>
+                <a:endParaRPr lang="en-US"/>
+              </a:p>
+            </p:txBody>
+          </p:sp>
+          <p:sp>
+            <p:nvSpPr>
+              <p:cNvPr id="13" name="TextBox 12">
+                <a:extLst>
+                  <a:ext uri="{FF2B5EF4-FFF2-40B4-BE49-F238E27FC236}">
+                    <a16:creationId xmlns:a16="http://schemas.microsoft.com/office/drawing/2014/main" id="{B4020C6C-C38B-4C7C-A661-FDA1F8BA568F}"/>
+                  </a:ext>
+                </a:extLst>
+              </p:cNvPr>
+              <p:cNvSpPr txBox="1"/>
+              <p:nvPr/>
+            </p:nvSpPr>
+            <p:spPr>
+              <a:xfrm>
+                <a:off x="2484782" y="5201669"/>
+                <a:ext cx="940837" cy="553998"/>
+              </a:xfrm>
+              <a:prstGeom prst="rect">
+                <a:avLst/>
+              </a:prstGeom>
+              <a:grpFill/>
+            </p:spPr>
+            <p:txBody>
+              <a:bodyPr wrap="square" rtlCol="0">
+                <a:spAutoFit/>
+              </a:bodyPr>
+              <a:lstStyle/>
+              <a:p>
+                <a:r>
+                  <a:rPr lang="en-US" sz="3000" b="1" dirty="0">
+                    <a:solidFill>
+                      <a:schemeClr val="bg1"/>
+                    </a:solidFill>
+                  </a:rPr>
+                  <a:t>HOT</a:t>
+                </a:r>
+              </a:p>
+            </p:txBody>
+          </p:sp>
+        </p:grpSp>
+        <p:cxnSp>
+          <p:nvCxnSpPr>
+            <p:cNvPr id="8" name="Straight Arrow Connector 7">
+              <a:extLst>
+                <a:ext uri="{FF2B5EF4-FFF2-40B4-BE49-F238E27FC236}">
+                  <a16:creationId xmlns:a16="http://schemas.microsoft.com/office/drawing/2014/main" id="{94E4D994-78D1-4BFD-8806-F12198877080}"/>
+                </a:ext>
+              </a:extLst>
+            </p:cNvPr>
+            <p:cNvCxnSpPr/>
+            <p:nvPr/>
+          </p:nvCxnSpPr>
+          <p:spPr>
+            <a:xfrm flipH="1">
+              <a:off x="4393095" y="4671391"/>
+              <a:ext cx="1252331" cy="576470"/>
+            </a:xfrm>
+            <a:prstGeom prst="straightConnector1">
+              <a:avLst/>
+            </a:prstGeom>
+            <a:grpFill/>
+            <a:ln w="57150">
+              <a:tailEnd type="triangle"/>
+            </a:ln>
+          </p:spPr>
+          <p:style>
+            <a:lnRef idx="1">
+              <a:schemeClr val="dk1"/>
+            </a:lnRef>
+            <a:fillRef idx="0">
+              <a:schemeClr val="dk1"/>
+            </a:fillRef>
+            <a:effectRef idx="0">
+              <a:schemeClr val="dk1"/>
+            </a:effectRef>
+            <a:fontRef idx="minor">
+              <a:schemeClr val="tx1"/>
+            </a:fontRef>
+          </p:style>
+        </p:cxnSp>
+        <p:cxnSp>
+          <p:nvCxnSpPr>
+            <p:cNvPr id="9" name="Straight Arrow Connector 8">
+              <a:extLst>
+                <a:ext uri="{FF2B5EF4-FFF2-40B4-BE49-F238E27FC236}">
+                  <a16:creationId xmlns:a16="http://schemas.microsoft.com/office/drawing/2014/main" id="{0B490F20-D4DA-47A0-940D-D10348480215}"/>
+                </a:ext>
+              </a:extLst>
+            </p:cNvPr>
+            <p:cNvCxnSpPr>
+              <a:cxnSpLocks/>
+            </p:cNvCxnSpPr>
+            <p:nvPr/>
+          </p:nvCxnSpPr>
+          <p:spPr>
+            <a:xfrm>
+              <a:off x="5953538" y="4671391"/>
+              <a:ext cx="1162879" cy="576470"/>
+            </a:xfrm>
+            <a:prstGeom prst="straightConnector1">
+              <a:avLst/>
+            </a:prstGeom>
+            <a:grpFill/>
+            <a:ln w="57150">
+              <a:tailEnd type="triangle"/>
+            </a:ln>
+          </p:spPr>
+          <p:style>
+            <a:lnRef idx="1">
+              <a:schemeClr val="dk1"/>
+            </a:lnRef>
+            <a:fillRef idx="0">
+              <a:schemeClr val="dk1"/>
+            </a:fillRef>
+            <a:effectRef idx="0">
+              <a:schemeClr val="dk1"/>
+            </a:effectRef>
+            <a:fontRef idx="minor">
+              <a:schemeClr val="tx1"/>
+            </a:fontRef>
+          </p:style>
+        </p:cxnSp>
+        <p:sp>
+          <p:nvSpPr>
+            <p:cNvPr id="10" name="TextBox 9">
+              <a:extLst>
+                <a:ext uri="{FF2B5EF4-FFF2-40B4-BE49-F238E27FC236}">
+                  <a16:creationId xmlns:a16="http://schemas.microsoft.com/office/drawing/2014/main" id="{F7C238D5-BE22-47D1-9A25-ECD0EC2B26EB}"/>
+                </a:ext>
+              </a:extLst>
+            </p:cNvPr>
+            <p:cNvSpPr txBox="1"/>
+            <p:nvPr/>
+          </p:nvSpPr>
+          <p:spPr>
+            <a:xfrm>
+              <a:off x="4303643" y="4564653"/>
+              <a:ext cx="1341783" cy="369332"/>
+            </a:xfrm>
+            <a:prstGeom prst="rect">
+              <a:avLst/>
+            </a:prstGeom>
+            <a:noFill/>
+          </p:spPr>
+          <p:txBody>
+            <a:bodyPr wrap="square" rtlCol="0">
+              <a:spAutoFit/>
+            </a:bodyPr>
+            <a:lstStyle/>
+            <a:p>
+              <a:r>
+                <a:rPr lang="en-US" dirty="0"/>
+                <a:t>&gt;30 </a:t>
+              </a:r>
+              <a:r>
+                <a:rPr lang="en-US" b="0" i="0" dirty="0">
+                  <a:solidFill>
+                    <a:srgbClr val="303133"/>
+                  </a:solidFill>
+                  <a:effectLst/>
+                  <a:latin typeface="Poppins"/>
+                </a:rPr>
+                <a:t>℃</a:t>
+              </a:r>
+            </a:p>
+          </p:txBody>
+        </p:sp>
+        <p:sp>
+          <p:nvSpPr>
+            <p:cNvPr id="11" name="TextBox 10">
+              <a:extLst>
+                <a:ext uri="{FF2B5EF4-FFF2-40B4-BE49-F238E27FC236}">
+                  <a16:creationId xmlns:a16="http://schemas.microsoft.com/office/drawing/2014/main" id="{B515313F-8DB2-4DFB-8645-762A5DF53282}"/>
+                </a:ext>
+              </a:extLst>
+            </p:cNvPr>
+            <p:cNvSpPr txBox="1"/>
+            <p:nvPr/>
+          </p:nvSpPr>
+          <p:spPr>
+            <a:xfrm>
+              <a:off x="6447182" y="4575967"/>
+              <a:ext cx="1341783" cy="369332"/>
+            </a:xfrm>
+            <a:prstGeom prst="rect">
+              <a:avLst/>
+            </a:prstGeom>
+            <a:noFill/>
+          </p:spPr>
+          <p:txBody>
+            <a:bodyPr wrap="square" rtlCol="0">
+              <a:spAutoFit/>
+            </a:bodyPr>
+            <a:lstStyle/>
+            <a:p>
+              <a:r>
+                <a:rPr lang="en-US" dirty="0"/>
+                <a:t>&lt;30 </a:t>
+              </a:r>
+              <a:r>
+                <a:rPr lang="en-US" b="0" i="0" dirty="0">
+                  <a:solidFill>
+                    <a:srgbClr val="303133"/>
+                  </a:solidFill>
+                  <a:effectLst/>
+                  <a:latin typeface="Poppins"/>
+                </a:rPr>
+                <a:t>℃</a:t>
+              </a:r>
+            </a:p>
+          </p:txBody>
+        </p:sp>
+      </p:grpSp>
+      <p:sp>
+        <p:nvSpPr>
+          <p:cNvPr id="18" name="Oval 17">
+            <a:extLst>
+              <a:ext uri="{FF2B5EF4-FFF2-40B4-BE49-F238E27FC236}">
+                <a16:creationId xmlns:a16="http://schemas.microsoft.com/office/drawing/2014/main" id="{67031FF4-5FC4-4118-BC1D-39229C585A69}"/>
+              </a:ext>
+            </a:extLst>
+          </p:cNvPr>
+          <p:cNvSpPr/>
+          <p:nvPr/>
+        </p:nvSpPr>
+        <p:spPr>
+          <a:xfrm>
+            <a:off x="4316453" y="3943251"/>
+            <a:ext cx="3888146" cy="1062998"/>
+          </a:xfrm>
+          <a:prstGeom prst="ellipse">
+            <a:avLst/>
+          </a:prstGeom>
+          <a:noFill/>
+          <a:ln w="28575">
+            <a:solidFill>
+              <a:srgbClr val="FF0000"/>
+            </a:solidFill>
+          </a:ln>
+        </p:spPr>
+        <p:style>
+          <a:lnRef idx="2">
+            <a:schemeClr val="accent1">
+              <a:shade val="50000"/>
+            </a:schemeClr>
+          </a:lnRef>
+          <a:fillRef idx="1">
+            <a:schemeClr val="accent1"/>
+          </a:fillRef>
+          <a:effectRef idx="0">
+            <a:schemeClr val="accent1"/>
+          </a:effectRef>
+          <a:fontRef idx="minor">
+            <a:schemeClr val="lt1"/>
+          </a:fontRef>
+        </p:style>
+        <p:txBody>
+          <a:bodyPr rtlCol="0" anchor="ctr"/>
+          <a:lstStyle/>
           <a:p>
-            <a:endParaRPr lang="en-US" dirty="0"/>
-          </a:p>
-          <a:p>
-            <a:endParaRPr lang="en-US" dirty="0"/>
+            <a:pPr algn="ctr"/>
+            <a:endParaRPr lang="en-US"/>
           </a:p>
         </p:txBody>
       </p:sp>
     </p:spTree>
     <p:extLst>
       <p:ext uri="{BB962C8B-B14F-4D97-AF65-F5344CB8AC3E}">
-        <p14:creationId xmlns:p14="http://schemas.microsoft.com/office/powerpoint/2010/main" val="1085461373"/>
+        <p14:creationId xmlns:p14="http://schemas.microsoft.com/office/powerpoint/2010/main" val="172153373"/>
       </p:ext>
     </p:extLst>
   </p:cSld>
   <p:clrMapOvr>
     <a:masterClrMapping/>
   </p:clrMapOvr>
+  <p:timing>
+    <p:tnLst>
+      <p:par>
+        <p:cTn id="1" dur="indefinite" restart="never" nodeType="tmRoot">
+          <p:childTnLst>
+            <p:seq concurrent="1" nextAc="seek">
+              <p:cTn id="2" dur="indefinite" nodeType="mainSeq">
+                <p:childTnLst>
+                  <p:par>
+                    <p:cTn id="3" fill="hold">
+                      <p:stCondLst>
+                        <p:cond delay="indefinite"/>
+                      </p:stCondLst>
+                      <p:childTnLst>
+                        <p:par>
+                          <p:cTn id="4" fill="hold">
+                            <p:stCondLst>
+                              <p:cond delay="0"/>
+                            </p:stCondLst>
+                            <p:childTnLst>
+                              <p:par>
+                                <p:cTn id="5" presetID="10" presetClass="entr" presetSubtype="0" fill="hold" grpId="0" nodeType="clickEffect">
+                                  <p:stCondLst>
+                                    <p:cond delay="0"/>
+                                  </p:stCondLst>
+                                  <p:childTnLst>
+                                    <p:set>
+                                      <p:cBhvr>
+                                        <p:cTn id="6" dur="1" fill="hold">
+                                          <p:stCondLst>
+                                            <p:cond delay="0"/>
+                                          </p:stCondLst>
+                                        </p:cTn>
+                                        <p:tgtEl>
+                                          <p:spTgt spid="18"/>
+                                        </p:tgtEl>
+                                        <p:attrNameLst>
+                                          <p:attrName>style.visibility</p:attrName>
+                                        </p:attrNameLst>
+                                      </p:cBhvr>
+                                      <p:to>
+                                        <p:strVal val="visible"/>
+                                      </p:to>
+                                    </p:set>
+                                    <p:animEffect transition="in" filter="fade">
+                                      <p:cBhvr>
+                                        <p:cTn id="7" dur="500"/>
+                                        <p:tgtEl>
+                                          <p:spTgt spid="18"/>
+                                        </p:tgtEl>
+                                      </p:cBhvr>
+                                    </p:animEffect>
+                                  </p:childTnLst>
+                                </p:cTn>
+                              </p:par>
+                            </p:childTnLst>
+                          </p:cTn>
+                        </p:par>
+                      </p:childTnLst>
+                    </p:cTn>
+                  </p:par>
+                </p:childTnLst>
+              </p:cTn>
+              <p:prevCondLst>
+                <p:cond evt="onPrev" delay="0">
+                  <p:tgtEl>
+                    <p:sldTgt/>
+                  </p:tgtEl>
+                </p:cond>
+              </p:prevCondLst>
+              <p:nextCondLst>
+                <p:cond evt="onNext" delay="0">
+                  <p:tgtEl>
+                    <p:sldTgt/>
+                  </p:tgtEl>
+                </p:cond>
+              </p:nextCondLst>
+            </p:seq>
+          </p:childTnLst>
+        </p:cTn>
+      </p:par>
+    </p:tnLst>
+    <p:bldLst>
+      <p:bldP spid="18" grpId="0" animBg="1"/>
+    </p:bldLst>
+  </p:timing>
 </p:sld>
 </file>
 
-<file path=ppt/slides/slide6.xml><?xml version="1.0" encoding="utf-8"?>
+<file path=ppt/slides/slide8.xml><?xml version="1.0" encoding="utf-8"?>
 <p:sld xmlns:a="http://schemas.openxmlformats.org/drawingml/2006/main" xmlns:r="http://schemas.openxmlformats.org/officeDocument/2006/relationships" xmlns:p="http://schemas.openxmlformats.org/presentationml/2006/main">
   <p:cSld>
     <p:spTree>
@@ -17473,7 +19324,7 @@
 </p:sld>
 </file>
 
-<file path=ppt/slides/slide7.xml><?xml version="1.0" encoding="utf-8"?>
+<file path=ppt/slides/slide9.xml><?xml version="1.0" encoding="utf-8"?>
 <p:sld xmlns:a="http://schemas.openxmlformats.org/drawingml/2006/main" xmlns:r="http://schemas.openxmlformats.org/officeDocument/2006/relationships" xmlns:p="http://schemas.openxmlformats.org/presentationml/2006/main">
   <p:cSld>
     <p:spTree>
@@ -18905,358 +20756,6 @@
 </p:sld>
 </file>
 
-<file path=ppt/slides/slide8.xml><?xml version="1.0" encoding="utf-8"?>
-<p:sld xmlns:a="http://schemas.openxmlformats.org/drawingml/2006/main" xmlns:r="http://schemas.openxmlformats.org/officeDocument/2006/relationships" xmlns:p="http://schemas.openxmlformats.org/presentationml/2006/main">
-  <p:cSld>
-    <p:spTree>
-      <p:nvGrpSpPr>
-        <p:cNvPr id="1" name=""/>
-        <p:cNvGrpSpPr/>
-        <p:nvPr/>
-      </p:nvGrpSpPr>
-      <p:grpSpPr>
-        <a:xfrm>
-          <a:off x="0" y="0"/>
-          <a:ext cx="0" cy="0"/>
-          <a:chOff x="0" y="0"/>
-          <a:chExt cx="0" cy="0"/>
-        </a:xfrm>
-      </p:grpSpPr>
-      <p:sp>
-        <p:nvSpPr>
-          <p:cNvPr id="2" name="Title 1">
-            <a:extLst>
-              <a:ext uri="{FF2B5EF4-FFF2-40B4-BE49-F238E27FC236}">
-                <a16:creationId xmlns:a16="http://schemas.microsoft.com/office/drawing/2014/main" id="{71BDCC16-6D97-4CA2-AE1B-B46AE468D559}"/>
-              </a:ext>
-            </a:extLst>
-          </p:cNvPr>
-          <p:cNvSpPr>
-            <a:spLocks noGrp="1"/>
-          </p:cNvSpPr>
-          <p:nvPr>
-            <p:ph type="title"/>
-          </p:nvPr>
-        </p:nvSpPr>
-        <p:spPr>
-          <a:xfrm>
-            <a:off x="2451100" y="2766218"/>
-            <a:ext cx="10515600" cy="1325563"/>
-          </a:xfrm>
-        </p:spPr>
-        <p:txBody>
-          <a:bodyPr/>
-          <a:lstStyle/>
-          <a:p>
-            <a:r>
-              <a:rPr lang="en-US" dirty="0"/>
-              <a:t>How to determine the best split?</a:t>
-            </a:r>
-          </a:p>
-        </p:txBody>
-      </p:sp>
-    </p:spTree>
-    <p:extLst>
-      <p:ext uri="{BB962C8B-B14F-4D97-AF65-F5344CB8AC3E}">
-        <p14:creationId xmlns:p14="http://schemas.microsoft.com/office/powerpoint/2010/main" val="1408536063"/>
-      </p:ext>
-    </p:extLst>
-  </p:cSld>
-  <p:clrMapOvr>
-    <a:masterClrMapping/>
-  </p:clrMapOvr>
-</p:sld>
-</file>
-
-<file path=ppt/slides/slide9.xml><?xml version="1.0" encoding="utf-8"?>
-<p:sld xmlns:a="http://schemas.openxmlformats.org/drawingml/2006/main" xmlns:r="http://schemas.openxmlformats.org/officeDocument/2006/relationships" xmlns:p="http://schemas.openxmlformats.org/presentationml/2006/main">
-  <p:cSld>
-    <p:spTree>
-      <p:nvGrpSpPr>
-        <p:cNvPr id="1" name=""/>
-        <p:cNvGrpSpPr/>
-        <p:nvPr/>
-      </p:nvGrpSpPr>
-      <p:grpSpPr>
-        <a:xfrm>
-          <a:off x="0" y="0"/>
-          <a:ext cx="0" cy="0"/>
-          <a:chOff x="0" y="0"/>
-          <a:chExt cx="0" cy="0"/>
-        </a:xfrm>
-      </p:grpSpPr>
-      <p:sp>
-        <p:nvSpPr>
-          <p:cNvPr id="2" name="Title 1">
-            <a:extLst>
-              <a:ext uri="{FF2B5EF4-FFF2-40B4-BE49-F238E27FC236}">
-                <a16:creationId xmlns:a16="http://schemas.microsoft.com/office/drawing/2014/main" id="{71BDCC16-6D97-4CA2-AE1B-B46AE468D559}"/>
-              </a:ext>
-            </a:extLst>
-          </p:cNvPr>
-          <p:cNvSpPr>
-            <a:spLocks noGrp="1"/>
-          </p:cNvSpPr>
-          <p:nvPr>
-            <p:ph type="title"/>
-          </p:nvPr>
-        </p:nvSpPr>
-        <p:spPr/>
-        <p:txBody>
-          <a:bodyPr/>
-          <a:lstStyle/>
-          <a:p>
-            <a:r>
-              <a:rPr lang="en-US" dirty="0"/>
-              <a:t>Classification Tree</a:t>
-            </a:r>
-          </a:p>
-        </p:txBody>
-      </p:sp>
-      <mc:AlternateContent xmlns:mc="http://schemas.openxmlformats.org/markup-compatibility/2006" xmlns:a14="http://schemas.microsoft.com/office/drawing/2010/main">
-        <mc:Choice Requires="a14">
-          <p:sp>
-            <p:nvSpPr>
-              <p:cNvPr id="3" name="Content Placeholder 2">
-                <a:extLst>
-                  <a:ext uri="{FF2B5EF4-FFF2-40B4-BE49-F238E27FC236}">
-                    <a16:creationId xmlns:a16="http://schemas.microsoft.com/office/drawing/2014/main" id="{A7894458-4DE2-4131-BE89-29707F76907A}"/>
-                  </a:ext>
-                </a:extLst>
-              </p:cNvPr>
-              <p:cNvSpPr>
-                <a:spLocks noGrp="1"/>
-              </p:cNvSpPr>
-              <p:nvPr>
-                <p:ph idx="1"/>
-              </p:nvPr>
-            </p:nvSpPr>
-            <p:spPr/>
-            <p:txBody>
-              <a:bodyPr/>
-              <a:lstStyle/>
-              <a:p>
-                <a:r>
-                  <a:rPr lang="en-US" dirty="0"/>
-                  <a:t>Objective: split to accurately classify each category of dependent output variable y according to independent input variable x</a:t>
-                </a:r>
-              </a:p>
-              <a:p>
-                <a:r>
-                  <a:rPr lang="en-US" dirty="0"/>
-                  <a:t>Split to maximize the information gain</a:t>
-                </a:r>
-              </a:p>
-              <a:p>
-                <a:r>
-                  <a:rPr lang="en-US" dirty="0"/>
-                  <a:t>Information gain = Entropy before split - Entropy after split </a:t>
-                </a:r>
-              </a:p>
-              <a:p>
-                <a:r>
-                  <a:rPr lang="en-US" dirty="0"/>
-                  <a:t>Entropy: measure of homogeneity (similar value)</a:t>
-                </a:r>
-              </a:p>
-              <a:p>
-                <a:pPr lvl="1"/>
-                <a:r>
-                  <a:rPr lang="en-US" dirty="0"/>
-                  <a:t>Entropy = 0: most homogeneous or all data are in the same class or pure!</a:t>
-                </a:r>
-              </a:p>
-              <a:p>
-                <a:pPr lvl="1"/>
-                <a:r>
-                  <a:rPr lang="en-US" dirty="0"/>
-                  <a:t>Entropy = - </a:t>
-                </a:r>
-                <a14:m>
-                  <m:oMath xmlns:m="http://schemas.openxmlformats.org/officeDocument/2006/math">
-                    <m:nary>
-                      <m:naryPr>
-                        <m:chr m:val="∑"/>
-                        <m:supHide m:val="on"/>
-                        <m:ctrlPr>
-                          <a:rPr lang="en-US" i="1" smtClean="0">
-                            <a:latin typeface="Cambria Math" panose="02040503050406030204" pitchFamily="18" charset="0"/>
-                          </a:rPr>
-                        </m:ctrlPr>
-                      </m:naryPr>
-                      <m:sub>
-                        <m:r>
-                          <m:rPr>
-                            <m:brk m:alnAt="7"/>
-                          </m:rPr>
-                          <a:rPr lang="en-US" b="0" i="1" smtClean="0">
-                            <a:latin typeface="Cambria Math" panose="02040503050406030204" pitchFamily="18" charset="0"/>
-                          </a:rPr>
-                          <m:t>𝑖</m:t>
-                        </m:r>
-                      </m:sub>
-                      <m:sup/>
-                      <m:e>
-                        <m:sSub>
-                          <m:sSubPr>
-                            <m:ctrlPr>
-                              <a:rPr lang="en-US" i="1" smtClean="0">
-                                <a:latin typeface="Cambria Math" panose="02040503050406030204" pitchFamily="18" charset="0"/>
-                              </a:rPr>
-                            </m:ctrlPr>
-                          </m:sSubPr>
-                          <m:e>
-                            <m:r>
-                              <a:rPr lang="en-US" b="0" i="1" smtClean="0">
-                                <a:latin typeface="Cambria Math" panose="02040503050406030204" pitchFamily="18" charset="0"/>
-                              </a:rPr>
-                              <m:t>𝑃</m:t>
-                            </m:r>
-                          </m:e>
-                          <m:sub>
-                            <m:r>
-                              <a:rPr lang="en-US" b="0" i="1" smtClean="0">
-                                <a:latin typeface="Cambria Math" panose="02040503050406030204" pitchFamily="18" charset="0"/>
-                              </a:rPr>
-                              <m:t>𝑖</m:t>
-                            </m:r>
-                          </m:sub>
-                        </m:sSub>
-                        <m:func>
-                          <m:funcPr>
-                            <m:ctrlPr>
-                              <a:rPr lang="en-US" b="0" i="1" smtClean="0">
-                                <a:latin typeface="Cambria Math" panose="02040503050406030204" pitchFamily="18" charset="0"/>
-                              </a:rPr>
-                            </m:ctrlPr>
-                          </m:funcPr>
-                          <m:fName>
-                            <m:r>
-                              <m:rPr>
-                                <m:sty m:val="p"/>
-                              </m:rPr>
-                              <a:rPr lang="en-US" b="0" i="0" smtClean="0">
-                                <a:latin typeface="Cambria Math" panose="02040503050406030204" pitchFamily="18" charset="0"/>
-                              </a:rPr>
-                              <m:t>log</m:t>
-                            </m:r>
-                          </m:fName>
-                          <m:e>
-                            <m:r>
-                              <a:rPr lang="en-US" b="0" i="1" smtClean="0">
-                                <a:latin typeface="Cambria Math" panose="02040503050406030204" pitchFamily="18" charset="0"/>
-                              </a:rPr>
-                              <m:t>(</m:t>
-                            </m:r>
-                            <m:sSub>
-                              <m:sSubPr>
-                                <m:ctrlPr>
-                                  <a:rPr lang="en-US" b="0" i="1" smtClean="0">
-                                    <a:latin typeface="Cambria Math" panose="02040503050406030204" pitchFamily="18" charset="0"/>
-                                  </a:rPr>
-                                </m:ctrlPr>
-                              </m:sSubPr>
-                              <m:e>
-                                <m:r>
-                                  <a:rPr lang="en-US" b="0" i="1" smtClean="0">
-                                    <a:latin typeface="Cambria Math" panose="02040503050406030204" pitchFamily="18" charset="0"/>
-                                  </a:rPr>
-                                  <m:t>𝑃</m:t>
-                                </m:r>
-                              </m:e>
-                              <m:sub>
-                                <m:r>
-                                  <a:rPr lang="en-US" b="0" i="1" smtClean="0">
-                                    <a:latin typeface="Cambria Math" panose="02040503050406030204" pitchFamily="18" charset="0"/>
-                                  </a:rPr>
-                                  <m:t>𝑖</m:t>
-                                </m:r>
-                              </m:sub>
-                            </m:sSub>
-                            <m:r>
-                              <a:rPr lang="en-US" b="0" i="1" smtClean="0">
-                                <a:latin typeface="Cambria Math" panose="02040503050406030204" pitchFamily="18" charset="0"/>
-                              </a:rPr>
-                              <m:t>)</m:t>
-                            </m:r>
-                          </m:e>
-                        </m:func>
-                      </m:e>
-                    </m:nary>
-                  </m:oMath>
-                </a14:m>
-                <a:r>
-                  <a:rPr lang="en-US" dirty="0"/>
-                  <a:t> where </a:t>
-                </a:r>
-                <a:r>
-                  <a:rPr lang="en-US" dirty="0" err="1"/>
-                  <a:t>i</a:t>
-                </a:r>
-                <a:r>
-                  <a:rPr lang="en-US" dirty="0"/>
-                  <a:t> is the index of category</a:t>
-                </a:r>
-              </a:p>
-              <a:p>
-                <a:endParaRPr lang="en-US" dirty="0"/>
-              </a:p>
-            </p:txBody>
-          </p:sp>
-        </mc:Choice>
-        <mc:Fallback xmlns="">
-          <p:sp>
-            <p:nvSpPr>
-              <p:cNvPr id="3" name="Content Placeholder 2">
-                <a:extLst>
-                  <a:ext uri="{FF2B5EF4-FFF2-40B4-BE49-F238E27FC236}">
-                    <a16:creationId xmlns:a16="http://schemas.microsoft.com/office/drawing/2014/main" id="{A7894458-4DE2-4131-BE89-29707F76907A}"/>
-                  </a:ext>
-                </a:extLst>
-              </p:cNvPr>
-              <p:cNvSpPr>
-                <a:spLocks noGrp="1" noRot="1" noChangeAspect="1" noMove="1" noResize="1" noEditPoints="1" noAdjustHandles="1" noChangeArrowheads="1" noChangeShapeType="1" noTextEdit="1"/>
-              </p:cNvSpPr>
-              <p:nvPr>
-                <p:ph idx="1"/>
-              </p:nvPr>
-            </p:nvSpPr>
-            <p:spPr>
-              <a:blipFill>
-                <a:blip r:embed="rId2"/>
-                <a:stretch>
-                  <a:fillRect l="-1043" t="-2241"/>
-                </a:stretch>
-              </a:blipFill>
-            </p:spPr>
-            <p:txBody>
-              <a:bodyPr/>
-              <a:lstStyle/>
-              <a:p>
-                <a:r>
-                  <a:rPr lang="en-US">
-                    <a:noFill/>
-                  </a:rPr>
-                  <a:t> </a:t>
-                </a:r>
-              </a:p>
-            </p:txBody>
-          </p:sp>
-        </mc:Fallback>
-      </mc:AlternateContent>
-    </p:spTree>
-    <p:extLst>
-      <p:ext uri="{BB962C8B-B14F-4D97-AF65-F5344CB8AC3E}">
-        <p14:creationId xmlns:p14="http://schemas.microsoft.com/office/powerpoint/2010/main" val="1103686836"/>
-      </p:ext>
-    </p:extLst>
-  </p:cSld>
-  <p:clrMapOvr>
-    <a:masterClrMapping/>
-  </p:clrMapOvr>
-</p:sld>
-</file>
-
 <file path=ppt/theme/theme1.xml><?xml version="1.0" encoding="utf-8"?>
 <a:theme xmlns:a="http://schemas.openxmlformats.org/drawingml/2006/main" name="Office Theme">
   <a:themeElements>

--- a/Decision_tree_and_Random_forest.pptx
+++ b/Decision_tree_and_Random_forest.pptx
@@ -13,12 +13,17 @@
     <p:sldId id="272" r:id="rId7"/>
     <p:sldId id="273" r:id="rId8"/>
     <p:sldId id="259" r:id="rId9"/>
-    <p:sldId id="265" r:id="rId10"/>
-    <p:sldId id="264" r:id="rId11"/>
-    <p:sldId id="266" r:id="rId12"/>
-    <p:sldId id="267" r:id="rId13"/>
-    <p:sldId id="270" r:id="rId14"/>
-    <p:sldId id="271" r:id="rId15"/>
+    <p:sldId id="274" r:id="rId10"/>
+    <p:sldId id="275" r:id="rId11"/>
+    <p:sldId id="265" r:id="rId12"/>
+    <p:sldId id="264" r:id="rId13"/>
+    <p:sldId id="266" r:id="rId14"/>
+    <p:sldId id="267" r:id="rId15"/>
+    <p:sldId id="270" r:id="rId16"/>
+    <p:sldId id="271" r:id="rId17"/>
+    <p:sldId id="278" r:id="rId18"/>
+    <p:sldId id="276" r:id="rId19"/>
+    <p:sldId id="277" r:id="rId20"/>
   </p:sldIdLst>
   <p:sldSz cx="12192000" cy="6858000"/>
   <p:notesSz cx="6858000" cy="9144000"/>
@@ -3446,6 +3451,2457 @@
           <p:cNvPr id="2" name="Title 1">
             <a:extLst>
               <a:ext uri="{FF2B5EF4-FFF2-40B4-BE49-F238E27FC236}">
+                <a16:creationId xmlns:a16="http://schemas.microsoft.com/office/drawing/2014/main" id="{3490AF22-1554-4359-9FC6-D1BC178F8F13}"/>
+              </a:ext>
+            </a:extLst>
+          </p:cNvPr>
+          <p:cNvSpPr>
+            <a:spLocks noGrp="1"/>
+          </p:cNvSpPr>
+          <p:nvPr>
+            <p:ph type="title"/>
+          </p:nvPr>
+        </p:nvSpPr>
+        <p:spPr/>
+        <p:txBody>
+          <a:bodyPr/>
+          <a:lstStyle/>
+          <a:p>
+            <a:r>
+              <a:rPr lang="en-US" dirty="0"/>
+              <a:t>Type of output (dependent variable y)</a:t>
+            </a:r>
+          </a:p>
+        </p:txBody>
+      </p:sp>
+      <p:sp>
+        <p:nvSpPr>
+          <p:cNvPr id="3" name="Content Placeholder 2">
+            <a:extLst>
+              <a:ext uri="{FF2B5EF4-FFF2-40B4-BE49-F238E27FC236}">
+                <a16:creationId xmlns:a16="http://schemas.microsoft.com/office/drawing/2014/main" id="{E046B9EF-940F-45F5-8934-6A6F74DE6F35}"/>
+              </a:ext>
+            </a:extLst>
+          </p:cNvPr>
+          <p:cNvSpPr>
+            <a:spLocks noGrp="1"/>
+          </p:cNvSpPr>
+          <p:nvPr>
+            <p:ph idx="1"/>
+          </p:nvPr>
+        </p:nvSpPr>
+        <p:spPr/>
+        <p:txBody>
+          <a:bodyPr/>
+          <a:lstStyle/>
+          <a:p>
+            <a:r>
+              <a:rPr lang="en-US" dirty="0"/>
+              <a:t>Regression Tree: continuous y</a:t>
+            </a:r>
+          </a:p>
+          <a:p>
+            <a:endParaRPr lang="en-US" dirty="0"/>
+          </a:p>
+        </p:txBody>
+      </p:sp>
+      <p:grpSp>
+        <p:nvGrpSpPr>
+          <p:cNvPr id="4" name="Group 3">
+            <a:extLst>
+              <a:ext uri="{FF2B5EF4-FFF2-40B4-BE49-F238E27FC236}">
+                <a16:creationId xmlns:a16="http://schemas.microsoft.com/office/drawing/2014/main" id="{F1506120-5B55-49AD-A686-667BF8317C2B}"/>
+              </a:ext>
+            </a:extLst>
+          </p:cNvPr>
+          <p:cNvGrpSpPr/>
+          <p:nvPr/>
+        </p:nvGrpSpPr>
+        <p:grpSpPr>
+          <a:xfrm>
+            <a:off x="2898913" y="2999547"/>
+            <a:ext cx="6394174" cy="3312353"/>
+            <a:chOff x="2577547" y="3349486"/>
+            <a:chExt cx="6394174" cy="3312353"/>
+          </a:xfrm>
+          <a:solidFill>
+            <a:schemeClr val="tx1"/>
+          </a:solidFill>
+        </p:grpSpPr>
+        <p:grpSp>
+          <p:nvGrpSpPr>
+            <p:cNvPr id="5" name="Group 4">
+              <a:extLst>
+                <a:ext uri="{FF2B5EF4-FFF2-40B4-BE49-F238E27FC236}">
+                  <a16:creationId xmlns:a16="http://schemas.microsoft.com/office/drawing/2014/main" id="{367860C1-F762-47A8-AED9-58BD947D1FC8}"/>
+                </a:ext>
+              </a:extLst>
+            </p:cNvPr>
+            <p:cNvGrpSpPr/>
+            <p:nvPr/>
+          </p:nvGrpSpPr>
+          <p:grpSpPr>
+            <a:xfrm>
+              <a:off x="4244008" y="3349486"/>
+              <a:ext cx="3061252" cy="993913"/>
+              <a:chOff x="4204252" y="3180521"/>
+              <a:chExt cx="3061252" cy="993913"/>
+            </a:xfrm>
+            <a:grpFill/>
+          </p:grpSpPr>
+          <p:sp>
+            <p:nvSpPr>
+              <p:cNvPr id="16" name="Rectangle 15">
+                <a:extLst>
+                  <a:ext uri="{FF2B5EF4-FFF2-40B4-BE49-F238E27FC236}">
+                    <a16:creationId xmlns:a16="http://schemas.microsoft.com/office/drawing/2014/main" id="{5ADCEE7D-43C3-469E-BB86-430117A5E477}"/>
+                  </a:ext>
+                </a:extLst>
+              </p:cNvPr>
+              <p:cNvSpPr/>
+              <p:nvPr/>
+            </p:nvSpPr>
+            <p:spPr>
+              <a:xfrm>
+                <a:off x="4204252" y="3180521"/>
+                <a:ext cx="3061252" cy="993913"/>
+              </a:xfrm>
+              <a:prstGeom prst="rect">
+                <a:avLst/>
+              </a:prstGeom>
+              <a:grpFill/>
+            </p:spPr>
+            <p:style>
+              <a:lnRef idx="2">
+                <a:schemeClr val="dk1">
+                  <a:shade val="50000"/>
+                </a:schemeClr>
+              </a:lnRef>
+              <a:fillRef idx="1">
+                <a:schemeClr val="dk1"/>
+              </a:fillRef>
+              <a:effectRef idx="0">
+                <a:schemeClr val="dk1"/>
+              </a:effectRef>
+              <a:fontRef idx="minor">
+                <a:schemeClr val="lt1"/>
+              </a:fontRef>
+            </p:style>
+            <p:txBody>
+              <a:bodyPr rtlCol="0" anchor="ctr"/>
+              <a:lstStyle/>
+              <a:p>
+                <a:pPr algn="ctr"/>
+                <a:endParaRPr lang="en-US"/>
+              </a:p>
+            </p:txBody>
+          </p:sp>
+          <mc:AlternateContent xmlns:mc="http://schemas.openxmlformats.org/markup-compatibility/2006">
+            <mc:Choice xmlns:a14="http://schemas.microsoft.com/office/drawing/2010/main" Requires="a14">
+              <p:sp>
+                <p:nvSpPr>
+                  <p:cNvPr id="17" name="TextBox 16">
+                    <a:extLst>
+                      <a:ext uri="{FF2B5EF4-FFF2-40B4-BE49-F238E27FC236}">
+                        <a16:creationId xmlns:a16="http://schemas.microsoft.com/office/drawing/2014/main" id="{3D408EBC-9672-4B50-B017-D084048A4FFF}"/>
+                      </a:ext>
+                    </a:extLst>
+                  </p:cNvPr>
+                  <p:cNvSpPr txBox="1"/>
+                  <p:nvPr/>
+                </p:nvSpPr>
+                <p:spPr>
+                  <a:xfrm>
+                    <a:off x="4472608" y="3388233"/>
+                    <a:ext cx="2524539" cy="553998"/>
+                  </a:xfrm>
+                  <a:prstGeom prst="rect">
+                    <a:avLst/>
+                  </a:prstGeom>
+                  <a:grpFill/>
+                </p:spPr>
+                <p:txBody>
+                  <a:bodyPr wrap="square" rtlCol="0">
+                    <a:spAutoFit/>
+                  </a:bodyPr>
+                  <a:lstStyle/>
+                  <a:p>
+                    <a:pPr algn="ctr"/>
+                    <a14:m>
+                      <m:oMathPara xmlns:m="http://schemas.openxmlformats.org/officeDocument/2006/math">
+                        <m:oMathParaPr>
+                          <m:jc m:val="centerGroup"/>
+                        </m:oMathParaPr>
+                        <m:oMath xmlns:m="http://schemas.openxmlformats.org/officeDocument/2006/math">
+                          <m:sSub>
+                            <m:sSubPr>
+                              <m:ctrlPr>
+                                <a:rPr lang="en-US" sz="3000" b="1" smtClean="0">
+                                  <a:solidFill>
+                                    <a:schemeClr val="bg1"/>
+                                  </a:solidFill>
+                                  <a:latin typeface="Cambria Math" panose="02040503050406030204" pitchFamily="18" charset="0"/>
+                                </a:rPr>
+                              </m:ctrlPr>
+                            </m:sSubPr>
+                            <m:e>
+                              <m:r>
+                                <a:rPr lang="en-US" sz="3000" b="1" i="0" smtClean="0">
+                                  <a:solidFill>
+                                    <a:schemeClr val="bg1"/>
+                                  </a:solidFill>
+                                  <a:latin typeface="Cambria Math" panose="02040503050406030204" pitchFamily="18" charset="0"/>
+                                </a:rPr>
+                                <m:t>𝐗</m:t>
+                              </m:r>
+                            </m:e>
+                            <m:sub>
+                              <m:r>
+                                <a:rPr lang="en-US" sz="3000" b="1" i="0" smtClean="0">
+                                  <a:solidFill>
+                                    <a:schemeClr val="bg1"/>
+                                  </a:solidFill>
+                                  <a:latin typeface="Cambria Math" panose="02040503050406030204" pitchFamily="18" charset="0"/>
+                                </a:rPr>
+                                <m:t>𝟏</m:t>
+                              </m:r>
+                            </m:sub>
+                          </m:sSub>
+                        </m:oMath>
+                      </m:oMathPara>
+                    </a14:m>
+                    <a:endParaRPr lang="en-US" sz="3000" b="1" dirty="0">
+                      <a:solidFill>
+                        <a:schemeClr val="bg1"/>
+                      </a:solidFill>
+                    </a:endParaRPr>
+                  </a:p>
+                </p:txBody>
+              </p:sp>
+            </mc:Choice>
+            <mc:Fallback>
+              <p:sp>
+                <p:nvSpPr>
+                  <p:cNvPr id="17" name="TextBox 16">
+                    <a:extLst>
+                      <a:ext uri="{FF2B5EF4-FFF2-40B4-BE49-F238E27FC236}">
+                        <a16:creationId xmlns:a16="http://schemas.microsoft.com/office/drawing/2014/main" id="{3D408EBC-9672-4B50-B017-D084048A4FFF}"/>
+                      </a:ext>
+                    </a:extLst>
+                  </p:cNvPr>
+                  <p:cNvSpPr txBox="1">
+                    <a:spLocks noRot="1" noChangeAspect="1" noMove="1" noResize="1" noEditPoints="1" noAdjustHandles="1" noChangeArrowheads="1" noChangeShapeType="1" noTextEdit="1"/>
+                  </p:cNvSpPr>
+                  <p:nvPr/>
+                </p:nvSpPr>
+                <p:spPr>
+                  <a:xfrm>
+                    <a:off x="4472608" y="3388233"/>
+                    <a:ext cx="2524539" cy="553998"/>
+                  </a:xfrm>
+                  <a:prstGeom prst="rect">
+                    <a:avLst/>
+                  </a:prstGeom>
+                  <a:blipFill>
+                    <a:blip r:embed="rId2"/>
+                    <a:stretch>
+                      <a:fillRect/>
+                    </a:stretch>
+                  </a:blipFill>
+                </p:spPr>
+                <p:txBody>
+                  <a:bodyPr/>
+                  <a:lstStyle/>
+                  <a:p>
+                    <a:r>
+                      <a:rPr lang="en-US">
+                        <a:noFill/>
+                      </a:rPr>
+                      <a:t> </a:t>
+                    </a:r>
+                  </a:p>
+                </p:txBody>
+              </p:sp>
+            </mc:Fallback>
+          </mc:AlternateContent>
+        </p:grpSp>
+        <p:grpSp>
+          <p:nvGrpSpPr>
+            <p:cNvPr id="6" name="Group 5">
+              <a:extLst>
+                <a:ext uri="{FF2B5EF4-FFF2-40B4-BE49-F238E27FC236}">
+                  <a16:creationId xmlns:a16="http://schemas.microsoft.com/office/drawing/2014/main" id="{611E45FE-ABE8-4029-80DB-80CB2ABBBB41}"/>
+                </a:ext>
+              </a:extLst>
+            </p:cNvPr>
+            <p:cNvGrpSpPr/>
+            <p:nvPr/>
+          </p:nvGrpSpPr>
+          <p:grpSpPr>
+            <a:xfrm>
+              <a:off x="7305260" y="4995378"/>
+              <a:ext cx="1666461" cy="1666461"/>
+              <a:chOff x="2100469" y="4645439"/>
+              <a:chExt cx="1666461" cy="1666461"/>
+            </a:xfrm>
+            <a:grpFill/>
+          </p:grpSpPr>
+          <p:sp>
+            <p:nvSpPr>
+              <p:cNvPr id="14" name="Oval 13">
+                <a:extLst>
+                  <a:ext uri="{FF2B5EF4-FFF2-40B4-BE49-F238E27FC236}">
+                    <a16:creationId xmlns:a16="http://schemas.microsoft.com/office/drawing/2014/main" id="{6ADA609D-B87F-45AE-A667-4D877D347EF1}"/>
+                  </a:ext>
+                </a:extLst>
+              </p:cNvPr>
+              <p:cNvSpPr/>
+              <p:nvPr/>
+            </p:nvSpPr>
+            <p:spPr>
+              <a:xfrm>
+                <a:off x="2100469" y="4645439"/>
+                <a:ext cx="1666461" cy="1666461"/>
+              </a:xfrm>
+              <a:prstGeom prst="ellipse">
+                <a:avLst/>
+              </a:prstGeom>
+              <a:grpFill/>
+            </p:spPr>
+            <p:style>
+              <a:lnRef idx="2">
+                <a:schemeClr val="dk1">
+                  <a:shade val="50000"/>
+                </a:schemeClr>
+              </a:lnRef>
+              <a:fillRef idx="1">
+                <a:schemeClr val="dk1"/>
+              </a:fillRef>
+              <a:effectRef idx="0">
+                <a:schemeClr val="dk1"/>
+              </a:effectRef>
+              <a:fontRef idx="minor">
+                <a:schemeClr val="lt1"/>
+              </a:fontRef>
+            </p:style>
+            <p:txBody>
+              <a:bodyPr rtlCol="0" anchor="ctr"/>
+              <a:lstStyle/>
+              <a:p>
+                <a:pPr algn="ctr"/>
+                <a:endParaRPr lang="en-US"/>
+              </a:p>
+            </p:txBody>
+          </p:sp>
+          <p:sp>
+            <p:nvSpPr>
+              <p:cNvPr id="15" name="TextBox 14">
+                <a:extLst>
+                  <a:ext uri="{FF2B5EF4-FFF2-40B4-BE49-F238E27FC236}">
+                    <a16:creationId xmlns:a16="http://schemas.microsoft.com/office/drawing/2014/main" id="{B3C8FB0E-D226-467A-9122-D4721E5FB838}"/>
+                  </a:ext>
+                </a:extLst>
+              </p:cNvPr>
+              <p:cNvSpPr txBox="1"/>
+              <p:nvPr/>
+            </p:nvSpPr>
+            <p:spPr>
+              <a:xfrm>
+                <a:off x="2353627" y="5209040"/>
+                <a:ext cx="1282148" cy="553998"/>
+              </a:xfrm>
+              <a:prstGeom prst="rect">
+                <a:avLst/>
+              </a:prstGeom>
+              <a:grpFill/>
+            </p:spPr>
+            <p:txBody>
+              <a:bodyPr wrap="square" rtlCol="0">
+                <a:spAutoFit/>
+              </a:bodyPr>
+              <a:lstStyle/>
+              <a:p>
+                <a:r>
+                  <a:rPr lang="en-US" sz="3000" b="1" dirty="0">
+                    <a:solidFill>
+                      <a:schemeClr val="bg1"/>
+                    </a:solidFill>
+                  </a:rPr>
+                  <a:t>Y=3.45</a:t>
+                </a:r>
+              </a:p>
+            </p:txBody>
+          </p:sp>
+        </p:grpSp>
+        <p:grpSp>
+          <p:nvGrpSpPr>
+            <p:cNvPr id="7" name="Group 6">
+              <a:extLst>
+                <a:ext uri="{FF2B5EF4-FFF2-40B4-BE49-F238E27FC236}">
+                  <a16:creationId xmlns:a16="http://schemas.microsoft.com/office/drawing/2014/main" id="{90B1DB84-B6A1-4C34-B982-E914F686CB2E}"/>
+                </a:ext>
+              </a:extLst>
+            </p:cNvPr>
+            <p:cNvGrpSpPr/>
+            <p:nvPr/>
+          </p:nvGrpSpPr>
+          <p:grpSpPr>
+            <a:xfrm>
+              <a:off x="2577547" y="4995378"/>
+              <a:ext cx="1666461" cy="1666461"/>
+              <a:chOff x="2100469" y="4645438"/>
+              <a:chExt cx="1666461" cy="1666461"/>
+            </a:xfrm>
+            <a:grpFill/>
+          </p:grpSpPr>
+          <p:sp>
+            <p:nvSpPr>
+              <p:cNvPr id="12" name="Oval 11">
+                <a:extLst>
+                  <a:ext uri="{FF2B5EF4-FFF2-40B4-BE49-F238E27FC236}">
+                    <a16:creationId xmlns:a16="http://schemas.microsoft.com/office/drawing/2014/main" id="{591F78F6-0AAF-4966-A781-90CB88FAE20E}"/>
+                  </a:ext>
+                </a:extLst>
+              </p:cNvPr>
+              <p:cNvSpPr/>
+              <p:nvPr/>
+            </p:nvSpPr>
+            <p:spPr>
+              <a:xfrm>
+                <a:off x="2100469" y="4645438"/>
+                <a:ext cx="1666461" cy="1666461"/>
+              </a:xfrm>
+              <a:prstGeom prst="ellipse">
+                <a:avLst/>
+              </a:prstGeom>
+              <a:grpFill/>
+            </p:spPr>
+            <p:style>
+              <a:lnRef idx="2">
+                <a:schemeClr val="dk1">
+                  <a:shade val="50000"/>
+                </a:schemeClr>
+              </a:lnRef>
+              <a:fillRef idx="1">
+                <a:schemeClr val="dk1"/>
+              </a:fillRef>
+              <a:effectRef idx="0">
+                <a:schemeClr val="dk1"/>
+              </a:effectRef>
+              <a:fontRef idx="minor">
+                <a:schemeClr val="lt1"/>
+              </a:fontRef>
+            </p:style>
+            <p:txBody>
+              <a:bodyPr rtlCol="0" anchor="ctr"/>
+              <a:lstStyle/>
+              <a:p>
+                <a:pPr algn="ctr"/>
+                <a:endParaRPr lang="en-US"/>
+              </a:p>
+            </p:txBody>
+          </p:sp>
+          <p:sp>
+            <p:nvSpPr>
+              <p:cNvPr id="13" name="TextBox 12">
+                <a:extLst>
+                  <a:ext uri="{FF2B5EF4-FFF2-40B4-BE49-F238E27FC236}">
+                    <a16:creationId xmlns:a16="http://schemas.microsoft.com/office/drawing/2014/main" id="{B7DE5B2B-EEBB-4643-90A5-3FFA523DF57A}"/>
+                  </a:ext>
+                </a:extLst>
+              </p:cNvPr>
+              <p:cNvSpPr txBox="1"/>
+              <p:nvPr/>
+            </p:nvSpPr>
+            <p:spPr>
+              <a:xfrm>
+                <a:off x="2265343" y="5201669"/>
+                <a:ext cx="1336712" cy="553998"/>
+              </a:xfrm>
+              <a:prstGeom prst="rect">
+                <a:avLst/>
+              </a:prstGeom>
+              <a:grpFill/>
+            </p:spPr>
+            <p:txBody>
+              <a:bodyPr wrap="square" rtlCol="0">
+                <a:spAutoFit/>
+              </a:bodyPr>
+              <a:lstStyle/>
+              <a:p>
+                <a:pPr algn="ctr"/>
+                <a:r>
+                  <a:rPr lang="en-US" sz="3000" b="1" dirty="0">
+                    <a:solidFill>
+                      <a:schemeClr val="bg1"/>
+                    </a:solidFill>
+                  </a:rPr>
+                  <a:t>Y=4.34</a:t>
+                </a:r>
+              </a:p>
+            </p:txBody>
+          </p:sp>
+        </p:grpSp>
+        <p:cxnSp>
+          <p:nvCxnSpPr>
+            <p:cNvPr id="8" name="Straight Arrow Connector 7">
+              <a:extLst>
+                <a:ext uri="{FF2B5EF4-FFF2-40B4-BE49-F238E27FC236}">
+                  <a16:creationId xmlns:a16="http://schemas.microsoft.com/office/drawing/2014/main" id="{EFAF46DA-6F8E-4394-AEEF-B46D6B0682C2}"/>
+                </a:ext>
+              </a:extLst>
+            </p:cNvPr>
+            <p:cNvCxnSpPr/>
+            <p:nvPr/>
+          </p:nvCxnSpPr>
+          <p:spPr>
+            <a:xfrm flipH="1">
+              <a:off x="4393095" y="4671391"/>
+              <a:ext cx="1252331" cy="576470"/>
+            </a:xfrm>
+            <a:prstGeom prst="straightConnector1">
+              <a:avLst/>
+            </a:prstGeom>
+            <a:grpFill/>
+            <a:ln w="57150">
+              <a:tailEnd type="triangle"/>
+            </a:ln>
+          </p:spPr>
+          <p:style>
+            <a:lnRef idx="1">
+              <a:schemeClr val="dk1"/>
+            </a:lnRef>
+            <a:fillRef idx="0">
+              <a:schemeClr val="dk1"/>
+            </a:fillRef>
+            <a:effectRef idx="0">
+              <a:schemeClr val="dk1"/>
+            </a:effectRef>
+            <a:fontRef idx="minor">
+              <a:schemeClr val="tx1"/>
+            </a:fontRef>
+          </p:style>
+        </p:cxnSp>
+        <p:cxnSp>
+          <p:nvCxnSpPr>
+            <p:cNvPr id="9" name="Straight Arrow Connector 8">
+              <a:extLst>
+                <a:ext uri="{FF2B5EF4-FFF2-40B4-BE49-F238E27FC236}">
+                  <a16:creationId xmlns:a16="http://schemas.microsoft.com/office/drawing/2014/main" id="{F79566AA-3B9D-48F7-8A0E-B9BF62649541}"/>
+                </a:ext>
+              </a:extLst>
+            </p:cNvPr>
+            <p:cNvCxnSpPr>
+              <a:cxnSpLocks/>
+            </p:cNvCxnSpPr>
+            <p:nvPr/>
+          </p:nvCxnSpPr>
+          <p:spPr>
+            <a:xfrm>
+              <a:off x="5953538" y="4671391"/>
+              <a:ext cx="1162879" cy="576470"/>
+            </a:xfrm>
+            <a:prstGeom prst="straightConnector1">
+              <a:avLst/>
+            </a:prstGeom>
+            <a:grpFill/>
+            <a:ln w="57150">
+              <a:tailEnd type="triangle"/>
+            </a:ln>
+          </p:spPr>
+          <p:style>
+            <a:lnRef idx="1">
+              <a:schemeClr val="dk1"/>
+            </a:lnRef>
+            <a:fillRef idx="0">
+              <a:schemeClr val="dk1"/>
+            </a:fillRef>
+            <a:effectRef idx="0">
+              <a:schemeClr val="dk1"/>
+            </a:effectRef>
+            <a:fontRef idx="minor">
+              <a:schemeClr val="tx1"/>
+            </a:fontRef>
+          </p:style>
+        </p:cxnSp>
+        <mc:AlternateContent xmlns:mc="http://schemas.openxmlformats.org/markup-compatibility/2006">
+          <mc:Choice xmlns:a14="http://schemas.microsoft.com/office/drawing/2010/main" Requires="a14">
+            <p:sp>
+              <p:nvSpPr>
+                <p:cNvPr id="10" name="TextBox 9">
+                  <a:extLst>
+                    <a:ext uri="{FF2B5EF4-FFF2-40B4-BE49-F238E27FC236}">
+                      <a16:creationId xmlns:a16="http://schemas.microsoft.com/office/drawing/2014/main" id="{A3C1C13A-58C5-48D4-85CB-18F4FBE7EF7C}"/>
+                    </a:ext>
+                  </a:extLst>
+                </p:cNvPr>
+                <p:cNvSpPr txBox="1"/>
+                <p:nvPr/>
+              </p:nvSpPr>
+              <p:spPr>
+                <a:xfrm>
+                  <a:off x="4303643" y="4551111"/>
+                  <a:ext cx="1341783" cy="369332"/>
+                </a:xfrm>
+                <a:prstGeom prst="rect">
+                  <a:avLst/>
+                </a:prstGeom>
+                <a:noFill/>
+              </p:spPr>
+              <p:txBody>
+                <a:bodyPr wrap="square" rtlCol="0">
+                  <a:spAutoFit/>
+                </a:bodyPr>
+                <a:lstStyle/>
+                <a:p>
+                  <a14:m>
+                    <m:oMath xmlns:m="http://schemas.openxmlformats.org/officeDocument/2006/math">
+                      <m:sSub>
+                        <m:sSubPr>
+                          <m:ctrlPr>
+                            <a:rPr lang="en-US" sz="1800" smtClean="0">
+                              <a:solidFill>
+                                <a:schemeClr val="tx1"/>
+                              </a:solidFill>
+                              <a:latin typeface="Cambria Math" panose="02040503050406030204" pitchFamily="18" charset="0"/>
+                            </a:rPr>
+                          </m:ctrlPr>
+                        </m:sSubPr>
+                        <m:e>
+                          <m:r>
+                            <m:rPr>
+                              <m:sty m:val="p"/>
+                            </m:rPr>
+                            <a:rPr lang="en-US" sz="1800" b="0" i="0" smtClean="0">
+                              <a:solidFill>
+                                <a:schemeClr val="tx1"/>
+                              </a:solidFill>
+                              <a:latin typeface="Cambria Math" panose="02040503050406030204" pitchFamily="18" charset="0"/>
+                            </a:rPr>
+                            <m:t>X</m:t>
+                          </m:r>
+                        </m:e>
+                        <m:sub>
+                          <m:r>
+                            <a:rPr lang="en-US" sz="1800" b="0" i="0" smtClean="0">
+                              <a:solidFill>
+                                <a:schemeClr val="tx1"/>
+                              </a:solidFill>
+                              <a:latin typeface="Cambria Math" panose="02040503050406030204" pitchFamily="18" charset="0"/>
+                            </a:rPr>
+                            <m:t>1</m:t>
+                          </m:r>
+                        </m:sub>
+                      </m:sSub>
+                    </m:oMath>
+                  </a14:m>
+                  <a:r>
+                    <a:rPr lang="en-US" dirty="0">
+                      <a:solidFill>
+                        <a:srgbClr val="303133"/>
+                      </a:solidFill>
+                      <a:latin typeface="Poppins"/>
+                    </a:rPr>
+                    <a:t>&gt;3.3</a:t>
+                  </a:r>
+                  <a:endParaRPr lang="en-US" b="0" i="0" dirty="0">
+                    <a:solidFill>
+                      <a:srgbClr val="303133"/>
+                    </a:solidFill>
+                    <a:effectLst/>
+                    <a:latin typeface="Poppins"/>
+                  </a:endParaRPr>
+                </a:p>
+              </p:txBody>
+            </p:sp>
+          </mc:Choice>
+          <mc:Fallback>
+            <p:sp>
+              <p:nvSpPr>
+                <p:cNvPr id="10" name="TextBox 9">
+                  <a:extLst>
+                    <a:ext uri="{FF2B5EF4-FFF2-40B4-BE49-F238E27FC236}">
+                      <a16:creationId xmlns:a16="http://schemas.microsoft.com/office/drawing/2014/main" id="{A3C1C13A-58C5-48D4-85CB-18F4FBE7EF7C}"/>
+                    </a:ext>
+                  </a:extLst>
+                </p:cNvPr>
+                <p:cNvSpPr txBox="1">
+                  <a:spLocks noRot="1" noChangeAspect="1" noMove="1" noResize="1" noEditPoints="1" noAdjustHandles="1" noChangeArrowheads="1" noChangeShapeType="1" noTextEdit="1"/>
+                </p:cNvSpPr>
+                <p:nvPr/>
+              </p:nvSpPr>
+              <p:spPr>
+                <a:xfrm>
+                  <a:off x="4303643" y="4551111"/>
+                  <a:ext cx="1341783" cy="369332"/>
+                </a:xfrm>
+                <a:prstGeom prst="rect">
+                  <a:avLst/>
+                </a:prstGeom>
+                <a:blipFill>
+                  <a:blip r:embed="rId3"/>
+                  <a:stretch>
+                    <a:fillRect t="-8197" b="-24590"/>
+                  </a:stretch>
+                </a:blipFill>
+              </p:spPr>
+              <p:txBody>
+                <a:bodyPr/>
+                <a:lstStyle/>
+                <a:p>
+                  <a:r>
+                    <a:rPr lang="en-US">
+                      <a:noFill/>
+                    </a:rPr>
+                    <a:t> </a:t>
+                  </a:r>
+                </a:p>
+              </p:txBody>
+            </p:sp>
+          </mc:Fallback>
+        </mc:AlternateContent>
+        <mc:AlternateContent xmlns:mc="http://schemas.openxmlformats.org/markup-compatibility/2006">
+          <mc:Choice xmlns:a14="http://schemas.microsoft.com/office/drawing/2010/main" Requires="a14">
+            <p:sp>
+              <p:nvSpPr>
+                <p:cNvPr id="11" name="TextBox 10">
+                  <a:extLst>
+                    <a:ext uri="{FF2B5EF4-FFF2-40B4-BE49-F238E27FC236}">
+                      <a16:creationId xmlns:a16="http://schemas.microsoft.com/office/drawing/2014/main" id="{3CEEC636-DA8F-467E-A815-AD355C0DF73B}"/>
+                    </a:ext>
+                  </a:extLst>
+                </p:cNvPr>
+                <p:cNvSpPr txBox="1"/>
+                <p:nvPr/>
+              </p:nvSpPr>
+              <p:spPr>
+                <a:xfrm>
+                  <a:off x="6412105" y="4534269"/>
+                  <a:ext cx="1341783" cy="369332"/>
+                </a:xfrm>
+                <a:prstGeom prst="rect">
+                  <a:avLst/>
+                </a:prstGeom>
+                <a:noFill/>
+              </p:spPr>
+              <p:txBody>
+                <a:bodyPr wrap="square" rtlCol="0">
+                  <a:spAutoFit/>
+                </a:bodyPr>
+                <a:lstStyle/>
+                <a:p>
+                  <a14:m>
+                    <m:oMath xmlns:m="http://schemas.openxmlformats.org/officeDocument/2006/math">
+                      <m:sSub>
+                        <m:sSubPr>
+                          <m:ctrlPr>
+                            <a:rPr lang="en-US" sz="1800" smtClean="0">
+                              <a:solidFill>
+                                <a:schemeClr val="tx1"/>
+                              </a:solidFill>
+                              <a:latin typeface="Cambria Math" panose="02040503050406030204" pitchFamily="18" charset="0"/>
+                            </a:rPr>
+                          </m:ctrlPr>
+                        </m:sSubPr>
+                        <m:e>
+                          <m:r>
+                            <m:rPr>
+                              <m:sty m:val="p"/>
+                            </m:rPr>
+                            <a:rPr lang="en-US" sz="1800" b="0" i="0" smtClean="0">
+                              <a:solidFill>
+                                <a:schemeClr val="tx1"/>
+                              </a:solidFill>
+                              <a:latin typeface="Cambria Math" panose="02040503050406030204" pitchFamily="18" charset="0"/>
+                            </a:rPr>
+                            <m:t>X</m:t>
+                          </m:r>
+                        </m:e>
+                        <m:sub>
+                          <m:r>
+                            <a:rPr lang="en-US" sz="1800" b="0" i="0" smtClean="0">
+                              <a:solidFill>
+                                <a:schemeClr val="tx1"/>
+                              </a:solidFill>
+                              <a:latin typeface="Cambria Math" panose="02040503050406030204" pitchFamily="18" charset="0"/>
+                            </a:rPr>
+                            <m:t>1</m:t>
+                          </m:r>
+                        </m:sub>
+                      </m:sSub>
+                    </m:oMath>
+                  </a14:m>
+                  <a:r>
+                    <a:rPr lang="en-US" dirty="0">
+                      <a:solidFill>
+                        <a:srgbClr val="303133"/>
+                      </a:solidFill>
+                      <a:latin typeface="Poppins"/>
+                    </a:rPr>
+                    <a:t>&lt;=3.3</a:t>
+                  </a:r>
+                  <a:endParaRPr lang="en-US" b="0" i="0" dirty="0">
+                    <a:solidFill>
+                      <a:srgbClr val="303133"/>
+                    </a:solidFill>
+                    <a:effectLst/>
+                    <a:latin typeface="Poppins"/>
+                  </a:endParaRPr>
+                </a:p>
+              </p:txBody>
+            </p:sp>
+          </mc:Choice>
+          <mc:Fallback>
+            <p:sp>
+              <p:nvSpPr>
+                <p:cNvPr id="11" name="TextBox 10">
+                  <a:extLst>
+                    <a:ext uri="{FF2B5EF4-FFF2-40B4-BE49-F238E27FC236}">
+                      <a16:creationId xmlns:a16="http://schemas.microsoft.com/office/drawing/2014/main" id="{3CEEC636-DA8F-467E-A815-AD355C0DF73B}"/>
+                    </a:ext>
+                  </a:extLst>
+                </p:cNvPr>
+                <p:cNvSpPr txBox="1">
+                  <a:spLocks noRot="1" noChangeAspect="1" noMove="1" noResize="1" noEditPoints="1" noAdjustHandles="1" noChangeArrowheads="1" noChangeShapeType="1" noTextEdit="1"/>
+                </p:cNvSpPr>
+                <p:nvPr/>
+              </p:nvSpPr>
+              <p:spPr>
+                <a:xfrm>
+                  <a:off x="6412105" y="4534269"/>
+                  <a:ext cx="1341783" cy="369332"/>
+                </a:xfrm>
+                <a:prstGeom prst="rect">
+                  <a:avLst/>
+                </a:prstGeom>
+                <a:blipFill>
+                  <a:blip r:embed="rId4"/>
+                  <a:stretch>
+                    <a:fillRect t="-8197" b="-24590"/>
+                  </a:stretch>
+                </a:blipFill>
+              </p:spPr>
+              <p:txBody>
+                <a:bodyPr/>
+                <a:lstStyle/>
+                <a:p>
+                  <a:r>
+                    <a:rPr lang="en-US">
+                      <a:noFill/>
+                    </a:rPr>
+                    <a:t> </a:t>
+                  </a:r>
+                </a:p>
+              </p:txBody>
+            </p:sp>
+          </mc:Fallback>
+        </mc:AlternateContent>
+      </p:grpSp>
+      <p:sp>
+        <p:nvSpPr>
+          <p:cNvPr id="18" name="Oval 17">
+            <a:extLst>
+              <a:ext uri="{FF2B5EF4-FFF2-40B4-BE49-F238E27FC236}">
+                <a16:creationId xmlns:a16="http://schemas.microsoft.com/office/drawing/2014/main" id="{294A12D8-8E6B-40BB-93DD-708B0D35A232}"/>
+              </a:ext>
+            </a:extLst>
+          </p:cNvPr>
+          <p:cNvSpPr/>
+          <p:nvPr/>
+        </p:nvSpPr>
+        <p:spPr>
+          <a:xfrm>
+            <a:off x="1869258" y="4363053"/>
+            <a:ext cx="8443666" cy="2329977"/>
+          </a:xfrm>
+          <a:prstGeom prst="ellipse">
+            <a:avLst/>
+          </a:prstGeom>
+          <a:noFill/>
+          <a:ln w="28575">
+            <a:solidFill>
+              <a:srgbClr val="FF0000"/>
+            </a:solidFill>
+          </a:ln>
+        </p:spPr>
+        <p:style>
+          <a:lnRef idx="2">
+            <a:schemeClr val="accent1">
+              <a:shade val="50000"/>
+            </a:schemeClr>
+          </a:lnRef>
+          <a:fillRef idx="1">
+            <a:schemeClr val="accent1"/>
+          </a:fillRef>
+          <a:effectRef idx="0">
+            <a:schemeClr val="accent1"/>
+          </a:effectRef>
+          <a:fontRef idx="minor">
+            <a:schemeClr val="lt1"/>
+          </a:fontRef>
+        </p:style>
+        <p:txBody>
+          <a:bodyPr rtlCol="0" anchor="ctr"/>
+          <a:lstStyle/>
+          <a:p>
+            <a:pPr algn="ctr"/>
+            <a:endParaRPr lang="en-US"/>
+          </a:p>
+        </p:txBody>
+      </p:sp>
+    </p:spTree>
+    <p:extLst>
+      <p:ext uri="{BB962C8B-B14F-4D97-AF65-F5344CB8AC3E}">
+        <p14:creationId xmlns:p14="http://schemas.microsoft.com/office/powerpoint/2010/main" val="2097060202"/>
+      </p:ext>
+    </p:extLst>
+  </p:cSld>
+  <p:clrMapOvr>
+    <a:masterClrMapping/>
+  </p:clrMapOvr>
+  <p:timing>
+    <p:tnLst>
+      <p:par>
+        <p:cTn id="1" dur="indefinite" restart="never" nodeType="tmRoot">
+          <p:childTnLst>
+            <p:seq concurrent="1" nextAc="seek">
+              <p:cTn id="2" dur="indefinite" nodeType="mainSeq">
+                <p:childTnLst>
+                  <p:par>
+                    <p:cTn id="3" fill="hold">
+                      <p:stCondLst>
+                        <p:cond delay="indefinite"/>
+                      </p:stCondLst>
+                      <p:childTnLst>
+                        <p:par>
+                          <p:cTn id="4" fill="hold">
+                            <p:stCondLst>
+                              <p:cond delay="0"/>
+                            </p:stCondLst>
+                            <p:childTnLst>
+                              <p:par>
+                                <p:cTn id="5" presetID="10" presetClass="entr" presetSubtype="0" fill="hold" grpId="0" nodeType="clickEffect">
+                                  <p:stCondLst>
+                                    <p:cond delay="0"/>
+                                  </p:stCondLst>
+                                  <p:childTnLst>
+                                    <p:set>
+                                      <p:cBhvr>
+                                        <p:cTn id="6" dur="1" fill="hold">
+                                          <p:stCondLst>
+                                            <p:cond delay="0"/>
+                                          </p:stCondLst>
+                                        </p:cTn>
+                                        <p:tgtEl>
+                                          <p:spTgt spid="18"/>
+                                        </p:tgtEl>
+                                        <p:attrNameLst>
+                                          <p:attrName>style.visibility</p:attrName>
+                                        </p:attrNameLst>
+                                      </p:cBhvr>
+                                      <p:to>
+                                        <p:strVal val="visible"/>
+                                      </p:to>
+                                    </p:set>
+                                    <p:animEffect transition="in" filter="fade">
+                                      <p:cBhvr>
+                                        <p:cTn id="7" dur="500"/>
+                                        <p:tgtEl>
+                                          <p:spTgt spid="18"/>
+                                        </p:tgtEl>
+                                      </p:cBhvr>
+                                    </p:animEffect>
+                                  </p:childTnLst>
+                                </p:cTn>
+                              </p:par>
+                            </p:childTnLst>
+                          </p:cTn>
+                        </p:par>
+                      </p:childTnLst>
+                    </p:cTn>
+                  </p:par>
+                </p:childTnLst>
+              </p:cTn>
+              <p:prevCondLst>
+                <p:cond evt="onPrev" delay="0">
+                  <p:tgtEl>
+                    <p:sldTgt/>
+                  </p:tgtEl>
+                </p:cond>
+              </p:prevCondLst>
+              <p:nextCondLst>
+                <p:cond evt="onNext" delay="0">
+                  <p:tgtEl>
+                    <p:sldTgt/>
+                  </p:tgtEl>
+                </p:cond>
+              </p:nextCondLst>
+            </p:seq>
+          </p:childTnLst>
+        </p:cTn>
+      </p:par>
+    </p:tnLst>
+    <p:bldLst>
+      <p:bldP spid="18" grpId="0" animBg="1"/>
+    </p:bldLst>
+  </p:timing>
+</p:sld>
+</file>
+
+<file path=ppt/slides/slide11.xml><?xml version="1.0" encoding="utf-8"?>
+<p:sld xmlns:a="http://schemas.openxmlformats.org/drawingml/2006/main" xmlns:r="http://schemas.openxmlformats.org/officeDocument/2006/relationships" xmlns:p="http://schemas.openxmlformats.org/presentationml/2006/main">
+  <p:cSld>
+    <p:spTree>
+      <p:nvGrpSpPr>
+        <p:cNvPr id="1" name=""/>
+        <p:cNvGrpSpPr/>
+        <p:nvPr/>
+      </p:nvGrpSpPr>
+      <p:grpSpPr>
+        <a:xfrm>
+          <a:off x="0" y="0"/>
+          <a:ext cx="0" cy="0"/>
+          <a:chOff x="0" y="0"/>
+          <a:chExt cx="0" cy="0"/>
+        </a:xfrm>
+      </p:grpSpPr>
+      <p:sp>
+        <p:nvSpPr>
+          <p:cNvPr id="2" name="Title 1">
+            <a:extLst>
+              <a:ext uri="{FF2B5EF4-FFF2-40B4-BE49-F238E27FC236}">
+                <a16:creationId xmlns:a16="http://schemas.microsoft.com/office/drawing/2014/main" id="{453F0CD2-C49C-4A81-89FC-F9DA8B2D628A}"/>
+              </a:ext>
+            </a:extLst>
+          </p:cNvPr>
+          <p:cNvSpPr>
+            <a:spLocks noGrp="1"/>
+          </p:cNvSpPr>
+          <p:nvPr>
+            <p:ph type="title"/>
+          </p:nvPr>
+        </p:nvSpPr>
+        <p:spPr/>
+        <p:txBody>
+          <a:bodyPr/>
+          <a:lstStyle/>
+          <a:p>
+            <a:r>
+              <a:rPr lang="en-US" dirty="0"/>
+              <a:t>Summary of all types of Decision Tree</a:t>
+            </a:r>
+          </a:p>
+        </p:txBody>
+      </p:sp>
+      <p:grpSp>
+        <p:nvGrpSpPr>
+          <p:cNvPr id="52" name="Group 51">
+            <a:extLst>
+              <a:ext uri="{FF2B5EF4-FFF2-40B4-BE49-F238E27FC236}">
+                <a16:creationId xmlns:a16="http://schemas.microsoft.com/office/drawing/2014/main" id="{371806DB-9D06-49A9-9552-3538CA09B81C}"/>
+              </a:ext>
+            </a:extLst>
+          </p:cNvPr>
+          <p:cNvGrpSpPr/>
+          <p:nvPr/>
+        </p:nvGrpSpPr>
+        <p:grpSpPr>
+          <a:xfrm>
+            <a:off x="1871874" y="1796444"/>
+            <a:ext cx="8100392" cy="4151256"/>
+            <a:chOff x="1871874" y="2457927"/>
+            <a:chExt cx="8100392" cy="4151256"/>
+          </a:xfrm>
+        </p:grpSpPr>
+        <p:grpSp>
+          <p:nvGrpSpPr>
+            <p:cNvPr id="53" name="Group 52">
+              <a:extLst>
+                <a:ext uri="{FF2B5EF4-FFF2-40B4-BE49-F238E27FC236}">
+                  <a16:creationId xmlns:a16="http://schemas.microsoft.com/office/drawing/2014/main" id="{A2FA3601-4479-4466-A4A9-B8143E9B28E8}"/>
+                </a:ext>
+              </a:extLst>
+            </p:cNvPr>
+            <p:cNvGrpSpPr/>
+            <p:nvPr/>
+          </p:nvGrpSpPr>
+          <p:grpSpPr>
+            <a:xfrm>
+              <a:off x="1871874" y="4021685"/>
+              <a:ext cx="1749287" cy="675861"/>
+              <a:chOff x="1938130" y="3766930"/>
+              <a:chExt cx="1749287" cy="675861"/>
+            </a:xfrm>
+          </p:grpSpPr>
+          <p:sp>
+            <p:nvSpPr>
+              <p:cNvPr id="90" name="Rectangle 89">
+                <a:extLst>
+                  <a:ext uri="{FF2B5EF4-FFF2-40B4-BE49-F238E27FC236}">
+                    <a16:creationId xmlns:a16="http://schemas.microsoft.com/office/drawing/2014/main" id="{E42DAD62-97D0-4E0C-B459-FB7CC2479A13}"/>
+                  </a:ext>
+                </a:extLst>
+              </p:cNvPr>
+              <p:cNvSpPr/>
+              <p:nvPr/>
+            </p:nvSpPr>
+            <p:spPr>
+              <a:xfrm>
+                <a:off x="1938130" y="3766930"/>
+                <a:ext cx="1749287" cy="675861"/>
+              </a:xfrm>
+              <a:prstGeom prst="rect">
+                <a:avLst/>
+              </a:prstGeom>
+            </p:spPr>
+            <p:style>
+              <a:lnRef idx="2">
+                <a:schemeClr val="dk1">
+                  <a:shade val="50000"/>
+                </a:schemeClr>
+              </a:lnRef>
+              <a:fillRef idx="1">
+                <a:schemeClr val="dk1"/>
+              </a:fillRef>
+              <a:effectRef idx="0">
+                <a:schemeClr val="dk1"/>
+              </a:effectRef>
+              <a:fontRef idx="minor">
+                <a:schemeClr val="lt1"/>
+              </a:fontRef>
+            </p:style>
+            <p:txBody>
+              <a:bodyPr rtlCol="0" anchor="ctr"/>
+              <a:lstStyle/>
+              <a:p>
+                <a:pPr algn="ctr"/>
+                <a:endParaRPr lang="en-US"/>
+              </a:p>
+            </p:txBody>
+          </p:sp>
+          <p:sp>
+            <p:nvSpPr>
+              <p:cNvPr id="91" name="TextBox 90">
+                <a:extLst>
+                  <a:ext uri="{FF2B5EF4-FFF2-40B4-BE49-F238E27FC236}">
+                    <a16:creationId xmlns:a16="http://schemas.microsoft.com/office/drawing/2014/main" id="{E5D827BF-143E-4999-8E6F-0B4CA5C5271A}"/>
+                  </a:ext>
+                </a:extLst>
+              </p:cNvPr>
+              <p:cNvSpPr txBox="1"/>
+              <p:nvPr/>
+            </p:nvSpPr>
+            <p:spPr>
+              <a:xfrm>
+                <a:off x="2072308" y="3920194"/>
+                <a:ext cx="1480930" cy="369332"/>
+              </a:xfrm>
+              <a:prstGeom prst="rect">
+                <a:avLst/>
+              </a:prstGeom>
+              <a:noFill/>
+            </p:spPr>
+            <p:txBody>
+              <a:bodyPr wrap="square" rtlCol="0">
+                <a:spAutoFit/>
+              </a:bodyPr>
+              <a:lstStyle/>
+              <a:p>
+                <a:r>
+                  <a:rPr lang="en-US" dirty="0">
+                    <a:solidFill>
+                      <a:schemeClr val="bg1"/>
+                    </a:solidFill>
+                  </a:rPr>
+                  <a:t>Decision Tree</a:t>
+                </a:r>
+              </a:p>
+            </p:txBody>
+          </p:sp>
+        </p:grpSp>
+        <p:grpSp>
+          <p:nvGrpSpPr>
+            <p:cNvPr id="54" name="Group 53">
+              <a:extLst>
+                <a:ext uri="{FF2B5EF4-FFF2-40B4-BE49-F238E27FC236}">
+                  <a16:creationId xmlns:a16="http://schemas.microsoft.com/office/drawing/2014/main" id="{44EE32ED-E203-42C1-9236-59EF7FBFC627}"/>
+                </a:ext>
+              </a:extLst>
+            </p:cNvPr>
+            <p:cNvGrpSpPr/>
+            <p:nvPr/>
+          </p:nvGrpSpPr>
+          <p:grpSpPr>
+            <a:xfrm>
+              <a:off x="4767475" y="2898563"/>
+              <a:ext cx="1833769" cy="675861"/>
+              <a:chOff x="1938130" y="3766930"/>
+              <a:chExt cx="1833769" cy="675861"/>
+            </a:xfrm>
+          </p:grpSpPr>
+          <p:sp>
+            <p:nvSpPr>
+              <p:cNvPr id="88" name="Rectangle 87">
+                <a:extLst>
+                  <a:ext uri="{FF2B5EF4-FFF2-40B4-BE49-F238E27FC236}">
+                    <a16:creationId xmlns:a16="http://schemas.microsoft.com/office/drawing/2014/main" id="{4D9D00C3-28A0-46E4-B3AF-82FC5509089F}"/>
+                  </a:ext>
+                </a:extLst>
+              </p:cNvPr>
+              <p:cNvSpPr/>
+              <p:nvPr/>
+            </p:nvSpPr>
+            <p:spPr>
+              <a:xfrm>
+                <a:off x="1938130" y="3766930"/>
+                <a:ext cx="1749287" cy="675861"/>
+              </a:xfrm>
+              <a:prstGeom prst="rect">
+                <a:avLst/>
+              </a:prstGeom>
+            </p:spPr>
+            <p:style>
+              <a:lnRef idx="2">
+                <a:schemeClr val="dk1">
+                  <a:shade val="50000"/>
+                </a:schemeClr>
+              </a:lnRef>
+              <a:fillRef idx="1">
+                <a:schemeClr val="dk1"/>
+              </a:fillRef>
+              <a:effectRef idx="0">
+                <a:schemeClr val="dk1"/>
+              </a:effectRef>
+              <a:fontRef idx="minor">
+                <a:schemeClr val="lt1"/>
+              </a:fontRef>
+            </p:style>
+            <p:txBody>
+              <a:bodyPr rtlCol="0" anchor="ctr"/>
+              <a:lstStyle/>
+              <a:p>
+                <a:pPr algn="ctr"/>
+                <a:endParaRPr lang="en-US"/>
+              </a:p>
+            </p:txBody>
+          </p:sp>
+          <p:sp>
+            <p:nvSpPr>
+              <p:cNvPr id="89" name="TextBox 88">
+                <a:extLst>
+                  <a:ext uri="{FF2B5EF4-FFF2-40B4-BE49-F238E27FC236}">
+                    <a16:creationId xmlns:a16="http://schemas.microsoft.com/office/drawing/2014/main" id="{949FA6D9-0C75-4B7F-9F53-C6944508195C}"/>
+                  </a:ext>
+                </a:extLst>
+              </p:cNvPr>
+              <p:cNvSpPr txBox="1"/>
+              <p:nvPr/>
+            </p:nvSpPr>
+            <p:spPr>
+              <a:xfrm>
+                <a:off x="2022613" y="3920194"/>
+                <a:ext cx="1749286" cy="369332"/>
+              </a:xfrm>
+              <a:prstGeom prst="rect">
+                <a:avLst/>
+              </a:prstGeom>
+              <a:noFill/>
+            </p:spPr>
+            <p:txBody>
+              <a:bodyPr wrap="square" rtlCol="0">
+                <a:spAutoFit/>
+              </a:bodyPr>
+              <a:lstStyle/>
+              <a:p>
+                <a:r>
+                  <a:rPr lang="en-US" dirty="0">
+                    <a:solidFill>
+                      <a:schemeClr val="bg1"/>
+                    </a:solidFill>
+                  </a:rPr>
+                  <a:t>Regression Tree</a:t>
+                </a:r>
+              </a:p>
+            </p:txBody>
+          </p:sp>
+        </p:grpSp>
+        <p:grpSp>
+          <p:nvGrpSpPr>
+            <p:cNvPr id="55" name="Group 54">
+              <a:extLst>
+                <a:ext uri="{FF2B5EF4-FFF2-40B4-BE49-F238E27FC236}">
+                  <a16:creationId xmlns:a16="http://schemas.microsoft.com/office/drawing/2014/main" id="{2684CFD5-DCF0-4285-860E-B0B1AC978716}"/>
+                </a:ext>
+              </a:extLst>
+            </p:cNvPr>
+            <p:cNvGrpSpPr/>
+            <p:nvPr/>
+          </p:nvGrpSpPr>
+          <p:grpSpPr>
+            <a:xfrm>
+              <a:off x="4767475" y="5177936"/>
+              <a:ext cx="1749287" cy="675861"/>
+              <a:chOff x="1938130" y="3766930"/>
+              <a:chExt cx="1749287" cy="675861"/>
+            </a:xfrm>
+          </p:grpSpPr>
+          <p:sp>
+            <p:nvSpPr>
+              <p:cNvPr id="86" name="Rectangle 85">
+                <a:extLst>
+                  <a:ext uri="{FF2B5EF4-FFF2-40B4-BE49-F238E27FC236}">
+                    <a16:creationId xmlns:a16="http://schemas.microsoft.com/office/drawing/2014/main" id="{2CE28910-4E7E-41BD-8068-AA323E509690}"/>
+                  </a:ext>
+                </a:extLst>
+              </p:cNvPr>
+              <p:cNvSpPr/>
+              <p:nvPr/>
+            </p:nvSpPr>
+            <p:spPr>
+              <a:xfrm>
+                <a:off x="1938130" y="3766930"/>
+                <a:ext cx="1749287" cy="675861"/>
+              </a:xfrm>
+              <a:prstGeom prst="rect">
+                <a:avLst/>
+              </a:prstGeom>
+            </p:spPr>
+            <p:style>
+              <a:lnRef idx="2">
+                <a:schemeClr val="dk1">
+                  <a:shade val="50000"/>
+                </a:schemeClr>
+              </a:lnRef>
+              <a:fillRef idx="1">
+                <a:schemeClr val="dk1"/>
+              </a:fillRef>
+              <a:effectRef idx="0">
+                <a:schemeClr val="dk1"/>
+              </a:effectRef>
+              <a:fontRef idx="minor">
+                <a:schemeClr val="lt1"/>
+              </a:fontRef>
+            </p:style>
+            <p:txBody>
+              <a:bodyPr rtlCol="0" anchor="ctr"/>
+              <a:lstStyle/>
+              <a:p>
+                <a:pPr algn="ctr"/>
+                <a:endParaRPr lang="en-US"/>
+              </a:p>
+            </p:txBody>
+          </p:sp>
+          <p:sp>
+            <p:nvSpPr>
+              <p:cNvPr id="87" name="TextBox 86">
+                <a:extLst>
+                  <a:ext uri="{FF2B5EF4-FFF2-40B4-BE49-F238E27FC236}">
+                    <a16:creationId xmlns:a16="http://schemas.microsoft.com/office/drawing/2014/main" id="{7EB45F19-CB40-4D3E-988C-AE277AECF45B}"/>
+                  </a:ext>
+                </a:extLst>
+              </p:cNvPr>
+              <p:cNvSpPr txBox="1"/>
+              <p:nvPr/>
+            </p:nvSpPr>
+            <p:spPr>
+              <a:xfrm>
+                <a:off x="2112065" y="3796460"/>
+                <a:ext cx="1429577" cy="646331"/>
+              </a:xfrm>
+              <a:prstGeom prst="rect">
+                <a:avLst/>
+              </a:prstGeom>
+              <a:noFill/>
+            </p:spPr>
+            <p:txBody>
+              <a:bodyPr wrap="square" rtlCol="0">
+                <a:spAutoFit/>
+              </a:bodyPr>
+              <a:lstStyle/>
+              <a:p>
+                <a:pPr algn="ctr"/>
+                <a:r>
+                  <a:rPr lang="en-US" dirty="0">
+                    <a:solidFill>
+                      <a:schemeClr val="bg1"/>
+                    </a:solidFill>
+                  </a:rPr>
+                  <a:t>Classification </a:t>
+                </a:r>
+              </a:p>
+              <a:p>
+                <a:pPr algn="ctr"/>
+                <a:r>
+                  <a:rPr lang="en-US" dirty="0">
+                    <a:solidFill>
+                      <a:schemeClr val="bg1"/>
+                    </a:solidFill>
+                  </a:rPr>
+                  <a:t>Tree</a:t>
+                </a:r>
+              </a:p>
+            </p:txBody>
+          </p:sp>
+        </p:grpSp>
+        <p:grpSp>
+          <p:nvGrpSpPr>
+            <p:cNvPr id="56" name="Group 55">
+              <a:extLst>
+                <a:ext uri="{FF2B5EF4-FFF2-40B4-BE49-F238E27FC236}">
+                  <a16:creationId xmlns:a16="http://schemas.microsoft.com/office/drawing/2014/main" id="{ED1E4AF2-2FCB-4221-B82E-C1142FF574C0}"/>
+                </a:ext>
+              </a:extLst>
+            </p:cNvPr>
+            <p:cNvGrpSpPr/>
+            <p:nvPr/>
+          </p:nvGrpSpPr>
+          <p:grpSpPr>
+            <a:xfrm>
+              <a:off x="8222978" y="3545331"/>
+              <a:ext cx="1749287" cy="675861"/>
+              <a:chOff x="1938130" y="3766930"/>
+              <a:chExt cx="1749287" cy="675861"/>
+            </a:xfrm>
+          </p:grpSpPr>
+          <p:sp>
+            <p:nvSpPr>
+              <p:cNvPr id="84" name="Rectangle 83">
+                <a:extLst>
+                  <a:ext uri="{FF2B5EF4-FFF2-40B4-BE49-F238E27FC236}">
+                    <a16:creationId xmlns:a16="http://schemas.microsoft.com/office/drawing/2014/main" id="{BD1625B1-5444-42BE-96ED-595840F5C4E2}"/>
+                  </a:ext>
+                </a:extLst>
+              </p:cNvPr>
+              <p:cNvSpPr/>
+              <p:nvPr/>
+            </p:nvSpPr>
+            <p:spPr>
+              <a:xfrm>
+                <a:off x="1938130" y="3766930"/>
+                <a:ext cx="1749287" cy="675861"/>
+              </a:xfrm>
+              <a:prstGeom prst="rect">
+                <a:avLst/>
+              </a:prstGeom>
+            </p:spPr>
+            <p:style>
+              <a:lnRef idx="2">
+                <a:schemeClr val="dk1">
+                  <a:shade val="50000"/>
+                </a:schemeClr>
+              </a:lnRef>
+              <a:fillRef idx="1">
+                <a:schemeClr val="dk1"/>
+              </a:fillRef>
+              <a:effectRef idx="0">
+                <a:schemeClr val="dk1"/>
+              </a:effectRef>
+              <a:fontRef idx="minor">
+                <a:schemeClr val="lt1"/>
+              </a:fontRef>
+            </p:style>
+            <p:txBody>
+              <a:bodyPr rtlCol="0" anchor="ctr"/>
+              <a:lstStyle/>
+              <a:p>
+                <a:pPr algn="ctr"/>
+                <a:endParaRPr lang="en-US"/>
+              </a:p>
+            </p:txBody>
+          </p:sp>
+          <p:sp>
+            <p:nvSpPr>
+              <p:cNvPr id="85" name="TextBox 84">
+                <a:extLst>
+                  <a:ext uri="{FF2B5EF4-FFF2-40B4-BE49-F238E27FC236}">
+                    <a16:creationId xmlns:a16="http://schemas.microsoft.com/office/drawing/2014/main" id="{C2556280-AFF6-4430-BFAE-6229823A000C}"/>
+                  </a:ext>
+                </a:extLst>
+              </p:cNvPr>
+              <p:cNvSpPr txBox="1"/>
+              <p:nvPr/>
+            </p:nvSpPr>
+            <p:spPr>
+              <a:xfrm>
+                <a:off x="1938131" y="3781694"/>
+                <a:ext cx="1749286" cy="646331"/>
+              </a:xfrm>
+              <a:prstGeom prst="rect">
+                <a:avLst/>
+              </a:prstGeom>
+              <a:noFill/>
+            </p:spPr>
+            <p:txBody>
+              <a:bodyPr wrap="square" rtlCol="0">
+                <a:spAutoFit/>
+              </a:bodyPr>
+              <a:lstStyle/>
+              <a:p>
+                <a:pPr algn="ctr"/>
+                <a:r>
+                  <a:rPr lang="en-US" dirty="0">
+                    <a:solidFill>
+                      <a:schemeClr val="bg1"/>
+                    </a:solidFill>
+                  </a:rPr>
+                  <a:t>Continuous input</a:t>
+                </a:r>
+              </a:p>
+            </p:txBody>
+          </p:sp>
+        </p:grpSp>
+        <p:grpSp>
+          <p:nvGrpSpPr>
+            <p:cNvPr id="57" name="Group 56">
+              <a:extLst>
+                <a:ext uri="{FF2B5EF4-FFF2-40B4-BE49-F238E27FC236}">
+                  <a16:creationId xmlns:a16="http://schemas.microsoft.com/office/drawing/2014/main" id="{BCCC8F58-5153-4566-ABE8-014C0C59C7F5}"/>
+                </a:ext>
+              </a:extLst>
+            </p:cNvPr>
+            <p:cNvGrpSpPr/>
+            <p:nvPr/>
+          </p:nvGrpSpPr>
+          <p:grpSpPr>
+            <a:xfrm>
+              <a:off x="8222979" y="2457927"/>
+              <a:ext cx="1749287" cy="675861"/>
+              <a:chOff x="1938130" y="3766930"/>
+              <a:chExt cx="1749287" cy="675861"/>
+            </a:xfrm>
+          </p:grpSpPr>
+          <p:sp>
+            <p:nvSpPr>
+              <p:cNvPr id="82" name="Rectangle 81">
+                <a:extLst>
+                  <a:ext uri="{FF2B5EF4-FFF2-40B4-BE49-F238E27FC236}">
+                    <a16:creationId xmlns:a16="http://schemas.microsoft.com/office/drawing/2014/main" id="{F9977F91-4833-4552-BF96-2B0660BD1F23}"/>
+                  </a:ext>
+                </a:extLst>
+              </p:cNvPr>
+              <p:cNvSpPr/>
+              <p:nvPr/>
+            </p:nvSpPr>
+            <p:spPr>
+              <a:xfrm>
+                <a:off x="1938130" y="3766930"/>
+                <a:ext cx="1749287" cy="675861"/>
+              </a:xfrm>
+              <a:prstGeom prst="rect">
+                <a:avLst/>
+              </a:prstGeom>
+            </p:spPr>
+            <p:style>
+              <a:lnRef idx="2">
+                <a:schemeClr val="dk1">
+                  <a:shade val="50000"/>
+                </a:schemeClr>
+              </a:lnRef>
+              <a:fillRef idx="1">
+                <a:schemeClr val="dk1"/>
+              </a:fillRef>
+              <a:effectRef idx="0">
+                <a:schemeClr val="dk1"/>
+              </a:effectRef>
+              <a:fontRef idx="minor">
+                <a:schemeClr val="lt1"/>
+              </a:fontRef>
+            </p:style>
+            <p:txBody>
+              <a:bodyPr rtlCol="0" anchor="ctr"/>
+              <a:lstStyle/>
+              <a:p>
+                <a:pPr algn="ctr"/>
+                <a:endParaRPr lang="en-US"/>
+              </a:p>
+            </p:txBody>
+          </p:sp>
+          <p:sp>
+            <p:nvSpPr>
+              <p:cNvPr id="83" name="TextBox 82">
+                <a:extLst>
+                  <a:ext uri="{FF2B5EF4-FFF2-40B4-BE49-F238E27FC236}">
+                    <a16:creationId xmlns:a16="http://schemas.microsoft.com/office/drawing/2014/main" id="{4C1D1CF2-DF7C-4423-B507-392673EEA5AA}"/>
+                  </a:ext>
+                </a:extLst>
+              </p:cNvPr>
+              <p:cNvSpPr txBox="1"/>
+              <p:nvPr/>
+            </p:nvSpPr>
+            <p:spPr>
+              <a:xfrm>
+                <a:off x="1938131" y="3781694"/>
+                <a:ext cx="1749286" cy="646331"/>
+              </a:xfrm>
+              <a:prstGeom prst="rect">
+                <a:avLst/>
+              </a:prstGeom>
+              <a:noFill/>
+            </p:spPr>
+            <p:txBody>
+              <a:bodyPr wrap="square" rtlCol="0">
+                <a:spAutoFit/>
+              </a:bodyPr>
+              <a:lstStyle/>
+              <a:p>
+                <a:pPr algn="ctr"/>
+                <a:r>
+                  <a:rPr lang="en-US" dirty="0">
+                    <a:solidFill>
+                      <a:schemeClr val="bg1"/>
+                    </a:solidFill>
+                  </a:rPr>
+                  <a:t>Categorical input</a:t>
+                </a:r>
+              </a:p>
+            </p:txBody>
+          </p:sp>
+        </p:grpSp>
+        <p:grpSp>
+          <p:nvGrpSpPr>
+            <p:cNvPr id="58" name="Group 57">
+              <a:extLst>
+                <a:ext uri="{FF2B5EF4-FFF2-40B4-BE49-F238E27FC236}">
+                  <a16:creationId xmlns:a16="http://schemas.microsoft.com/office/drawing/2014/main" id="{C6D59132-5419-41DB-B274-33984D57EEC4}"/>
+                </a:ext>
+              </a:extLst>
+            </p:cNvPr>
+            <p:cNvGrpSpPr/>
+            <p:nvPr/>
+          </p:nvGrpSpPr>
+          <p:grpSpPr>
+            <a:xfrm>
+              <a:off x="8222976" y="4811924"/>
+              <a:ext cx="1749287" cy="675861"/>
+              <a:chOff x="1938130" y="3766930"/>
+              <a:chExt cx="1749287" cy="675861"/>
+            </a:xfrm>
+          </p:grpSpPr>
+          <p:sp>
+            <p:nvSpPr>
+              <p:cNvPr id="80" name="Rectangle 79">
+                <a:extLst>
+                  <a:ext uri="{FF2B5EF4-FFF2-40B4-BE49-F238E27FC236}">
+                    <a16:creationId xmlns:a16="http://schemas.microsoft.com/office/drawing/2014/main" id="{D57E78F2-22AF-4C84-9A02-6D0DDC04931D}"/>
+                  </a:ext>
+                </a:extLst>
+              </p:cNvPr>
+              <p:cNvSpPr/>
+              <p:nvPr/>
+            </p:nvSpPr>
+            <p:spPr>
+              <a:xfrm>
+                <a:off x="1938130" y="3766930"/>
+                <a:ext cx="1749287" cy="675861"/>
+              </a:xfrm>
+              <a:prstGeom prst="rect">
+                <a:avLst/>
+              </a:prstGeom>
+            </p:spPr>
+            <p:style>
+              <a:lnRef idx="2">
+                <a:schemeClr val="dk1">
+                  <a:shade val="50000"/>
+                </a:schemeClr>
+              </a:lnRef>
+              <a:fillRef idx="1">
+                <a:schemeClr val="dk1"/>
+              </a:fillRef>
+              <a:effectRef idx="0">
+                <a:schemeClr val="dk1"/>
+              </a:effectRef>
+              <a:fontRef idx="minor">
+                <a:schemeClr val="lt1"/>
+              </a:fontRef>
+            </p:style>
+            <p:txBody>
+              <a:bodyPr rtlCol="0" anchor="ctr"/>
+              <a:lstStyle/>
+              <a:p>
+                <a:pPr algn="ctr"/>
+                <a:endParaRPr lang="en-US"/>
+              </a:p>
+            </p:txBody>
+          </p:sp>
+          <p:sp>
+            <p:nvSpPr>
+              <p:cNvPr id="81" name="TextBox 80">
+                <a:extLst>
+                  <a:ext uri="{FF2B5EF4-FFF2-40B4-BE49-F238E27FC236}">
+                    <a16:creationId xmlns:a16="http://schemas.microsoft.com/office/drawing/2014/main" id="{C8526B6D-010D-4207-A38F-55C66E59C2A7}"/>
+                  </a:ext>
+                </a:extLst>
+              </p:cNvPr>
+              <p:cNvSpPr txBox="1"/>
+              <p:nvPr/>
+            </p:nvSpPr>
+            <p:spPr>
+              <a:xfrm>
+                <a:off x="1938131" y="3781694"/>
+                <a:ext cx="1749286" cy="646331"/>
+              </a:xfrm>
+              <a:prstGeom prst="rect">
+                <a:avLst/>
+              </a:prstGeom>
+              <a:noFill/>
+            </p:spPr>
+            <p:txBody>
+              <a:bodyPr wrap="square" rtlCol="0">
+                <a:spAutoFit/>
+              </a:bodyPr>
+              <a:lstStyle/>
+              <a:p>
+                <a:pPr algn="ctr"/>
+                <a:r>
+                  <a:rPr lang="en-US" dirty="0">
+                    <a:solidFill>
+                      <a:schemeClr val="bg1"/>
+                    </a:solidFill>
+                  </a:rPr>
+                  <a:t>Categorical input</a:t>
+                </a:r>
+              </a:p>
+            </p:txBody>
+          </p:sp>
+        </p:grpSp>
+        <p:grpSp>
+          <p:nvGrpSpPr>
+            <p:cNvPr id="59" name="Group 58">
+              <a:extLst>
+                <a:ext uri="{FF2B5EF4-FFF2-40B4-BE49-F238E27FC236}">
+                  <a16:creationId xmlns:a16="http://schemas.microsoft.com/office/drawing/2014/main" id="{DDA50A69-718C-44C7-8BCF-CE87F91FBBD8}"/>
+                </a:ext>
+              </a:extLst>
+            </p:cNvPr>
+            <p:cNvGrpSpPr/>
+            <p:nvPr/>
+          </p:nvGrpSpPr>
+          <p:grpSpPr>
+            <a:xfrm>
+              <a:off x="8222977" y="5933322"/>
+              <a:ext cx="1749287" cy="675861"/>
+              <a:chOff x="1938130" y="3766930"/>
+              <a:chExt cx="1749287" cy="675861"/>
+            </a:xfrm>
+          </p:grpSpPr>
+          <p:sp>
+            <p:nvSpPr>
+              <p:cNvPr id="78" name="Rectangle 77">
+                <a:extLst>
+                  <a:ext uri="{FF2B5EF4-FFF2-40B4-BE49-F238E27FC236}">
+                    <a16:creationId xmlns:a16="http://schemas.microsoft.com/office/drawing/2014/main" id="{ACA6C2A0-8B49-43AF-88B5-8F5F22137E8F}"/>
+                  </a:ext>
+                </a:extLst>
+              </p:cNvPr>
+              <p:cNvSpPr/>
+              <p:nvPr/>
+            </p:nvSpPr>
+            <p:spPr>
+              <a:xfrm>
+                <a:off x="1938130" y="3766930"/>
+                <a:ext cx="1749287" cy="675861"/>
+              </a:xfrm>
+              <a:prstGeom prst="rect">
+                <a:avLst/>
+              </a:prstGeom>
+            </p:spPr>
+            <p:style>
+              <a:lnRef idx="2">
+                <a:schemeClr val="dk1">
+                  <a:shade val="50000"/>
+                </a:schemeClr>
+              </a:lnRef>
+              <a:fillRef idx="1">
+                <a:schemeClr val="dk1"/>
+              </a:fillRef>
+              <a:effectRef idx="0">
+                <a:schemeClr val="dk1"/>
+              </a:effectRef>
+              <a:fontRef idx="minor">
+                <a:schemeClr val="lt1"/>
+              </a:fontRef>
+            </p:style>
+            <p:txBody>
+              <a:bodyPr rtlCol="0" anchor="ctr"/>
+              <a:lstStyle/>
+              <a:p>
+                <a:pPr algn="ctr"/>
+                <a:endParaRPr lang="en-US"/>
+              </a:p>
+            </p:txBody>
+          </p:sp>
+          <p:sp>
+            <p:nvSpPr>
+              <p:cNvPr id="79" name="TextBox 78">
+                <a:extLst>
+                  <a:ext uri="{FF2B5EF4-FFF2-40B4-BE49-F238E27FC236}">
+                    <a16:creationId xmlns:a16="http://schemas.microsoft.com/office/drawing/2014/main" id="{F3CD29A7-3F9F-420B-B29C-B12284F2D92A}"/>
+                  </a:ext>
+                </a:extLst>
+              </p:cNvPr>
+              <p:cNvSpPr txBox="1"/>
+              <p:nvPr/>
+            </p:nvSpPr>
+            <p:spPr>
+              <a:xfrm>
+                <a:off x="1938131" y="3781694"/>
+                <a:ext cx="1749286" cy="646331"/>
+              </a:xfrm>
+              <a:prstGeom prst="rect">
+                <a:avLst/>
+              </a:prstGeom>
+              <a:noFill/>
+            </p:spPr>
+            <p:txBody>
+              <a:bodyPr wrap="square" rtlCol="0">
+                <a:spAutoFit/>
+              </a:bodyPr>
+              <a:lstStyle/>
+              <a:p>
+                <a:pPr algn="ctr"/>
+                <a:r>
+                  <a:rPr lang="en-US" dirty="0">
+                    <a:solidFill>
+                      <a:schemeClr val="bg1"/>
+                    </a:solidFill>
+                  </a:rPr>
+                  <a:t>Continuous input</a:t>
+                </a:r>
+              </a:p>
+            </p:txBody>
+          </p:sp>
+        </p:grpSp>
+        <p:grpSp>
+          <p:nvGrpSpPr>
+            <p:cNvPr id="60" name="Group 59">
+              <a:extLst>
+                <a:ext uri="{FF2B5EF4-FFF2-40B4-BE49-F238E27FC236}">
+                  <a16:creationId xmlns:a16="http://schemas.microsoft.com/office/drawing/2014/main" id="{5DBAD87A-9FD0-41EC-95A5-B4F0BAA6DE0E}"/>
+                </a:ext>
+              </a:extLst>
+            </p:cNvPr>
+            <p:cNvGrpSpPr/>
+            <p:nvPr/>
+          </p:nvGrpSpPr>
+          <p:grpSpPr>
+            <a:xfrm>
+              <a:off x="3784600" y="3236493"/>
+              <a:ext cx="922867" cy="2236526"/>
+              <a:chOff x="3784600" y="3428999"/>
+              <a:chExt cx="922867" cy="2236526"/>
+            </a:xfrm>
+          </p:grpSpPr>
+          <p:grpSp>
+            <p:nvGrpSpPr>
+              <p:cNvPr id="73" name="Group 72">
+                <a:extLst>
+                  <a:ext uri="{FF2B5EF4-FFF2-40B4-BE49-F238E27FC236}">
+                    <a16:creationId xmlns:a16="http://schemas.microsoft.com/office/drawing/2014/main" id="{B3144FFC-CA9E-42C1-BBF7-3FD9E21BEA01}"/>
+                  </a:ext>
+                </a:extLst>
+              </p:cNvPr>
+              <p:cNvGrpSpPr/>
+              <p:nvPr/>
+            </p:nvGrpSpPr>
+            <p:grpSpPr>
+              <a:xfrm>
+                <a:off x="4293703" y="3428999"/>
+                <a:ext cx="413764" cy="2236526"/>
+                <a:chOff x="4293703" y="3428999"/>
+                <a:chExt cx="413764" cy="2236526"/>
+              </a:xfrm>
+            </p:grpSpPr>
+            <p:cxnSp>
+              <p:nvCxnSpPr>
+                <p:cNvPr id="75" name="Straight Connector 74">
+                  <a:extLst>
+                    <a:ext uri="{FF2B5EF4-FFF2-40B4-BE49-F238E27FC236}">
+                      <a16:creationId xmlns:a16="http://schemas.microsoft.com/office/drawing/2014/main" id="{64448796-4D86-4A82-B4F0-69F9BAEB9D2F}"/>
+                    </a:ext>
+                  </a:extLst>
+                </p:cNvPr>
+                <p:cNvCxnSpPr/>
+                <p:nvPr/>
+              </p:nvCxnSpPr>
+              <p:spPr>
+                <a:xfrm>
+                  <a:off x="4293704" y="3428999"/>
+                  <a:ext cx="0" cy="2236526"/>
+                </a:xfrm>
+                <a:prstGeom prst="line">
+                  <a:avLst/>
+                </a:prstGeom>
+                <a:ln/>
+              </p:spPr>
+              <p:style>
+                <a:lnRef idx="1">
+                  <a:schemeClr val="dk1"/>
+                </a:lnRef>
+                <a:fillRef idx="0">
+                  <a:schemeClr val="dk1"/>
+                </a:fillRef>
+                <a:effectRef idx="0">
+                  <a:schemeClr val="dk1"/>
+                </a:effectRef>
+                <a:fontRef idx="minor">
+                  <a:schemeClr val="tx1"/>
+                </a:fontRef>
+              </p:style>
+            </p:cxnSp>
+            <p:cxnSp>
+              <p:nvCxnSpPr>
+                <p:cNvPr id="76" name="Straight Arrow Connector 75">
+                  <a:extLst>
+                    <a:ext uri="{FF2B5EF4-FFF2-40B4-BE49-F238E27FC236}">
+                      <a16:creationId xmlns:a16="http://schemas.microsoft.com/office/drawing/2014/main" id="{A588DA5F-AA7E-41FF-B4B9-3C06A491E158}"/>
+                    </a:ext>
+                  </a:extLst>
+                </p:cNvPr>
+                <p:cNvCxnSpPr/>
+                <p:nvPr/>
+              </p:nvCxnSpPr>
+              <p:spPr>
+                <a:xfrm>
+                  <a:off x="4293704" y="3428999"/>
+                  <a:ext cx="413763" cy="0"/>
+                </a:xfrm>
+                <a:prstGeom prst="straightConnector1">
+                  <a:avLst/>
+                </a:prstGeom>
+                <a:ln>
+                  <a:tailEnd type="triangle"/>
+                </a:ln>
+              </p:spPr>
+              <p:style>
+                <a:lnRef idx="1">
+                  <a:schemeClr val="dk1"/>
+                </a:lnRef>
+                <a:fillRef idx="0">
+                  <a:schemeClr val="dk1"/>
+                </a:fillRef>
+                <a:effectRef idx="0">
+                  <a:schemeClr val="dk1"/>
+                </a:effectRef>
+                <a:fontRef idx="minor">
+                  <a:schemeClr val="tx1"/>
+                </a:fontRef>
+              </p:style>
+            </p:cxnSp>
+            <p:cxnSp>
+              <p:nvCxnSpPr>
+                <p:cNvPr id="77" name="Straight Arrow Connector 76">
+                  <a:extLst>
+                    <a:ext uri="{FF2B5EF4-FFF2-40B4-BE49-F238E27FC236}">
+                      <a16:creationId xmlns:a16="http://schemas.microsoft.com/office/drawing/2014/main" id="{F6002487-CE67-4624-B83C-715852C811B8}"/>
+                    </a:ext>
+                  </a:extLst>
+                </p:cNvPr>
+                <p:cNvCxnSpPr/>
+                <p:nvPr/>
+              </p:nvCxnSpPr>
+              <p:spPr>
+                <a:xfrm>
+                  <a:off x="4293703" y="5665525"/>
+                  <a:ext cx="413763" cy="0"/>
+                </a:xfrm>
+                <a:prstGeom prst="straightConnector1">
+                  <a:avLst/>
+                </a:prstGeom>
+                <a:ln>
+                  <a:tailEnd type="triangle"/>
+                </a:ln>
+              </p:spPr>
+              <p:style>
+                <a:lnRef idx="1">
+                  <a:schemeClr val="dk1"/>
+                </a:lnRef>
+                <a:fillRef idx="0">
+                  <a:schemeClr val="dk1"/>
+                </a:fillRef>
+                <a:effectRef idx="0">
+                  <a:schemeClr val="dk1"/>
+                </a:effectRef>
+                <a:fontRef idx="minor">
+                  <a:schemeClr val="tx1"/>
+                </a:fontRef>
+              </p:style>
+            </p:cxnSp>
+          </p:grpSp>
+          <p:cxnSp>
+            <p:nvCxnSpPr>
+              <p:cNvPr id="74" name="Straight Connector 73">
+                <a:extLst>
+                  <a:ext uri="{FF2B5EF4-FFF2-40B4-BE49-F238E27FC236}">
+                    <a16:creationId xmlns:a16="http://schemas.microsoft.com/office/drawing/2014/main" id="{EF75AB0E-7D9A-444C-895B-706B0AB96EA0}"/>
+                  </a:ext>
+                </a:extLst>
+              </p:cNvPr>
+              <p:cNvCxnSpPr/>
+              <p:nvPr/>
+            </p:nvCxnSpPr>
+            <p:spPr>
+              <a:xfrm>
+                <a:off x="3784600" y="4547262"/>
+                <a:ext cx="509103" cy="0"/>
+              </a:xfrm>
+              <a:prstGeom prst="line">
+                <a:avLst/>
+              </a:prstGeom>
+            </p:spPr>
+            <p:style>
+              <a:lnRef idx="1">
+                <a:schemeClr val="dk1"/>
+              </a:lnRef>
+              <a:fillRef idx="0">
+                <a:schemeClr val="dk1"/>
+              </a:fillRef>
+              <a:effectRef idx="0">
+                <a:schemeClr val="dk1"/>
+              </a:effectRef>
+              <a:fontRef idx="minor">
+                <a:schemeClr val="tx1"/>
+              </a:fontRef>
+            </p:style>
+          </p:cxnSp>
+        </p:grpSp>
+        <p:grpSp>
+          <p:nvGrpSpPr>
+            <p:cNvPr id="61" name="Group 60">
+              <a:extLst>
+                <a:ext uri="{FF2B5EF4-FFF2-40B4-BE49-F238E27FC236}">
+                  <a16:creationId xmlns:a16="http://schemas.microsoft.com/office/drawing/2014/main" id="{42949DA5-DC97-4E22-9D52-C4C350268675}"/>
+                </a:ext>
+              </a:extLst>
+            </p:cNvPr>
+            <p:cNvGrpSpPr/>
+            <p:nvPr/>
+          </p:nvGrpSpPr>
+          <p:grpSpPr>
+            <a:xfrm>
+              <a:off x="6688667" y="2690525"/>
+              <a:ext cx="1443566" cy="1192735"/>
+              <a:chOff x="6688667" y="2883031"/>
+              <a:chExt cx="1443566" cy="1192735"/>
+            </a:xfrm>
+          </p:grpSpPr>
+          <p:grpSp>
+            <p:nvGrpSpPr>
+              <p:cNvPr id="68" name="Group 67">
+                <a:extLst>
+                  <a:ext uri="{FF2B5EF4-FFF2-40B4-BE49-F238E27FC236}">
+                    <a16:creationId xmlns:a16="http://schemas.microsoft.com/office/drawing/2014/main" id="{1C125F7F-F0BC-4D55-986F-18DC06CB5979}"/>
+                  </a:ext>
+                </a:extLst>
+              </p:cNvPr>
+              <p:cNvGrpSpPr/>
+              <p:nvPr/>
+            </p:nvGrpSpPr>
+            <p:grpSpPr>
+              <a:xfrm>
+                <a:off x="7775713" y="2883031"/>
+                <a:ext cx="356520" cy="1192735"/>
+                <a:chOff x="7775713" y="2883031"/>
+                <a:chExt cx="356520" cy="1192735"/>
+              </a:xfrm>
+            </p:grpSpPr>
+            <p:cxnSp>
+              <p:nvCxnSpPr>
+                <p:cNvPr id="70" name="Straight Connector 69">
+                  <a:extLst>
+                    <a:ext uri="{FF2B5EF4-FFF2-40B4-BE49-F238E27FC236}">
+                      <a16:creationId xmlns:a16="http://schemas.microsoft.com/office/drawing/2014/main" id="{733FFD03-5CEC-4482-8975-5CBC73AB5BBE}"/>
+                    </a:ext>
+                  </a:extLst>
+                </p:cNvPr>
+                <p:cNvCxnSpPr>
+                  <a:cxnSpLocks/>
+                </p:cNvCxnSpPr>
+                <p:nvPr/>
+              </p:nvCxnSpPr>
+              <p:spPr>
+                <a:xfrm>
+                  <a:off x="7775713" y="2883031"/>
+                  <a:ext cx="0" cy="1192735"/>
+                </a:xfrm>
+                <a:prstGeom prst="line">
+                  <a:avLst/>
+                </a:prstGeom>
+                <a:ln/>
+              </p:spPr>
+              <p:style>
+                <a:lnRef idx="1">
+                  <a:schemeClr val="dk1"/>
+                </a:lnRef>
+                <a:fillRef idx="0">
+                  <a:schemeClr val="dk1"/>
+                </a:fillRef>
+                <a:effectRef idx="0">
+                  <a:schemeClr val="dk1"/>
+                </a:effectRef>
+                <a:fontRef idx="minor">
+                  <a:schemeClr val="tx1"/>
+                </a:fontRef>
+              </p:style>
+            </p:cxnSp>
+            <p:cxnSp>
+              <p:nvCxnSpPr>
+                <p:cNvPr id="71" name="Straight Arrow Connector 70">
+                  <a:extLst>
+                    <a:ext uri="{FF2B5EF4-FFF2-40B4-BE49-F238E27FC236}">
+                      <a16:creationId xmlns:a16="http://schemas.microsoft.com/office/drawing/2014/main" id="{D4B4CA11-6271-4FD4-BF24-9556A6E521CE}"/>
+                    </a:ext>
+                  </a:extLst>
+                </p:cNvPr>
+                <p:cNvCxnSpPr>
+                  <a:cxnSpLocks/>
+                </p:cNvCxnSpPr>
+                <p:nvPr/>
+              </p:nvCxnSpPr>
+              <p:spPr>
+                <a:xfrm>
+                  <a:off x="7775713" y="2883031"/>
+                  <a:ext cx="356520" cy="0"/>
+                </a:xfrm>
+                <a:prstGeom prst="straightConnector1">
+                  <a:avLst/>
+                </a:prstGeom>
+                <a:ln>
+                  <a:tailEnd type="triangle"/>
+                </a:ln>
+              </p:spPr>
+              <p:style>
+                <a:lnRef idx="1">
+                  <a:schemeClr val="dk1"/>
+                </a:lnRef>
+                <a:fillRef idx="0">
+                  <a:schemeClr val="dk1"/>
+                </a:fillRef>
+                <a:effectRef idx="0">
+                  <a:schemeClr val="dk1"/>
+                </a:effectRef>
+                <a:fontRef idx="minor">
+                  <a:schemeClr val="tx1"/>
+                </a:fontRef>
+              </p:style>
+            </p:cxnSp>
+            <p:cxnSp>
+              <p:nvCxnSpPr>
+                <p:cNvPr id="72" name="Straight Arrow Connector 71">
+                  <a:extLst>
+                    <a:ext uri="{FF2B5EF4-FFF2-40B4-BE49-F238E27FC236}">
+                      <a16:creationId xmlns:a16="http://schemas.microsoft.com/office/drawing/2014/main" id="{44C67B84-0F65-4D84-9763-1CD146F9D013}"/>
+                    </a:ext>
+                  </a:extLst>
+                </p:cNvPr>
+                <p:cNvCxnSpPr>
+                  <a:cxnSpLocks/>
+                </p:cNvCxnSpPr>
+                <p:nvPr/>
+              </p:nvCxnSpPr>
+              <p:spPr>
+                <a:xfrm>
+                  <a:off x="7775713" y="4075766"/>
+                  <a:ext cx="356520" cy="0"/>
+                </a:xfrm>
+                <a:prstGeom prst="straightConnector1">
+                  <a:avLst/>
+                </a:prstGeom>
+                <a:ln>
+                  <a:tailEnd type="triangle"/>
+                </a:ln>
+              </p:spPr>
+              <p:style>
+                <a:lnRef idx="1">
+                  <a:schemeClr val="dk1"/>
+                </a:lnRef>
+                <a:fillRef idx="0">
+                  <a:schemeClr val="dk1"/>
+                </a:fillRef>
+                <a:effectRef idx="0">
+                  <a:schemeClr val="dk1"/>
+                </a:effectRef>
+                <a:fontRef idx="minor">
+                  <a:schemeClr val="tx1"/>
+                </a:fontRef>
+              </p:style>
+            </p:cxnSp>
+          </p:grpSp>
+          <p:cxnSp>
+            <p:nvCxnSpPr>
+              <p:cNvPr id="69" name="Straight Connector 68">
+                <a:extLst>
+                  <a:ext uri="{FF2B5EF4-FFF2-40B4-BE49-F238E27FC236}">
+                    <a16:creationId xmlns:a16="http://schemas.microsoft.com/office/drawing/2014/main" id="{07946E1C-F7BD-41C7-9308-A0302066241F}"/>
+                  </a:ext>
+                </a:extLst>
+              </p:cNvPr>
+              <p:cNvCxnSpPr>
+                <a:cxnSpLocks/>
+              </p:cNvCxnSpPr>
+              <p:nvPr/>
+            </p:nvCxnSpPr>
+            <p:spPr>
+              <a:xfrm>
+                <a:off x="6688667" y="3425428"/>
+                <a:ext cx="1087046" cy="0"/>
+              </a:xfrm>
+              <a:prstGeom prst="line">
+                <a:avLst/>
+              </a:prstGeom>
+            </p:spPr>
+            <p:style>
+              <a:lnRef idx="1">
+                <a:schemeClr val="dk1"/>
+              </a:lnRef>
+              <a:fillRef idx="0">
+                <a:schemeClr val="dk1"/>
+              </a:fillRef>
+              <a:effectRef idx="0">
+                <a:schemeClr val="dk1"/>
+              </a:effectRef>
+              <a:fontRef idx="minor">
+                <a:schemeClr val="tx1"/>
+              </a:fontRef>
+            </p:style>
+          </p:cxnSp>
+        </p:grpSp>
+        <p:grpSp>
+          <p:nvGrpSpPr>
+            <p:cNvPr id="62" name="Group 61">
+              <a:extLst>
+                <a:ext uri="{FF2B5EF4-FFF2-40B4-BE49-F238E27FC236}">
+                  <a16:creationId xmlns:a16="http://schemas.microsoft.com/office/drawing/2014/main" id="{64F49B55-C1F9-4065-9796-FB16BED729C2}"/>
+                </a:ext>
+              </a:extLst>
+            </p:cNvPr>
+            <p:cNvGrpSpPr/>
+            <p:nvPr/>
+          </p:nvGrpSpPr>
+          <p:grpSpPr>
+            <a:xfrm>
+              <a:off x="6657469" y="5107634"/>
+              <a:ext cx="1443566" cy="1192735"/>
+              <a:chOff x="6657469" y="5300140"/>
+              <a:chExt cx="1443566" cy="1192735"/>
+            </a:xfrm>
+          </p:grpSpPr>
+          <p:grpSp>
+            <p:nvGrpSpPr>
+              <p:cNvPr id="63" name="Group 62">
+                <a:extLst>
+                  <a:ext uri="{FF2B5EF4-FFF2-40B4-BE49-F238E27FC236}">
+                    <a16:creationId xmlns:a16="http://schemas.microsoft.com/office/drawing/2014/main" id="{2EBC7689-7E88-4367-93A4-7F36D335207E}"/>
+                  </a:ext>
+                </a:extLst>
+              </p:cNvPr>
+              <p:cNvGrpSpPr/>
+              <p:nvPr/>
+            </p:nvGrpSpPr>
+            <p:grpSpPr>
+              <a:xfrm>
+                <a:off x="7744515" y="5300140"/>
+                <a:ext cx="356520" cy="1192735"/>
+                <a:chOff x="7775713" y="2883031"/>
+                <a:chExt cx="356520" cy="1192735"/>
+              </a:xfrm>
+            </p:grpSpPr>
+            <p:cxnSp>
+              <p:nvCxnSpPr>
+                <p:cNvPr id="65" name="Straight Connector 64">
+                  <a:extLst>
+                    <a:ext uri="{FF2B5EF4-FFF2-40B4-BE49-F238E27FC236}">
+                      <a16:creationId xmlns:a16="http://schemas.microsoft.com/office/drawing/2014/main" id="{DFF2A208-A217-4F5E-92AA-BD53D938587F}"/>
+                    </a:ext>
+                  </a:extLst>
+                </p:cNvPr>
+                <p:cNvCxnSpPr>
+                  <a:cxnSpLocks/>
+                </p:cNvCxnSpPr>
+                <p:nvPr/>
+              </p:nvCxnSpPr>
+              <p:spPr>
+                <a:xfrm>
+                  <a:off x="7775713" y="2883031"/>
+                  <a:ext cx="0" cy="1192735"/>
+                </a:xfrm>
+                <a:prstGeom prst="line">
+                  <a:avLst/>
+                </a:prstGeom>
+                <a:ln/>
+              </p:spPr>
+              <p:style>
+                <a:lnRef idx="1">
+                  <a:schemeClr val="dk1"/>
+                </a:lnRef>
+                <a:fillRef idx="0">
+                  <a:schemeClr val="dk1"/>
+                </a:fillRef>
+                <a:effectRef idx="0">
+                  <a:schemeClr val="dk1"/>
+                </a:effectRef>
+                <a:fontRef idx="minor">
+                  <a:schemeClr val="tx1"/>
+                </a:fontRef>
+              </p:style>
+            </p:cxnSp>
+            <p:cxnSp>
+              <p:nvCxnSpPr>
+                <p:cNvPr id="66" name="Straight Arrow Connector 65">
+                  <a:extLst>
+                    <a:ext uri="{FF2B5EF4-FFF2-40B4-BE49-F238E27FC236}">
+                      <a16:creationId xmlns:a16="http://schemas.microsoft.com/office/drawing/2014/main" id="{EC70EEF5-A46C-472E-9B2A-1CDA5BC69AB1}"/>
+                    </a:ext>
+                  </a:extLst>
+                </p:cNvPr>
+                <p:cNvCxnSpPr>
+                  <a:cxnSpLocks/>
+                </p:cNvCxnSpPr>
+                <p:nvPr/>
+              </p:nvCxnSpPr>
+              <p:spPr>
+                <a:xfrm>
+                  <a:off x="7775713" y="2883031"/>
+                  <a:ext cx="356520" cy="0"/>
+                </a:xfrm>
+                <a:prstGeom prst="straightConnector1">
+                  <a:avLst/>
+                </a:prstGeom>
+                <a:ln>
+                  <a:tailEnd type="triangle"/>
+                </a:ln>
+              </p:spPr>
+              <p:style>
+                <a:lnRef idx="1">
+                  <a:schemeClr val="dk1"/>
+                </a:lnRef>
+                <a:fillRef idx="0">
+                  <a:schemeClr val="dk1"/>
+                </a:fillRef>
+                <a:effectRef idx="0">
+                  <a:schemeClr val="dk1"/>
+                </a:effectRef>
+                <a:fontRef idx="minor">
+                  <a:schemeClr val="tx1"/>
+                </a:fontRef>
+              </p:style>
+            </p:cxnSp>
+            <p:cxnSp>
+              <p:nvCxnSpPr>
+                <p:cNvPr id="67" name="Straight Arrow Connector 66">
+                  <a:extLst>
+                    <a:ext uri="{FF2B5EF4-FFF2-40B4-BE49-F238E27FC236}">
+                      <a16:creationId xmlns:a16="http://schemas.microsoft.com/office/drawing/2014/main" id="{B6ECA968-F609-48C2-8E41-3920D7E15BCC}"/>
+                    </a:ext>
+                  </a:extLst>
+                </p:cNvPr>
+                <p:cNvCxnSpPr>
+                  <a:cxnSpLocks/>
+                </p:cNvCxnSpPr>
+                <p:nvPr/>
+              </p:nvCxnSpPr>
+              <p:spPr>
+                <a:xfrm>
+                  <a:off x="7775713" y="4075766"/>
+                  <a:ext cx="356520" cy="0"/>
+                </a:xfrm>
+                <a:prstGeom prst="straightConnector1">
+                  <a:avLst/>
+                </a:prstGeom>
+                <a:ln>
+                  <a:tailEnd type="triangle"/>
+                </a:ln>
+              </p:spPr>
+              <p:style>
+                <a:lnRef idx="1">
+                  <a:schemeClr val="dk1"/>
+                </a:lnRef>
+                <a:fillRef idx="0">
+                  <a:schemeClr val="dk1"/>
+                </a:fillRef>
+                <a:effectRef idx="0">
+                  <a:schemeClr val="dk1"/>
+                </a:effectRef>
+                <a:fontRef idx="minor">
+                  <a:schemeClr val="tx1"/>
+                </a:fontRef>
+              </p:style>
+            </p:cxnSp>
+          </p:grpSp>
+          <p:cxnSp>
+            <p:nvCxnSpPr>
+              <p:cNvPr id="64" name="Straight Connector 63">
+                <a:extLst>
+                  <a:ext uri="{FF2B5EF4-FFF2-40B4-BE49-F238E27FC236}">
+                    <a16:creationId xmlns:a16="http://schemas.microsoft.com/office/drawing/2014/main" id="{0432C4BE-462A-4201-AB47-5CD39F5CDFAE}"/>
+                  </a:ext>
+                </a:extLst>
+              </p:cNvPr>
+              <p:cNvCxnSpPr>
+                <a:cxnSpLocks/>
+              </p:cNvCxnSpPr>
+              <p:nvPr/>
+            </p:nvCxnSpPr>
+            <p:spPr>
+              <a:xfrm>
+                <a:off x="6657469" y="5723798"/>
+                <a:ext cx="1087046" cy="0"/>
+              </a:xfrm>
+              <a:prstGeom prst="line">
+                <a:avLst/>
+              </a:prstGeom>
+            </p:spPr>
+            <p:style>
+              <a:lnRef idx="1">
+                <a:schemeClr val="dk1"/>
+              </a:lnRef>
+              <a:fillRef idx="0">
+                <a:schemeClr val="dk1"/>
+              </a:fillRef>
+              <a:effectRef idx="0">
+                <a:schemeClr val="dk1"/>
+              </a:effectRef>
+              <a:fontRef idx="minor">
+                <a:schemeClr val="tx1"/>
+              </a:fontRef>
+            </p:style>
+          </p:cxnSp>
+        </p:grpSp>
+      </p:grpSp>
+    </p:spTree>
+    <p:extLst>
+      <p:ext uri="{BB962C8B-B14F-4D97-AF65-F5344CB8AC3E}">
+        <p14:creationId xmlns:p14="http://schemas.microsoft.com/office/powerpoint/2010/main" val="2573305628"/>
+      </p:ext>
+    </p:extLst>
+  </p:cSld>
+  <p:clrMapOvr>
+    <a:masterClrMapping/>
+  </p:clrMapOvr>
+</p:sld>
+</file>
+
+<file path=ppt/slides/slide12.xml><?xml version="1.0" encoding="utf-8"?>
+<p:sld xmlns:a="http://schemas.openxmlformats.org/drawingml/2006/main" xmlns:r="http://schemas.openxmlformats.org/officeDocument/2006/relationships" xmlns:p="http://schemas.openxmlformats.org/presentationml/2006/main">
+  <p:cSld>
+    <p:spTree>
+      <p:nvGrpSpPr>
+        <p:cNvPr id="1" name=""/>
+        <p:cNvGrpSpPr/>
+        <p:nvPr/>
+      </p:nvGrpSpPr>
+      <p:grpSpPr>
+        <a:xfrm>
+          <a:off x="0" y="0"/>
+          <a:ext cx="0" cy="0"/>
+          <a:chOff x="0" y="0"/>
+          <a:chExt cx="0" cy="0"/>
+        </a:xfrm>
+      </p:grpSpPr>
+      <p:sp>
+        <p:nvSpPr>
+          <p:cNvPr id="2" name="Title 1">
+            <a:extLst>
+              <a:ext uri="{FF2B5EF4-FFF2-40B4-BE49-F238E27FC236}">
                 <a16:creationId xmlns:a16="http://schemas.microsoft.com/office/drawing/2014/main" id="{71BDCC16-6D97-4CA2-AE1B-B46AE468D559}"/>
               </a:ext>
             </a:extLst>
@@ -3487,7 +5943,7 @@
 </p:sld>
 </file>
 
-<file path=ppt/slides/slide11.xml><?xml version="1.0" encoding="utf-8"?>
+<file path=ppt/slides/slide13.xml><?xml version="1.0" encoding="utf-8"?>
 <p:sld xmlns:a="http://schemas.openxmlformats.org/drawingml/2006/main" xmlns:r="http://schemas.openxmlformats.org/officeDocument/2006/relationships" xmlns:p="http://schemas.openxmlformats.org/presentationml/2006/main">
   <p:cSld>
     <p:spTree>
@@ -3776,7 +6232,7 @@
 </p:sld>
 </file>
 
-<file path=ppt/slides/slide12.xml><?xml version="1.0" encoding="utf-8"?>
+<file path=ppt/slides/slide14.xml><?xml version="1.0" encoding="utf-8"?>
 <p:sld xmlns:a="http://schemas.openxmlformats.org/drawingml/2006/main" xmlns:r="http://schemas.openxmlformats.org/officeDocument/2006/relationships" xmlns:p="http://schemas.openxmlformats.org/presentationml/2006/main">
   <p:cSld>
     <p:spTree>
@@ -5532,7 +7988,7 @@
 </p:sld>
 </file>
 
-<file path=ppt/slides/slide13.xml><?xml version="1.0" encoding="utf-8"?>
+<file path=ppt/slides/slide15.xml><?xml version="1.0" encoding="utf-8"?>
 <p:sld xmlns:a="http://schemas.openxmlformats.org/drawingml/2006/main" xmlns:r="http://schemas.openxmlformats.org/officeDocument/2006/relationships" xmlns:p="http://schemas.openxmlformats.org/presentationml/2006/main">
   <p:cSld>
     <p:spTree>
@@ -11035,7 +13491,7 @@
 </p:sld>
 </file>
 
-<file path=ppt/slides/slide14.xml><?xml version="1.0" encoding="utf-8"?>
+<file path=ppt/slides/slide16.xml><?xml version="1.0" encoding="utf-8"?>
 <p:sld xmlns:a="http://schemas.openxmlformats.org/drawingml/2006/main" xmlns:r="http://schemas.openxmlformats.org/officeDocument/2006/relationships" xmlns:p="http://schemas.openxmlformats.org/presentationml/2006/main">
   <p:cSld>
     <p:spTree>
@@ -16550,6 +19006,361 @@
 </p:sld>
 </file>
 
+<file path=ppt/slides/slide17.xml><?xml version="1.0" encoding="utf-8"?>
+<p:sld xmlns:a="http://schemas.openxmlformats.org/drawingml/2006/main" xmlns:r="http://schemas.openxmlformats.org/officeDocument/2006/relationships" xmlns:p="http://schemas.openxmlformats.org/presentationml/2006/main">
+  <p:cSld>
+    <p:spTree>
+      <p:nvGrpSpPr>
+        <p:cNvPr id="1" name=""/>
+        <p:cNvGrpSpPr/>
+        <p:nvPr/>
+      </p:nvGrpSpPr>
+      <p:grpSpPr>
+        <a:xfrm>
+          <a:off x="0" y="0"/>
+          <a:ext cx="0" cy="0"/>
+          <a:chOff x="0" y="0"/>
+          <a:chExt cx="0" cy="0"/>
+        </a:xfrm>
+      </p:grpSpPr>
+      <p:sp>
+        <p:nvSpPr>
+          <p:cNvPr id="2" name="Title 1">
+            <a:extLst>
+              <a:ext uri="{FF2B5EF4-FFF2-40B4-BE49-F238E27FC236}">
+                <a16:creationId xmlns:a16="http://schemas.microsoft.com/office/drawing/2014/main" id="{30B6ACA2-3B90-4553-849D-B2E41E1155A3}"/>
+              </a:ext>
+            </a:extLst>
+          </p:cNvPr>
+          <p:cNvSpPr>
+            <a:spLocks noGrp="1"/>
+          </p:cNvSpPr>
+          <p:nvPr>
+            <p:ph type="title"/>
+          </p:nvPr>
+        </p:nvSpPr>
+        <p:spPr/>
+        <p:txBody>
+          <a:bodyPr/>
+          <a:lstStyle/>
+          <a:p>
+            <a:r>
+              <a:rPr lang="en-US" dirty="0"/>
+              <a:t>Classification Tree: Pseudocode </a:t>
+            </a:r>
+          </a:p>
+        </p:txBody>
+      </p:sp>
+      <p:sp>
+        <p:nvSpPr>
+          <p:cNvPr id="3" name="Content Placeholder 2">
+            <a:extLst>
+              <a:ext uri="{FF2B5EF4-FFF2-40B4-BE49-F238E27FC236}">
+                <a16:creationId xmlns:a16="http://schemas.microsoft.com/office/drawing/2014/main" id="{D2DF916F-BEF6-4F0C-ADEF-7BEEF3A81EDF}"/>
+              </a:ext>
+            </a:extLst>
+          </p:cNvPr>
+          <p:cNvSpPr>
+            <a:spLocks noGrp="1"/>
+          </p:cNvSpPr>
+          <p:nvPr>
+            <p:ph idx="1"/>
+          </p:nvPr>
+        </p:nvSpPr>
+        <p:spPr/>
+        <p:txBody>
+          <a:bodyPr/>
+          <a:lstStyle/>
+          <a:p>
+            <a:r>
+              <a:rPr lang="en-US" dirty="0"/>
+              <a:t>While True</a:t>
+            </a:r>
+          </a:p>
+          <a:p>
+            <a:pPr lvl="1"/>
+            <a:r>
+              <a:rPr lang="en-US" dirty="0"/>
+              <a:t>Compute entropy before split</a:t>
+            </a:r>
+          </a:p>
+          <a:p>
+            <a:pPr lvl="1"/>
+            <a:r>
+              <a:rPr lang="en-US" dirty="0"/>
+              <a:t>For each attribute (independent variable x)</a:t>
+            </a:r>
+          </a:p>
+          <a:p>
+            <a:pPr lvl="2"/>
+            <a:r>
+              <a:rPr lang="en-US" dirty="0"/>
+              <a:t>Compute entropy after split</a:t>
+            </a:r>
+          </a:p>
+          <a:p>
+            <a:pPr lvl="2"/>
+            <a:r>
+              <a:rPr lang="en-US" dirty="0"/>
+              <a:t>Compute information gain</a:t>
+            </a:r>
+          </a:p>
+          <a:p>
+            <a:pPr lvl="1"/>
+            <a:r>
+              <a:rPr lang="en-US" dirty="0"/>
+              <a:t>Select the attribute that yield highest information gain (best split) to be the current split</a:t>
+            </a:r>
+          </a:p>
+          <a:p>
+            <a:pPr lvl="1"/>
+            <a:r>
+              <a:rPr lang="en-US" dirty="0"/>
+              <a:t>If the split result in leaf node</a:t>
+            </a:r>
+          </a:p>
+          <a:p>
+            <a:pPr lvl="2"/>
+            <a:r>
+              <a:rPr lang="en-US" dirty="0"/>
+              <a:t>Break the loop</a:t>
+            </a:r>
+          </a:p>
+          <a:p>
+            <a:pPr marL="457200" lvl="1" indent="0">
+              <a:buNone/>
+            </a:pPr>
+            <a:endParaRPr lang="en-US" dirty="0"/>
+          </a:p>
+          <a:p>
+            <a:endParaRPr lang="en-US" dirty="0"/>
+          </a:p>
+        </p:txBody>
+      </p:sp>
+    </p:spTree>
+    <p:extLst>
+      <p:ext uri="{BB962C8B-B14F-4D97-AF65-F5344CB8AC3E}">
+        <p14:creationId xmlns:p14="http://schemas.microsoft.com/office/powerpoint/2010/main" val="204683889"/>
+      </p:ext>
+    </p:extLst>
+  </p:cSld>
+  <p:clrMapOvr>
+    <a:masterClrMapping/>
+  </p:clrMapOvr>
+</p:sld>
+</file>
+
+<file path=ppt/slides/slide18.xml><?xml version="1.0" encoding="utf-8"?>
+<p:sld xmlns:a="http://schemas.openxmlformats.org/drawingml/2006/main" xmlns:r="http://schemas.openxmlformats.org/officeDocument/2006/relationships" xmlns:p="http://schemas.openxmlformats.org/presentationml/2006/main">
+  <p:cSld>
+    <p:spTree>
+      <p:nvGrpSpPr>
+        <p:cNvPr id="1" name=""/>
+        <p:cNvGrpSpPr/>
+        <p:nvPr/>
+      </p:nvGrpSpPr>
+      <p:grpSpPr>
+        <a:xfrm>
+          <a:off x="0" y="0"/>
+          <a:ext cx="0" cy="0"/>
+          <a:chOff x="0" y="0"/>
+          <a:chExt cx="0" cy="0"/>
+        </a:xfrm>
+      </p:grpSpPr>
+      <p:sp>
+        <p:nvSpPr>
+          <p:cNvPr id="2" name="Title 1">
+            <a:extLst>
+              <a:ext uri="{FF2B5EF4-FFF2-40B4-BE49-F238E27FC236}">
+                <a16:creationId xmlns:a16="http://schemas.microsoft.com/office/drawing/2014/main" id="{3FE0A14E-E0A1-405F-93AE-0FD81EA83D9E}"/>
+              </a:ext>
+            </a:extLst>
+          </p:cNvPr>
+          <p:cNvSpPr>
+            <a:spLocks noGrp="1"/>
+          </p:cNvSpPr>
+          <p:nvPr>
+            <p:ph type="title"/>
+          </p:nvPr>
+        </p:nvSpPr>
+        <p:spPr/>
+        <p:txBody>
+          <a:bodyPr/>
+          <a:lstStyle/>
+          <a:p>
+            <a:r>
+              <a:rPr lang="en-US" dirty="0"/>
+              <a:t>2. Random Forest	</a:t>
+            </a:r>
+          </a:p>
+        </p:txBody>
+      </p:sp>
+      <p:sp>
+        <p:nvSpPr>
+          <p:cNvPr id="3" name="Content Placeholder 2">
+            <a:extLst>
+              <a:ext uri="{FF2B5EF4-FFF2-40B4-BE49-F238E27FC236}">
+                <a16:creationId xmlns:a16="http://schemas.microsoft.com/office/drawing/2014/main" id="{32C45709-C065-43D0-9F71-058D36AE7E1B}"/>
+              </a:ext>
+            </a:extLst>
+          </p:cNvPr>
+          <p:cNvSpPr>
+            <a:spLocks noGrp="1"/>
+          </p:cNvSpPr>
+          <p:nvPr>
+            <p:ph idx="1"/>
+          </p:nvPr>
+        </p:nvSpPr>
+        <p:spPr/>
+        <p:txBody>
+          <a:bodyPr/>
+          <a:lstStyle/>
+          <a:p>
+            <a:r>
+              <a:rPr lang="en-US" dirty="0"/>
+              <a:t>Random Forest = Decision Tree + Ensemble learning</a:t>
+            </a:r>
+          </a:p>
+          <a:p>
+            <a:r>
+              <a:rPr lang="en-US" dirty="0"/>
+              <a:t>Ensemble learning: process of combining many estimators to reduce bias, variance, and data sensitivity</a:t>
+            </a:r>
+          </a:p>
+          <a:p>
+            <a:r>
+              <a:rPr lang="en-US" dirty="0"/>
+              <a:t>Bootstrapping: the process of resampling with replacement to increase the size of dataset without having to collect more</a:t>
+            </a:r>
+          </a:p>
+          <a:p>
+            <a:r>
+              <a:rPr lang="en-US" dirty="0"/>
+              <a:t>Bagging: one type of ensemble learning that train multiple Decision Tree in parallel each with different partial dataset. Each partial dataset are generated from real dataset using the concept of bootstrapping</a:t>
+            </a:r>
+          </a:p>
+          <a:p>
+            <a:endParaRPr lang="en-US" dirty="0"/>
+          </a:p>
+        </p:txBody>
+      </p:sp>
+    </p:spTree>
+    <p:extLst>
+      <p:ext uri="{BB962C8B-B14F-4D97-AF65-F5344CB8AC3E}">
+        <p14:creationId xmlns:p14="http://schemas.microsoft.com/office/powerpoint/2010/main" val="371966006"/>
+      </p:ext>
+    </p:extLst>
+  </p:cSld>
+  <p:clrMapOvr>
+    <a:masterClrMapping/>
+  </p:clrMapOvr>
+</p:sld>
+</file>
+
+<file path=ppt/slides/slide19.xml><?xml version="1.0" encoding="utf-8"?>
+<p:sld xmlns:a="http://schemas.openxmlformats.org/drawingml/2006/main" xmlns:r="http://schemas.openxmlformats.org/officeDocument/2006/relationships" xmlns:p="http://schemas.openxmlformats.org/presentationml/2006/main">
+  <p:cSld>
+    <p:spTree>
+      <p:nvGrpSpPr>
+        <p:cNvPr id="1" name=""/>
+        <p:cNvGrpSpPr/>
+        <p:nvPr/>
+      </p:nvGrpSpPr>
+      <p:grpSpPr>
+        <a:xfrm>
+          <a:off x="0" y="0"/>
+          <a:ext cx="0" cy="0"/>
+          <a:chOff x="0" y="0"/>
+          <a:chExt cx="0" cy="0"/>
+        </a:xfrm>
+      </p:grpSpPr>
+      <p:sp>
+        <p:nvSpPr>
+          <p:cNvPr id="2" name="Title 1">
+            <a:extLst>
+              <a:ext uri="{FF2B5EF4-FFF2-40B4-BE49-F238E27FC236}">
+                <a16:creationId xmlns:a16="http://schemas.microsoft.com/office/drawing/2014/main" id="{3FE0A14E-E0A1-405F-93AE-0FD81EA83D9E}"/>
+              </a:ext>
+            </a:extLst>
+          </p:cNvPr>
+          <p:cNvSpPr>
+            <a:spLocks noGrp="1"/>
+          </p:cNvSpPr>
+          <p:nvPr>
+            <p:ph type="title"/>
+          </p:nvPr>
+        </p:nvSpPr>
+        <p:spPr/>
+        <p:txBody>
+          <a:bodyPr/>
+          <a:lstStyle/>
+          <a:p>
+            <a:r>
+              <a:rPr lang="en-US" dirty="0"/>
+              <a:t>2. Random Forest	</a:t>
+            </a:r>
+          </a:p>
+        </p:txBody>
+      </p:sp>
+      <p:sp>
+        <p:nvSpPr>
+          <p:cNvPr id="3" name="Content Placeholder 2">
+            <a:extLst>
+              <a:ext uri="{FF2B5EF4-FFF2-40B4-BE49-F238E27FC236}">
+                <a16:creationId xmlns:a16="http://schemas.microsoft.com/office/drawing/2014/main" id="{32C45709-C065-43D0-9F71-058D36AE7E1B}"/>
+              </a:ext>
+            </a:extLst>
+          </p:cNvPr>
+          <p:cNvSpPr>
+            <a:spLocks noGrp="1"/>
+          </p:cNvSpPr>
+          <p:nvPr>
+            <p:ph idx="1"/>
+          </p:nvPr>
+        </p:nvSpPr>
+        <p:spPr/>
+        <p:txBody>
+          <a:bodyPr/>
+          <a:lstStyle/>
+          <a:p>
+            <a:r>
+              <a:rPr lang="en-US" dirty="0"/>
+              <a:t>Random Forest = Decision Tree + Ensemble learning</a:t>
+            </a:r>
+          </a:p>
+          <a:p>
+            <a:r>
+              <a:rPr lang="en-US" dirty="0"/>
+              <a:t>Ensemble learning: process of combining many estimator to reduce bias, reduce variance, and reduce data sensitivity</a:t>
+            </a:r>
+          </a:p>
+          <a:p>
+            <a:r>
+              <a:rPr lang="en-US" dirty="0"/>
+              <a:t>Bagging: one type of ensemble learning that is used in Random Forest </a:t>
+            </a:r>
+          </a:p>
+          <a:p>
+            <a:r>
+              <a:rPr lang="en-US" dirty="0"/>
+              <a:t>Bootstrapping: the process of resampling with replacement to increase the size of dataset without having to collect more</a:t>
+            </a:r>
+          </a:p>
+        </p:txBody>
+      </p:sp>
+    </p:spTree>
+    <p:extLst>
+      <p:ext uri="{BB962C8B-B14F-4D97-AF65-F5344CB8AC3E}">
+        <p14:creationId xmlns:p14="http://schemas.microsoft.com/office/powerpoint/2010/main" val="3391837618"/>
+      </p:ext>
+    </p:extLst>
+  </p:cSld>
+  <p:clrMapOvr>
+    <a:masterClrMapping/>
+  </p:clrMapOvr>
+</p:sld>
+</file>
+
 <file path=ppt/slides/slide2.xml><?xml version="1.0" encoding="utf-8"?>
 <p:sld xmlns:a="http://schemas.openxmlformats.org/drawingml/2006/main" xmlns:r="http://schemas.openxmlformats.org/officeDocument/2006/relationships" xmlns:p="http://schemas.openxmlformats.org/presentationml/2006/main">
   <p:cSld>
@@ -16632,16 +19443,7 @@
             </a:pPr>
             <a:r>
               <a:rPr lang="en-US" sz="4400" dirty="0"/>
-              <a:t>2.Complex Decision Tree</a:t>
-            </a:r>
-          </a:p>
-          <a:p>
-            <a:pPr marL="0" indent="0">
-              <a:buNone/>
-            </a:pPr>
-            <a:r>
-              <a:rPr lang="en-US" sz="4400" dirty="0"/>
-              <a:t>3.Random Forest</a:t>
+              <a:t>2.Random Forest</a:t>
             </a:r>
           </a:p>
         </p:txBody>
@@ -19282,19 +22084,7 @@
           <a:p>
             <a:r>
               <a:rPr lang="en-US" dirty="0"/>
-              <a:t>CART (Classification And Regression Tree)</a:t>
-            </a:r>
-          </a:p>
-          <a:p>
-            <a:r>
-              <a:rPr lang="en-US" dirty="0"/>
-              <a:t>Classification Tree: categorical y </a:t>
-            </a:r>
-          </a:p>
-          <a:p>
-            <a:r>
-              <a:rPr lang="en-US" dirty="0"/>
-              <a:t>Regression Tree: continuous y </a:t>
+              <a:t>CART (Classification And Regression Tree) </a:t>
             </a:r>
           </a:p>
           <a:p>
@@ -19346,7 +22136,7 @@
           <p:cNvPr id="2" name="Title 1">
             <a:extLst>
               <a:ext uri="{FF2B5EF4-FFF2-40B4-BE49-F238E27FC236}">
-                <a16:creationId xmlns:a16="http://schemas.microsoft.com/office/drawing/2014/main" id="{453F0CD2-C49C-4A81-89FC-F9DA8B2D628A}"/>
+                <a16:creationId xmlns:a16="http://schemas.microsoft.com/office/drawing/2014/main" id="{3490AF22-1554-4359-9FC6-D1BC178F8F13}"/>
               </a:ext>
             </a:extLst>
           </p:cNvPr>
@@ -19364,17 +22154,48 @@
           <a:p>
             <a:r>
               <a:rPr lang="en-US" dirty="0"/>
-              <a:t>Summary of all types of Decision Tree</a:t>
+              <a:t>Type of output (dependent variable y)</a:t>
             </a:r>
+          </a:p>
+        </p:txBody>
+      </p:sp>
+      <p:sp>
+        <p:nvSpPr>
+          <p:cNvPr id="3" name="Content Placeholder 2">
+            <a:extLst>
+              <a:ext uri="{FF2B5EF4-FFF2-40B4-BE49-F238E27FC236}">
+                <a16:creationId xmlns:a16="http://schemas.microsoft.com/office/drawing/2014/main" id="{E046B9EF-940F-45F5-8934-6A6F74DE6F35}"/>
+              </a:ext>
+            </a:extLst>
+          </p:cNvPr>
+          <p:cNvSpPr>
+            <a:spLocks noGrp="1"/>
+          </p:cNvSpPr>
+          <p:nvPr>
+            <p:ph idx="1"/>
+          </p:nvPr>
+        </p:nvSpPr>
+        <p:spPr/>
+        <p:txBody>
+          <a:bodyPr/>
+          <a:lstStyle/>
+          <a:p>
+            <a:r>
+              <a:rPr lang="en-US" dirty="0"/>
+              <a:t>Classification Tree: categorical y</a:t>
+            </a:r>
+          </a:p>
+          <a:p>
+            <a:endParaRPr lang="en-US" dirty="0"/>
           </a:p>
         </p:txBody>
       </p:sp>
       <p:grpSp>
         <p:nvGrpSpPr>
-          <p:cNvPr id="52" name="Group 51">
+          <p:cNvPr id="4" name="Group 3">
             <a:extLst>
               <a:ext uri="{FF2B5EF4-FFF2-40B4-BE49-F238E27FC236}">
-                <a16:creationId xmlns:a16="http://schemas.microsoft.com/office/drawing/2014/main" id="{371806DB-9D06-49A9-9552-3538CA09B81C}"/>
+                <a16:creationId xmlns:a16="http://schemas.microsoft.com/office/drawing/2014/main" id="{7145A125-F915-49A7-8B38-37C9E75DD8FE}"/>
               </a:ext>
             </a:extLst>
           </p:cNvPr>
@@ -19383,18 +22204,21 @@
         </p:nvGrpSpPr>
         <p:grpSpPr>
           <a:xfrm>
-            <a:off x="1871874" y="1796444"/>
-            <a:ext cx="8100392" cy="4151256"/>
-            <a:chOff x="1871874" y="2457927"/>
-            <a:chExt cx="8100392" cy="4151256"/>
+            <a:off x="2898913" y="2999547"/>
+            <a:ext cx="6394174" cy="3312353"/>
+            <a:chOff x="2577547" y="3349486"/>
+            <a:chExt cx="6394174" cy="3312353"/>
           </a:xfrm>
+          <a:solidFill>
+            <a:schemeClr val="tx1"/>
+          </a:solidFill>
         </p:grpSpPr>
         <p:grpSp>
           <p:nvGrpSpPr>
-            <p:cNvPr id="53" name="Group 52">
+            <p:cNvPr id="5" name="Group 4">
               <a:extLst>
                 <a:ext uri="{FF2B5EF4-FFF2-40B4-BE49-F238E27FC236}">
-                  <a16:creationId xmlns:a16="http://schemas.microsoft.com/office/drawing/2014/main" id="{A2FA3601-4479-4466-A4A9-B8143E9B28E8}"/>
+                  <a16:creationId xmlns:a16="http://schemas.microsoft.com/office/drawing/2014/main" id="{6EAE5D62-35CC-4620-8AF3-28211226B4DB}"/>
                 </a:ext>
               </a:extLst>
             </p:cNvPr>
@@ -19403,18 +22227,19 @@
           </p:nvGrpSpPr>
           <p:grpSpPr>
             <a:xfrm>
-              <a:off x="1871874" y="4021685"/>
-              <a:ext cx="1749287" cy="675861"/>
-              <a:chOff x="1938130" y="3766930"/>
-              <a:chExt cx="1749287" cy="675861"/>
+              <a:off x="4244008" y="3349486"/>
+              <a:ext cx="3061252" cy="993913"/>
+              <a:chOff x="4204252" y="3180521"/>
+              <a:chExt cx="3061252" cy="993913"/>
             </a:xfrm>
+            <a:grpFill/>
           </p:grpSpPr>
           <p:sp>
             <p:nvSpPr>
-              <p:cNvPr id="90" name="Rectangle 89">
+              <p:cNvPr id="16" name="Rectangle 15">
                 <a:extLst>
                   <a:ext uri="{FF2B5EF4-FFF2-40B4-BE49-F238E27FC236}">
-                    <a16:creationId xmlns:a16="http://schemas.microsoft.com/office/drawing/2014/main" id="{E42DAD62-97D0-4E0C-B459-FB7CC2479A13}"/>
+                    <a16:creationId xmlns:a16="http://schemas.microsoft.com/office/drawing/2014/main" id="{FB068B0B-234B-40A3-A9F4-8EF176BB71EC}"/>
                   </a:ext>
                 </a:extLst>
               </p:cNvPr>
@@ -19423,12 +22248,13 @@
             </p:nvSpPr>
             <p:spPr>
               <a:xfrm>
-                <a:off x="1938130" y="3766930"/>
-                <a:ext cx="1749287" cy="675861"/>
+                <a:off x="4204252" y="3180521"/>
+                <a:ext cx="3061252" cy="993913"/>
               </a:xfrm>
               <a:prstGeom prst="rect">
                 <a:avLst/>
               </a:prstGeom>
+              <a:grpFill/>
             </p:spPr>
             <p:style>
               <a:lnRef idx="2">
@@ -19457,10 +22283,10 @@
           </p:sp>
           <p:sp>
             <p:nvSpPr>
-              <p:cNvPr id="91" name="TextBox 90">
+              <p:cNvPr id="17" name="TextBox 16">
                 <a:extLst>
                   <a:ext uri="{FF2B5EF4-FFF2-40B4-BE49-F238E27FC236}">
-                    <a16:creationId xmlns:a16="http://schemas.microsoft.com/office/drawing/2014/main" id="{E5D827BF-143E-4999-8E6F-0B4CA5C5271A}"/>
+                    <a16:creationId xmlns:a16="http://schemas.microsoft.com/office/drawing/2014/main" id="{DB49C503-AB21-4098-B18A-B0C5AFC69AEF}"/>
                   </a:ext>
                 </a:extLst>
               </p:cNvPr>
@@ -19469,13 +22295,13 @@
             </p:nvSpPr>
             <p:spPr>
               <a:xfrm>
-                <a:off x="2072308" y="3920194"/>
-                <a:ext cx="1480930" cy="369332"/>
+                <a:off x="4472608" y="3388233"/>
+                <a:ext cx="2524539" cy="553998"/>
               </a:xfrm>
               <a:prstGeom prst="rect">
                 <a:avLst/>
               </a:prstGeom>
-              <a:noFill/>
+              <a:grpFill/>
             </p:spPr>
             <p:txBody>
               <a:bodyPr wrap="square" rtlCol="0">
@@ -19483,13 +22309,14 @@
               </a:bodyPr>
               <a:lstStyle/>
               <a:p>
+                <a:pPr algn="ctr"/>
                 <a:r>
-                  <a:rPr lang="en-US" dirty="0">
+                  <a:rPr lang="en-US" sz="3000" b="1" dirty="0">
                     <a:solidFill>
                       <a:schemeClr val="bg1"/>
                     </a:solidFill>
                   </a:rPr>
-                  <a:t>Decision Tree</a:t>
+                  <a:t>Exercise</a:t>
                 </a:r>
               </a:p>
             </p:txBody>
@@ -19497,10 +22324,10 @@
         </p:grpSp>
         <p:grpSp>
           <p:nvGrpSpPr>
-            <p:cNvPr id="54" name="Group 53">
+            <p:cNvPr id="6" name="Group 5">
               <a:extLst>
                 <a:ext uri="{FF2B5EF4-FFF2-40B4-BE49-F238E27FC236}">
-                  <a16:creationId xmlns:a16="http://schemas.microsoft.com/office/drawing/2014/main" id="{44EE32ED-E203-42C1-9236-59EF7FBFC627}"/>
+                  <a16:creationId xmlns:a16="http://schemas.microsoft.com/office/drawing/2014/main" id="{3F3586E6-BA16-4E91-8231-AEAE4ED3231F}"/>
                 </a:ext>
               </a:extLst>
             </p:cNvPr>
@@ -19509,18 +22336,19 @@
           </p:nvGrpSpPr>
           <p:grpSpPr>
             <a:xfrm>
-              <a:off x="4767475" y="2898563"/>
-              <a:ext cx="1833769" cy="675861"/>
-              <a:chOff x="1938130" y="3766930"/>
-              <a:chExt cx="1833769" cy="675861"/>
+              <a:off x="7305260" y="4995378"/>
+              <a:ext cx="1666461" cy="1666461"/>
+              <a:chOff x="2100469" y="4645439"/>
+              <a:chExt cx="1666461" cy="1666461"/>
             </a:xfrm>
+            <a:grpFill/>
           </p:grpSpPr>
           <p:sp>
             <p:nvSpPr>
-              <p:cNvPr id="88" name="Rectangle 87">
+              <p:cNvPr id="14" name="Oval 13">
                 <a:extLst>
                   <a:ext uri="{FF2B5EF4-FFF2-40B4-BE49-F238E27FC236}">
-                    <a16:creationId xmlns:a16="http://schemas.microsoft.com/office/drawing/2014/main" id="{4D9D00C3-28A0-46E4-B3AF-82FC5509089F}"/>
+                    <a16:creationId xmlns:a16="http://schemas.microsoft.com/office/drawing/2014/main" id="{FBF21AA6-67D4-4BAC-9163-1A4480D728AB}"/>
                   </a:ext>
                 </a:extLst>
               </p:cNvPr>
@@ -19529,12 +22357,13 @@
             </p:nvSpPr>
             <p:spPr>
               <a:xfrm>
-                <a:off x="1938130" y="3766930"/>
-                <a:ext cx="1749287" cy="675861"/>
+                <a:off x="2100469" y="4645439"/>
+                <a:ext cx="1666461" cy="1666461"/>
               </a:xfrm>
-              <a:prstGeom prst="rect">
+              <a:prstGeom prst="ellipse">
                 <a:avLst/>
               </a:prstGeom>
+              <a:grpFill/>
             </p:spPr>
             <p:style>
               <a:lnRef idx="2">
@@ -19563,10 +22392,10 @@
           </p:sp>
           <p:sp>
             <p:nvSpPr>
-              <p:cNvPr id="89" name="TextBox 88">
+              <p:cNvPr id="15" name="TextBox 14">
                 <a:extLst>
                   <a:ext uri="{FF2B5EF4-FFF2-40B4-BE49-F238E27FC236}">
-                    <a16:creationId xmlns:a16="http://schemas.microsoft.com/office/drawing/2014/main" id="{949FA6D9-0C75-4B7F-9F53-C6944508195C}"/>
+                    <a16:creationId xmlns:a16="http://schemas.microsoft.com/office/drawing/2014/main" id="{5B8AAA7B-B1DE-4AB0-91DD-5600B85BB062}"/>
                   </a:ext>
                 </a:extLst>
               </p:cNvPr>
@@ -19575,13 +22404,13 @@
             </p:nvSpPr>
             <p:spPr>
               <a:xfrm>
-                <a:off x="2022613" y="3920194"/>
-                <a:ext cx="1749286" cy="369332"/>
+                <a:off x="2415208" y="5207246"/>
+                <a:ext cx="1282148" cy="553998"/>
               </a:xfrm>
               <a:prstGeom prst="rect">
                 <a:avLst/>
               </a:prstGeom>
-              <a:noFill/>
+              <a:grpFill/>
             </p:spPr>
             <p:txBody>
               <a:bodyPr wrap="square" rtlCol="0">
@@ -19590,12 +22419,12 @@
               <a:lstStyle/>
               <a:p>
                 <a:r>
-                  <a:rPr lang="en-US" dirty="0">
+                  <a:rPr lang="en-US" sz="3000" b="1" dirty="0">
                     <a:solidFill>
                       <a:schemeClr val="bg1"/>
                     </a:solidFill>
                   </a:rPr>
-                  <a:t>Regression Tree</a:t>
+                  <a:t>Unfit</a:t>
                 </a:r>
               </a:p>
             </p:txBody>
@@ -19603,10 +22432,10 @@
         </p:grpSp>
         <p:grpSp>
           <p:nvGrpSpPr>
-            <p:cNvPr id="55" name="Group 54">
+            <p:cNvPr id="7" name="Group 6">
               <a:extLst>
                 <a:ext uri="{FF2B5EF4-FFF2-40B4-BE49-F238E27FC236}">
-                  <a16:creationId xmlns:a16="http://schemas.microsoft.com/office/drawing/2014/main" id="{2684CFD5-DCF0-4285-860E-B0B1AC978716}"/>
+                  <a16:creationId xmlns:a16="http://schemas.microsoft.com/office/drawing/2014/main" id="{F832C74E-37D2-4E9E-A3FA-90E776649D18}"/>
                 </a:ext>
               </a:extLst>
             </p:cNvPr>
@@ -19615,18 +22444,19 @@
           </p:nvGrpSpPr>
           <p:grpSpPr>
             <a:xfrm>
-              <a:off x="4767475" y="5177936"/>
-              <a:ext cx="1749287" cy="675861"/>
-              <a:chOff x="1938130" y="3766930"/>
-              <a:chExt cx="1749287" cy="675861"/>
+              <a:off x="2577547" y="4995378"/>
+              <a:ext cx="1666461" cy="1666461"/>
+              <a:chOff x="2100469" y="4645438"/>
+              <a:chExt cx="1666461" cy="1666461"/>
             </a:xfrm>
+            <a:grpFill/>
           </p:grpSpPr>
           <p:sp>
             <p:nvSpPr>
-              <p:cNvPr id="86" name="Rectangle 85">
+              <p:cNvPr id="12" name="Oval 11">
                 <a:extLst>
                   <a:ext uri="{FF2B5EF4-FFF2-40B4-BE49-F238E27FC236}">
-                    <a16:creationId xmlns:a16="http://schemas.microsoft.com/office/drawing/2014/main" id="{2CE28910-4E7E-41BD-8068-AA323E509690}"/>
+                    <a16:creationId xmlns:a16="http://schemas.microsoft.com/office/drawing/2014/main" id="{1D099200-6271-4B65-864B-1635F151EF2E}"/>
                   </a:ext>
                 </a:extLst>
               </p:cNvPr>
@@ -19635,12 +22465,13 @@
             </p:nvSpPr>
             <p:spPr>
               <a:xfrm>
-                <a:off x="1938130" y="3766930"/>
-                <a:ext cx="1749287" cy="675861"/>
+                <a:off x="2100469" y="4645438"/>
+                <a:ext cx="1666461" cy="1666461"/>
               </a:xfrm>
-              <a:prstGeom prst="rect">
+              <a:prstGeom prst="ellipse">
                 <a:avLst/>
               </a:prstGeom>
+              <a:grpFill/>
             </p:spPr>
             <p:style>
               <a:lnRef idx="2">
@@ -19669,10 +22500,10 @@
           </p:sp>
           <p:sp>
             <p:nvSpPr>
-              <p:cNvPr id="87" name="TextBox 86">
+              <p:cNvPr id="13" name="TextBox 12">
                 <a:extLst>
                   <a:ext uri="{FF2B5EF4-FFF2-40B4-BE49-F238E27FC236}">
-                    <a16:creationId xmlns:a16="http://schemas.microsoft.com/office/drawing/2014/main" id="{7EB45F19-CB40-4D3E-988C-AE277AECF45B}"/>
+                    <a16:creationId xmlns:a16="http://schemas.microsoft.com/office/drawing/2014/main" id="{B4FAE8C8-483A-45FA-B026-637D5E3B8DD4}"/>
                   </a:ext>
                 </a:extLst>
               </p:cNvPr>
@@ -19681,13 +22512,13 @@
             </p:nvSpPr>
             <p:spPr>
               <a:xfrm>
-                <a:off x="2112065" y="3796460"/>
-                <a:ext cx="1429577" cy="646331"/>
+                <a:off x="2430218" y="5201669"/>
+                <a:ext cx="940837" cy="553998"/>
               </a:xfrm>
               <a:prstGeom prst="rect">
                 <a:avLst/>
               </a:prstGeom>
-              <a:noFill/>
+              <a:grpFill/>
             </p:spPr>
             <p:txBody>
               <a:bodyPr wrap="square" rtlCol="0">
@@ -19697,1062 +22528,346 @@
               <a:p>
                 <a:pPr algn="ctr"/>
                 <a:r>
-                  <a:rPr lang="en-US" dirty="0">
+                  <a:rPr lang="en-US" sz="3000" b="1" dirty="0">
                     <a:solidFill>
                       <a:schemeClr val="bg1"/>
                     </a:solidFill>
                   </a:rPr>
-                  <a:t>Classification </a:t>
-                </a:r>
-              </a:p>
-              <a:p>
-                <a:pPr algn="ctr"/>
-                <a:r>
-                  <a:rPr lang="en-US" dirty="0">
-                    <a:solidFill>
-                      <a:schemeClr val="bg1"/>
-                    </a:solidFill>
-                  </a:rPr>
-                  <a:t>Tree</a:t>
+                  <a:t>Fit</a:t>
                 </a:r>
               </a:p>
             </p:txBody>
           </p:sp>
         </p:grpSp>
-        <p:grpSp>
-          <p:nvGrpSpPr>
-            <p:cNvPr id="56" name="Group 55">
+        <p:cxnSp>
+          <p:nvCxnSpPr>
+            <p:cNvPr id="8" name="Straight Arrow Connector 7">
               <a:extLst>
                 <a:ext uri="{FF2B5EF4-FFF2-40B4-BE49-F238E27FC236}">
-                  <a16:creationId xmlns:a16="http://schemas.microsoft.com/office/drawing/2014/main" id="{ED1E4AF2-2FCB-4221-B82E-C1142FF574C0}"/>
+                  <a16:creationId xmlns:a16="http://schemas.microsoft.com/office/drawing/2014/main" id="{A21B6DBD-283F-43E3-8522-DFFD37FC1CBF}"/>
                 </a:ext>
               </a:extLst>
             </p:cNvPr>
-            <p:cNvGrpSpPr/>
+            <p:cNvCxnSpPr/>
             <p:nvPr/>
-          </p:nvGrpSpPr>
-          <p:grpSpPr>
-            <a:xfrm>
-              <a:off x="8222978" y="3545331"/>
-              <a:ext cx="1749287" cy="675861"/>
-              <a:chOff x="1938130" y="3766930"/>
-              <a:chExt cx="1749287" cy="675861"/>
+          </p:nvCxnSpPr>
+          <p:spPr>
+            <a:xfrm flipH="1">
+              <a:off x="4393095" y="4671391"/>
+              <a:ext cx="1252331" cy="576470"/>
             </a:xfrm>
-          </p:grpSpPr>
-          <p:sp>
-            <p:nvSpPr>
-              <p:cNvPr id="84" name="Rectangle 83">
-                <a:extLst>
-                  <a:ext uri="{FF2B5EF4-FFF2-40B4-BE49-F238E27FC236}">
-                    <a16:creationId xmlns:a16="http://schemas.microsoft.com/office/drawing/2014/main" id="{BD1625B1-5444-42BE-96ED-595840F5C4E2}"/>
-                  </a:ext>
-                </a:extLst>
-              </p:cNvPr>
-              <p:cNvSpPr/>
-              <p:nvPr/>
-            </p:nvSpPr>
-            <p:spPr>
-              <a:xfrm>
-                <a:off x="1938130" y="3766930"/>
-                <a:ext cx="1749287" cy="675861"/>
-              </a:xfrm>
-              <a:prstGeom prst="rect">
-                <a:avLst/>
-              </a:prstGeom>
-            </p:spPr>
-            <p:style>
-              <a:lnRef idx="2">
-                <a:schemeClr val="dk1">
-                  <a:shade val="50000"/>
-                </a:schemeClr>
-              </a:lnRef>
-              <a:fillRef idx="1">
-                <a:schemeClr val="dk1"/>
-              </a:fillRef>
-              <a:effectRef idx="0">
-                <a:schemeClr val="dk1"/>
-              </a:effectRef>
-              <a:fontRef idx="minor">
-                <a:schemeClr val="lt1"/>
-              </a:fontRef>
-            </p:style>
-            <p:txBody>
-              <a:bodyPr rtlCol="0" anchor="ctr"/>
-              <a:lstStyle/>
-              <a:p>
-                <a:pPr algn="ctr"/>
-                <a:endParaRPr lang="en-US"/>
-              </a:p>
-            </p:txBody>
-          </p:sp>
-          <p:sp>
-            <p:nvSpPr>
-              <p:cNvPr id="85" name="TextBox 84">
-                <a:extLst>
-                  <a:ext uri="{FF2B5EF4-FFF2-40B4-BE49-F238E27FC236}">
-                    <a16:creationId xmlns:a16="http://schemas.microsoft.com/office/drawing/2014/main" id="{C2556280-AFF6-4430-BFAE-6229823A000C}"/>
-                  </a:ext>
-                </a:extLst>
-              </p:cNvPr>
-              <p:cNvSpPr txBox="1"/>
-              <p:nvPr/>
-            </p:nvSpPr>
-            <p:spPr>
-              <a:xfrm>
-                <a:off x="1938131" y="3781694"/>
-                <a:ext cx="1749286" cy="646331"/>
-              </a:xfrm>
-              <a:prstGeom prst="rect">
-                <a:avLst/>
-              </a:prstGeom>
-              <a:noFill/>
-            </p:spPr>
-            <p:txBody>
-              <a:bodyPr wrap="square" rtlCol="0">
-                <a:spAutoFit/>
-              </a:bodyPr>
-              <a:lstStyle/>
-              <a:p>
-                <a:pPr algn="ctr"/>
-                <a:r>
-                  <a:rPr lang="en-US" dirty="0">
-                    <a:solidFill>
-                      <a:schemeClr val="bg1"/>
-                    </a:solidFill>
-                  </a:rPr>
-                  <a:t>Continuous input</a:t>
-                </a:r>
-              </a:p>
-            </p:txBody>
-          </p:sp>
-        </p:grpSp>
-        <p:grpSp>
-          <p:nvGrpSpPr>
-            <p:cNvPr id="57" name="Group 56">
+            <a:prstGeom prst="straightConnector1">
+              <a:avLst/>
+            </a:prstGeom>
+            <a:grpFill/>
+            <a:ln w="57150">
+              <a:tailEnd type="triangle"/>
+            </a:ln>
+          </p:spPr>
+          <p:style>
+            <a:lnRef idx="1">
+              <a:schemeClr val="dk1"/>
+            </a:lnRef>
+            <a:fillRef idx="0">
+              <a:schemeClr val="dk1"/>
+            </a:fillRef>
+            <a:effectRef idx="0">
+              <a:schemeClr val="dk1"/>
+            </a:effectRef>
+            <a:fontRef idx="minor">
+              <a:schemeClr val="tx1"/>
+            </a:fontRef>
+          </p:style>
+        </p:cxnSp>
+        <p:cxnSp>
+          <p:nvCxnSpPr>
+            <p:cNvPr id="9" name="Straight Arrow Connector 8">
               <a:extLst>
                 <a:ext uri="{FF2B5EF4-FFF2-40B4-BE49-F238E27FC236}">
-                  <a16:creationId xmlns:a16="http://schemas.microsoft.com/office/drawing/2014/main" id="{BCCC8F58-5153-4566-ABE8-014C0C59C7F5}"/>
+                  <a16:creationId xmlns:a16="http://schemas.microsoft.com/office/drawing/2014/main" id="{EF7F90DB-667E-4428-9FFE-DC4B8F7A6A35}"/>
                 </a:ext>
               </a:extLst>
             </p:cNvPr>
-            <p:cNvGrpSpPr/>
+            <p:cNvCxnSpPr>
+              <a:cxnSpLocks/>
+            </p:cNvCxnSpPr>
             <p:nvPr/>
-          </p:nvGrpSpPr>
-          <p:grpSpPr>
+          </p:nvCxnSpPr>
+          <p:spPr>
             <a:xfrm>
-              <a:off x="8222979" y="2457927"/>
-              <a:ext cx="1749287" cy="675861"/>
-              <a:chOff x="1938130" y="3766930"/>
-              <a:chExt cx="1749287" cy="675861"/>
+              <a:off x="5953538" y="4671391"/>
+              <a:ext cx="1162879" cy="576470"/>
             </a:xfrm>
-          </p:grpSpPr>
-          <p:sp>
-            <p:nvSpPr>
-              <p:cNvPr id="82" name="Rectangle 81">
-                <a:extLst>
-                  <a:ext uri="{FF2B5EF4-FFF2-40B4-BE49-F238E27FC236}">
-                    <a16:creationId xmlns:a16="http://schemas.microsoft.com/office/drawing/2014/main" id="{F9977F91-4833-4552-BF96-2B0660BD1F23}"/>
-                  </a:ext>
-                </a:extLst>
-              </p:cNvPr>
-              <p:cNvSpPr/>
-              <p:nvPr/>
-            </p:nvSpPr>
-            <p:spPr>
-              <a:xfrm>
-                <a:off x="1938130" y="3766930"/>
-                <a:ext cx="1749287" cy="675861"/>
-              </a:xfrm>
-              <a:prstGeom prst="rect">
-                <a:avLst/>
-              </a:prstGeom>
-            </p:spPr>
-            <p:style>
-              <a:lnRef idx="2">
-                <a:schemeClr val="dk1">
-                  <a:shade val="50000"/>
-                </a:schemeClr>
-              </a:lnRef>
-              <a:fillRef idx="1">
-                <a:schemeClr val="dk1"/>
-              </a:fillRef>
-              <a:effectRef idx="0">
-                <a:schemeClr val="dk1"/>
-              </a:effectRef>
-              <a:fontRef idx="minor">
-                <a:schemeClr val="lt1"/>
-              </a:fontRef>
-            </p:style>
-            <p:txBody>
-              <a:bodyPr rtlCol="0" anchor="ctr"/>
-              <a:lstStyle/>
-              <a:p>
-                <a:pPr algn="ctr"/>
-                <a:endParaRPr lang="en-US"/>
-              </a:p>
-            </p:txBody>
-          </p:sp>
-          <p:sp>
-            <p:nvSpPr>
-              <p:cNvPr id="83" name="TextBox 82">
-                <a:extLst>
-                  <a:ext uri="{FF2B5EF4-FFF2-40B4-BE49-F238E27FC236}">
-                    <a16:creationId xmlns:a16="http://schemas.microsoft.com/office/drawing/2014/main" id="{4C1D1CF2-DF7C-4423-B507-392673EEA5AA}"/>
-                  </a:ext>
-                </a:extLst>
-              </p:cNvPr>
-              <p:cNvSpPr txBox="1"/>
-              <p:nvPr/>
-            </p:nvSpPr>
-            <p:spPr>
-              <a:xfrm>
-                <a:off x="1938131" y="3781694"/>
-                <a:ext cx="1749286" cy="646331"/>
-              </a:xfrm>
-              <a:prstGeom prst="rect">
-                <a:avLst/>
-              </a:prstGeom>
-              <a:noFill/>
-            </p:spPr>
-            <p:txBody>
-              <a:bodyPr wrap="square" rtlCol="0">
-                <a:spAutoFit/>
-              </a:bodyPr>
-              <a:lstStyle/>
-              <a:p>
-                <a:pPr algn="ctr"/>
-                <a:r>
-                  <a:rPr lang="en-US" dirty="0">
-                    <a:solidFill>
-                      <a:schemeClr val="bg1"/>
-                    </a:solidFill>
-                  </a:rPr>
-                  <a:t>Categorical input</a:t>
-                </a:r>
-              </a:p>
-            </p:txBody>
-          </p:sp>
-        </p:grpSp>
-        <p:grpSp>
-          <p:nvGrpSpPr>
-            <p:cNvPr id="58" name="Group 57">
+            <a:prstGeom prst="straightConnector1">
+              <a:avLst/>
+            </a:prstGeom>
+            <a:grpFill/>
+            <a:ln w="57150">
+              <a:tailEnd type="triangle"/>
+            </a:ln>
+          </p:spPr>
+          <p:style>
+            <a:lnRef idx="1">
+              <a:schemeClr val="dk1"/>
+            </a:lnRef>
+            <a:fillRef idx="0">
+              <a:schemeClr val="dk1"/>
+            </a:fillRef>
+            <a:effectRef idx="0">
+              <a:schemeClr val="dk1"/>
+            </a:effectRef>
+            <a:fontRef idx="minor">
+              <a:schemeClr val="tx1"/>
+            </a:fontRef>
+          </p:style>
+        </p:cxnSp>
+        <p:sp>
+          <p:nvSpPr>
+            <p:cNvPr id="10" name="TextBox 9">
               <a:extLst>
                 <a:ext uri="{FF2B5EF4-FFF2-40B4-BE49-F238E27FC236}">
-                  <a16:creationId xmlns:a16="http://schemas.microsoft.com/office/drawing/2014/main" id="{C6D59132-5419-41DB-B274-33984D57EEC4}"/>
+                  <a16:creationId xmlns:a16="http://schemas.microsoft.com/office/drawing/2014/main" id="{F6E2F8F3-4F63-4C45-A1A9-C416A9FF9C58}"/>
                 </a:ext>
               </a:extLst>
             </p:cNvPr>
-            <p:cNvGrpSpPr/>
+            <p:cNvSpPr txBox="1"/>
             <p:nvPr/>
-          </p:nvGrpSpPr>
-          <p:grpSpPr>
+          </p:nvSpPr>
+          <p:spPr>
             <a:xfrm>
-              <a:off x="8222976" y="4811924"/>
-              <a:ext cx="1749287" cy="675861"/>
-              <a:chOff x="1938130" y="3766930"/>
-              <a:chExt cx="1749287" cy="675861"/>
+              <a:off x="4562061" y="4563357"/>
+              <a:ext cx="1341783" cy="369332"/>
             </a:xfrm>
-          </p:grpSpPr>
-          <p:sp>
-            <p:nvSpPr>
-              <p:cNvPr id="80" name="Rectangle 79">
-                <a:extLst>
-                  <a:ext uri="{FF2B5EF4-FFF2-40B4-BE49-F238E27FC236}">
-                    <a16:creationId xmlns:a16="http://schemas.microsoft.com/office/drawing/2014/main" id="{D57E78F2-22AF-4C84-9A02-6D0DDC04931D}"/>
-                  </a:ext>
-                </a:extLst>
-              </p:cNvPr>
-              <p:cNvSpPr/>
-              <p:nvPr/>
-            </p:nvSpPr>
-            <p:spPr>
-              <a:xfrm>
-                <a:off x="1938130" y="3766930"/>
-                <a:ext cx="1749287" cy="675861"/>
-              </a:xfrm>
-              <a:prstGeom prst="rect">
-                <a:avLst/>
-              </a:prstGeom>
-            </p:spPr>
-            <p:style>
-              <a:lnRef idx="2">
-                <a:schemeClr val="dk1">
-                  <a:shade val="50000"/>
-                </a:schemeClr>
-              </a:lnRef>
-              <a:fillRef idx="1">
-                <a:schemeClr val="dk1"/>
-              </a:fillRef>
-              <a:effectRef idx="0">
-                <a:schemeClr val="dk1"/>
-              </a:effectRef>
-              <a:fontRef idx="minor">
-                <a:schemeClr val="lt1"/>
-              </a:fontRef>
-            </p:style>
-            <p:txBody>
-              <a:bodyPr rtlCol="0" anchor="ctr"/>
-              <a:lstStyle/>
-              <a:p>
-                <a:pPr algn="ctr"/>
-                <a:endParaRPr lang="en-US"/>
-              </a:p>
-            </p:txBody>
-          </p:sp>
-          <p:sp>
-            <p:nvSpPr>
-              <p:cNvPr id="81" name="TextBox 80">
-                <a:extLst>
-                  <a:ext uri="{FF2B5EF4-FFF2-40B4-BE49-F238E27FC236}">
-                    <a16:creationId xmlns:a16="http://schemas.microsoft.com/office/drawing/2014/main" id="{C8526B6D-010D-4207-A38F-55C66E59C2A7}"/>
-                  </a:ext>
-                </a:extLst>
-              </p:cNvPr>
-              <p:cNvSpPr txBox="1"/>
-              <p:nvPr/>
-            </p:nvSpPr>
-            <p:spPr>
-              <a:xfrm>
-                <a:off x="1938131" y="3781694"/>
-                <a:ext cx="1749286" cy="646331"/>
-              </a:xfrm>
-              <a:prstGeom prst="rect">
-                <a:avLst/>
-              </a:prstGeom>
-              <a:noFill/>
-            </p:spPr>
-            <p:txBody>
-              <a:bodyPr wrap="square" rtlCol="0">
-                <a:spAutoFit/>
-              </a:bodyPr>
-              <a:lstStyle/>
-              <a:p>
-                <a:pPr algn="ctr"/>
-                <a:r>
-                  <a:rPr lang="en-US" dirty="0">
-                    <a:solidFill>
-                      <a:schemeClr val="bg1"/>
-                    </a:solidFill>
-                  </a:rPr>
-                  <a:t>Categorical input</a:t>
-                </a:r>
-              </a:p>
-            </p:txBody>
-          </p:sp>
-        </p:grpSp>
-        <p:grpSp>
-          <p:nvGrpSpPr>
-            <p:cNvPr id="59" name="Group 58">
+            <a:prstGeom prst="rect">
+              <a:avLst/>
+            </a:prstGeom>
+            <a:noFill/>
+          </p:spPr>
+          <p:txBody>
+            <a:bodyPr wrap="square" rtlCol="0">
+              <a:spAutoFit/>
+            </a:bodyPr>
+            <a:lstStyle/>
+            <a:p>
+              <a:r>
+                <a:rPr lang="en-US" b="0" i="0" dirty="0">
+                  <a:solidFill>
+                    <a:srgbClr val="303133"/>
+                  </a:solidFill>
+                  <a:effectLst/>
+                  <a:latin typeface="Poppins"/>
+                </a:rPr>
+                <a:t>Y</a:t>
+              </a:r>
+              <a:r>
+                <a:rPr lang="en-US" dirty="0">
+                  <a:solidFill>
+                    <a:srgbClr val="303133"/>
+                  </a:solidFill>
+                  <a:latin typeface="Poppins"/>
+                </a:rPr>
+                <a:t>ES</a:t>
+              </a:r>
+              <a:endParaRPr lang="en-US" b="0" i="0" dirty="0">
+                <a:solidFill>
+                  <a:srgbClr val="303133"/>
+                </a:solidFill>
+                <a:effectLst/>
+                <a:latin typeface="Poppins"/>
+              </a:endParaRPr>
+            </a:p>
+          </p:txBody>
+        </p:sp>
+        <p:sp>
+          <p:nvSpPr>
+            <p:cNvPr id="11" name="TextBox 10">
               <a:extLst>
                 <a:ext uri="{FF2B5EF4-FFF2-40B4-BE49-F238E27FC236}">
-                  <a16:creationId xmlns:a16="http://schemas.microsoft.com/office/drawing/2014/main" id="{DDA50A69-718C-44C7-8BCF-CE87F91FBBD8}"/>
+                  <a16:creationId xmlns:a16="http://schemas.microsoft.com/office/drawing/2014/main" id="{D863CCA8-64FD-46BF-8700-9D8BB2383B89}"/>
                 </a:ext>
               </a:extLst>
             </p:cNvPr>
-            <p:cNvGrpSpPr/>
+            <p:cNvSpPr txBox="1"/>
             <p:nvPr/>
-          </p:nvGrpSpPr>
-          <p:grpSpPr>
+          </p:nvSpPr>
+          <p:spPr>
             <a:xfrm>
-              <a:off x="8222977" y="5933322"/>
-              <a:ext cx="1749287" cy="675861"/>
-              <a:chOff x="1938130" y="3766930"/>
-              <a:chExt cx="1749287" cy="675861"/>
+              <a:off x="6634368" y="4536454"/>
+              <a:ext cx="1341783" cy="369332"/>
             </a:xfrm>
-          </p:grpSpPr>
-          <p:sp>
-            <p:nvSpPr>
-              <p:cNvPr id="78" name="Rectangle 77">
-                <a:extLst>
-                  <a:ext uri="{FF2B5EF4-FFF2-40B4-BE49-F238E27FC236}">
-                    <a16:creationId xmlns:a16="http://schemas.microsoft.com/office/drawing/2014/main" id="{ACA6C2A0-8B49-43AF-88B5-8F5F22137E8F}"/>
-                  </a:ext>
-                </a:extLst>
-              </p:cNvPr>
-              <p:cNvSpPr/>
-              <p:nvPr/>
-            </p:nvSpPr>
-            <p:spPr>
-              <a:xfrm>
-                <a:off x="1938130" y="3766930"/>
-                <a:ext cx="1749287" cy="675861"/>
-              </a:xfrm>
-              <a:prstGeom prst="rect">
-                <a:avLst/>
-              </a:prstGeom>
-            </p:spPr>
-            <p:style>
-              <a:lnRef idx="2">
-                <a:schemeClr val="dk1">
-                  <a:shade val="50000"/>
-                </a:schemeClr>
-              </a:lnRef>
-              <a:fillRef idx="1">
-                <a:schemeClr val="dk1"/>
-              </a:fillRef>
-              <a:effectRef idx="0">
-                <a:schemeClr val="dk1"/>
-              </a:effectRef>
-              <a:fontRef idx="minor">
-                <a:schemeClr val="lt1"/>
-              </a:fontRef>
-            </p:style>
-            <p:txBody>
-              <a:bodyPr rtlCol="0" anchor="ctr"/>
-              <a:lstStyle/>
-              <a:p>
-                <a:pPr algn="ctr"/>
-                <a:endParaRPr lang="en-US"/>
-              </a:p>
-            </p:txBody>
-          </p:sp>
-          <p:sp>
-            <p:nvSpPr>
-              <p:cNvPr id="79" name="TextBox 78">
-                <a:extLst>
-                  <a:ext uri="{FF2B5EF4-FFF2-40B4-BE49-F238E27FC236}">
-                    <a16:creationId xmlns:a16="http://schemas.microsoft.com/office/drawing/2014/main" id="{F3CD29A7-3F9F-420B-B29C-B12284F2D92A}"/>
-                  </a:ext>
-                </a:extLst>
-              </p:cNvPr>
-              <p:cNvSpPr txBox="1"/>
-              <p:nvPr/>
-            </p:nvSpPr>
-            <p:spPr>
-              <a:xfrm>
-                <a:off x="1938131" y="3781694"/>
-                <a:ext cx="1749286" cy="646331"/>
-              </a:xfrm>
-              <a:prstGeom prst="rect">
-                <a:avLst/>
-              </a:prstGeom>
-              <a:noFill/>
-            </p:spPr>
-            <p:txBody>
-              <a:bodyPr wrap="square" rtlCol="0">
-                <a:spAutoFit/>
-              </a:bodyPr>
-              <a:lstStyle/>
-              <a:p>
-                <a:pPr algn="ctr"/>
-                <a:r>
-                  <a:rPr lang="en-US" dirty="0">
-                    <a:solidFill>
-                      <a:schemeClr val="bg1"/>
-                    </a:solidFill>
-                  </a:rPr>
-                  <a:t>Continuous input</a:t>
-                </a:r>
-              </a:p>
-            </p:txBody>
-          </p:sp>
-        </p:grpSp>
-        <p:grpSp>
-          <p:nvGrpSpPr>
-            <p:cNvPr id="60" name="Group 59">
-              <a:extLst>
-                <a:ext uri="{FF2B5EF4-FFF2-40B4-BE49-F238E27FC236}">
-                  <a16:creationId xmlns:a16="http://schemas.microsoft.com/office/drawing/2014/main" id="{5DBAD87A-9FD0-41EC-95A5-B4F0BAA6DE0E}"/>
-                </a:ext>
-              </a:extLst>
-            </p:cNvPr>
-            <p:cNvGrpSpPr/>
-            <p:nvPr/>
-          </p:nvGrpSpPr>
-          <p:grpSpPr>
-            <a:xfrm>
-              <a:off x="3784600" y="3236493"/>
-              <a:ext cx="922867" cy="2236526"/>
-              <a:chOff x="3784600" y="3428999"/>
-              <a:chExt cx="922867" cy="2236526"/>
-            </a:xfrm>
-          </p:grpSpPr>
-          <p:grpSp>
-            <p:nvGrpSpPr>
-              <p:cNvPr id="73" name="Group 72">
-                <a:extLst>
-                  <a:ext uri="{FF2B5EF4-FFF2-40B4-BE49-F238E27FC236}">
-                    <a16:creationId xmlns:a16="http://schemas.microsoft.com/office/drawing/2014/main" id="{B3144FFC-CA9E-42C1-BBF7-3FD9E21BEA01}"/>
-                  </a:ext>
-                </a:extLst>
-              </p:cNvPr>
-              <p:cNvGrpSpPr/>
-              <p:nvPr/>
-            </p:nvGrpSpPr>
-            <p:grpSpPr>
-              <a:xfrm>
-                <a:off x="4293703" y="3428999"/>
-                <a:ext cx="413764" cy="2236526"/>
-                <a:chOff x="4293703" y="3428999"/>
-                <a:chExt cx="413764" cy="2236526"/>
-              </a:xfrm>
-            </p:grpSpPr>
-            <p:cxnSp>
-              <p:nvCxnSpPr>
-                <p:cNvPr id="75" name="Straight Connector 74">
-                  <a:extLst>
-                    <a:ext uri="{FF2B5EF4-FFF2-40B4-BE49-F238E27FC236}">
-                      <a16:creationId xmlns:a16="http://schemas.microsoft.com/office/drawing/2014/main" id="{64448796-4D86-4A82-B4F0-69F9BAEB9D2F}"/>
-                    </a:ext>
-                  </a:extLst>
-                </p:cNvPr>
-                <p:cNvCxnSpPr/>
-                <p:nvPr/>
-              </p:nvCxnSpPr>
-              <p:spPr>
-                <a:xfrm>
-                  <a:off x="4293704" y="3428999"/>
-                  <a:ext cx="0" cy="2236526"/>
-                </a:xfrm>
-                <a:prstGeom prst="line">
-                  <a:avLst/>
-                </a:prstGeom>
-                <a:ln/>
-              </p:spPr>
-              <p:style>
-                <a:lnRef idx="1">
-                  <a:schemeClr val="dk1"/>
-                </a:lnRef>
-                <a:fillRef idx="0">
-                  <a:schemeClr val="dk1"/>
-                </a:fillRef>
-                <a:effectRef idx="0">
-                  <a:schemeClr val="dk1"/>
-                </a:effectRef>
-                <a:fontRef idx="minor">
-                  <a:schemeClr val="tx1"/>
-                </a:fontRef>
-              </p:style>
-            </p:cxnSp>
-            <p:cxnSp>
-              <p:nvCxnSpPr>
-                <p:cNvPr id="76" name="Straight Arrow Connector 75">
-                  <a:extLst>
-                    <a:ext uri="{FF2B5EF4-FFF2-40B4-BE49-F238E27FC236}">
-                      <a16:creationId xmlns:a16="http://schemas.microsoft.com/office/drawing/2014/main" id="{A588DA5F-AA7E-41FF-B4B9-3C06A491E158}"/>
-                    </a:ext>
-                  </a:extLst>
-                </p:cNvPr>
-                <p:cNvCxnSpPr/>
-                <p:nvPr/>
-              </p:nvCxnSpPr>
-              <p:spPr>
-                <a:xfrm>
-                  <a:off x="4293704" y="3428999"/>
-                  <a:ext cx="413763" cy="0"/>
-                </a:xfrm>
-                <a:prstGeom prst="straightConnector1">
-                  <a:avLst/>
-                </a:prstGeom>
-                <a:ln>
-                  <a:tailEnd type="triangle"/>
-                </a:ln>
-              </p:spPr>
-              <p:style>
-                <a:lnRef idx="1">
-                  <a:schemeClr val="dk1"/>
-                </a:lnRef>
-                <a:fillRef idx="0">
-                  <a:schemeClr val="dk1"/>
-                </a:fillRef>
-                <a:effectRef idx="0">
-                  <a:schemeClr val="dk1"/>
-                </a:effectRef>
-                <a:fontRef idx="minor">
-                  <a:schemeClr val="tx1"/>
-                </a:fontRef>
-              </p:style>
-            </p:cxnSp>
-            <p:cxnSp>
-              <p:nvCxnSpPr>
-                <p:cNvPr id="77" name="Straight Arrow Connector 76">
-                  <a:extLst>
-                    <a:ext uri="{FF2B5EF4-FFF2-40B4-BE49-F238E27FC236}">
-                      <a16:creationId xmlns:a16="http://schemas.microsoft.com/office/drawing/2014/main" id="{F6002487-CE67-4624-B83C-715852C811B8}"/>
-                    </a:ext>
-                  </a:extLst>
-                </p:cNvPr>
-                <p:cNvCxnSpPr/>
-                <p:nvPr/>
-              </p:nvCxnSpPr>
-              <p:spPr>
-                <a:xfrm>
-                  <a:off x="4293703" y="5665525"/>
-                  <a:ext cx="413763" cy="0"/>
-                </a:xfrm>
-                <a:prstGeom prst="straightConnector1">
-                  <a:avLst/>
-                </a:prstGeom>
-                <a:ln>
-                  <a:tailEnd type="triangle"/>
-                </a:ln>
-              </p:spPr>
-              <p:style>
-                <a:lnRef idx="1">
-                  <a:schemeClr val="dk1"/>
-                </a:lnRef>
-                <a:fillRef idx="0">
-                  <a:schemeClr val="dk1"/>
-                </a:fillRef>
-                <a:effectRef idx="0">
-                  <a:schemeClr val="dk1"/>
-                </a:effectRef>
-                <a:fontRef idx="minor">
-                  <a:schemeClr val="tx1"/>
-                </a:fontRef>
-              </p:style>
-            </p:cxnSp>
-          </p:grpSp>
-          <p:cxnSp>
-            <p:nvCxnSpPr>
-              <p:cNvPr id="74" name="Straight Connector 73">
-                <a:extLst>
-                  <a:ext uri="{FF2B5EF4-FFF2-40B4-BE49-F238E27FC236}">
-                    <a16:creationId xmlns:a16="http://schemas.microsoft.com/office/drawing/2014/main" id="{EF75AB0E-7D9A-444C-895B-706B0AB96EA0}"/>
-                  </a:ext>
-                </a:extLst>
-              </p:cNvPr>
-              <p:cNvCxnSpPr/>
-              <p:nvPr/>
-            </p:nvCxnSpPr>
-            <p:spPr>
-              <a:xfrm>
-                <a:off x="3784600" y="4547262"/>
-                <a:ext cx="509103" cy="0"/>
-              </a:xfrm>
-              <a:prstGeom prst="line">
-                <a:avLst/>
-              </a:prstGeom>
-            </p:spPr>
-            <p:style>
-              <a:lnRef idx="1">
-                <a:schemeClr val="dk1"/>
-              </a:lnRef>
-              <a:fillRef idx="0">
-                <a:schemeClr val="dk1"/>
-              </a:fillRef>
-              <a:effectRef idx="0">
-                <a:schemeClr val="dk1"/>
-              </a:effectRef>
-              <a:fontRef idx="minor">
-                <a:schemeClr val="tx1"/>
-              </a:fontRef>
-            </p:style>
-          </p:cxnSp>
-        </p:grpSp>
-        <p:grpSp>
-          <p:nvGrpSpPr>
-            <p:cNvPr id="61" name="Group 60">
-              <a:extLst>
-                <a:ext uri="{FF2B5EF4-FFF2-40B4-BE49-F238E27FC236}">
-                  <a16:creationId xmlns:a16="http://schemas.microsoft.com/office/drawing/2014/main" id="{42949DA5-DC97-4E22-9D52-C4C350268675}"/>
-                </a:ext>
-              </a:extLst>
-            </p:cNvPr>
-            <p:cNvGrpSpPr/>
-            <p:nvPr/>
-          </p:nvGrpSpPr>
-          <p:grpSpPr>
-            <a:xfrm>
-              <a:off x="6688667" y="2690525"/>
-              <a:ext cx="1443566" cy="1192735"/>
-              <a:chOff x="6688667" y="2883031"/>
-              <a:chExt cx="1443566" cy="1192735"/>
-            </a:xfrm>
-          </p:grpSpPr>
-          <p:grpSp>
-            <p:nvGrpSpPr>
-              <p:cNvPr id="68" name="Group 67">
-                <a:extLst>
-                  <a:ext uri="{FF2B5EF4-FFF2-40B4-BE49-F238E27FC236}">
-                    <a16:creationId xmlns:a16="http://schemas.microsoft.com/office/drawing/2014/main" id="{1C125F7F-F0BC-4D55-986F-18DC06CB5979}"/>
-                  </a:ext>
-                </a:extLst>
-              </p:cNvPr>
-              <p:cNvGrpSpPr/>
-              <p:nvPr/>
-            </p:nvGrpSpPr>
-            <p:grpSpPr>
-              <a:xfrm>
-                <a:off x="7775713" y="2883031"/>
-                <a:ext cx="356520" cy="1192735"/>
-                <a:chOff x="7775713" y="2883031"/>
-                <a:chExt cx="356520" cy="1192735"/>
-              </a:xfrm>
-            </p:grpSpPr>
-            <p:cxnSp>
-              <p:nvCxnSpPr>
-                <p:cNvPr id="70" name="Straight Connector 69">
-                  <a:extLst>
-                    <a:ext uri="{FF2B5EF4-FFF2-40B4-BE49-F238E27FC236}">
-                      <a16:creationId xmlns:a16="http://schemas.microsoft.com/office/drawing/2014/main" id="{733FFD03-5CEC-4482-8975-5CBC73AB5BBE}"/>
-                    </a:ext>
-                  </a:extLst>
-                </p:cNvPr>
-                <p:cNvCxnSpPr>
-                  <a:cxnSpLocks/>
-                </p:cNvCxnSpPr>
-                <p:nvPr/>
-              </p:nvCxnSpPr>
-              <p:spPr>
-                <a:xfrm>
-                  <a:off x="7775713" y="2883031"/>
-                  <a:ext cx="0" cy="1192735"/>
-                </a:xfrm>
-                <a:prstGeom prst="line">
-                  <a:avLst/>
-                </a:prstGeom>
-                <a:ln/>
-              </p:spPr>
-              <p:style>
-                <a:lnRef idx="1">
-                  <a:schemeClr val="dk1"/>
-                </a:lnRef>
-                <a:fillRef idx="0">
-                  <a:schemeClr val="dk1"/>
-                </a:fillRef>
-                <a:effectRef idx="0">
-                  <a:schemeClr val="dk1"/>
-                </a:effectRef>
-                <a:fontRef idx="minor">
-                  <a:schemeClr val="tx1"/>
-                </a:fontRef>
-              </p:style>
-            </p:cxnSp>
-            <p:cxnSp>
-              <p:nvCxnSpPr>
-                <p:cNvPr id="71" name="Straight Arrow Connector 70">
-                  <a:extLst>
-                    <a:ext uri="{FF2B5EF4-FFF2-40B4-BE49-F238E27FC236}">
-                      <a16:creationId xmlns:a16="http://schemas.microsoft.com/office/drawing/2014/main" id="{D4B4CA11-6271-4FD4-BF24-9556A6E521CE}"/>
-                    </a:ext>
-                  </a:extLst>
-                </p:cNvPr>
-                <p:cNvCxnSpPr>
-                  <a:cxnSpLocks/>
-                </p:cNvCxnSpPr>
-                <p:nvPr/>
-              </p:nvCxnSpPr>
-              <p:spPr>
-                <a:xfrm>
-                  <a:off x="7775713" y="2883031"/>
-                  <a:ext cx="356520" cy="0"/>
-                </a:xfrm>
-                <a:prstGeom prst="straightConnector1">
-                  <a:avLst/>
-                </a:prstGeom>
-                <a:ln>
-                  <a:tailEnd type="triangle"/>
-                </a:ln>
-              </p:spPr>
-              <p:style>
-                <a:lnRef idx="1">
-                  <a:schemeClr val="dk1"/>
-                </a:lnRef>
-                <a:fillRef idx="0">
-                  <a:schemeClr val="dk1"/>
-                </a:fillRef>
-                <a:effectRef idx="0">
-                  <a:schemeClr val="dk1"/>
-                </a:effectRef>
-                <a:fontRef idx="minor">
-                  <a:schemeClr val="tx1"/>
-                </a:fontRef>
-              </p:style>
-            </p:cxnSp>
-            <p:cxnSp>
-              <p:nvCxnSpPr>
-                <p:cNvPr id="72" name="Straight Arrow Connector 71">
-                  <a:extLst>
-                    <a:ext uri="{FF2B5EF4-FFF2-40B4-BE49-F238E27FC236}">
-                      <a16:creationId xmlns:a16="http://schemas.microsoft.com/office/drawing/2014/main" id="{44C67B84-0F65-4D84-9763-1CD146F9D013}"/>
-                    </a:ext>
-                  </a:extLst>
-                </p:cNvPr>
-                <p:cNvCxnSpPr>
-                  <a:cxnSpLocks/>
-                </p:cNvCxnSpPr>
-                <p:nvPr/>
-              </p:nvCxnSpPr>
-              <p:spPr>
-                <a:xfrm>
-                  <a:off x="7775713" y="4075766"/>
-                  <a:ext cx="356520" cy="0"/>
-                </a:xfrm>
-                <a:prstGeom prst="straightConnector1">
-                  <a:avLst/>
-                </a:prstGeom>
-                <a:ln>
-                  <a:tailEnd type="triangle"/>
-                </a:ln>
-              </p:spPr>
-              <p:style>
-                <a:lnRef idx="1">
-                  <a:schemeClr val="dk1"/>
-                </a:lnRef>
-                <a:fillRef idx="0">
-                  <a:schemeClr val="dk1"/>
-                </a:fillRef>
-                <a:effectRef idx="0">
-                  <a:schemeClr val="dk1"/>
-                </a:effectRef>
-                <a:fontRef idx="minor">
-                  <a:schemeClr val="tx1"/>
-                </a:fontRef>
-              </p:style>
-            </p:cxnSp>
-          </p:grpSp>
-          <p:cxnSp>
-            <p:nvCxnSpPr>
-              <p:cNvPr id="69" name="Straight Connector 68">
-                <a:extLst>
-                  <a:ext uri="{FF2B5EF4-FFF2-40B4-BE49-F238E27FC236}">
-                    <a16:creationId xmlns:a16="http://schemas.microsoft.com/office/drawing/2014/main" id="{07946E1C-F7BD-41C7-9308-A0302066241F}"/>
-                  </a:ext>
-                </a:extLst>
-              </p:cNvPr>
-              <p:cNvCxnSpPr>
-                <a:cxnSpLocks/>
-              </p:cNvCxnSpPr>
-              <p:nvPr/>
-            </p:nvCxnSpPr>
-            <p:spPr>
-              <a:xfrm>
-                <a:off x="6688667" y="3425428"/>
-                <a:ext cx="1087046" cy="0"/>
-              </a:xfrm>
-              <a:prstGeom prst="line">
-                <a:avLst/>
-              </a:prstGeom>
-            </p:spPr>
-            <p:style>
-              <a:lnRef idx="1">
-                <a:schemeClr val="dk1"/>
-              </a:lnRef>
-              <a:fillRef idx="0">
-                <a:schemeClr val="dk1"/>
-              </a:fillRef>
-              <a:effectRef idx="0">
-                <a:schemeClr val="dk1"/>
-              </a:effectRef>
-              <a:fontRef idx="minor">
-                <a:schemeClr val="tx1"/>
-              </a:fontRef>
-            </p:style>
-          </p:cxnSp>
-        </p:grpSp>
-        <p:grpSp>
-          <p:nvGrpSpPr>
-            <p:cNvPr id="62" name="Group 61">
-              <a:extLst>
-                <a:ext uri="{FF2B5EF4-FFF2-40B4-BE49-F238E27FC236}">
-                  <a16:creationId xmlns:a16="http://schemas.microsoft.com/office/drawing/2014/main" id="{64F49B55-C1F9-4065-9796-FB16BED729C2}"/>
-                </a:ext>
-              </a:extLst>
-            </p:cNvPr>
-            <p:cNvGrpSpPr/>
-            <p:nvPr/>
-          </p:nvGrpSpPr>
-          <p:grpSpPr>
-            <a:xfrm>
-              <a:off x="6657469" y="5107634"/>
-              <a:ext cx="1443566" cy="1192735"/>
-              <a:chOff x="6657469" y="5300140"/>
-              <a:chExt cx="1443566" cy="1192735"/>
-            </a:xfrm>
-          </p:grpSpPr>
-          <p:grpSp>
-            <p:nvGrpSpPr>
-              <p:cNvPr id="63" name="Group 62">
-                <a:extLst>
-                  <a:ext uri="{FF2B5EF4-FFF2-40B4-BE49-F238E27FC236}">
-                    <a16:creationId xmlns:a16="http://schemas.microsoft.com/office/drawing/2014/main" id="{2EBC7689-7E88-4367-93A4-7F36D335207E}"/>
-                  </a:ext>
-                </a:extLst>
-              </p:cNvPr>
-              <p:cNvGrpSpPr/>
-              <p:nvPr/>
-            </p:nvGrpSpPr>
-            <p:grpSpPr>
-              <a:xfrm>
-                <a:off x="7744515" y="5300140"/>
-                <a:ext cx="356520" cy="1192735"/>
-                <a:chOff x="7775713" y="2883031"/>
-                <a:chExt cx="356520" cy="1192735"/>
-              </a:xfrm>
-            </p:grpSpPr>
-            <p:cxnSp>
-              <p:nvCxnSpPr>
-                <p:cNvPr id="65" name="Straight Connector 64">
-                  <a:extLst>
-                    <a:ext uri="{FF2B5EF4-FFF2-40B4-BE49-F238E27FC236}">
-                      <a16:creationId xmlns:a16="http://schemas.microsoft.com/office/drawing/2014/main" id="{DFF2A208-A217-4F5E-92AA-BD53D938587F}"/>
-                    </a:ext>
-                  </a:extLst>
-                </p:cNvPr>
-                <p:cNvCxnSpPr>
-                  <a:cxnSpLocks/>
-                </p:cNvCxnSpPr>
-                <p:nvPr/>
-              </p:nvCxnSpPr>
-              <p:spPr>
-                <a:xfrm>
-                  <a:off x="7775713" y="2883031"/>
-                  <a:ext cx="0" cy="1192735"/>
-                </a:xfrm>
-                <a:prstGeom prst="line">
-                  <a:avLst/>
-                </a:prstGeom>
-                <a:ln/>
-              </p:spPr>
-              <p:style>
-                <a:lnRef idx="1">
-                  <a:schemeClr val="dk1"/>
-                </a:lnRef>
-                <a:fillRef idx="0">
-                  <a:schemeClr val="dk1"/>
-                </a:fillRef>
-                <a:effectRef idx="0">
-                  <a:schemeClr val="dk1"/>
-                </a:effectRef>
-                <a:fontRef idx="minor">
-                  <a:schemeClr val="tx1"/>
-                </a:fontRef>
-              </p:style>
-            </p:cxnSp>
-            <p:cxnSp>
-              <p:nvCxnSpPr>
-                <p:cNvPr id="66" name="Straight Arrow Connector 65">
-                  <a:extLst>
-                    <a:ext uri="{FF2B5EF4-FFF2-40B4-BE49-F238E27FC236}">
-                      <a16:creationId xmlns:a16="http://schemas.microsoft.com/office/drawing/2014/main" id="{EC70EEF5-A46C-472E-9B2A-1CDA5BC69AB1}"/>
-                    </a:ext>
-                  </a:extLst>
-                </p:cNvPr>
-                <p:cNvCxnSpPr>
-                  <a:cxnSpLocks/>
-                </p:cNvCxnSpPr>
-                <p:nvPr/>
-              </p:nvCxnSpPr>
-              <p:spPr>
-                <a:xfrm>
-                  <a:off x="7775713" y="2883031"/>
-                  <a:ext cx="356520" cy="0"/>
-                </a:xfrm>
-                <a:prstGeom prst="straightConnector1">
-                  <a:avLst/>
-                </a:prstGeom>
-                <a:ln>
-                  <a:tailEnd type="triangle"/>
-                </a:ln>
-              </p:spPr>
-              <p:style>
-                <a:lnRef idx="1">
-                  <a:schemeClr val="dk1"/>
-                </a:lnRef>
-                <a:fillRef idx="0">
-                  <a:schemeClr val="dk1"/>
-                </a:fillRef>
-                <a:effectRef idx="0">
-                  <a:schemeClr val="dk1"/>
-                </a:effectRef>
-                <a:fontRef idx="minor">
-                  <a:schemeClr val="tx1"/>
-                </a:fontRef>
-              </p:style>
-            </p:cxnSp>
-            <p:cxnSp>
-              <p:nvCxnSpPr>
-                <p:cNvPr id="67" name="Straight Arrow Connector 66">
-                  <a:extLst>
-                    <a:ext uri="{FF2B5EF4-FFF2-40B4-BE49-F238E27FC236}">
-                      <a16:creationId xmlns:a16="http://schemas.microsoft.com/office/drawing/2014/main" id="{B6ECA968-F609-48C2-8E41-3920D7E15BCC}"/>
-                    </a:ext>
-                  </a:extLst>
-                </p:cNvPr>
-                <p:cNvCxnSpPr>
-                  <a:cxnSpLocks/>
-                </p:cNvCxnSpPr>
-                <p:nvPr/>
-              </p:nvCxnSpPr>
-              <p:spPr>
-                <a:xfrm>
-                  <a:off x="7775713" y="4075766"/>
-                  <a:ext cx="356520" cy="0"/>
-                </a:xfrm>
-                <a:prstGeom prst="straightConnector1">
-                  <a:avLst/>
-                </a:prstGeom>
-                <a:ln>
-                  <a:tailEnd type="triangle"/>
-                </a:ln>
-              </p:spPr>
-              <p:style>
-                <a:lnRef idx="1">
-                  <a:schemeClr val="dk1"/>
-                </a:lnRef>
-                <a:fillRef idx="0">
-                  <a:schemeClr val="dk1"/>
-                </a:fillRef>
-                <a:effectRef idx="0">
-                  <a:schemeClr val="dk1"/>
-                </a:effectRef>
-                <a:fontRef idx="minor">
-                  <a:schemeClr val="tx1"/>
-                </a:fontRef>
-              </p:style>
-            </p:cxnSp>
-          </p:grpSp>
-          <p:cxnSp>
-            <p:nvCxnSpPr>
-              <p:cNvPr id="64" name="Straight Connector 63">
-                <a:extLst>
-                  <a:ext uri="{FF2B5EF4-FFF2-40B4-BE49-F238E27FC236}">
-                    <a16:creationId xmlns:a16="http://schemas.microsoft.com/office/drawing/2014/main" id="{0432C4BE-462A-4201-AB47-5CD39F5CDFAE}"/>
-                  </a:ext>
-                </a:extLst>
-              </p:cNvPr>
-              <p:cNvCxnSpPr>
-                <a:cxnSpLocks/>
-              </p:cNvCxnSpPr>
-              <p:nvPr/>
-            </p:nvCxnSpPr>
-            <p:spPr>
-              <a:xfrm>
-                <a:off x="6657469" y="5723798"/>
-                <a:ext cx="1087046" cy="0"/>
-              </a:xfrm>
-              <a:prstGeom prst="line">
-                <a:avLst/>
-              </a:prstGeom>
-            </p:spPr>
-            <p:style>
-              <a:lnRef idx="1">
-                <a:schemeClr val="dk1"/>
-              </a:lnRef>
-              <a:fillRef idx="0">
-                <a:schemeClr val="dk1"/>
-              </a:fillRef>
-              <a:effectRef idx="0">
-                <a:schemeClr val="dk1"/>
-              </a:effectRef>
-              <a:fontRef idx="minor">
-                <a:schemeClr val="tx1"/>
-              </a:fontRef>
-            </p:style>
-          </p:cxnSp>
-        </p:grpSp>
+            <a:prstGeom prst="rect">
+              <a:avLst/>
+            </a:prstGeom>
+            <a:noFill/>
+          </p:spPr>
+          <p:txBody>
+            <a:bodyPr wrap="square" rtlCol="0">
+              <a:spAutoFit/>
+            </a:bodyPr>
+            <a:lstStyle/>
+            <a:p>
+              <a:r>
+                <a:rPr lang="en-US" b="0" i="0" dirty="0">
+                  <a:solidFill>
+                    <a:srgbClr val="303133"/>
+                  </a:solidFill>
+                  <a:effectLst/>
+                  <a:latin typeface="Poppins"/>
+                </a:rPr>
+                <a:t>NO</a:t>
+              </a:r>
+            </a:p>
+          </p:txBody>
+        </p:sp>
       </p:grpSp>
+      <p:sp>
+        <p:nvSpPr>
+          <p:cNvPr id="18" name="Oval 17">
+            <a:extLst>
+              <a:ext uri="{FF2B5EF4-FFF2-40B4-BE49-F238E27FC236}">
+                <a16:creationId xmlns:a16="http://schemas.microsoft.com/office/drawing/2014/main" id="{5A36FEA7-66B3-415A-8767-A20D20454A02}"/>
+              </a:ext>
+            </a:extLst>
+          </p:cNvPr>
+          <p:cNvSpPr/>
+          <p:nvPr/>
+        </p:nvSpPr>
+        <p:spPr>
+          <a:xfrm>
+            <a:off x="1869258" y="4363053"/>
+            <a:ext cx="8443666" cy="2329977"/>
+          </a:xfrm>
+          <a:prstGeom prst="ellipse">
+            <a:avLst/>
+          </a:prstGeom>
+          <a:noFill/>
+          <a:ln w="28575">
+            <a:solidFill>
+              <a:srgbClr val="FF0000"/>
+            </a:solidFill>
+          </a:ln>
+        </p:spPr>
+        <p:style>
+          <a:lnRef idx="2">
+            <a:schemeClr val="accent1">
+              <a:shade val="50000"/>
+            </a:schemeClr>
+          </a:lnRef>
+          <a:fillRef idx="1">
+            <a:schemeClr val="accent1"/>
+          </a:fillRef>
+          <a:effectRef idx="0">
+            <a:schemeClr val="accent1"/>
+          </a:effectRef>
+          <a:fontRef idx="minor">
+            <a:schemeClr val="lt1"/>
+          </a:fontRef>
+        </p:style>
+        <p:txBody>
+          <a:bodyPr rtlCol="0" anchor="ctr"/>
+          <a:lstStyle/>
+          <a:p>
+            <a:pPr algn="ctr"/>
+            <a:endParaRPr lang="en-US"/>
+          </a:p>
+        </p:txBody>
+      </p:sp>
     </p:spTree>
     <p:extLst>
       <p:ext uri="{BB962C8B-B14F-4D97-AF65-F5344CB8AC3E}">
-        <p14:creationId xmlns:p14="http://schemas.microsoft.com/office/powerpoint/2010/main" val="2573305628"/>
+        <p14:creationId xmlns:p14="http://schemas.microsoft.com/office/powerpoint/2010/main" val="2596883292"/>
       </p:ext>
     </p:extLst>
   </p:cSld>
   <p:clrMapOvr>
     <a:masterClrMapping/>
   </p:clrMapOvr>
+  <p:timing>
+    <p:tnLst>
+      <p:par>
+        <p:cTn id="1" dur="indefinite" restart="never" nodeType="tmRoot">
+          <p:childTnLst>
+            <p:seq concurrent="1" nextAc="seek">
+              <p:cTn id="2" dur="indefinite" nodeType="mainSeq">
+                <p:childTnLst>
+                  <p:par>
+                    <p:cTn id="3" fill="hold">
+                      <p:stCondLst>
+                        <p:cond delay="indefinite"/>
+                      </p:stCondLst>
+                      <p:childTnLst>
+                        <p:par>
+                          <p:cTn id="4" fill="hold">
+                            <p:stCondLst>
+                              <p:cond delay="0"/>
+                            </p:stCondLst>
+                            <p:childTnLst>
+                              <p:par>
+                                <p:cTn id="5" presetID="10" presetClass="entr" presetSubtype="0" fill="hold" grpId="0" nodeType="clickEffect">
+                                  <p:stCondLst>
+                                    <p:cond delay="0"/>
+                                  </p:stCondLst>
+                                  <p:childTnLst>
+                                    <p:set>
+                                      <p:cBhvr>
+                                        <p:cTn id="6" dur="1" fill="hold">
+                                          <p:stCondLst>
+                                            <p:cond delay="0"/>
+                                          </p:stCondLst>
+                                        </p:cTn>
+                                        <p:tgtEl>
+                                          <p:spTgt spid="18"/>
+                                        </p:tgtEl>
+                                        <p:attrNameLst>
+                                          <p:attrName>style.visibility</p:attrName>
+                                        </p:attrNameLst>
+                                      </p:cBhvr>
+                                      <p:to>
+                                        <p:strVal val="visible"/>
+                                      </p:to>
+                                    </p:set>
+                                    <p:animEffect transition="in" filter="fade">
+                                      <p:cBhvr>
+                                        <p:cTn id="7" dur="500"/>
+                                        <p:tgtEl>
+                                          <p:spTgt spid="18"/>
+                                        </p:tgtEl>
+                                      </p:cBhvr>
+                                    </p:animEffect>
+                                  </p:childTnLst>
+                                </p:cTn>
+                              </p:par>
+                            </p:childTnLst>
+                          </p:cTn>
+                        </p:par>
+                      </p:childTnLst>
+                    </p:cTn>
+                  </p:par>
+                </p:childTnLst>
+              </p:cTn>
+              <p:prevCondLst>
+                <p:cond evt="onPrev" delay="0">
+                  <p:tgtEl>
+                    <p:sldTgt/>
+                  </p:tgtEl>
+                </p:cond>
+              </p:prevCondLst>
+              <p:nextCondLst>
+                <p:cond evt="onNext" delay="0">
+                  <p:tgtEl>
+                    <p:sldTgt/>
+                  </p:tgtEl>
+                </p:cond>
+              </p:nextCondLst>
+            </p:seq>
+          </p:childTnLst>
+        </p:cTn>
+      </p:par>
+    </p:tnLst>
+    <p:bldLst>
+      <p:bldP spid="18" grpId="0" animBg="1"/>
+    </p:bldLst>
+  </p:timing>
 </p:sld>
 </file>
 

--- a/Decision_tree_and_Random_forest.pptx
+++ b/Decision_tree_and_Random_forest.pptx
@@ -5,7 +5,7 @@
     <p:sldMasterId id="2147483648" r:id="rId1"/>
   </p:sldMasterIdLst>
   <p:notesMasterIdLst>
-    <p:notesMasterId r:id="rId36"/>
+    <p:notesMasterId r:id="rId38"/>
   </p:notesMasterIdLst>
   <p:sldIdLst>
     <p:sldId id="256" r:id="rId2"/>
@@ -42,6 +42,8 @@
     <p:sldId id="293" r:id="rId33"/>
     <p:sldId id="294" r:id="rId34"/>
     <p:sldId id="276" r:id="rId35"/>
+    <p:sldId id="295" r:id="rId36"/>
+    <p:sldId id="296" r:id="rId37"/>
   </p:sldIdLst>
   <p:sldSz cx="12192000" cy="6858000"/>
   <p:notesSz cx="6858000" cy="9144000"/>
@@ -644,7 +646,7 @@
           <a:p>
             <a:fld id="{5FC1DAE4-642B-4BE8-8CEA-1456295B9D97}" type="datetimeFigureOut">
               <a:rPr lang="en-US" smtClean="0"/>
-              <a:t>8/31/2020</a:t>
+              <a:t>9/4/2020</a:t>
             </a:fld>
             <a:endParaRPr lang="en-US"/>
           </a:p>
@@ -842,7 +844,7 @@
           <a:p>
             <a:fld id="{5FC1DAE4-642B-4BE8-8CEA-1456295B9D97}" type="datetimeFigureOut">
               <a:rPr lang="en-US" smtClean="0"/>
-              <a:t>8/31/2020</a:t>
+              <a:t>9/4/2020</a:t>
             </a:fld>
             <a:endParaRPr lang="en-US"/>
           </a:p>
@@ -1050,7 +1052,7 @@
           <a:p>
             <a:fld id="{5FC1DAE4-642B-4BE8-8CEA-1456295B9D97}" type="datetimeFigureOut">
               <a:rPr lang="en-US" smtClean="0"/>
-              <a:t>8/31/2020</a:t>
+              <a:t>9/4/2020</a:t>
             </a:fld>
             <a:endParaRPr lang="en-US"/>
           </a:p>
@@ -1248,7 +1250,7 @@
           <a:p>
             <a:fld id="{5FC1DAE4-642B-4BE8-8CEA-1456295B9D97}" type="datetimeFigureOut">
               <a:rPr lang="en-US" smtClean="0"/>
-              <a:t>8/31/2020</a:t>
+              <a:t>9/4/2020</a:t>
             </a:fld>
             <a:endParaRPr lang="en-US"/>
           </a:p>
@@ -1523,7 +1525,7 @@
           <a:p>
             <a:fld id="{5FC1DAE4-642B-4BE8-8CEA-1456295B9D97}" type="datetimeFigureOut">
               <a:rPr lang="en-US" smtClean="0"/>
-              <a:t>8/31/2020</a:t>
+              <a:t>9/4/2020</a:t>
             </a:fld>
             <a:endParaRPr lang="en-US"/>
           </a:p>
@@ -1788,7 +1790,7 @@
           <a:p>
             <a:fld id="{5FC1DAE4-642B-4BE8-8CEA-1456295B9D97}" type="datetimeFigureOut">
               <a:rPr lang="en-US" smtClean="0"/>
-              <a:t>8/31/2020</a:t>
+              <a:t>9/4/2020</a:t>
             </a:fld>
             <a:endParaRPr lang="en-US"/>
           </a:p>
@@ -2200,7 +2202,7 @@
           <a:p>
             <a:fld id="{5FC1DAE4-642B-4BE8-8CEA-1456295B9D97}" type="datetimeFigureOut">
               <a:rPr lang="en-US" smtClean="0"/>
-              <a:t>8/31/2020</a:t>
+              <a:t>9/4/2020</a:t>
             </a:fld>
             <a:endParaRPr lang="en-US"/>
           </a:p>
@@ -2341,7 +2343,7 @@
           <a:p>
             <a:fld id="{5FC1DAE4-642B-4BE8-8CEA-1456295B9D97}" type="datetimeFigureOut">
               <a:rPr lang="en-US" smtClean="0"/>
-              <a:t>8/31/2020</a:t>
+              <a:t>9/4/2020</a:t>
             </a:fld>
             <a:endParaRPr lang="en-US"/>
           </a:p>
@@ -2454,7 +2456,7 @@
           <a:p>
             <a:fld id="{5FC1DAE4-642B-4BE8-8CEA-1456295B9D97}" type="datetimeFigureOut">
               <a:rPr lang="en-US" smtClean="0"/>
-              <a:t>8/31/2020</a:t>
+              <a:t>9/4/2020</a:t>
             </a:fld>
             <a:endParaRPr lang="en-US"/>
           </a:p>
@@ -2765,7 +2767,7 @@
           <a:p>
             <a:fld id="{5FC1DAE4-642B-4BE8-8CEA-1456295B9D97}" type="datetimeFigureOut">
               <a:rPr lang="en-US" smtClean="0"/>
-              <a:t>8/31/2020</a:t>
+              <a:t>9/4/2020</a:t>
             </a:fld>
             <a:endParaRPr lang="en-US"/>
           </a:p>
@@ -3053,7 +3055,7 @@
           <a:p>
             <a:fld id="{5FC1DAE4-642B-4BE8-8CEA-1456295B9D97}" type="datetimeFigureOut">
               <a:rPr lang="en-US" smtClean="0"/>
-              <a:t>8/31/2020</a:t>
+              <a:t>9/4/2020</a:t>
             </a:fld>
             <a:endParaRPr lang="en-US"/>
           </a:p>
@@ -3294,7 +3296,7 @@
           <a:p>
             <a:fld id="{5FC1DAE4-642B-4BE8-8CEA-1456295B9D97}" type="datetimeFigureOut">
               <a:rPr lang="en-US" smtClean="0"/>
-              <a:t>8/31/2020</a:t>
+              <a:t>9/4/2020</a:t>
             </a:fld>
             <a:endParaRPr lang="en-US"/>
           </a:p>
@@ -13265,8 +13267,8 @@
           </a:p>
         </p:txBody>
       </p:sp>
-      <mc:AlternateContent xmlns:mc="http://schemas.openxmlformats.org/markup-compatibility/2006">
-        <mc:Choice xmlns:a14="http://schemas.microsoft.com/office/drawing/2010/main" Requires="a14">
+      <mc:AlternateContent xmlns:mc="http://schemas.openxmlformats.org/markup-compatibility/2006" xmlns:a14="http://schemas.microsoft.com/office/drawing/2010/main">
+        <mc:Choice Requires="a14">
           <p:sp>
             <p:nvSpPr>
               <p:cNvPr id="5" name="TextBox 4">
@@ -13422,7 +13424,7 @@
             </p:txBody>
           </p:sp>
         </mc:Choice>
-        <mc:Fallback>
+        <mc:Fallback xmlns="">
           <p:sp>
             <p:nvSpPr>
               <p:cNvPr id="5" name="TextBox 4">
@@ -13870,7 +13872,7 @@
       </p:par>
     </p:tnLst>
     <p:bldLst>
-      <p:bldP spid="4" grpId="0"/>
+      <p:bldP spid="4" grpId="0" animBg="1"/>
     </p:bldLst>
   </p:timing>
 </p:sld>
@@ -20429,8 +20431,8 @@
           </a:p>
         </p:txBody>
       </p:sp>
-      <mc:AlternateContent xmlns:mc="http://schemas.openxmlformats.org/markup-compatibility/2006">
-        <mc:Choice xmlns:a14="http://schemas.microsoft.com/office/drawing/2010/main" Requires="a14">
+      <mc:AlternateContent xmlns:mc="http://schemas.openxmlformats.org/markup-compatibility/2006" xmlns:a14="http://schemas.microsoft.com/office/drawing/2010/main">
+        <mc:Choice Requires="a14">
           <p:sp>
             <p:nvSpPr>
               <p:cNvPr id="3" name="TextBox 2">
@@ -20608,7 +20610,7 @@
             </p:txBody>
           </p:sp>
         </mc:Choice>
-        <mc:Fallback>
+        <mc:Fallback xmlns="">
           <p:sp>
             <p:nvSpPr>
               <p:cNvPr id="3" name="TextBox 2">
@@ -20653,8 +20655,8 @@
           </p:sp>
         </mc:Fallback>
       </mc:AlternateContent>
-      <mc:AlternateContent xmlns:mc="http://schemas.openxmlformats.org/markup-compatibility/2006">
-        <mc:Choice xmlns:a14="http://schemas.microsoft.com/office/drawing/2010/main" Requires="a14">
+      <mc:AlternateContent xmlns:mc="http://schemas.openxmlformats.org/markup-compatibility/2006" xmlns:a14="http://schemas.microsoft.com/office/drawing/2010/main">
+        <mc:Choice Requires="a14">
           <p:sp>
             <p:nvSpPr>
               <p:cNvPr id="4" name="TextBox 3">
@@ -20823,7 +20825,7 @@
             </p:txBody>
           </p:sp>
         </mc:Choice>
-        <mc:Fallback>
+        <mc:Fallback xmlns="">
           <p:sp>
             <p:nvSpPr>
               <p:cNvPr id="4" name="TextBox 3">
@@ -26635,8 +26637,8 @@
           </a:p>
         </p:txBody>
       </p:sp>
-      <mc:AlternateContent xmlns:mc="http://schemas.openxmlformats.org/markup-compatibility/2006">
-        <mc:Choice xmlns:a14="http://schemas.microsoft.com/office/drawing/2010/main" Requires="a14">
+      <mc:AlternateContent xmlns:mc="http://schemas.openxmlformats.org/markup-compatibility/2006" xmlns:a14="http://schemas.microsoft.com/office/drawing/2010/main">
+        <mc:Choice Requires="a14">
           <p:sp>
             <p:nvSpPr>
               <p:cNvPr id="99" name="TextBox 98">
@@ -26805,7 +26807,7 @@
             </p:txBody>
           </p:sp>
         </mc:Choice>
-        <mc:Fallback>
+        <mc:Fallback xmlns="">
           <p:sp>
             <p:nvSpPr>
               <p:cNvPr id="99" name="TextBox 98">
@@ -26850,8 +26852,8 @@
           </p:sp>
         </mc:Fallback>
       </mc:AlternateContent>
-      <mc:AlternateContent xmlns:mc="http://schemas.openxmlformats.org/markup-compatibility/2006">
-        <mc:Choice xmlns:a14="http://schemas.microsoft.com/office/drawing/2010/main" Requires="a14">
+      <mc:AlternateContent xmlns:mc="http://schemas.openxmlformats.org/markup-compatibility/2006" xmlns:a14="http://schemas.microsoft.com/office/drawing/2010/main">
+        <mc:Choice Requires="a14">
           <p:sp>
             <p:nvSpPr>
               <p:cNvPr id="100" name="TextBox 99">
@@ -27020,7 +27022,7 @@
             </p:txBody>
           </p:sp>
         </mc:Choice>
-        <mc:Fallback>
+        <mc:Fallback xmlns="">
           <p:sp>
             <p:nvSpPr>
               <p:cNvPr id="100" name="TextBox 99">
@@ -28683,7 +28685,15 @@
           <a:p>
             <a:r>
               <a:rPr lang="en-US" dirty="0"/>
-              <a:t>2. Random Forest	</a:t>
+              <a:t>2. Random Forest: </a:t>
+            </a:r>
+            <a:r>
+              <a:rPr lang="en-US" sz="4400" dirty="0"/>
+              <a:t>Ensemble learning </a:t>
+            </a:r>
+            <a:r>
+              <a:rPr lang="en-US" dirty="0"/>
+              <a:t>	</a:t>
             </a:r>
           </a:p>
         </p:txBody>
@@ -29055,6 +29065,111 @@
   <p:clrMapOvr>
     <a:masterClrMapping/>
   </p:clrMapOvr>
+  <p:timing>
+    <p:tnLst>
+      <p:par>
+        <p:cTn id="1" dur="indefinite" restart="never" nodeType="tmRoot">
+          <p:childTnLst>
+            <p:seq concurrent="1" nextAc="seek">
+              <p:cTn id="2" dur="indefinite" nodeType="mainSeq">
+                <p:childTnLst>
+                  <p:par>
+                    <p:cTn id="3" fill="hold">
+                      <p:stCondLst>
+                        <p:cond delay="indefinite"/>
+                      </p:stCondLst>
+                      <p:childTnLst>
+                        <p:par>
+                          <p:cTn id="4" fill="hold">
+                            <p:stCondLst>
+                              <p:cond delay="0"/>
+                            </p:stCondLst>
+                            <p:childTnLst>
+                              <p:par>
+                                <p:cTn id="5" presetID="1" presetClass="entr" presetSubtype="0" fill="hold" nodeType="clickEffect">
+                                  <p:stCondLst>
+                                    <p:cond delay="0"/>
+                                  </p:stCondLst>
+                                  <p:childTnLst>
+                                    <p:set>
+                                      <p:cBhvr>
+                                        <p:cTn id="6" dur="1" fill="hold">
+                                          <p:stCondLst>
+                                            <p:cond delay="0"/>
+                                          </p:stCondLst>
+                                        </p:cTn>
+                                        <p:tgtEl>
+                                          <p:spTgt spid="1030"/>
+                                        </p:tgtEl>
+                                        <p:attrNameLst>
+                                          <p:attrName>style.visibility</p:attrName>
+                                        </p:attrNameLst>
+                                      </p:cBhvr>
+                                      <p:to>
+                                        <p:strVal val="visible"/>
+                                      </p:to>
+                                    </p:set>
+                                  </p:childTnLst>
+                                </p:cTn>
+                              </p:par>
+                              <p:par>
+                                <p:cTn id="7" presetID="1" presetClass="entr" presetSubtype="0" fill="hold" grpId="0" nodeType="withEffect">
+                                  <p:stCondLst>
+                                    <p:cond delay="0"/>
+                                  </p:stCondLst>
+                                  <p:childTnLst>
+                                    <p:set>
+                                      <p:cBhvr>
+                                        <p:cTn id="8" dur="1" fill="hold">
+                                          <p:stCondLst>
+                                            <p:cond delay="0"/>
+                                          </p:stCondLst>
+                                        </p:cTn>
+                                        <p:tgtEl>
+                                          <p:spTgt spid="8"/>
+                                        </p:tgtEl>
+                                        <p:attrNameLst>
+                                          <p:attrName>style.visibility</p:attrName>
+                                        </p:attrNameLst>
+                                      </p:cBhvr>
+                                      <p:to>
+                                        <p:strVal val="visible"/>
+                                      </p:to>
+                                    </p:set>
+                                  </p:childTnLst>
+                                </p:cTn>
+                              </p:par>
+                            </p:childTnLst>
+                          </p:cTn>
+                        </p:par>
+                      </p:childTnLst>
+                    </p:cTn>
+                  </p:par>
+                </p:childTnLst>
+              </p:cTn>
+              <p:prevCondLst>
+                <p:cond evt="onPrev" delay="0">
+                  <p:tgtEl>
+                    <p:sldTgt/>
+                  </p:tgtEl>
+                </p:cond>
+              </p:prevCondLst>
+              <p:nextCondLst>
+                <p:cond evt="onNext" delay="0">
+                  <p:tgtEl>
+                    <p:sldTgt/>
+                  </p:tgtEl>
+                </p:cond>
+              </p:nextCondLst>
+            </p:seq>
+          </p:childTnLst>
+        </p:cTn>
+      </p:par>
+    </p:tnLst>
+    <p:bldLst>
+      <p:bldP spid="8" grpId="0"/>
+    </p:bldLst>
+  </p:timing>
 </p:sld>
 </file>
 
@@ -38622,6 +38737,246 @@
     <p:extLst>
       <p:ext uri="{BB962C8B-B14F-4D97-AF65-F5344CB8AC3E}">
         <p14:creationId xmlns:p14="http://schemas.microsoft.com/office/powerpoint/2010/main" val="371966006"/>
+      </p:ext>
+    </p:extLst>
+  </p:cSld>
+  <p:clrMapOvr>
+    <a:masterClrMapping/>
+  </p:clrMapOvr>
+</p:sld>
+</file>
+
+<file path=ppt/slides/slide35.xml><?xml version="1.0" encoding="utf-8"?>
+<p:sld xmlns:a="http://schemas.openxmlformats.org/drawingml/2006/main" xmlns:r="http://schemas.openxmlformats.org/officeDocument/2006/relationships" xmlns:p="http://schemas.openxmlformats.org/presentationml/2006/main">
+  <p:cSld>
+    <p:spTree>
+      <p:nvGrpSpPr>
+        <p:cNvPr id="1" name=""/>
+        <p:cNvGrpSpPr/>
+        <p:nvPr/>
+      </p:nvGrpSpPr>
+      <p:grpSpPr>
+        <a:xfrm>
+          <a:off x="0" y="0"/>
+          <a:ext cx="0" cy="0"/>
+          <a:chOff x="0" y="0"/>
+          <a:chExt cx="0" cy="0"/>
+        </a:xfrm>
+      </p:grpSpPr>
+      <p:sp>
+        <p:nvSpPr>
+          <p:cNvPr id="2" name="Title 1">
+            <a:extLst>
+              <a:ext uri="{FF2B5EF4-FFF2-40B4-BE49-F238E27FC236}">
+                <a16:creationId xmlns:a16="http://schemas.microsoft.com/office/drawing/2014/main" id="{30B6ACA2-3B90-4553-849D-B2E41E1155A3}"/>
+              </a:ext>
+            </a:extLst>
+          </p:cNvPr>
+          <p:cNvSpPr>
+            <a:spLocks noGrp="1"/>
+          </p:cNvSpPr>
+          <p:nvPr>
+            <p:ph type="title"/>
+          </p:nvPr>
+        </p:nvSpPr>
+        <p:spPr/>
+        <p:txBody>
+          <a:bodyPr/>
+          <a:lstStyle/>
+          <a:p>
+            <a:r>
+              <a:rPr lang="en-US" dirty="0"/>
+              <a:t>Random Forest: Pseudocode for training  </a:t>
+            </a:r>
+          </a:p>
+        </p:txBody>
+      </p:sp>
+      <p:sp>
+        <p:nvSpPr>
+          <p:cNvPr id="3" name="Content Placeholder 2">
+            <a:extLst>
+              <a:ext uri="{FF2B5EF4-FFF2-40B4-BE49-F238E27FC236}">
+                <a16:creationId xmlns:a16="http://schemas.microsoft.com/office/drawing/2014/main" id="{D2DF916F-BEF6-4F0C-ADEF-7BEEF3A81EDF}"/>
+              </a:ext>
+            </a:extLst>
+          </p:cNvPr>
+          <p:cNvSpPr>
+            <a:spLocks noGrp="1"/>
+          </p:cNvSpPr>
+          <p:nvPr>
+            <p:ph idx="1"/>
+          </p:nvPr>
+        </p:nvSpPr>
+        <p:spPr/>
+        <p:txBody>
+          <a:bodyPr/>
+          <a:lstStyle/>
+          <a:p>
+            <a:r>
+              <a:rPr lang="en-US" dirty="0"/>
+              <a:t>Select number of tree in the forest</a:t>
+            </a:r>
+          </a:p>
+          <a:p>
+            <a:r>
+              <a:rPr lang="en-US" dirty="0"/>
+              <a:t>For each tree in the forest:</a:t>
+            </a:r>
+          </a:p>
+          <a:p>
+            <a:pPr lvl="1"/>
+            <a:r>
+              <a:rPr lang="en-US" dirty="0"/>
+              <a:t>Do Decision Tree</a:t>
+            </a:r>
+          </a:p>
+          <a:p>
+            <a:pPr marL="457200" lvl="1" indent="0">
+              <a:buNone/>
+            </a:pPr>
+            <a:endParaRPr lang="en-US" dirty="0"/>
+          </a:p>
+          <a:p>
+            <a:endParaRPr lang="en-US" dirty="0"/>
+          </a:p>
+        </p:txBody>
+      </p:sp>
+    </p:spTree>
+    <p:extLst>
+      <p:ext uri="{BB962C8B-B14F-4D97-AF65-F5344CB8AC3E}">
+        <p14:creationId xmlns:p14="http://schemas.microsoft.com/office/powerpoint/2010/main" val="1618360274"/>
+      </p:ext>
+    </p:extLst>
+  </p:cSld>
+  <p:clrMapOvr>
+    <a:masterClrMapping/>
+  </p:clrMapOvr>
+</p:sld>
+</file>
+
+<file path=ppt/slides/slide36.xml><?xml version="1.0" encoding="utf-8"?>
+<p:sld xmlns:a="http://schemas.openxmlformats.org/drawingml/2006/main" xmlns:r="http://schemas.openxmlformats.org/officeDocument/2006/relationships" xmlns:p="http://schemas.openxmlformats.org/presentationml/2006/main">
+  <p:cSld>
+    <p:spTree>
+      <p:nvGrpSpPr>
+        <p:cNvPr id="1" name=""/>
+        <p:cNvGrpSpPr/>
+        <p:nvPr/>
+      </p:nvGrpSpPr>
+      <p:grpSpPr>
+        <a:xfrm>
+          <a:off x="0" y="0"/>
+          <a:ext cx="0" cy="0"/>
+          <a:chOff x="0" y="0"/>
+          <a:chExt cx="0" cy="0"/>
+        </a:xfrm>
+      </p:grpSpPr>
+      <p:sp>
+        <p:nvSpPr>
+          <p:cNvPr id="2" name="Title 1">
+            <a:extLst>
+              <a:ext uri="{FF2B5EF4-FFF2-40B4-BE49-F238E27FC236}">
+                <a16:creationId xmlns:a16="http://schemas.microsoft.com/office/drawing/2014/main" id="{30B6ACA2-3B90-4553-849D-B2E41E1155A3}"/>
+              </a:ext>
+            </a:extLst>
+          </p:cNvPr>
+          <p:cNvSpPr>
+            <a:spLocks noGrp="1"/>
+          </p:cNvSpPr>
+          <p:nvPr>
+            <p:ph type="title"/>
+          </p:nvPr>
+        </p:nvSpPr>
+        <p:spPr/>
+        <p:txBody>
+          <a:bodyPr/>
+          <a:lstStyle/>
+          <a:p>
+            <a:r>
+              <a:rPr lang="en-US" dirty="0"/>
+              <a:t>Random Forest: Pseudocode for prediction  </a:t>
+            </a:r>
+          </a:p>
+        </p:txBody>
+      </p:sp>
+      <p:sp>
+        <p:nvSpPr>
+          <p:cNvPr id="3" name="Content Placeholder 2">
+            <a:extLst>
+              <a:ext uri="{FF2B5EF4-FFF2-40B4-BE49-F238E27FC236}">
+                <a16:creationId xmlns:a16="http://schemas.microsoft.com/office/drawing/2014/main" id="{D2DF916F-BEF6-4F0C-ADEF-7BEEF3A81EDF}"/>
+              </a:ext>
+            </a:extLst>
+          </p:cNvPr>
+          <p:cNvSpPr>
+            <a:spLocks noGrp="1"/>
+          </p:cNvSpPr>
+          <p:nvPr>
+            <p:ph idx="1"/>
+          </p:nvPr>
+        </p:nvSpPr>
+        <p:spPr/>
+        <p:txBody>
+          <a:bodyPr/>
+          <a:lstStyle/>
+          <a:p>
+            <a:r>
+              <a:rPr lang="en-US" dirty="0"/>
+              <a:t>For each tree:</a:t>
+            </a:r>
+          </a:p>
+          <a:p>
+            <a:pPr lvl="1"/>
+            <a:r>
+              <a:rPr lang="en-US" dirty="0"/>
+              <a:t>Make prediction base on each tree</a:t>
+            </a:r>
+          </a:p>
+          <a:p>
+            <a:r>
+              <a:rPr lang="en-US" dirty="0"/>
+              <a:t>For continuous output (regression problem):</a:t>
+            </a:r>
+          </a:p>
+          <a:p>
+            <a:pPr lvl="1"/>
+            <a:r>
+              <a:rPr lang="en-US" dirty="0"/>
+              <a:t>Average, Median, or mode</a:t>
+            </a:r>
+          </a:p>
+          <a:p>
+            <a:r>
+              <a:rPr lang="en-US" dirty="0"/>
+              <a:t>For categorical output (classification problem):</a:t>
+            </a:r>
+          </a:p>
+          <a:p>
+            <a:pPr lvl="1"/>
+            <a:r>
+              <a:rPr lang="en-US" dirty="0"/>
+              <a:t>Voting</a:t>
+            </a:r>
+          </a:p>
+          <a:p>
+            <a:pPr lvl="1"/>
+            <a:endParaRPr lang="en-US" dirty="0"/>
+          </a:p>
+          <a:p>
+            <a:pPr marL="457200" lvl="1" indent="0">
+              <a:buNone/>
+            </a:pPr>
+            <a:endParaRPr lang="en-US" dirty="0"/>
+          </a:p>
+          <a:p>
+            <a:endParaRPr lang="en-US" dirty="0"/>
+          </a:p>
+        </p:txBody>
+      </p:sp>
+    </p:spTree>
+    <p:extLst>
+      <p:ext uri="{BB962C8B-B14F-4D97-AF65-F5344CB8AC3E}">
+        <p14:creationId xmlns:p14="http://schemas.microsoft.com/office/powerpoint/2010/main" val="1292475967"/>
       </p:ext>
     </p:extLst>
   </p:cSld>
